--- a/07-ml/07-1-mlintro.pptx
+++ b/07-ml/07-1-mlintro.pptx
@@ -18,6 +18,7 @@
     <p:sldId id="262" r:id="rId11"/>
     <p:sldId id="263" r:id="rId12"/>
     <p:sldId id="264" r:id="rId13"/>
+    <p:sldId id="265" r:id="rId14"/>
   </p:sldIdLst>
   <p:sldSz cx="12192000" cy="6858000"/>
   <p:notesSz cx="6858000" cy="9144000"/>
@@ -69,20 +70,21 @@
             <a:noAutofit/>
           </a:bodyPr>
           <a:p>
-            <a:r>
-              <a:rPr b="0" lang="en-US" sz="1800" spc="-1" strike="noStrike">
+            <a:pPr algn="ctr"/>
+            <a:r>
+              <a:rPr b="0" lang="en-US" sz="4400" spc="-1" strike="noStrike">
                 <a:solidFill>
                   <a:srgbClr val="000000"/>
                 </a:solidFill>
-                <a:latin typeface="Calibri"/>
+                <a:latin typeface="Arial"/>
               </a:rPr>
               <a:t>Click to move the slide</a:t>
             </a:r>
-            <a:endParaRPr b="0" lang="en-US" sz="1800" spc="-1" strike="noStrike">
-              <a:solidFill>
-                <a:srgbClr val="000000"/>
-              </a:solidFill>
-              <a:latin typeface="Calibri"/>
+            <a:endParaRPr b="0" lang="en-US" sz="4400" spc="-1" strike="noStrike">
+              <a:solidFill>
+                <a:srgbClr val="000000"/>
+              </a:solidFill>
+              <a:latin typeface="Arial"/>
             </a:endParaRPr>
           </a:p>
         </p:txBody>
@@ -347,7 +349,7 @@
             <a:pPr indent="0" algn="r">
               <a:buNone/>
             </a:pPr>
-            <a:fld id="{DC061A3C-4747-44FB-986E-71039770A70E}" type="slidenum">
+            <a:fld id="{27AF1065-8D43-4318-8583-BCACFBADD071}" type="slidenum">
               <a:rPr b="0" lang="en-US" sz="1400" spc="-1" strike="noStrike">
                 <a:solidFill>
                   <a:srgbClr val="000000"/>
@@ -390,7 +392,7 @@
       </p:grpSpPr>
       <p:sp>
         <p:nvSpPr>
-          <p:cNvPr id="111" name="PlaceHolder 1"/>
+          <p:cNvPr id="118" name="PlaceHolder 1"/>
           <p:cNvSpPr>
             <a:spLocks noGrp="1"/>
           </p:cNvSpPr>
@@ -401,19 +403,19 @@
         <p:spPr>
           <a:xfrm>
             <a:off x="685800" y="1143000"/>
-            <a:ext cx="5486040" cy="3085920"/>
-          </a:xfrm>
-          <a:prstGeom prst="rect">
-            <a:avLst/>
-          </a:prstGeom>
-          <a:ln w="0">
-            <a:noFill/>
-          </a:ln>
-        </p:spPr>
-      </p:sp>
-      <p:sp>
-        <p:nvSpPr>
-          <p:cNvPr id="112" name="PlaceHolder 2"/>
+            <a:ext cx="5485680" cy="3085560"/>
+          </a:xfrm>
+          <a:prstGeom prst="rect">
+            <a:avLst/>
+          </a:prstGeom>
+          <a:ln w="0">
+            <a:noFill/>
+          </a:ln>
+        </p:spPr>
+      </p:sp>
+      <p:sp>
+        <p:nvSpPr>
+          <p:cNvPr id="119" name="PlaceHolder 2"/>
           <p:cNvSpPr>
             <a:spLocks noGrp="1"/>
           </p:cNvSpPr>
@@ -424,18 +426,18 @@
         <p:spPr>
           <a:xfrm>
             <a:off x="685800" y="4400640"/>
-            <a:ext cx="5486040" cy="3600000"/>
-          </a:xfrm>
-          <a:prstGeom prst="rect">
-            <a:avLst/>
-          </a:prstGeom>
-          <a:noFill/>
-          <a:ln w="0">
-            <a:noFill/>
-          </a:ln>
-        </p:spPr>
-        <p:txBody>
-          <a:bodyPr anchor="t">
+            <a:ext cx="5485680" cy="3599640"/>
+          </a:xfrm>
+          <a:prstGeom prst="rect">
+            <a:avLst/>
+          </a:prstGeom>
+          <a:noFill/>
+          <a:ln w="0">
+            <a:noFill/>
+          </a:ln>
+        </p:spPr>
+        <p:txBody>
+          <a:bodyPr lIns="0" rIns="0" tIns="0" bIns="0" anchor="t">
             <a:noAutofit/>
           </a:bodyPr>
           <a:p>
@@ -453,7 +455,7 @@
       </p:sp>
       <p:sp>
         <p:nvSpPr>
-          <p:cNvPr id="113" name="PlaceHolder 3"/>
+          <p:cNvPr id="120" name="PlaceHolder 3"/>
           <p:cNvSpPr>
             <a:spLocks noGrp="1"/>
           </p:cNvSpPr>
@@ -464,18 +466,18 @@
         <p:spPr>
           <a:xfrm>
             <a:off x="3884760" y="8685360"/>
-            <a:ext cx="2971440" cy="458280"/>
-          </a:xfrm>
-          <a:prstGeom prst="rect">
-            <a:avLst/>
-          </a:prstGeom>
-          <a:noFill/>
-          <a:ln w="0">
-            <a:noFill/>
-          </a:ln>
-        </p:spPr>
-        <p:txBody>
-          <a:bodyPr anchor="b">
+            <a:ext cx="2971080" cy="457920"/>
+          </a:xfrm>
+          <a:prstGeom prst="rect">
+            <a:avLst/>
+          </a:prstGeom>
+          <a:noFill/>
+          <a:ln w="0">
+            <a:noFill/>
+          </a:ln>
+        </p:spPr>
+        <p:txBody>
+          <a:bodyPr lIns="0" rIns="0" tIns="0" bIns="0" anchor="b">
             <a:noAutofit/>
           </a:bodyPr>
           <a:lstStyle>
@@ -484,6 +486,9 @@
                 <a:spcPct val="100000"/>
               </a:lnSpc>
               <a:buNone/>
+              <a:tabLst>
+                <a:tab algn="l" pos="0"/>
+              </a:tabLst>
               <a:defRPr b="0" lang="en-US" sz="1200" spc="-1" strike="noStrike">
                 <a:solidFill>
                   <a:srgbClr val="000000"/>
@@ -498,15 +503,18 @@
                 <a:spcPct val="100000"/>
               </a:lnSpc>
               <a:buNone/>
-            </a:pPr>
-            <a:fld id="{52CB7784-50FD-43E9-BD38-8CD8103C9D06}" type="slidenum">
+              <a:tabLst>
+                <a:tab algn="l" pos="0"/>
+              </a:tabLst>
+            </a:pPr>
+            <a:fld id="{B7636720-85A4-4B4D-9274-B06F9DE07867}" type="slidenum">
               <a:rPr b="0" lang="en-US" sz="1200" spc="-1" strike="noStrike">
                 <a:solidFill>
                   <a:srgbClr val="000000"/>
                 </a:solidFill>
                 <a:latin typeface="Times New Roman"/>
               </a:rPr>
-              <a:t>&lt;number&gt;</a:t>
+              <a:t>10</a:t>
             </a:fld>
             <a:endParaRPr b="0" lang="en-US" sz="1200" spc="-1" strike="noStrike">
               <a:solidFill>
@@ -541,7 +549,7 @@
       </p:grpSpPr>
       <p:sp>
         <p:nvSpPr>
-          <p:cNvPr id="114" name="PlaceHolder 1"/>
+          <p:cNvPr id="121" name="PlaceHolder 1"/>
           <p:cNvSpPr>
             <a:spLocks noGrp="1"/>
           </p:cNvSpPr>
@@ -552,19 +560,19 @@
         <p:spPr>
           <a:xfrm>
             <a:off x="685800" y="1143000"/>
-            <a:ext cx="5486040" cy="3085920"/>
-          </a:xfrm>
-          <a:prstGeom prst="rect">
-            <a:avLst/>
-          </a:prstGeom>
-          <a:ln w="0">
-            <a:noFill/>
-          </a:ln>
-        </p:spPr>
-      </p:sp>
-      <p:sp>
-        <p:nvSpPr>
-          <p:cNvPr id="115" name="PlaceHolder 2"/>
+            <a:ext cx="5485680" cy="3085560"/>
+          </a:xfrm>
+          <a:prstGeom prst="rect">
+            <a:avLst/>
+          </a:prstGeom>
+          <a:ln w="0">
+            <a:noFill/>
+          </a:ln>
+        </p:spPr>
+      </p:sp>
+      <p:sp>
+        <p:nvSpPr>
+          <p:cNvPr id="122" name="PlaceHolder 2"/>
           <p:cNvSpPr>
             <a:spLocks noGrp="1"/>
           </p:cNvSpPr>
@@ -575,18 +583,18 @@
         <p:spPr>
           <a:xfrm>
             <a:off x="685800" y="4400640"/>
-            <a:ext cx="5486040" cy="3600000"/>
-          </a:xfrm>
-          <a:prstGeom prst="rect">
-            <a:avLst/>
-          </a:prstGeom>
-          <a:noFill/>
-          <a:ln w="0">
-            <a:noFill/>
-          </a:ln>
-        </p:spPr>
-        <p:txBody>
-          <a:bodyPr anchor="t">
+            <a:ext cx="5485680" cy="3599640"/>
+          </a:xfrm>
+          <a:prstGeom prst="rect">
+            <a:avLst/>
+          </a:prstGeom>
+          <a:noFill/>
+          <a:ln w="0">
+            <a:noFill/>
+          </a:ln>
+        </p:spPr>
+        <p:txBody>
+          <a:bodyPr lIns="0" rIns="0" tIns="0" bIns="0" anchor="t">
             <a:noAutofit/>
           </a:bodyPr>
           <a:p>
@@ -604,7 +612,7 @@
       </p:sp>
       <p:sp>
         <p:nvSpPr>
-          <p:cNvPr id="116" name="PlaceHolder 3"/>
+          <p:cNvPr id="123" name="PlaceHolder 3"/>
           <p:cNvSpPr>
             <a:spLocks noGrp="1"/>
           </p:cNvSpPr>
@@ -615,18 +623,18 @@
         <p:spPr>
           <a:xfrm>
             <a:off x="3884760" y="8685360"/>
-            <a:ext cx="2971440" cy="458280"/>
-          </a:xfrm>
-          <a:prstGeom prst="rect">
-            <a:avLst/>
-          </a:prstGeom>
-          <a:noFill/>
-          <a:ln w="0">
-            <a:noFill/>
-          </a:ln>
-        </p:spPr>
-        <p:txBody>
-          <a:bodyPr anchor="b">
+            <a:ext cx="2971080" cy="457920"/>
+          </a:xfrm>
+          <a:prstGeom prst="rect">
+            <a:avLst/>
+          </a:prstGeom>
+          <a:noFill/>
+          <a:ln w="0">
+            <a:noFill/>
+          </a:ln>
+        </p:spPr>
+        <p:txBody>
+          <a:bodyPr lIns="0" rIns="0" tIns="0" bIns="0" anchor="b">
             <a:noAutofit/>
           </a:bodyPr>
           <a:lstStyle>
@@ -635,6 +643,9 @@
                 <a:spcPct val="100000"/>
               </a:lnSpc>
               <a:buNone/>
+              <a:tabLst>
+                <a:tab algn="l" pos="0"/>
+              </a:tabLst>
               <a:defRPr b="0" lang="en-US" sz="1200" spc="-1" strike="noStrike">
                 <a:solidFill>
                   <a:srgbClr val="000000"/>
@@ -649,15 +660,18 @@
                 <a:spcPct val="100000"/>
               </a:lnSpc>
               <a:buNone/>
-            </a:pPr>
-            <a:fld id="{EF147D1C-8A32-43BB-84B8-90A12652024B}" type="slidenum">
+              <a:tabLst>
+                <a:tab algn="l" pos="0"/>
+              </a:tabLst>
+            </a:pPr>
+            <a:fld id="{7BDA82E5-55E3-4AFC-9AB4-6734AEC87047}" type="slidenum">
               <a:rPr b="0" lang="en-US" sz="1200" spc="-1" strike="noStrike">
                 <a:solidFill>
                   <a:srgbClr val="000000"/>
                 </a:solidFill>
                 <a:latin typeface="Times New Roman"/>
               </a:rPr>
-              <a:t>&lt;number&gt;</a:t>
+              <a:t>10</a:t>
             </a:fld>
             <a:endParaRPr b="0" lang="en-US" sz="1200" spc="-1" strike="noStrike">
               <a:solidFill>
@@ -692,7 +706,7 @@
       </p:grpSpPr>
       <p:sp>
         <p:nvSpPr>
-          <p:cNvPr id="117" name="PlaceHolder 1"/>
+          <p:cNvPr id="124" name="PlaceHolder 1"/>
           <p:cNvSpPr>
             <a:spLocks noGrp="1"/>
           </p:cNvSpPr>
@@ -703,19 +717,19 @@
         <p:spPr>
           <a:xfrm>
             <a:off x="685800" y="1143000"/>
-            <a:ext cx="5486040" cy="3085920"/>
-          </a:xfrm>
-          <a:prstGeom prst="rect">
-            <a:avLst/>
-          </a:prstGeom>
-          <a:ln w="0">
-            <a:noFill/>
-          </a:ln>
-        </p:spPr>
-      </p:sp>
-      <p:sp>
-        <p:nvSpPr>
-          <p:cNvPr id="118" name="PlaceHolder 2"/>
+            <a:ext cx="5485680" cy="3085560"/>
+          </a:xfrm>
+          <a:prstGeom prst="rect">
+            <a:avLst/>
+          </a:prstGeom>
+          <a:ln w="0">
+            <a:noFill/>
+          </a:ln>
+        </p:spPr>
+      </p:sp>
+      <p:sp>
+        <p:nvSpPr>
+          <p:cNvPr id="125" name="PlaceHolder 2"/>
           <p:cNvSpPr>
             <a:spLocks noGrp="1"/>
           </p:cNvSpPr>
@@ -726,18 +740,18 @@
         <p:spPr>
           <a:xfrm>
             <a:off x="685800" y="4400640"/>
-            <a:ext cx="5486040" cy="3600000"/>
-          </a:xfrm>
-          <a:prstGeom prst="rect">
-            <a:avLst/>
-          </a:prstGeom>
-          <a:noFill/>
-          <a:ln w="0">
-            <a:noFill/>
-          </a:ln>
-        </p:spPr>
-        <p:txBody>
-          <a:bodyPr anchor="t">
+            <a:ext cx="5485680" cy="3599640"/>
+          </a:xfrm>
+          <a:prstGeom prst="rect">
+            <a:avLst/>
+          </a:prstGeom>
+          <a:noFill/>
+          <a:ln w="0">
+            <a:noFill/>
+          </a:ln>
+        </p:spPr>
+        <p:txBody>
+          <a:bodyPr lIns="0" rIns="0" tIns="0" bIns="0" anchor="t">
             <a:noAutofit/>
           </a:bodyPr>
           <a:p>
@@ -755,7 +769,7 @@
       </p:sp>
       <p:sp>
         <p:nvSpPr>
-          <p:cNvPr id="119" name="PlaceHolder 3"/>
+          <p:cNvPr id="126" name="PlaceHolder 3"/>
           <p:cNvSpPr>
             <a:spLocks noGrp="1"/>
           </p:cNvSpPr>
@@ -766,18 +780,18 @@
         <p:spPr>
           <a:xfrm>
             <a:off x="3884760" y="8685360"/>
-            <a:ext cx="2971440" cy="458280"/>
-          </a:xfrm>
-          <a:prstGeom prst="rect">
-            <a:avLst/>
-          </a:prstGeom>
-          <a:noFill/>
-          <a:ln w="0">
-            <a:noFill/>
-          </a:ln>
-        </p:spPr>
-        <p:txBody>
-          <a:bodyPr anchor="b">
+            <a:ext cx="2971080" cy="457920"/>
+          </a:xfrm>
+          <a:prstGeom prst="rect">
+            <a:avLst/>
+          </a:prstGeom>
+          <a:noFill/>
+          <a:ln w="0">
+            <a:noFill/>
+          </a:ln>
+        </p:spPr>
+        <p:txBody>
+          <a:bodyPr lIns="0" rIns="0" tIns="0" bIns="0" anchor="b">
             <a:noAutofit/>
           </a:bodyPr>
           <a:lstStyle>
@@ -786,6 +800,9 @@
                 <a:spcPct val="100000"/>
               </a:lnSpc>
               <a:buNone/>
+              <a:tabLst>
+                <a:tab algn="l" pos="0"/>
+              </a:tabLst>
               <a:defRPr b="0" lang="en-US" sz="1200" spc="-1" strike="noStrike">
                 <a:solidFill>
                   <a:srgbClr val="000000"/>
@@ -800,8 +817,11 @@
                 <a:spcPct val="100000"/>
               </a:lnSpc>
               <a:buNone/>
-            </a:pPr>
-            <a:fld id="{32DB998C-E942-442F-B691-FC3B0921D56C}" type="slidenum">
+              <a:tabLst>
+                <a:tab algn="l" pos="0"/>
+              </a:tabLst>
+            </a:pPr>
+            <a:fld id="{CE22A0E5-F05E-43BF-AC79-D6DBCD416825}" type="slidenum">
               <a:rPr b="0" lang="en-US" sz="1200" spc="-1" strike="noStrike">
                 <a:solidFill>
                   <a:srgbClr val="000000"/>
@@ -843,7 +863,7 @@
       </p:grpSpPr>
       <p:sp>
         <p:nvSpPr>
-          <p:cNvPr id="120" name="PlaceHolder 1"/>
+          <p:cNvPr id="127" name="PlaceHolder 1"/>
           <p:cNvSpPr>
             <a:spLocks noGrp="1"/>
           </p:cNvSpPr>
@@ -854,19 +874,19 @@
         <p:spPr>
           <a:xfrm>
             <a:off x="685800" y="1143000"/>
-            <a:ext cx="5486040" cy="3085920"/>
-          </a:xfrm>
-          <a:prstGeom prst="rect">
-            <a:avLst/>
-          </a:prstGeom>
-          <a:ln w="0">
-            <a:noFill/>
-          </a:ln>
-        </p:spPr>
-      </p:sp>
-      <p:sp>
-        <p:nvSpPr>
-          <p:cNvPr id="121" name="PlaceHolder 2"/>
+            <a:ext cx="5485680" cy="3085560"/>
+          </a:xfrm>
+          <a:prstGeom prst="rect">
+            <a:avLst/>
+          </a:prstGeom>
+          <a:ln w="0">
+            <a:noFill/>
+          </a:ln>
+        </p:spPr>
+      </p:sp>
+      <p:sp>
+        <p:nvSpPr>
+          <p:cNvPr id="128" name="PlaceHolder 2"/>
           <p:cNvSpPr>
             <a:spLocks noGrp="1"/>
           </p:cNvSpPr>
@@ -877,18 +897,18 @@
         <p:spPr>
           <a:xfrm>
             <a:off x="685800" y="4400640"/>
-            <a:ext cx="5486040" cy="3600000"/>
-          </a:xfrm>
-          <a:prstGeom prst="rect">
-            <a:avLst/>
-          </a:prstGeom>
-          <a:noFill/>
-          <a:ln w="0">
-            <a:noFill/>
-          </a:ln>
-        </p:spPr>
-        <p:txBody>
-          <a:bodyPr anchor="t">
+            <a:ext cx="5485680" cy="3599640"/>
+          </a:xfrm>
+          <a:prstGeom prst="rect">
+            <a:avLst/>
+          </a:prstGeom>
+          <a:noFill/>
+          <a:ln w="0">
+            <a:noFill/>
+          </a:ln>
+        </p:spPr>
+        <p:txBody>
+          <a:bodyPr lIns="0" rIns="0" tIns="0" bIns="0" anchor="t">
             <a:noAutofit/>
           </a:bodyPr>
           <a:p>
@@ -906,7 +926,7 @@
       </p:sp>
       <p:sp>
         <p:nvSpPr>
-          <p:cNvPr id="122" name="PlaceHolder 3"/>
+          <p:cNvPr id="129" name="PlaceHolder 3"/>
           <p:cNvSpPr>
             <a:spLocks noGrp="1"/>
           </p:cNvSpPr>
@@ -917,18 +937,18 @@
         <p:spPr>
           <a:xfrm>
             <a:off x="3884760" y="8685360"/>
-            <a:ext cx="2971440" cy="458280"/>
-          </a:xfrm>
-          <a:prstGeom prst="rect">
-            <a:avLst/>
-          </a:prstGeom>
-          <a:noFill/>
-          <a:ln w="0">
-            <a:noFill/>
-          </a:ln>
-        </p:spPr>
-        <p:txBody>
-          <a:bodyPr anchor="b">
+            <a:ext cx="2971080" cy="457920"/>
+          </a:xfrm>
+          <a:prstGeom prst="rect">
+            <a:avLst/>
+          </a:prstGeom>
+          <a:noFill/>
+          <a:ln w="0">
+            <a:noFill/>
+          </a:ln>
+        </p:spPr>
+        <p:txBody>
+          <a:bodyPr lIns="0" rIns="0" tIns="0" bIns="0" anchor="b">
             <a:noAutofit/>
           </a:bodyPr>
           <a:lstStyle>
@@ -937,6 +957,9 @@
                 <a:spcPct val="100000"/>
               </a:lnSpc>
               <a:buNone/>
+              <a:tabLst>
+                <a:tab algn="l" pos="0"/>
+              </a:tabLst>
               <a:defRPr b="0" lang="en-US" sz="1200" spc="-1" strike="noStrike">
                 <a:solidFill>
                   <a:srgbClr val="000000"/>
@@ -951,8 +974,11 @@
                 <a:spcPct val="100000"/>
               </a:lnSpc>
               <a:buNone/>
-            </a:pPr>
-            <a:fld id="{49CCDBA3-E348-4D99-AB02-0AFE8DE1446B}" type="slidenum">
+              <a:tabLst>
+                <a:tab algn="l" pos="0"/>
+              </a:tabLst>
+            </a:pPr>
+            <a:fld id="{7B9ADC58-FED1-4B6E-9385-0C1AFF187BC8}" type="slidenum">
               <a:rPr b="0" lang="en-US" sz="1200" spc="-1" strike="noStrike">
                 <a:solidFill>
                   <a:srgbClr val="000000"/>
@@ -994,7 +1020,7 @@
       </p:grpSpPr>
       <p:sp>
         <p:nvSpPr>
-          <p:cNvPr id="123" name="PlaceHolder 1"/>
+          <p:cNvPr id="130" name="PlaceHolder 1"/>
           <p:cNvSpPr>
             <a:spLocks noGrp="1"/>
           </p:cNvSpPr>
@@ -1005,19 +1031,19 @@
         <p:spPr>
           <a:xfrm>
             <a:off x="685800" y="1143000"/>
-            <a:ext cx="5486040" cy="3085920"/>
-          </a:xfrm>
-          <a:prstGeom prst="rect">
-            <a:avLst/>
-          </a:prstGeom>
-          <a:ln w="0">
-            <a:noFill/>
-          </a:ln>
-        </p:spPr>
-      </p:sp>
-      <p:sp>
-        <p:nvSpPr>
-          <p:cNvPr id="124" name="PlaceHolder 2"/>
+            <a:ext cx="5485680" cy="3085560"/>
+          </a:xfrm>
+          <a:prstGeom prst="rect">
+            <a:avLst/>
+          </a:prstGeom>
+          <a:ln w="0">
+            <a:noFill/>
+          </a:ln>
+        </p:spPr>
+      </p:sp>
+      <p:sp>
+        <p:nvSpPr>
+          <p:cNvPr id="131" name="PlaceHolder 2"/>
           <p:cNvSpPr>
             <a:spLocks noGrp="1"/>
           </p:cNvSpPr>
@@ -1028,18 +1054,18 @@
         <p:spPr>
           <a:xfrm>
             <a:off x="685800" y="4400640"/>
-            <a:ext cx="5486040" cy="3600000"/>
-          </a:xfrm>
-          <a:prstGeom prst="rect">
-            <a:avLst/>
-          </a:prstGeom>
-          <a:noFill/>
-          <a:ln w="0">
-            <a:noFill/>
-          </a:ln>
-        </p:spPr>
-        <p:txBody>
-          <a:bodyPr anchor="t">
+            <a:ext cx="5485680" cy="3599640"/>
+          </a:xfrm>
+          <a:prstGeom prst="rect">
+            <a:avLst/>
+          </a:prstGeom>
+          <a:noFill/>
+          <a:ln w="0">
+            <a:noFill/>
+          </a:ln>
+        </p:spPr>
+        <p:txBody>
+          <a:bodyPr lIns="0" rIns="0" tIns="0" bIns="0" anchor="t">
             <a:noAutofit/>
           </a:bodyPr>
           <a:p>
@@ -1057,7 +1083,7 @@
       </p:sp>
       <p:sp>
         <p:nvSpPr>
-          <p:cNvPr id="125" name="PlaceHolder 3"/>
+          <p:cNvPr id="132" name="PlaceHolder 3"/>
           <p:cNvSpPr>
             <a:spLocks noGrp="1"/>
           </p:cNvSpPr>
@@ -1068,18 +1094,18 @@
         <p:spPr>
           <a:xfrm>
             <a:off x="3884760" y="8685360"/>
-            <a:ext cx="2971440" cy="458280"/>
-          </a:xfrm>
-          <a:prstGeom prst="rect">
-            <a:avLst/>
-          </a:prstGeom>
-          <a:noFill/>
-          <a:ln w="0">
-            <a:noFill/>
-          </a:ln>
-        </p:spPr>
-        <p:txBody>
-          <a:bodyPr anchor="b">
+            <a:ext cx="2971080" cy="457920"/>
+          </a:xfrm>
+          <a:prstGeom prst="rect">
+            <a:avLst/>
+          </a:prstGeom>
+          <a:noFill/>
+          <a:ln w="0">
+            <a:noFill/>
+          </a:ln>
+        </p:spPr>
+        <p:txBody>
+          <a:bodyPr lIns="0" rIns="0" tIns="0" bIns="0" anchor="b">
             <a:noAutofit/>
           </a:bodyPr>
           <a:lstStyle>
@@ -1088,6 +1114,9 @@
                 <a:spcPct val="100000"/>
               </a:lnSpc>
               <a:buNone/>
+              <a:tabLst>
+                <a:tab algn="l" pos="0"/>
+              </a:tabLst>
               <a:defRPr b="0" lang="en-US" sz="1200" spc="-1" strike="noStrike">
                 <a:solidFill>
                   <a:srgbClr val="000000"/>
@@ -1102,8 +1131,11 @@
                 <a:spcPct val="100000"/>
               </a:lnSpc>
               <a:buNone/>
-            </a:pPr>
-            <a:fld id="{AEA624F5-D625-454F-A8CE-B43F17D5406B}" type="slidenum">
+              <a:tabLst>
+                <a:tab algn="l" pos="0"/>
+              </a:tabLst>
+            </a:pPr>
+            <a:fld id="{9CE39124-26C8-44F2-B9F7-C170DFD90D1B}" type="slidenum">
               <a:rPr b="0" lang="en-US" sz="1200" spc="-1" strike="noStrike">
                 <a:solidFill>
                   <a:srgbClr val="000000"/>
@@ -1145,7 +1177,7 @@
       </p:grpSpPr>
       <p:sp>
         <p:nvSpPr>
-          <p:cNvPr id="126" name="PlaceHolder 1"/>
+          <p:cNvPr id="133" name="PlaceHolder 1"/>
           <p:cNvSpPr>
             <a:spLocks noGrp="1"/>
           </p:cNvSpPr>
@@ -1156,19 +1188,19 @@
         <p:spPr>
           <a:xfrm>
             <a:off x="685800" y="1143000"/>
-            <a:ext cx="5486040" cy="3085920"/>
-          </a:xfrm>
-          <a:prstGeom prst="rect">
-            <a:avLst/>
-          </a:prstGeom>
-          <a:ln w="0">
-            <a:noFill/>
-          </a:ln>
-        </p:spPr>
-      </p:sp>
-      <p:sp>
-        <p:nvSpPr>
-          <p:cNvPr id="127" name="PlaceHolder 2"/>
+            <a:ext cx="5485680" cy="3085560"/>
+          </a:xfrm>
+          <a:prstGeom prst="rect">
+            <a:avLst/>
+          </a:prstGeom>
+          <a:ln w="0">
+            <a:noFill/>
+          </a:ln>
+        </p:spPr>
+      </p:sp>
+      <p:sp>
+        <p:nvSpPr>
+          <p:cNvPr id="134" name="PlaceHolder 2"/>
           <p:cNvSpPr>
             <a:spLocks noGrp="1"/>
           </p:cNvSpPr>
@@ -1179,18 +1211,18 @@
         <p:spPr>
           <a:xfrm>
             <a:off x="685800" y="4400640"/>
-            <a:ext cx="5486040" cy="3600000"/>
-          </a:xfrm>
-          <a:prstGeom prst="rect">
-            <a:avLst/>
-          </a:prstGeom>
-          <a:noFill/>
-          <a:ln w="0">
-            <a:noFill/>
-          </a:ln>
-        </p:spPr>
-        <p:txBody>
-          <a:bodyPr anchor="t">
+            <a:ext cx="5485680" cy="3599640"/>
+          </a:xfrm>
+          <a:prstGeom prst="rect">
+            <a:avLst/>
+          </a:prstGeom>
+          <a:noFill/>
+          <a:ln w="0">
+            <a:noFill/>
+          </a:ln>
+        </p:spPr>
+        <p:txBody>
+          <a:bodyPr lIns="0" rIns="0" tIns="0" bIns="0" anchor="t">
             <a:noAutofit/>
           </a:bodyPr>
           <a:p>
@@ -1208,7 +1240,7 @@
       </p:sp>
       <p:sp>
         <p:nvSpPr>
-          <p:cNvPr id="128" name="PlaceHolder 3"/>
+          <p:cNvPr id="135" name="PlaceHolder 3"/>
           <p:cNvSpPr>
             <a:spLocks noGrp="1"/>
           </p:cNvSpPr>
@@ -1219,18 +1251,18 @@
         <p:spPr>
           <a:xfrm>
             <a:off x="3884760" y="8685360"/>
-            <a:ext cx="2971440" cy="458280"/>
-          </a:xfrm>
-          <a:prstGeom prst="rect">
-            <a:avLst/>
-          </a:prstGeom>
-          <a:noFill/>
-          <a:ln w="0">
-            <a:noFill/>
-          </a:ln>
-        </p:spPr>
-        <p:txBody>
-          <a:bodyPr anchor="b">
+            <a:ext cx="2971080" cy="457920"/>
+          </a:xfrm>
+          <a:prstGeom prst="rect">
+            <a:avLst/>
+          </a:prstGeom>
+          <a:noFill/>
+          <a:ln w="0">
+            <a:noFill/>
+          </a:ln>
+        </p:spPr>
+        <p:txBody>
+          <a:bodyPr lIns="0" rIns="0" tIns="0" bIns="0" anchor="b">
             <a:noAutofit/>
           </a:bodyPr>
           <a:lstStyle>
@@ -1239,6 +1271,9 @@
                 <a:spcPct val="100000"/>
               </a:lnSpc>
               <a:buNone/>
+              <a:tabLst>
+                <a:tab algn="l" pos="0"/>
+              </a:tabLst>
               <a:defRPr b="0" lang="en-US" sz="1200" spc="-1" strike="noStrike">
                 <a:solidFill>
                   <a:srgbClr val="000000"/>
@@ -1253,8 +1288,11 @@
                 <a:spcPct val="100000"/>
               </a:lnSpc>
               <a:buNone/>
-            </a:pPr>
-            <a:fld id="{C11AA98E-6D2A-4157-A1E8-1DABB65FDCB1}" type="slidenum">
+              <a:tabLst>
+                <a:tab algn="l" pos="0"/>
+              </a:tabLst>
+            </a:pPr>
+            <a:fld id="{E3573F1F-1F6D-4896-9B20-E54A83167939}" type="slidenum">
               <a:rPr b="0" lang="en-US" sz="1200" spc="-1" strike="noStrike">
                 <a:solidFill>
                   <a:srgbClr val="000000"/>
@@ -1296,7 +1334,7 @@
       </p:grpSpPr>
       <p:sp>
         <p:nvSpPr>
-          <p:cNvPr id="129" name="PlaceHolder 1"/>
+          <p:cNvPr id="136" name="PlaceHolder 1"/>
           <p:cNvSpPr>
             <a:spLocks noGrp="1"/>
           </p:cNvSpPr>
@@ -1307,19 +1345,19 @@
         <p:spPr>
           <a:xfrm>
             <a:off x="685800" y="1143000"/>
-            <a:ext cx="5486040" cy="3085920"/>
-          </a:xfrm>
-          <a:prstGeom prst="rect">
-            <a:avLst/>
-          </a:prstGeom>
-          <a:ln w="0">
-            <a:noFill/>
-          </a:ln>
-        </p:spPr>
-      </p:sp>
-      <p:sp>
-        <p:nvSpPr>
-          <p:cNvPr id="130" name="PlaceHolder 2"/>
+            <a:ext cx="5485680" cy="3085560"/>
+          </a:xfrm>
+          <a:prstGeom prst="rect">
+            <a:avLst/>
+          </a:prstGeom>
+          <a:ln w="0">
+            <a:noFill/>
+          </a:ln>
+        </p:spPr>
+      </p:sp>
+      <p:sp>
+        <p:nvSpPr>
+          <p:cNvPr id="137" name="PlaceHolder 2"/>
           <p:cNvSpPr>
             <a:spLocks noGrp="1"/>
           </p:cNvSpPr>
@@ -1330,18 +1368,18 @@
         <p:spPr>
           <a:xfrm>
             <a:off x="685800" y="4400640"/>
-            <a:ext cx="5486040" cy="3600000"/>
-          </a:xfrm>
-          <a:prstGeom prst="rect">
-            <a:avLst/>
-          </a:prstGeom>
-          <a:noFill/>
-          <a:ln w="0">
-            <a:noFill/>
-          </a:ln>
-        </p:spPr>
-        <p:txBody>
-          <a:bodyPr anchor="t">
+            <a:ext cx="5485680" cy="3599640"/>
+          </a:xfrm>
+          <a:prstGeom prst="rect">
+            <a:avLst/>
+          </a:prstGeom>
+          <a:noFill/>
+          <a:ln w="0">
+            <a:noFill/>
+          </a:ln>
+        </p:spPr>
+        <p:txBody>
+          <a:bodyPr lIns="0" rIns="0" tIns="0" bIns="0" anchor="t">
             <a:noAutofit/>
           </a:bodyPr>
           <a:p>
@@ -1359,7 +1397,7 @@
       </p:sp>
       <p:sp>
         <p:nvSpPr>
-          <p:cNvPr id="131" name="PlaceHolder 3"/>
+          <p:cNvPr id="138" name="PlaceHolder 3"/>
           <p:cNvSpPr>
             <a:spLocks noGrp="1"/>
           </p:cNvSpPr>
@@ -1370,18 +1408,18 @@
         <p:spPr>
           <a:xfrm>
             <a:off x="3884760" y="8685360"/>
-            <a:ext cx="2971440" cy="458280"/>
-          </a:xfrm>
-          <a:prstGeom prst="rect">
-            <a:avLst/>
-          </a:prstGeom>
-          <a:noFill/>
-          <a:ln w="0">
-            <a:noFill/>
-          </a:ln>
-        </p:spPr>
-        <p:txBody>
-          <a:bodyPr anchor="b">
+            <a:ext cx="2971080" cy="457920"/>
+          </a:xfrm>
+          <a:prstGeom prst="rect">
+            <a:avLst/>
+          </a:prstGeom>
+          <a:noFill/>
+          <a:ln w="0">
+            <a:noFill/>
+          </a:ln>
+        </p:spPr>
+        <p:txBody>
+          <a:bodyPr lIns="0" rIns="0" tIns="0" bIns="0" anchor="b">
             <a:noAutofit/>
           </a:bodyPr>
           <a:lstStyle>
@@ -1390,6 +1428,9 @@
                 <a:spcPct val="100000"/>
               </a:lnSpc>
               <a:buNone/>
+              <a:tabLst>
+                <a:tab algn="l" pos="0"/>
+              </a:tabLst>
               <a:defRPr b="0" lang="en-US" sz="1200" spc="-1" strike="noStrike">
                 <a:solidFill>
                   <a:srgbClr val="000000"/>
@@ -1404,8 +1445,11 @@
                 <a:spcPct val="100000"/>
               </a:lnSpc>
               <a:buNone/>
-            </a:pPr>
-            <a:fld id="{1EDFBBC4-02C2-48AF-B1E9-F59E8BF87E06}" type="slidenum">
+              <a:tabLst>
+                <a:tab algn="l" pos="0"/>
+              </a:tabLst>
+            </a:pPr>
+            <a:fld id="{1BB7860D-A5A1-4862-85F3-38D063C21D33}" type="slidenum">
               <a:rPr b="0" lang="en-US" sz="1200" spc="-1" strike="noStrike">
                 <a:solidFill>
                   <a:srgbClr val="000000"/>
@@ -1447,7 +1491,7 @@
       </p:grpSpPr>
       <p:sp>
         <p:nvSpPr>
-          <p:cNvPr id="132" name="PlaceHolder 1"/>
+          <p:cNvPr id="139" name="PlaceHolder 1"/>
           <p:cNvSpPr>
             <a:spLocks noGrp="1"/>
           </p:cNvSpPr>
@@ -1458,19 +1502,19 @@
         <p:spPr>
           <a:xfrm>
             <a:off x="685800" y="1143000"/>
-            <a:ext cx="5486040" cy="3085920"/>
-          </a:xfrm>
-          <a:prstGeom prst="rect">
-            <a:avLst/>
-          </a:prstGeom>
-          <a:ln w="0">
-            <a:noFill/>
-          </a:ln>
-        </p:spPr>
-      </p:sp>
-      <p:sp>
-        <p:nvSpPr>
-          <p:cNvPr id="133" name="PlaceHolder 2"/>
+            <a:ext cx="5485680" cy="3085560"/>
+          </a:xfrm>
+          <a:prstGeom prst="rect">
+            <a:avLst/>
+          </a:prstGeom>
+          <a:ln w="0">
+            <a:noFill/>
+          </a:ln>
+        </p:spPr>
+      </p:sp>
+      <p:sp>
+        <p:nvSpPr>
+          <p:cNvPr id="140" name="PlaceHolder 2"/>
           <p:cNvSpPr>
             <a:spLocks noGrp="1"/>
           </p:cNvSpPr>
@@ -1481,18 +1525,18 @@
         <p:spPr>
           <a:xfrm>
             <a:off x="685800" y="4400640"/>
-            <a:ext cx="5486040" cy="3600000"/>
-          </a:xfrm>
-          <a:prstGeom prst="rect">
-            <a:avLst/>
-          </a:prstGeom>
-          <a:noFill/>
-          <a:ln w="0">
-            <a:noFill/>
-          </a:ln>
-        </p:spPr>
-        <p:txBody>
-          <a:bodyPr anchor="t">
+            <a:ext cx="5485680" cy="3599640"/>
+          </a:xfrm>
+          <a:prstGeom prst="rect">
+            <a:avLst/>
+          </a:prstGeom>
+          <a:noFill/>
+          <a:ln w="0">
+            <a:noFill/>
+          </a:ln>
+        </p:spPr>
+        <p:txBody>
+          <a:bodyPr lIns="0" rIns="0" tIns="0" bIns="0" anchor="t">
             <a:noAutofit/>
           </a:bodyPr>
           <a:p>
@@ -1510,7 +1554,7 @@
       </p:sp>
       <p:sp>
         <p:nvSpPr>
-          <p:cNvPr id="134" name="PlaceHolder 3"/>
+          <p:cNvPr id="141" name="PlaceHolder 3"/>
           <p:cNvSpPr>
             <a:spLocks noGrp="1"/>
           </p:cNvSpPr>
@@ -1521,18 +1565,18 @@
         <p:spPr>
           <a:xfrm>
             <a:off x="3884760" y="8685360"/>
-            <a:ext cx="2971440" cy="458280"/>
-          </a:xfrm>
-          <a:prstGeom prst="rect">
-            <a:avLst/>
-          </a:prstGeom>
-          <a:noFill/>
-          <a:ln w="0">
-            <a:noFill/>
-          </a:ln>
-        </p:spPr>
-        <p:txBody>
-          <a:bodyPr anchor="b">
+            <a:ext cx="2971080" cy="457920"/>
+          </a:xfrm>
+          <a:prstGeom prst="rect">
+            <a:avLst/>
+          </a:prstGeom>
+          <a:noFill/>
+          <a:ln w="0">
+            <a:noFill/>
+          </a:ln>
+        </p:spPr>
+        <p:txBody>
+          <a:bodyPr lIns="0" rIns="0" tIns="0" bIns="0" anchor="b">
             <a:noAutofit/>
           </a:bodyPr>
           <a:lstStyle>
@@ -1541,6 +1585,9 @@
                 <a:spcPct val="100000"/>
               </a:lnSpc>
               <a:buNone/>
+              <a:tabLst>
+                <a:tab algn="l" pos="0"/>
+              </a:tabLst>
               <a:defRPr b="0" lang="en-US" sz="1200" spc="-1" strike="noStrike">
                 <a:solidFill>
                   <a:srgbClr val="000000"/>
@@ -1555,8 +1602,11 @@
                 <a:spcPct val="100000"/>
               </a:lnSpc>
               <a:buNone/>
-            </a:pPr>
-            <a:fld id="{C673BBEE-0264-4872-BA49-AA7A87F8110E}" type="slidenum">
+              <a:tabLst>
+                <a:tab algn="l" pos="0"/>
+              </a:tabLst>
+            </a:pPr>
+            <a:fld id="{48FD6A79-D69C-4699-8344-1E1C1CBE510F}" type="slidenum">
               <a:rPr b="0" lang="en-US" sz="1200" spc="-1" strike="noStrike">
                 <a:solidFill>
                   <a:srgbClr val="000000"/>
@@ -1603,7 +1653,7 @@
             <a:spLocks noGrp="1"/>
           </p:cNvSpPr>
           <p:nvPr>
-            <p:ph type="ftr" idx="2"/>
+            <p:ph type="ftr" idx="1"/>
           </p:nvPr>
         </p:nvSpPr>
         <p:spPr/>
@@ -1623,14 +1673,14 @@
             <a:spLocks noGrp="1"/>
           </p:cNvSpPr>
           <p:nvPr>
-            <p:ph type="sldNum" idx="3"/>
+            <p:ph type="sldNum" idx="2"/>
           </p:nvPr>
         </p:nvSpPr>
         <p:spPr/>
         <p:txBody>
           <a:bodyPr/>
           <a:p>
-            <a:fld id="{92B905C3-9503-49BA-9A01-0FAAAE97EC80}" type="slidenum">
+            <a:fld id="{BF444899-5F0B-4F47-8A65-E493918C13C8}" type="slidenum">
               <a:t>&lt;#&gt;</a:t>
             </a:fld>
           </a:p>
@@ -1643,7 +1693,7 @@
             <a:spLocks noGrp="1"/>
           </p:cNvSpPr>
           <p:nvPr>
-            <p:ph type="dt" idx="1"/>
+            <p:ph type="dt" idx="3"/>
           </p:nvPr>
         </p:nvSpPr>
         <p:spPr/>
@@ -1691,8 +1741,8 @@
         </p:nvSpPr>
         <p:spPr>
           <a:xfrm>
-            <a:off x="838080" y="365040"/>
-            <a:ext cx="10515240" cy="1325160"/>
+            <a:off x="609480" y="273600"/>
+            <a:ext cx="10972440" cy="1144800"/>
           </a:xfrm>
           <a:prstGeom prst="rect">
             <a:avLst/>
@@ -1707,14 +1757,14 @@
             <a:noAutofit/>
           </a:bodyPr>
           <a:p>
-            <a:pPr indent="0">
-              <a:buNone/>
-            </a:pPr>
-            <a:endParaRPr b="0" lang="en-US" sz="1800" spc="-1" strike="noStrike">
-              <a:solidFill>
-                <a:srgbClr val="000000"/>
-              </a:solidFill>
-              <a:latin typeface="Calibri"/>
+            <a:pPr indent="0" algn="ctr">
+              <a:buNone/>
+            </a:pPr>
+            <a:endParaRPr b="0" lang="en-US" sz="4400" spc="-1" strike="noStrike">
+              <a:solidFill>
+                <a:srgbClr val="000000"/>
+              </a:solidFill>
+              <a:latin typeface="Arial"/>
             </a:endParaRPr>
           </a:p>
         </p:txBody>
@@ -1731,8 +1781,8 @@
         </p:nvSpPr>
         <p:spPr>
           <a:xfrm>
-            <a:off x="838080" y="1825560"/>
-            <a:ext cx="10515240" cy="2075040"/>
+            <a:off x="609480" y="1604520"/>
+            <a:ext cx="10972440" cy="1896840"/>
           </a:xfrm>
           <a:prstGeom prst="rect">
             <a:avLst/>
@@ -1748,19 +1798,16 @@
           </a:bodyPr>
           <a:p>
             <a:pPr indent="0">
-              <a:lnSpc>
-                <a:spcPct val="90000"/>
-              </a:lnSpc>
               <a:spcBef>
                 <a:spcPts val="1417"/>
               </a:spcBef>
               <a:buNone/>
             </a:pPr>
-            <a:endParaRPr b="0" lang="en-US" sz="2800" spc="-1" strike="noStrike">
-              <a:solidFill>
-                <a:srgbClr val="000000"/>
-              </a:solidFill>
-              <a:latin typeface="Calibri"/>
+            <a:endParaRPr b="0" lang="en-US" sz="3200" spc="-1" strike="noStrike">
+              <a:solidFill>
+                <a:srgbClr val="000000"/>
+              </a:solidFill>
+              <a:latin typeface="Arial"/>
             </a:endParaRPr>
           </a:p>
         </p:txBody>
@@ -1777,8 +1824,8 @@
         </p:nvSpPr>
         <p:spPr>
           <a:xfrm>
-            <a:off x="838080" y="4098240"/>
-            <a:ext cx="10515240" cy="2075040"/>
+            <a:off x="609480" y="3682080"/>
+            <a:ext cx="10972440" cy="1896840"/>
           </a:xfrm>
           <a:prstGeom prst="rect">
             <a:avLst/>
@@ -1794,19 +1841,16 @@
           </a:bodyPr>
           <a:p>
             <a:pPr indent="0">
-              <a:lnSpc>
-                <a:spcPct val="90000"/>
-              </a:lnSpc>
               <a:spcBef>
                 <a:spcPts val="1417"/>
               </a:spcBef>
               <a:buNone/>
             </a:pPr>
-            <a:endParaRPr b="0" lang="en-US" sz="2800" spc="-1" strike="noStrike">
-              <a:solidFill>
-                <a:srgbClr val="000000"/>
-              </a:solidFill>
-              <a:latin typeface="Calibri"/>
+            <a:endParaRPr b="0" lang="en-US" sz="3200" spc="-1" strike="noStrike">
+              <a:solidFill>
+                <a:srgbClr val="000000"/>
+              </a:solidFill>
+              <a:latin typeface="Arial"/>
             </a:endParaRPr>
           </a:p>
         </p:txBody>
@@ -1818,7 +1862,7 @@
             <a:spLocks noGrp="1"/>
           </p:cNvSpPr>
           <p:nvPr>
-            <p:ph type="ftr" idx="2"/>
+            <p:ph type="ftr" idx="1"/>
           </p:nvPr>
         </p:nvSpPr>
         <p:spPr/>
@@ -1838,14 +1882,14 @@
             <a:spLocks noGrp="1"/>
           </p:cNvSpPr>
           <p:nvPr>
-            <p:ph type="sldNum" idx="3"/>
+            <p:ph type="sldNum" idx="2"/>
           </p:nvPr>
         </p:nvSpPr>
         <p:spPr/>
         <p:txBody>
           <a:bodyPr/>
           <a:p>
-            <a:fld id="{FDB36C8E-750C-4F7D-B2E7-185994CF24B4}" type="slidenum">
+            <a:fld id="{67496646-62FC-4157-A908-3C288F5AD910}" type="slidenum">
               <a:t>&lt;#&gt;</a:t>
             </a:fld>
           </a:p>
@@ -1858,7 +1902,7 @@
             <a:spLocks noGrp="1"/>
           </p:cNvSpPr>
           <p:nvPr>
-            <p:ph type="dt" idx="1"/>
+            <p:ph type="dt" idx="3"/>
           </p:nvPr>
         </p:nvSpPr>
         <p:spPr/>
@@ -1906,8 +1950,8 @@
         </p:nvSpPr>
         <p:spPr>
           <a:xfrm>
-            <a:off x="838080" y="365040"/>
-            <a:ext cx="10515240" cy="1325160"/>
+            <a:off x="609480" y="273600"/>
+            <a:ext cx="10972440" cy="1144800"/>
           </a:xfrm>
           <a:prstGeom prst="rect">
             <a:avLst/>
@@ -1922,14 +1966,14 @@
             <a:noAutofit/>
           </a:bodyPr>
           <a:p>
-            <a:pPr indent="0">
-              <a:buNone/>
-            </a:pPr>
-            <a:endParaRPr b="0" lang="en-US" sz="1800" spc="-1" strike="noStrike">
-              <a:solidFill>
-                <a:srgbClr val="000000"/>
-              </a:solidFill>
-              <a:latin typeface="Calibri"/>
+            <a:pPr indent="0" algn="ctr">
+              <a:buNone/>
+            </a:pPr>
+            <a:endParaRPr b="0" lang="en-US" sz="4400" spc="-1" strike="noStrike">
+              <a:solidFill>
+                <a:srgbClr val="000000"/>
+              </a:solidFill>
+              <a:latin typeface="Arial"/>
             </a:endParaRPr>
           </a:p>
         </p:txBody>
@@ -1946,8 +1990,8 @@
         </p:nvSpPr>
         <p:spPr>
           <a:xfrm>
-            <a:off x="838080" y="1825560"/>
-            <a:ext cx="5131080" cy="2075040"/>
+            <a:off x="609480" y="1604520"/>
+            <a:ext cx="5354280" cy="1896840"/>
           </a:xfrm>
           <a:prstGeom prst="rect">
             <a:avLst/>
@@ -1963,19 +2007,16 @@
           </a:bodyPr>
           <a:p>
             <a:pPr indent="0">
-              <a:lnSpc>
-                <a:spcPct val="90000"/>
-              </a:lnSpc>
               <a:spcBef>
                 <a:spcPts val="1417"/>
               </a:spcBef>
               <a:buNone/>
             </a:pPr>
-            <a:endParaRPr b="0" lang="en-US" sz="2800" spc="-1" strike="noStrike">
-              <a:solidFill>
-                <a:srgbClr val="000000"/>
-              </a:solidFill>
-              <a:latin typeface="Calibri"/>
+            <a:endParaRPr b="0" lang="en-US" sz="3200" spc="-1" strike="noStrike">
+              <a:solidFill>
+                <a:srgbClr val="000000"/>
+              </a:solidFill>
+              <a:latin typeface="Arial"/>
             </a:endParaRPr>
           </a:p>
         </p:txBody>
@@ -1992,8 +2033,8 @@
         </p:nvSpPr>
         <p:spPr>
           <a:xfrm>
-            <a:off x="6226200" y="1825560"/>
-            <a:ext cx="5131080" cy="2075040"/>
+            <a:off x="6231960" y="1604520"/>
+            <a:ext cx="5354280" cy="1896840"/>
           </a:xfrm>
           <a:prstGeom prst="rect">
             <a:avLst/>
@@ -2009,19 +2050,16 @@
           </a:bodyPr>
           <a:p>
             <a:pPr indent="0">
-              <a:lnSpc>
-                <a:spcPct val="90000"/>
-              </a:lnSpc>
               <a:spcBef>
                 <a:spcPts val="1417"/>
               </a:spcBef>
               <a:buNone/>
             </a:pPr>
-            <a:endParaRPr b="0" lang="en-US" sz="2800" spc="-1" strike="noStrike">
-              <a:solidFill>
-                <a:srgbClr val="000000"/>
-              </a:solidFill>
-              <a:latin typeface="Calibri"/>
+            <a:endParaRPr b="0" lang="en-US" sz="3200" spc="-1" strike="noStrike">
+              <a:solidFill>
+                <a:srgbClr val="000000"/>
+              </a:solidFill>
+              <a:latin typeface="Arial"/>
             </a:endParaRPr>
           </a:p>
         </p:txBody>
@@ -2038,8 +2076,8 @@
         </p:nvSpPr>
         <p:spPr>
           <a:xfrm>
-            <a:off x="838080" y="4098240"/>
-            <a:ext cx="5131080" cy="2075040"/>
+            <a:off x="609480" y="3682080"/>
+            <a:ext cx="5354280" cy="1896840"/>
           </a:xfrm>
           <a:prstGeom prst="rect">
             <a:avLst/>
@@ -2055,19 +2093,16 @@
           </a:bodyPr>
           <a:p>
             <a:pPr indent="0">
-              <a:lnSpc>
-                <a:spcPct val="90000"/>
-              </a:lnSpc>
               <a:spcBef>
                 <a:spcPts val="1417"/>
               </a:spcBef>
               <a:buNone/>
             </a:pPr>
-            <a:endParaRPr b="0" lang="en-US" sz="2800" spc="-1" strike="noStrike">
-              <a:solidFill>
-                <a:srgbClr val="000000"/>
-              </a:solidFill>
-              <a:latin typeface="Calibri"/>
+            <a:endParaRPr b="0" lang="en-US" sz="3200" spc="-1" strike="noStrike">
+              <a:solidFill>
+                <a:srgbClr val="000000"/>
+              </a:solidFill>
+              <a:latin typeface="Arial"/>
             </a:endParaRPr>
           </a:p>
         </p:txBody>
@@ -2084,8 +2119,8 @@
         </p:nvSpPr>
         <p:spPr>
           <a:xfrm>
-            <a:off x="6226200" y="4098240"/>
-            <a:ext cx="5131080" cy="2075040"/>
+            <a:off x="6231960" y="3682080"/>
+            <a:ext cx="5354280" cy="1896840"/>
           </a:xfrm>
           <a:prstGeom prst="rect">
             <a:avLst/>
@@ -2101,19 +2136,16 @@
           </a:bodyPr>
           <a:p>
             <a:pPr indent="0">
-              <a:lnSpc>
-                <a:spcPct val="90000"/>
-              </a:lnSpc>
               <a:spcBef>
                 <a:spcPts val="1417"/>
               </a:spcBef>
               <a:buNone/>
             </a:pPr>
-            <a:endParaRPr b="0" lang="en-US" sz="2800" spc="-1" strike="noStrike">
-              <a:solidFill>
-                <a:srgbClr val="000000"/>
-              </a:solidFill>
-              <a:latin typeface="Calibri"/>
+            <a:endParaRPr b="0" lang="en-US" sz="3200" spc="-1" strike="noStrike">
+              <a:solidFill>
+                <a:srgbClr val="000000"/>
+              </a:solidFill>
+              <a:latin typeface="Arial"/>
             </a:endParaRPr>
           </a:p>
         </p:txBody>
@@ -2125,7 +2157,7 @@
             <a:spLocks noGrp="1"/>
           </p:cNvSpPr>
           <p:nvPr>
-            <p:ph type="ftr" idx="2"/>
+            <p:ph type="ftr" idx="1"/>
           </p:nvPr>
         </p:nvSpPr>
         <p:spPr/>
@@ -2145,14 +2177,14 @@
             <a:spLocks noGrp="1"/>
           </p:cNvSpPr>
           <p:nvPr>
-            <p:ph type="sldNum" idx="3"/>
+            <p:ph type="sldNum" idx="2"/>
           </p:nvPr>
         </p:nvSpPr>
         <p:spPr/>
         <p:txBody>
           <a:bodyPr/>
           <a:p>
-            <a:fld id="{F85F03A7-7B78-43E1-BD8B-9680477E3CD8}" type="slidenum">
+            <a:fld id="{428B0FBC-EA8A-408D-BDCB-4D9F2F83F4F0}" type="slidenum">
               <a:t>&lt;#&gt;</a:t>
             </a:fld>
           </a:p>
@@ -2165,7 +2197,7 @@
             <a:spLocks noGrp="1"/>
           </p:cNvSpPr>
           <p:nvPr>
-            <p:ph type="dt" idx="1"/>
+            <p:ph type="dt" idx="3"/>
           </p:nvPr>
         </p:nvSpPr>
         <p:spPr/>
@@ -2213,8 +2245,8 @@
         </p:nvSpPr>
         <p:spPr>
           <a:xfrm>
-            <a:off x="838080" y="365040"/>
-            <a:ext cx="10515240" cy="1325160"/>
+            <a:off x="609480" y="273600"/>
+            <a:ext cx="10972440" cy="1144800"/>
           </a:xfrm>
           <a:prstGeom prst="rect">
             <a:avLst/>
@@ -2229,14 +2261,14 @@
             <a:noAutofit/>
           </a:bodyPr>
           <a:p>
-            <a:pPr indent="0">
-              <a:buNone/>
-            </a:pPr>
-            <a:endParaRPr b="0" lang="en-US" sz="1800" spc="-1" strike="noStrike">
-              <a:solidFill>
-                <a:srgbClr val="000000"/>
-              </a:solidFill>
-              <a:latin typeface="Calibri"/>
+            <a:pPr indent="0" algn="ctr">
+              <a:buNone/>
+            </a:pPr>
+            <a:endParaRPr b="0" lang="en-US" sz="4400" spc="-1" strike="noStrike">
+              <a:solidFill>
+                <a:srgbClr val="000000"/>
+              </a:solidFill>
+              <a:latin typeface="Arial"/>
             </a:endParaRPr>
           </a:p>
         </p:txBody>
@@ -2253,8 +2285,8 @@
         </p:nvSpPr>
         <p:spPr>
           <a:xfrm>
-            <a:off x="838080" y="1825560"/>
-            <a:ext cx="3385800" cy="2075040"/>
+            <a:off x="609480" y="1604520"/>
+            <a:ext cx="3533040" cy="1896840"/>
           </a:xfrm>
           <a:prstGeom prst="rect">
             <a:avLst/>
@@ -2270,19 +2302,16 @@
           </a:bodyPr>
           <a:p>
             <a:pPr indent="0">
-              <a:lnSpc>
-                <a:spcPct val="90000"/>
-              </a:lnSpc>
               <a:spcBef>
                 <a:spcPts val="1417"/>
               </a:spcBef>
               <a:buNone/>
             </a:pPr>
-            <a:endParaRPr b="0" lang="en-US" sz="2800" spc="-1" strike="noStrike">
-              <a:solidFill>
-                <a:srgbClr val="000000"/>
-              </a:solidFill>
-              <a:latin typeface="Calibri"/>
+            <a:endParaRPr b="0" lang="en-US" sz="3200" spc="-1" strike="noStrike">
+              <a:solidFill>
+                <a:srgbClr val="000000"/>
+              </a:solidFill>
+              <a:latin typeface="Arial"/>
             </a:endParaRPr>
           </a:p>
         </p:txBody>
@@ -2299,8 +2328,8 @@
         </p:nvSpPr>
         <p:spPr>
           <a:xfrm>
-            <a:off x="4393440" y="1825560"/>
-            <a:ext cx="3385800" cy="2075040"/>
+            <a:off x="4319640" y="1604520"/>
+            <a:ext cx="3533040" cy="1896840"/>
           </a:xfrm>
           <a:prstGeom prst="rect">
             <a:avLst/>
@@ -2316,19 +2345,16 @@
           </a:bodyPr>
           <a:p>
             <a:pPr indent="0">
-              <a:lnSpc>
-                <a:spcPct val="90000"/>
-              </a:lnSpc>
               <a:spcBef>
                 <a:spcPts val="1417"/>
               </a:spcBef>
               <a:buNone/>
             </a:pPr>
-            <a:endParaRPr b="0" lang="en-US" sz="2800" spc="-1" strike="noStrike">
-              <a:solidFill>
-                <a:srgbClr val="000000"/>
-              </a:solidFill>
-              <a:latin typeface="Calibri"/>
+            <a:endParaRPr b="0" lang="en-US" sz="3200" spc="-1" strike="noStrike">
+              <a:solidFill>
+                <a:srgbClr val="000000"/>
+              </a:solidFill>
+              <a:latin typeface="Arial"/>
             </a:endParaRPr>
           </a:p>
         </p:txBody>
@@ -2345,8 +2371,8 @@
         </p:nvSpPr>
         <p:spPr>
           <a:xfrm>
-            <a:off x="7949160" y="1825560"/>
-            <a:ext cx="3385800" cy="2075040"/>
+            <a:off x="8029800" y="1604520"/>
+            <a:ext cx="3533040" cy="1896840"/>
           </a:xfrm>
           <a:prstGeom prst="rect">
             <a:avLst/>
@@ -2362,19 +2388,16 @@
           </a:bodyPr>
           <a:p>
             <a:pPr indent="0">
-              <a:lnSpc>
-                <a:spcPct val="90000"/>
-              </a:lnSpc>
               <a:spcBef>
                 <a:spcPts val="1417"/>
               </a:spcBef>
               <a:buNone/>
             </a:pPr>
-            <a:endParaRPr b="0" lang="en-US" sz="2800" spc="-1" strike="noStrike">
-              <a:solidFill>
-                <a:srgbClr val="000000"/>
-              </a:solidFill>
-              <a:latin typeface="Calibri"/>
+            <a:endParaRPr b="0" lang="en-US" sz="3200" spc="-1" strike="noStrike">
+              <a:solidFill>
+                <a:srgbClr val="000000"/>
+              </a:solidFill>
+              <a:latin typeface="Arial"/>
             </a:endParaRPr>
           </a:p>
         </p:txBody>
@@ -2391,8 +2414,8 @@
         </p:nvSpPr>
         <p:spPr>
           <a:xfrm>
-            <a:off x="838080" y="4098240"/>
-            <a:ext cx="3385800" cy="2075040"/>
+            <a:off x="609480" y="3682080"/>
+            <a:ext cx="3533040" cy="1896840"/>
           </a:xfrm>
           <a:prstGeom prst="rect">
             <a:avLst/>
@@ -2408,19 +2431,16 @@
           </a:bodyPr>
           <a:p>
             <a:pPr indent="0">
-              <a:lnSpc>
-                <a:spcPct val="90000"/>
-              </a:lnSpc>
               <a:spcBef>
                 <a:spcPts val="1417"/>
               </a:spcBef>
               <a:buNone/>
             </a:pPr>
-            <a:endParaRPr b="0" lang="en-US" sz="2800" spc="-1" strike="noStrike">
-              <a:solidFill>
-                <a:srgbClr val="000000"/>
-              </a:solidFill>
-              <a:latin typeface="Calibri"/>
+            <a:endParaRPr b="0" lang="en-US" sz="3200" spc="-1" strike="noStrike">
+              <a:solidFill>
+                <a:srgbClr val="000000"/>
+              </a:solidFill>
+              <a:latin typeface="Arial"/>
             </a:endParaRPr>
           </a:p>
         </p:txBody>
@@ -2437,8 +2457,8 @@
         </p:nvSpPr>
         <p:spPr>
           <a:xfrm>
-            <a:off x="4393440" y="4098240"/>
-            <a:ext cx="3385800" cy="2075040"/>
+            <a:off x="4319640" y="3682080"/>
+            <a:ext cx="3533040" cy="1896840"/>
           </a:xfrm>
           <a:prstGeom prst="rect">
             <a:avLst/>
@@ -2454,19 +2474,16 @@
           </a:bodyPr>
           <a:p>
             <a:pPr indent="0">
-              <a:lnSpc>
-                <a:spcPct val="90000"/>
-              </a:lnSpc>
               <a:spcBef>
                 <a:spcPts val="1417"/>
               </a:spcBef>
               <a:buNone/>
             </a:pPr>
-            <a:endParaRPr b="0" lang="en-US" sz="2800" spc="-1" strike="noStrike">
-              <a:solidFill>
-                <a:srgbClr val="000000"/>
-              </a:solidFill>
-              <a:latin typeface="Calibri"/>
+            <a:endParaRPr b="0" lang="en-US" sz="3200" spc="-1" strike="noStrike">
+              <a:solidFill>
+                <a:srgbClr val="000000"/>
+              </a:solidFill>
+              <a:latin typeface="Arial"/>
             </a:endParaRPr>
           </a:p>
         </p:txBody>
@@ -2483,8 +2500,8 @@
         </p:nvSpPr>
         <p:spPr>
           <a:xfrm>
-            <a:off x="7949160" y="4098240"/>
-            <a:ext cx="3385800" cy="2075040"/>
+            <a:off x="8029800" y="3682080"/>
+            <a:ext cx="3533040" cy="1896840"/>
           </a:xfrm>
           <a:prstGeom prst="rect">
             <a:avLst/>
@@ -2500,19 +2517,16 @@
           </a:bodyPr>
           <a:p>
             <a:pPr indent="0">
-              <a:lnSpc>
-                <a:spcPct val="90000"/>
-              </a:lnSpc>
               <a:spcBef>
                 <a:spcPts val="1417"/>
               </a:spcBef>
               <a:buNone/>
             </a:pPr>
-            <a:endParaRPr b="0" lang="en-US" sz="2800" spc="-1" strike="noStrike">
-              <a:solidFill>
-                <a:srgbClr val="000000"/>
-              </a:solidFill>
-              <a:latin typeface="Calibri"/>
+            <a:endParaRPr b="0" lang="en-US" sz="3200" spc="-1" strike="noStrike">
+              <a:solidFill>
+                <a:srgbClr val="000000"/>
+              </a:solidFill>
+              <a:latin typeface="Arial"/>
             </a:endParaRPr>
           </a:p>
         </p:txBody>
@@ -2524,7 +2538,7 @@
             <a:spLocks noGrp="1"/>
           </p:cNvSpPr>
           <p:nvPr>
-            <p:ph type="ftr" idx="2"/>
+            <p:ph type="ftr" idx="1"/>
           </p:nvPr>
         </p:nvSpPr>
         <p:spPr/>
@@ -2544,14 +2558,14 @@
             <a:spLocks noGrp="1"/>
           </p:cNvSpPr>
           <p:nvPr>
-            <p:ph type="sldNum" idx="3"/>
+            <p:ph type="sldNum" idx="2"/>
           </p:nvPr>
         </p:nvSpPr>
         <p:spPr/>
         <p:txBody>
           <a:bodyPr/>
           <a:p>
-            <a:fld id="{F7C30CCD-7C0D-4F84-BBD7-4006862B98A3}" type="slidenum">
+            <a:fld id="{96121602-4997-4677-9C1C-2D7D33431951}" type="slidenum">
               <a:t>&lt;#&gt;</a:t>
             </a:fld>
           </a:p>
@@ -2564,7 +2578,7 @@
             <a:spLocks noGrp="1"/>
           </p:cNvSpPr>
           <p:nvPr>
-            <p:ph type="dt" idx="1"/>
+            <p:ph type="dt" idx="3"/>
           </p:nvPr>
         </p:nvSpPr>
         <p:spPr/>
@@ -2607,7 +2621,7 @@
             <a:spLocks noGrp="1"/>
           </p:cNvSpPr>
           <p:nvPr>
-            <p:ph type="ftr" idx="5"/>
+            <p:ph type="ftr" idx="4"/>
           </p:nvPr>
         </p:nvSpPr>
         <p:spPr/>
@@ -2627,14 +2641,14 @@
             <a:spLocks noGrp="1"/>
           </p:cNvSpPr>
           <p:nvPr>
-            <p:ph type="sldNum" idx="6"/>
+            <p:ph type="sldNum" idx="5"/>
           </p:nvPr>
         </p:nvSpPr>
         <p:spPr/>
         <p:txBody>
           <a:bodyPr/>
           <a:p>
-            <a:fld id="{08E2AEAD-7DC8-4A7A-B35B-7740DE58E41F}" type="slidenum">
+            <a:fld id="{DBB27CCF-D88C-4640-BBA8-2540CE7BD01F}" type="slidenum">
               <a:t>&lt;#&gt;</a:t>
             </a:fld>
           </a:p>
@@ -2647,7 +2661,7 @@
             <a:spLocks noGrp="1"/>
           </p:cNvSpPr>
           <p:nvPr>
-            <p:ph type="dt" idx="4"/>
+            <p:ph type="dt" idx="6"/>
           </p:nvPr>
         </p:nvSpPr>
         <p:spPr/>
@@ -2695,8 +2709,8 @@
         </p:nvSpPr>
         <p:spPr>
           <a:xfrm>
-            <a:off x="838080" y="365040"/>
-            <a:ext cx="10515240" cy="1325160"/>
+            <a:off x="609480" y="273600"/>
+            <a:ext cx="10972440" cy="1144800"/>
           </a:xfrm>
           <a:prstGeom prst="rect">
             <a:avLst/>
@@ -2711,14 +2725,14 @@
             <a:noAutofit/>
           </a:bodyPr>
           <a:p>
-            <a:pPr indent="0">
-              <a:buNone/>
-            </a:pPr>
-            <a:endParaRPr b="0" lang="en-US" sz="1800" spc="-1" strike="noStrike">
-              <a:solidFill>
-                <a:srgbClr val="000000"/>
-              </a:solidFill>
-              <a:latin typeface="Calibri"/>
+            <a:pPr indent="0" algn="ctr">
+              <a:buNone/>
+            </a:pPr>
+            <a:endParaRPr b="0" lang="en-US" sz="4400" spc="-1" strike="noStrike">
+              <a:solidFill>
+                <a:srgbClr val="000000"/>
+              </a:solidFill>
+              <a:latin typeface="Arial"/>
             </a:endParaRPr>
           </a:p>
         </p:txBody>
@@ -2735,8 +2749,8 @@
         </p:nvSpPr>
         <p:spPr>
           <a:xfrm>
-            <a:off x="838080" y="1825560"/>
-            <a:ext cx="10515240" cy="4350960"/>
+            <a:off x="609480" y="1604520"/>
+            <a:ext cx="10972440" cy="3977280"/>
           </a:xfrm>
           <a:prstGeom prst="rect">
             <a:avLst/>
@@ -2770,7 +2784,7 @@
             <a:spLocks noGrp="1"/>
           </p:cNvSpPr>
           <p:nvPr>
-            <p:ph type="ftr" idx="5"/>
+            <p:ph type="ftr" idx="4"/>
           </p:nvPr>
         </p:nvSpPr>
         <p:spPr/>
@@ -2790,14 +2804,14 @@
             <a:spLocks noGrp="1"/>
           </p:cNvSpPr>
           <p:nvPr>
-            <p:ph type="sldNum" idx="6"/>
+            <p:ph type="sldNum" idx="5"/>
           </p:nvPr>
         </p:nvSpPr>
         <p:spPr/>
         <p:txBody>
           <a:bodyPr/>
           <a:p>
-            <a:fld id="{AF34A338-72E2-4D7E-974D-42C53440AABF}" type="slidenum">
+            <a:fld id="{DEF653E7-6427-4CEB-B0CB-B66EC5F1452F}" type="slidenum">
               <a:t>&lt;#&gt;</a:t>
             </a:fld>
           </a:p>
@@ -2810,7 +2824,7 @@
             <a:spLocks noGrp="1"/>
           </p:cNvSpPr>
           <p:nvPr>
-            <p:ph type="dt" idx="4"/>
+            <p:ph type="dt" idx="6"/>
           </p:nvPr>
         </p:nvSpPr>
         <p:spPr/>
@@ -2858,8 +2872,8 @@
         </p:nvSpPr>
         <p:spPr>
           <a:xfrm>
-            <a:off x="838080" y="365040"/>
-            <a:ext cx="10515240" cy="1325160"/>
+            <a:off x="609480" y="273600"/>
+            <a:ext cx="10972440" cy="1144800"/>
           </a:xfrm>
           <a:prstGeom prst="rect">
             <a:avLst/>
@@ -2874,14 +2888,14 @@
             <a:noAutofit/>
           </a:bodyPr>
           <a:p>
-            <a:pPr indent="0">
-              <a:buNone/>
-            </a:pPr>
-            <a:endParaRPr b="0" lang="en-US" sz="1800" spc="-1" strike="noStrike">
-              <a:solidFill>
-                <a:srgbClr val="000000"/>
-              </a:solidFill>
-              <a:latin typeface="Calibri"/>
+            <a:pPr indent="0" algn="ctr">
+              <a:buNone/>
+            </a:pPr>
+            <a:endParaRPr b="0" lang="en-US" sz="4400" spc="-1" strike="noStrike">
+              <a:solidFill>
+                <a:srgbClr val="000000"/>
+              </a:solidFill>
+              <a:latin typeface="Arial"/>
             </a:endParaRPr>
           </a:p>
         </p:txBody>
@@ -2898,8 +2912,8 @@
         </p:nvSpPr>
         <p:spPr>
           <a:xfrm>
-            <a:off x="838080" y="1825560"/>
-            <a:ext cx="10515240" cy="4350960"/>
+            <a:off x="609480" y="1604520"/>
+            <a:ext cx="10972440" cy="3977280"/>
           </a:xfrm>
           <a:prstGeom prst="rect">
             <a:avLst/>
@@ -2915,19 +2929,16 @@
           </a:bodyPr>
           <a:p>
             <a:pPr indent="0">
-              <a:lnSpc>
-                <a:spcPct val="90000"/>
-              </a:lnSpc>
               <a:spcBef>
                 <a:spcPts val="1417"/>
               </a:spcBef>
               <a:buNone/>
             </a:pPr>
-            <a:endParaRPr b="0" lang="en-US" sz="2800" spc="-1" strike="noStrike">
-              <a:solidFill>
-                <a:srgbClr val="000000"/>
-              </a:solidFill>
-              <a:latin typeface="Calibri"/>
+            <a:endParaRPr b="0" lang="en-US" sz="3200" spc="-1" strike="noStrike">
+              <a:solidFill>
+                <a:srgbClr val="000000"/>
+              </a:solidFill>
+              <a:latin typeface="Arial"/>
             </a:endParaRPr>
           </a:p>
         </p:txBody>
@@ -2939,7 +2950,7 @@
             <a:spLocks noGrp="1"/>
           </p:cNvSpPr>
           <p:nvPr>
-            <p:ph type="ftr" idx="5"/>
+            <p:ph type="ftr" idx="4"/>
           </p:nvPr>
         </p:nvSpPr>
         <p:spPr/>
@@ -2959,14 +2970,14 @@
             <a:spLocks noGrp="1"/>
           </p:cNvSpPr>
           <p:nvPr>
-            <p:ph type="sldNum" idx="6"/>
+            <p:ph type="sldNum" idx="5"/>
           </p:nvPr>
         </p:nvSpPr>
         <p:spPr/>
         <p:txBody>
           <a:bodyPr/>
           <a:p>
-            <a:fld id="{DF44F3C6-1452-414D-A5C2-BCF7A8C6913C}" type="slidenum">
+            <a:fld id="{8B6163B3-B05A-4E8B-8792-F57EDDDE60A8}" type="slidenum">
               <a:t>&lt;#&gt;</a:t>
             </a:fld>
           </a:p>
@@ -2979,7 +2990,7 @@
             <a:spLocks noGrp="1"/>
           </p:cNvSpPr>
           <p:nvPr>
-            <p:ph type="dt" idx="4"/>
+            <p:ph type="dt" idx="6"/>
           </p:nvPr>
         </p:nvSpPr>
         <p:spPr/>
@@ -3027,8 +3038,8 @@
         </p:nvSpPr>
         <p:spPr>
           <a:xfrm>
-            <a:off x="838080" y="365040"/>
-            <a:ext cx="10515240" cy="1325160"/>
+            <a:off x="609480" y="273600"/>
+            <a:ext cx="10972440" cy="1144800"/>
           </a:xfrm>
           <a:prstGeom prst="rect">
             <a:avLst/>
@@ -3043,14 +3054,14 @@
             <a:noAutofit/>
           </a:bodyPr>
           <a:p>
-            <a:pPr indent="0">
-              <a:buNone/>
-            </a:pPr>
-            <a:endParaRPr b="0" lang="en-US" sz="1800" spc="-1" strike="noStrike">
-              <a:solidFill>
-                <a:srgbClr val="000000"/>
-              </a:solidFill>
-              <a:latin typeface="Calibri"/>
+            <a:pPr indent="0" algn="ctr">
+              <a:buNone/>
+            </a:pPr>
+            <a:endParaRPr b="0" lang="en-US" sz="4400" spc="-1" strike="noStrike">
+              <a:solidFill>
+                <a:srgbClr val="000000"/>
+              </a:solidFill>
+              <a:latin typeface="Arial"/>
             </a:endParaRPr>
           </a:p>
         </p:txBody>
@@ -3067,8 +3078,8 @@
         </p:nvSpPr>
         <p:spPr>
           <a:xfrm>
-            <a:off x="838080" y="1825560"/>
-            <a:ext cx="5131080" cy="4350960"/>
+            <a:off x="609480" y="1604520"/>
+            <a:ext cx="5354280" cy="3977280"/>
           </a:xfrm>
           <a:prstGeom prst="rect">
             <a:avLst/>
@@ -3084,19 +3095,16 @@
           </a:bodyPr>
           <a:p>
             <a:pPr indent="0">
-              <a:lnSpc>
-                <a:spcPct val="90000"/>
-              </a:lnSpc>
               <a:spcBef>
                 <a:spcPts val="1417"/>
               </a:spcBef>
               <a:buNone/>
             </a:pPr>
-            <a:endParaRPr b="0" lang="en-US" sz="2800" spc="-1" strike="noStrike">
-              <a:solidFill>
-                <a:srgbClr val="000000"/>
-              </a:solidFill>
-              <a:latin typeface="Calibri"/>
+            <a:endParaRPr b="0" lang="en-US" sz="3200" spc="-1" strike="noStrike">
+              <a:solidFill>
+                <a:srgbClr val="000000"/>
+              </a:solidFill>
+              <a:latin typeface="Arial"/>
             </a:endParaRPr>
           </a:p>
         </p:txBody>
@@ -3113,8 +3121,8 @@
         </p:nvSpPr>
         <p:spPr>
           <a:xfrm>
-            <a:off x="6226200" y="1825560"/>
-            <a:ext cx="5131080" cy="4350960"/>
+            <a:off x="6231960" y="1604520"/>
+            <a:ext cx="5354280" cy="3977280"/>
           </a:xfrm>
           <a:prstGeom prst="rect">
             <a:avLst/>
@@ -3130,19 +3138,16 @@
           </a:bodyPr>
           <a:p>
             <a:pPr indent="0">
-              <a:lnSpc>
-                <a:spcPct val="90000"/>
-              </a:lnSpc>
               <a:spcBef>
                 <a:spcPts val="1417"/>
               </a:spcBef>
               <a:buNone/>
             </a:pPr>
-            <a:endParaRPr b="0" lang="en-US" sz="2800" spc="-1" strike="noStrike">
-              <a:solidFill>
-                <a:srgbClr val="000000"/>
-              </a:solidFill>
-              <a:latin typeface="Calibri"/>
+            <a:endParaRPr b="0" lang="en-US" sz="3200" spc="-1" strike="noStrike">
+              <a:solidFill>
+                <a:srgbClr val="000000"/>
+              </a:solidFill>
+              <a:latin typeface="Arial"/>
             </a:endParaRPr>
           </a:p>
         </p:txBody>
@@ -3154,7 +3159,7 @@
             <a:spLocks noGrp="1"/>
           </p:cNvSpPr>
           <p:nvPr>
-            <p:ph type="ftr" idx="5"/>
+            <p:ph type="ftr" idx="4"/>
           </p:nvPr>
         </p:nvSpPr>
         <p:spPr/>
@@ -3174,14 +3179,14 @@
             <a:spLocks noGrp="1"/>
           </p:cNvSpPr>
           <p:nvPr>
-            <p:ph type="sldNum" idx="6"/>
+            <p:ph type="sldNum" idx="5"/>
           </p:nvPr>
         </p:nvSpPr>
         <p:spPr/>
         <p:txBody>
           <a:bodyPr/>
           <a:p>
-            <a:fld id="{ECAD20DD-FFC3-47BA-AD80-1364F67C1A27}" type="slidenum">
+            <a:fld id="{B1242198-1C50-4042-B922-BC9681E9FF02}" type="slidenum">
               <a:t>&lt;#&gt;</a:t>
             </a:fld>
           </a:p>
@@ -3194,7 +3199,7 @@
             <a:spLocks noGrp="1"/>
           </p:cNvSpPr>
           <p:nvPr>
-            <p:ph type="dt" idx="4"/>
+            <p:ph type="dt" idx="6"/>
           </p:nvPr>
         </p:nvSpPr>
         <p:spPr/>
@@ -3242,8 +3247,8 @@
         </p:nvSpPr>
         <p:spPr>
           <a:xfrm>
-            <a:off x="838080" y="365040"/>
-            <a:ext cx="10515240" cy="1325160"/>
+            <a:off x="609480" y="273600"/>
+            <a:ext cx="10972440" cy="1144800"/>
           </a:xfrm>
           <a:prstGeom prst="rect">
             <a:avLst/>
@@ -3258,14 +3263,14 @@
             <a:noAutofit/>
           </a:bodyPr>
           <a:p>
-            <a:pPr indent="0">
-              <a:buNone/>
-            </a:pPr>
-            <a:endParaRPr b="0" lang="en-US" sz="1800" spc="-1" strike="noStrike">
-              <a:solidFill>
-                <a:srgbClr val="000000"/>
-              </a:solidFill>
-              <a:latin typeface="Calibri"/>
+            <a:pPr indent="0" algn="ctr">
+              <a:buNone/>
+            </a:pPr>
+            <a:endParaRPr b="0" lang="en-US" sz="4400" spc="-1" strike="noStrike">
+              <a:solidFill>
+                <a:srgbClr val="000000"/>
+              </a:solidFill>
+              <a:latin typeface="Arial"/>
             </a:endParaRPr>
           </a:p>
         </p:txBody>
@@ -3277,7 +3282,7 @@
             <a:spLocks noGrp="1"/>
           </p:cNvSpPr>
           <p:nvPr>
-            <p:ph type="ftr" idx="5"/>
+            <p:ph type="ftr" idx="4"/>
           </p:nvPr>
         </p:nvSpPr>
         <p:spPr/>
@@ -3297,14 +3302,14 @@
             <a:spLocks noGrp="1"/>
           </p:cNvSpPr>
           <p:nvPr>
-            <p:ph type="sldNum" idx="6"/>
+            <p:ph type="sldNum" idx="5"/>
           </p:nvPr>
         </p:nvSpPr>
         <p:spPr/>
         <p:txBody>
           <a:bodyPr/>
           <a:p>
-            <a:fld id="{7008B2FA-5F0A-4EFB-BB74-89B93CAAF925}" type="slidenum">
+            <a:fld id="{85DE60A9-567E-4635-BB71-6C0048F14FC4}" type="slidenum">
               <a:t>&lt;#&gt;</a:t>
             </a:fld>
           </a:p>
@@ -3317,7 +3322,7 @@
             <a:spLocks noGrp="1"/>
           </p:cNvSpPr>
           <p:nvPr>
-            <p:ph type="dt" idx="4"/>
+            <p:ph type="dt" idx="6"/>
           </p:nvPr>
         </p:nvSpPr>
         <p:spPr/>
@@ -3365,8 +3370,8 @@
         </p:nvSpPr>
         <p:spPr>
           <a:xfrm>
-            <a:off x="838080" y="365040"/>
-            <a:ext cx="10515240" cy="6144120"/>
+            <a:off x="609480" y="273600"/>
+            <a:ext cx="10972440" cy="5307840"/>
           </a:xfrm>
           <a:prstGeom prst="rect">
             <a:avLst/>
@@ -3398,7 +3403,7 @@
             <a:spLocks noGrp="1"/>
           </p:cNvSpPr>
           <p:nvPr>
-            <p:ph type="ftr" idx="5"/>
+            <p:ph type="ftr" idx="4"/>
           </p:nvPr>
         </p:nvSpPr>
         <p:spPr/>
@@ -3418,14 +3423,14 @@
             <a:spLocks noGrp="1"/>
           </p:cNvSpPr>
           <p:nvPr>
-            <p:ph type="sldNum" idx="6"/>
+            <p:ph type="sldNum" idx="5"/>
           </p:nvPr>
         </p:nvSpPr>
         <p:spPr/>
         <p:txBody>
           <a:bodyPr/>
           <a:p>
-            <a:fld id="{F297CE0F-8DFB-4F51-A6D4-328EDCFDFE62}" type="slidenum">
+            <a:fld id="{A8225CF8-8256-49DB-A70C-CB32CBCECCC0}" type="slidenum">
               <a:t>&lt;#&gt;</a:t>
             </a:fld>
           </a:p>
@@ -3438,7 +3443,7 @@
             <a:spLocks noGrp="1"/>
           </p:cNvSpPr>
           <p:nvPr>
-            <p:ph type="dt" idx="4"/>
+            <p:ph type="dt" idx="6"/>
           </p:nvPr>
         </p:nvSpPr>
         <p:spPr/>
@@ -3486,8 +3491,8 @@
         </p:nvSpPr>
         <p:spPr>
           <a:xfrm>
-            <a:off x="838080" y="365040"/>
-            <a:ext cx="10515240" cy="1325160"/>
+            <a:off x="609480" y="273600"/>
+            <a:ext cx="10972440" cy="1144800"/>
           </a:xfrm>
           <a:prstGeom prst="rect">
             <a:avLst/>
@@ -3502,14 +3507,14 @@
             <a:noAutofit/>
           </a:bodyPr>
           <a:p>
-            <a:pPr indent="0">
-              <a:buNone/>
-            </a:pPr>
-            <a:endParaRPr b="0" lang="en-US" sz="1800" spc="-1" strike="noStrike">
-              <a:solidFill>
-                <a:srgbClr val="000000"/>
-              </a:solidFill>
-              <a:latin typeface="Calibri"/>
+            <a:pPr indent="0" algn="ctr">
+              <a:buNone/>
+            </a:pPr>
+            <a:endParaRPr b="0" lang="en-US" sz="4400" spc="-1" strike="noStrike">
+              <a:solidFill>
+                <a:srgbClr val="000000"/>
+              </a:solidFill>
+              <a:latin typeface="Arial"/>
             </a:endParaRPr>
           </a:p>
         </p:txBody>
@@ -3526,8 +3531,8 @@
         </p:nvSpPr>
         <p:spPr>
           <a:xfrm>
-            <a:off x="838080" y="1825560"/>
-            <a:ext cx="5131080" cy="2075040"/>
+            <a:off x="609480" y="1604520"/>
+            <a:ext cx="5354280" cy="1896840"/>
           </a:xfrm>
           <a:prstGeom prst="rect">
             <a:avLst/>
@@ -3543,19 +3548,16 @@
           </a:bodyPr>
           <a:p>
             <a:pPr indent="0">
-              <a:lnSpc>
-                <a:spcPct val="90000"/>
-              </a:lnSpc>
               <a:spcBef>
                 <a:spcPts val="1417"/>
               </a:spcBef>
               <a:buNone/>
             </a:pPr>
-            <a:endParaRPr b="0" lang="en-US" sz="2800" spc="-1" strike="noStrike">
-              <a:solidFill>
-                <a:srgbClr val="000000"/>
-              </a:solidFill>
-              <a:latin typeface="Calibri"/>
+            <a:endParaRPr b="0" lang="en-US" sz="3200" spc="-1" strike="noStrike">
+              <a:solidFill>
+                <a:srgbClr val="000000"/>
+              </a:solidFill>
+              <a:latin typeface="Arial"/>
             </a:endParaRPr>
           </a:p>
         </p:txBody>
@@ -3572,8 +3574,8 @@
         </p:nvSpPr>
         <p:spPr>
           <a:xfrm>
-            <a:off x="6226200" y="1825560"/>
-            <a:ext cx="5131080" cy="4350960"/>
+            <a:off x="6231960" y="1604520"/>
+            <a:ext cx="5354280" cy="3977280"/>
           </a:xfrm>
           <a:prstGeom prst="rect">
             <a:avLst/>
@@ -3589,19 +3591,16 @@
           </a:bodyPr>
           <a:p>
             <a:pPr indent="0">
-              <a:lnSpc>
-                <a:spcPct val="90000"/>
-              </a:lnSpc>
               <a:spcBef>
                 <a:spcPts val="1417"/>
               </a:spcBef>
               <a:buNone/>
             </a:pPr>
-            <a:endParaRPr b="0" lang="en-US" sz="2800" spc="-1" strike="noStrike">
-              <a:solidFill>
-                <a:srgbClr val="000000"/>
-              </a:solidFill>
-              <a:latin typeface="Calibri"/>
+            <a:endParaRPr b="0" lang="en-US" sz="3200" spc="-1" strike="noStrike">
+              <a:solidFill>
+                <a:srgbClr val="000000"/>
+              </a:solidFill>
+              <a:latin typeface="Arial"/>
             </a:endParaRPr>
           </a:p>
         </p:txBody>
@@ -3618,8 +3617,8 @@
         </p:nvSpPr>
         <p:spPr>
           <a:xfrm>
-            <a:off x="838080" y="4098240"/>
-            <a:ext cx="5131080" cy="2075040"/>
+            <a:off x="609480" y="3682080"/>
+            <a:ext cx="5354280" cy="1896840"/>
           </a:xfrm>
           <a:prstGeom prst="rect">
             <a:avLst/>
@@ -3635,19 +3634,16 @@
           </a:bodyPr>
           <a:p>
             <a:pPr indent="0">
-              <a:lnSpc>
-                <a:spcPct val="90000"/>
-              </a:lnSpc>
               <a:spcBef>
                 <a:spcPts val="1417"/>
               </a:spcBef>
               <a:buNone/>
             </a:pPr>
-            <a:endParaRPr b="0" lang="en-US" sz="2800" spc="-1" strike="noStrike">
-              <a:solidFill>
-                <a:srgbClr val="000000"/>
-              </a:solidFill>
-              <a:latin typeface="Calibri"/>
+            <a:endParaRPr b="0" lang="en-US" sz="3200" spc="-1" strike="noStrike">
+              <a:solidFill>
+                <a:srgbClr val="000000"/>
+              </a:solidFill>
+              <a:latin typeface="Arial"/>
             </a:endParaRPr>
           </a:p>
         </p:txBody>
@@ -3659,7 +3655,7 @@
             <a:spLocks noGrp="1"/>
           </p:cNvSpPr>
           <p:nvPr>
-            <p:ph type="ftr" idx="5"/>
+            <p:ph type="ftr" idx="4"/>
           </p:nvPr>
         </p:nvSpPr>
         <p:spPr/>
@@ -3679,14 +3675,14 @@
             <a:spLocks noGrp="1"/>
           </p:cNvSpPr>
           <p:nvPr>
-            <p:ph type="sldNum" idx="6"/>
+            <p:ph type="sldNum" idx="5"/>
           </p:nvPr>
         </p:nvSpPr>
         <p:spPr/>
         <p:txBody>
           <a:bodyPr/>
           <a:p>
-            <a:fld id="{90AA4CE9-5A2B-4B44-ADF1-EBDF5D2637D2}" type="slidenum">
+            <a:fld id="{AA6B6509-0AE0-4241-BD4C-C44BAC4F540B}" type="slidenum">
               <a:t>&lt;#&gt;</a:t>
             </a:fld>
           </a:p>
@@ -3699,7 +3695,7 @@
             <a:spLocks noGrp="1"/>
           </p:cNvSpPr>
           <p:nvPr>
-            <p:ph type="dt" idx="4"/>
+            <p:ph type="dt" idx="6"/>
           </p:nvPr>
         </p:nvSpPr>
         <p:spPr/>
@@ -3747,8 +3743,8 @@
         </p:nvSpPr>
         <p:spPr>
           <a:xfrm>
-            <a:off x="838080" y="365040"/>
-            <a:ext cx="10515240" cy="1325160"/>
+            <a:off x="609480" y="273600"/>
+            <a:ext cx="10972440" cy="1144800"/>
           </a:xfrm>
           <a:prstGeom prst="rect">
             <a:avLst/>
@@ -3763,14 +3759,14 @@
             <a:noAutofit/>
           </a:bodyPr>
           <a:p>
-            <a:pPr indent="0">
-              <a:buNone/>
-            </a:pPr>
-            <a:endParaRPr b="0" lang="en-US" sz="1800" spc="-1" strike="noStrike">
-              <a:solidFill>
-                <a:srgbClr val="000000"/>
-              </a:solidFill>
-              <a:latin typeface="Calibri"/>
+            <a:pPr indent="0" algn="ctr">
+              <a:buNone/>
+            </a:pPr>
+            <a:endParaRPr b="0" lang="en-US" sz="4400" spc="-1" strike="noStrike">
+              <a:solidFill>
+                <a:srgbClr val="000000"/>
+              </a:solidFill>
+              <a:latin typeface="Arial"/>
             </a:endParaRPr>
           </a:p>
         </p:txBody>
@@ -3787,8 +3783,8 @@
         </p:nvSpPr>
         <p:spPr>
           <a:xfrm>
-            <a:off x="838080" y="1825560"/>
-            <a:ext cx="10515240" cy="4350960"/>
+            <a:off x="609480" y="1604520"/>
+            <a:ext cx="10972440" cy="3977280"/>
           </a:xfrm>
           <a:prstGeom prst="rect">
             <a:avLst/>
@@ -3822,7 +3818,7 @@
             <a:spLocks noGrp="1"/>
           </p:cNvSpPr>
           <p:nvPr>
-            <p:ph type="ftr" idx="2"/>
+            <p:ph type="ftr" idx="1"/>
           </p:nvPr>
         </p:nvSpPr>
         <p:spPr/>
@@ -3842,14 +3838,14 @@
             <a:spLocks noGrp="1"/>
           </p:cNvSpPr>
           <p:nvPr>
-            <p:ph type="sldNum" idx="3"/>
+            <p:ph type="sldNum" idx="2"/>
           </p:nvPr>
         </p:nvSpPr>
         <p:spPr/>
         <p:txBody>
           <a:bodyPr/>
           <a:p>
-            <a:fld id="{7DD5A1DE-AA2A-45A6-AEE3-6F4189BFFD26}" type="slidenum">
+            <a:fld id="{0EB9DD3A-49AE-4802-A3B5-B748F43CEF99}" type="slidenum">
               <a:t>&lt;#&gt;</a:t>
             </a:fld>
           </a:p>
@@ -3862,7 +3858,7 @@
             <a:spLocks noGrp="1"/>
           </p:cNvSpPr>
           <p:nvPr>
-            <p:ph type="dt" idx="1"/>
+            <p:ph type="dt" idx="3"/>
           </p:nvPr>
         </p:nvSpPr>
         <p:spPr/>
@@ -3910,8 +3906,8 @@
         </p:nvSpPr>
         <p:spPr>
           <a:xfrm>
-            <a:off x="838080" y="365040"/>
-            <a:ext cx="10515240" cy="1325160"/>
+            <a:off x="609480" y="273600"/>
+            <a:ext cx="10972440" cy="1144800"/>
           </a:xfrm>
           <a:prstGeom prst="rect">
             <a:avLst/>
@@ -3926,14 +3922,14 @@
             <a:noAutofit/>
           </a:bodyPr>
           <a:p>
-            <a:pPr indent="0">
-              <a:buNone/>
-            </a:pPr>
-            <a:endParaRPr b="0" lang="en-US" sz="1800" spc="-1" strike="noStrike">
-              <a:solidFill>
-                <a:srgbClr val="000000"/>
-              </a:solidFill>
-              <a:latin typeface="Calibri"/>
+            <a:pPr indent="0" algn="ctr">
+              <a:buNone/>
+            </a:pPr>
+            <a:endParaRPr b="0" lang="en-US" sz="4400" spc="-1" strike="noStrike">
+              <a:solidFill>
+                <a:srgbClr val="000000"/>
+              </a:solidFill>
+              <a:latin typeface="Arial"/>
             </a:endParaRPr>
           </a:p>
         </p:txBody>
@@ -3950,8 +3946,8 @@
         </p:nvSpPr>
         <p:spPr>
           <a:xfrm>
-            <a:off x="838080" y="1825560"/>
-            <a:ext cx="5131080" cy="4350960"/>
+            <a:off x="609480" y="1604520"/>
+            <a:ext cx="5354280" cy="3977280"/>
           </a:xfrm>
           <a:prstGeom prst="rect">
             <a:avLst/>
@@ -3967,19 +3963,16 @@
           </a:bodyPr>
           <a:p>
             <a:pPr indent="0">
-              <a:lnSpc>
-                <a:spcPct val="90000"/>
-              </a:lnSpc>
               <a:spcBef>
                 <a:spcPts val="1417"/>
               </a:spcBef>
               <a:buNone/>
             </a:pPr>
-            <a:endParaRPr b="0" lang="en-US" sz="2800" spc="-1" strike="noStrike">
-              <a:solidFill>
-                <a:srgbClr val="000000"/>
-              </a:solidFill>
-              <a:latin typeface="Calibri"/>
+            <a:endParaRPr b="0" lang="en-US" sz="3200" spc="-1" strike="noStrike">
+              <a:solidFill>
+                <a:srgbClr val="000000"/>
+              </a:solidFill>
+              <a:latin typeface="Arial"/>
             </a:endParaRPr>
           </a:p>
         </p:txBody>
@@ -3996,8 +3989,8 @@
         </p:nvSpPr>
         <p:spPr>
           <a:xfrm>
-            <a:off x="6226200" y="1825560"/>
-            <a:ext cx="5131080" cy="2075040"/>
+            <a:off x="6231960" y="1604520"/>
+            <a:ext cx="5354280" cy="1896840"/>
           </a:xfrm>
           <a:prstGeom prst="rect">
             <a:avLst/>
@@ -4013,19 +4006,16 @@
           </a:bodyPr>
           <a:p>
             <a:pPr indent="0">
-              <a:lnSpc>
-                <a:spcPct val="90000"/>
-              </a:lnSpc>
               <a:spcBef>
                 <a:spcPts val="1417"/>
               </a:spcBef>
               <a:buNone/>
             </a:pPr>
-            <a:endParaRPr b="0" lang="en-US" sz="2800" spc="-1" strike="noStrike">
-              <a:solidFill>
-                <a:srgbClr val="000000"/>
-              </a:solidFill>
-              <a:latin typeface="Calibri"/>
+            <a:endParaRPr b="0" lang="en-US" sz="3200" spc="-1" strike="noStrike">
+              <a:solidFill>
+                <a:srgbClr val="000000"/>
+              </a:solidFill>
+              <a:latin typeface="Arial"/>
             </a:endParaRPr>
           </a:p>
         </p:txBody>
@@ -4042,8 +4032,8 @@
         </p:nvSpPr>
         <p:spPr>
           <a:xfrm>
-            <a:off x="6226200" y="4098240"/>
-            <a:ext cx="5131080" cy="2075040"/>
+            <a:off x="6231960" y="3682080"/>
+            <a:ext cx="5354280" cy="1896840"/>
           </a:xfrm>
           <a:prstGeom prst="rect">
             <a:avLst/>
@@ -4059,19 +4049,16 @@
           </a:bodyPr>
           <a:p>
             <a:pPr indent="0">
-              <a:lnSpc>
-                <a:spcPct val="90000"/>
-              </a:lnSpc>
               <a:spcBef>
                 <a:spcPts val="1417"/>
               </a:spcBef>
               <a:buNone/>
             </a:pPr>
-            <a:endParaRPr b="0" lang="en-US" sz="2800" spc="-1" strike="noStrike">
-              <a:solidFill>
-                <a:srgbClr val="000000"/>
-              </a:solidFill>
-              <a:latin typeface="Calibri"/>
+            <a:endParaRPr b="0" lang="en-US" sz="3200" spc="-1" strike="noStrike">
+              <a:solidFill>
+                <a:srgbClr val="000000"/>
+              </a:solidFill>
+              <a:latin typeface="Arial"/>
             </a:endParaRPr>
           </a:p>
         </p:txBody>
@@ -4083,7 +4070,7 @@
             <a:spLocks noGrp="1"/>
           </p:cNvSpPr>
           <p:nvPr>
-            <p:ph type="ftr" idx="5"/>
+            <p:ph type="ftr" idx="4"/>
           </p:nvPr>
         </p:nvSpPr>
         <p:spPr/>
@@ -4103,14 +4090,14 @@
             <a:spLocks noGrp="1"/>
           </p:cNvSpPr>
           <p:nvPr>
-            <p:ph type="sldNum" idx="6"/>
+            <p:ph type="sldNum" idx="5"/>
           </p:nvPr>
         </p:nvSpPr>
         <p:spPr/>
         <p:txBody>
           <a:bodyPr/>
           <a:p>
-            <a:fld id="{F615E736-8CE0-48B1-BC7D-FC705DED809C}" type="slidenum">
+            <a:fld id="{638A35A5-0B7D-4683-B05C-C916EFA1D9F8}" type="slidenum">
               <a:t>&lt;#&gt;</a:t>
             </a:fld>
           </a:p>
@@ -4123,7 +4110,7 @@
             <a:spLocks noGrp="1"/>
           </p:cNvSpPr>
           <p:nvPr>
-            <p:ph type="dt" idx="4"/>
+            <p:ph type="dt" idx="6"/>
           </p:nvPr>
         </p:nvSpPr>
         <p:spPr/>
@@ -4171,8 +4158,8 @@
         </p:nvSpPr>
         <p:spPr>
           <a:xfrm>
-            <a:off x="838080" y="365040"/>
-            <a:ext cx="10515240" cy="1325160"/>
+            <a:off x="609480" y="273600"/>
+            <a:ext cx="10972440" cy="1144800"/>
           </a:xfrm>
           <a:prstGeom prst="rect">
             <a:avLst/>
@@ -4187,14 +4174,14 @@
             <a:noAutofit/>
           </a:bodyPr>
           <a:p>
-            <a:pPr indent="0">
-              <a:buNone/>
-            </a:pPr>
-            <a:endParaRPr b="0" lang="en-US" sz="1800" spc="-1" strike="noStrike">
-              <a:solidFill>
-                <a:srgbClr val="000000"/>
-              </a:solidFill>
-              <a:latin typeface="Calibri"/>
+            <a:pPr indent="0" algn="ctr">
+              <a:buNone/>
+            </a:pPr>
+            <a:endParaRPr b="0" lang="en-US" sz="4400" spc="-1" strike="noStrike">
+              <a:solidFill>
+                <a:srgbClr val="000000"/>
+              </a:solidFill>
+              <a:latin typeface="Arial"/>
             </a:endParaRPr>
           </a:p>
         </p:txBody>
@@ -4211,8 +4198,8 @@
         </p:nvSpPr>
         <p:spPr>
           <a:xfrm>
-            <a:off x="838080" y="1825560"/>
-            <a:ext cx="5131080" cy="2075040"/>
+            <a:off x="609480" y="1604520"/>
+            <a:ext cx="5354280" cy="1896840"/>
           </a:xfrm>
           <a:prstGeom prst="rect">
             <a:avLst/>
@@ -4228,19 +4215,16 @@
           </a:bodyPr>
           <a:p>
             <a:pPr indent="0">
-              <a:lnSpc>
-                <a:spcPct val="90000"/>
-              </a:lnSpc>
               <a:spcBef>
                 <a:spcPts val="1417"/>
               </a:spcBef>
               <a:buNone/>
             </a:pPr>
-            <a:endParaRPr b="0" lang="en-US" sz="2800" spc="-1" strike="noStrike">
-              <a:solidFill>
-                <a:srgbClr val="000000"/>
-              </a:solidFill>
-              <a:latin typeface="Calibri"/>
+            <a:endParaRPr b="0" lang="en-US" sz="3200" spc="-1" strike="noStrike">
+              <a:solidFill>
+                <a:srgbClr val="000000"/>
+              </a:solidFill>
+              <a:latin typeface="Arial"/>
             </a:endParaRPr>
           </a:p>
         </p:txBody>
@@ -4257,8 +4241,8 @@
         </p:nvSpPr>
         <p:spPr>
           <a:xfrm>
-            <a:off x="6226200" y="1825560"/>
-            <a:ext cx="5131080" cy="2075040"/>
+            <a:off x="6231960" y="1604520"/>
+            <a:ext cx="5354280" cy="1896840"/>
           </a:xfrm>
           <a:prstGeom prst="rect">
             <a:avLst/>
@@ -4274,19 +4258,16 @@
           </a:bodyPr>
           <a:p>
             <a:pPr indent="0">
-              <a:lnSpc>
-                <a:spcPct val="90000"/>
-              </a:lnSpc>
               <a:spcBef>
                 <a:spcPts val="1417"/>
               </a:spcBef>
               <a:buNone/>
             </a:pPr>
-            <a:endParaRPr b="0" lang="en-US" sz="2800" spc="-1" strike="noStrike">
-              <a:solidFill>
-                <a:srgbClr val="000000"/>
-              </a:solidFill>
-              <a:latin typeface="Calibri"/>
+            <a:endParaRPr b="0" lang="en-US" sz="3200" spc="-1" strike="noStrike">
+              <a:solidFill>
+                <a:srgbClr val="000000"/>
+              </a:solidFill>
+              <a:latin typeface="Arial"/>
             </a:endParaRPr>
           </a:p>
         </p:txBody>
@@ -4303,8 +4284,8 @@
         </p:nvSpPr>
         <p:spPr>
           <a:xfrm>
-            <a:off x="838080" y="4098240"/>
-            <a:ext cx="10515240" cy="2075040"/>
+            <a:off x="609480" y="3682080"/>
+            <a:ext cx="10972440" cy="1896840"/>
           </a:xfrm>
           <a:prstGeom prst="rect">
             <a:avLst/>
@@ -4320,19 +4301,16 @@
           </a:bodyPr>
           <a:p>
             <a:pPr indent="0">
-              <a:lnSpc>
-                <a:spcPct val="90000"/>
-              </a:lnSpc>
               <a:spcBef>
                 <a:spcPts val="1417"/>
               </a:spcBef>
               <a:buNone/>
             </a:pPr>
-            <a:endParaRPr b="0" lang="en-US" sz="2800" spc="-1" strike="noStrike">
-              <a:solidFill>
-                <a:srgbClr val="000000"/>
-              </a:solidFill>
-              <a:latin typeface="Calibri"/>
+            <a:endParaRPr b="0" lang="en-US" sz="3200" spc="-1" strike="noStrike">
+              <a:solidFill>
+                <a:srgbClr val="000000"/>
+              </a:solidFill>
+              <a:latin typeface="Arial"/>
             </a:endParaRPr>
           </a:p>
         </p:txBody>
@@ -4344,7 +4322,7 @@
             <a:spLocks noGrp="1"/>
           </p:cNvSpPr>
           <p:nvPr>
-            <p:ph type="ftr" idx="5"/>
+            <p:ph type="ftr" idx="4"/>
           </p:nvPr>
         </p:nvSpPr>
         <p:spPr/>
@@ -4364,14 +4342,14 @@
             <a:spLocks noGrp="1"/>
           </p:cNvSpPr>
           <p:nvPr>
-            <p:ph type="sldNum" idx="6"/>
+            <p:ph type="sldNum" idx="5"/>
           </p:nvPr>
         </p:nvSpPr>
         <p:spPr/>
         <p:txBody>
           <a:bodyPr/>
           <a:p>
-            <a:fld id="{89D702AA-43B7-4A46-9D05-3F31000B2B55}" type="slidenum">
+            <a:fld id="{559E86F1-D8A7-46DE-88D6-DC20664DD0DD}" type="slidenum">
               <a:t>&lt;#&gt;</a:t>
             </a:fld>
           </a:p>
@@ -4384,7 +4362,7 @@
             <a:spLocks noGrp="1"/>
           </p:cNvSpPr>
           <p:nvPr>
-            <p:ph type="dt" idx="4"/>
+            <p:ph type="dt" idx="6"/>
           </p:nvPr>
         </p:nvSpPr>
         <p:spPr/>
@@ -4432,8 +4410,8 @@
         </p:nvSpPr>
         <p:spPr>
           <a:xfrm>
-            <a:off x="838080" y="365040"/>
-            <a:ext cx="10515240" cy="1325160"/>
+            <a:off x="609480" y="273600"/>
+            <a:ext cx="10972440" cy="1144800"/>
           </a:xfrm>
           <a:prstGeom prst="rect">
             <a:avLst/>
@@ -4448,14 +4426,14 @@
             <a:noAutofit/>
           </a:bodyPr>
           <a:p>
-            <a:pPr indent="0">
-              <a:buNone/>
-            </a:pPr>
-            <a:endParaRPr b="0" lang="en-US" sz="1800" spc="-1" strike="noStrike">
-              <a:solidFill>
-                <a:srgbClr val="000000"/>
-              </a:solidFill>
-              <a:latin typeface="Calibri"/>
+            <a:pPr indent="0" algn="ctr">
+              <a:buNone/>
+            </a:pPr>
+            <a:endParaRPr b="0" lang="en-US" sz="4400" spc="-1" strike="noStrike">
+              <a:solidFill>
+                <a:srgbClr val="000000"/>
+              </a:solidFill>
+              <a:latin typeface="Arial"/>
             </a:endParaRPr>
           </a:p>
         </p:txBody>
@@ -4472,8 +4450,8 @@
         </p:nvSpPr>
         <p:spPr>
           <a:xfrm>
-            <a:off x="838080" y="1825560"/>
-            <a:ext cx="10515240" cy="2075040"/>
+            <a:off x="609480" y="1604520"/>
+            <a:ext cx="10972440" cy="1896840"/>
           </a:xfrm>
           <a:prstGeom prst="rect">
             <a:avLst/>
@@ -4489,19 +4467,16 @@
           </a:bodyPr>
           <a:p>
             <a:pPr indent="0">
-              <a:lnSpc>
-                <a:spcPct val="90000"/>
-              </a:lnSpc>
               <a:spcBef>
                 <a:spcPts val="1417"/>
               </a:spcBef>
               <a:buNone/>
             </a:pPr>
-            <a:endParaRPr b="0" lang="en-US" sz="2800" spc="-1" strike="noStrike">
-              <a:solidFill>
-                <a:srgbClr val="000000"/>
-              </a:solidFill>
-              <a:latin typeface="Calibri"/>
+            <a:endParaRPr b="0" lang="en-US" sz="3200" spc="-1" strike="noStrike">
+              <a:solidFill>
+                <a:srgbClr val="000000"/>
+              </a:solidFill>
+              <a:latin typeface="Arial"/>
             </a:endParaRPr>
           </a:p>
         </p:txBody>
@@ -4518,8 +4493,8 @@
         </p:nvSpPr>
         <p:spPr>
           <a:xfrm>
-            <a:off x="838080" y="4098240"/>
-            <a:ext cx="10515240" cy="2075040"/>
+            <a:off x="609480" y="3682080"/>
+            <a:ext cx="10972440" cy="1896840"/>
           </a:xfrm>
           <a:prstGeom prst="rect">
             <a:avLst/>
@@ -4535,19 +4510,16 @@
           </a:bodyPr>
           <a:p>
             <a:pPr indent="0">
-              <a:lnSpc>
-                <a:spcPct val="90000"/>
-              </a:lnSpc>
               <a:spcBef>
                 <a:spcPts val="1417"/>
               </a:spcBef>
               <a:buNone/>
             </a:pPr>
-            <a:endParaRPr b="0" lang="en-US" sz="2800" spc="-1" strike="noStrike">
-              <a:solidFill>
-                <a:srgbClr val="000000"/>
-              </a:solidFill>
-              <a:latin typeface="Calibri"/>
+            <a:endParaRPr b="0" lang="en-US" sz="3200" spc="-1" strike="noStrike">
+              <a:solidFill>
+                <a:srgbClr val="000000"/>
+              </a:solidFill>
+              <a:latin typeface="Arial"/>
             </a:endParaRPr>
           </a:p>
         </p:txBody>
@@ -4559,7 +4531,7 @@
             <a:spLocks noGrp="1"/>
           </p:cNvSpPr>
           <p:nvPr>
-            <p:ph type="ftr" idx="5"/>
+            <p:ph type="ftr" idx="4"/>
           </p:nvPr>
         </p:nvSpPr>
         <p:spPr/>
@@ -4579,14 +4551,14 @@
             <a:spLocks noGrp="1"/>
           </p:cNvSpPr>
           <p:nvPr>
-            <p:ph type="sldNum" idx="6"/>
+            <p:ph type="sldNum" idx="5"/>
           </p:nvPr>
         </p:nvSpPr>
         <p:spPr/>
         <p:txBody>
           <a:bodyPr/>
           <a:p>
-            <a:fld id="{59DB20CC-BDEA-47A4-B92B-F9F2ED23EF8F}" type="slidenum">
+            <a:fld id="{E7160B0D-2EB7-46BA-9E71-C4D55273697A}" type="slidenum">
               <a:t>&lt;#&gt;</a:t>
             </a:fld>
           </a:p>
@@ -4599,7 +4571,7 @@
             <a:spLocks noGrp="1"/>
           </p:cNvSpPr>
           <p:nvPr>
-            <p:ph type="dt" idx="4"/>
+            <p:ph type="dt" idx="6"/>
           </p:nvPr>
         </p:nvSpPr>
         <p:spPr/>
@@ -4647,8 +4619,8 @@
         </p:nvSpPr>
         <p:spPr>
           <a:xfrm>
-            <a:off x="838080" y="365040"/>
-            <a:ext cx="10515240" cy="1325160"/>
+            <a:off x="609480" y="273600"/>
+            <a:ext cx="10972440" cy="1144800"/>
           </a:xfrm>
           <a:prstGeom prst="rect">
             <a:avLst/>
@@ -4663,14 +4635,14 @@
             <a:noAutofit/>
           </a:bodyPr>
           <a:p>
-            <a:pPr indent="0">
-              <a:buNone/>
-            </a:pPr>
-            <a:endParaRPr b="0" lang="en-US" sz="1800" spc="-1" strike="noStrike">
-              <a:solidFill>
-                <a:srgbClr val="000000"/>
-              </a:solidFill>
-              <a:latin typeface="Calibri"/>
+            <a:pPr indent="0" algn="ctr">
+              <a:buNone/>
+            </a:pPr>
+            <a:endParaRPr b="0" lang="en-US" sz="4400" spc="-1" strike="noStrike">
+              <a:solidFill>
+                <a:srgbClr val="000000"/>
+              </a:solidFill>
+              <a:latin typeface="Arial"/>
             </a:endParaRPr>
           </a:p>
         </p:txBody>
@@ -4687,8 +4659,8 @@
         </p:nvSpPr>
         <p:spPr>
           <a:xfrm>
-            <a:off x="838080" y="1825560"/>
-            <a:ext cx="5131080" cy="2075040"/>
+            <a:off x="609480" y="1604520"/>
+            <a:ext cx="5354280" cy="1896840"/>
           </a:xfrm>
           <a:prstGeom prst="rect">
             <a:avLst/>
@@ -4704,19 +4676,16 @@
           </a:bodyPr>
           <a:p>
             <a:pPr indent="0">
-              <a:lnSpc>
-                <a:spcPct val="90000"/>
-              </a:lnSpc>
               <a:spcBef>
                 <a:spcPts val="1417"/>
               </a:spcBef>
               <a:buNone/>
             </a:pPr>
-            <a:endParaRPr b="0" lang="en-US" sz="2800" spc="-1" strike="noStrike">
-              <a:solidFill>
-                <a:srgbClr val="000000"/>
-              </a:solidFill>
-              <a:latin typeface="Calibri"/>
+            <a:endParaRPr b="0" lang="en-US" sz="3200" spc="-1" strike="noStrike">
+              <a:solidFill>
+                <a:srgbClr val="000000"/>
+              </a:solidFill>
+              <a:latin typeface="Arial"/>
             </a:endParaRPr>
           </a:p>
         </p:txBody>
@@ -4733,8 +4702,8 @@
         </p:nvSpPr>
         <p:spPr>
           <a:xfrm>
-            <a:off x="6226200" y="1825560"/>
-            <a:ext cx="5131080" cy="2075040"/>
+            <a:off x="6231960" y="1604520"/>
+            <a:ext cx="5354280" cy="1896840"/>
           </a:xfrm>
           <a:prstGeom prst="rect">
             <a:avLst/>
@@ -4750,19 +4719,16 @@
           </a:bodyPr>
           <a:p>
             <a:pPr indent="0">
-              <a:lnSpc>
-                <a:spcPct val="90000"/>
-              </a:lnSpc>
               <a:spcBef>
                 <a:spcPts val="1417"/>
               </a:spcBef>
               <a:buNone/>
             </a:pPr>
-            <a:endParaRPr b="0" lang="en-US" sz="2800" spc="-1" strike="noStrike">
-              <a:solidFill>
-                <a:srgbClr val="000000"/>
-              </a:solidFill>
-              <a:latin typeface="Calibri"/>
+            <a:endParaRPr b="0" lang="en-US" sz="3200" spc="-1" strike="noStrike">
+              <a:solidFill>
+                <a:srgbClr val="000000"/>
+              </a:solidFill>
+              <a:latin typeface="Arial"/>
             </a:endParaRPr>
           </a:p>
         </p:txBody>
@@ -4779,8 +4745,8 @@
         </p:nvSpPr>
         <p:spPr>
           <a:xfrm>
-            <a:off x="838080" y="4098240"/>
-            <a:ext cx="5131080" cy="2075040"/>
+            <a:off x="609480" y="3682080"/>
+            <a:ext cx="5354280" cy="1896840"/>
           </a:xfrm>
           <a:prstGeom prst="rect">
             <a:avLst/>
@@ -4796,19 +4762,16 @@
           </a:bodyPr>
           <a:p>
             <a:pPr indent="0">
-              <a:lnSpc>
-                <a:spcPct val="90000"/>
-              </a:lnSpc>
               <a:spcBef>
                 <a:spcPts val="1417"/>
               </a:spcBef>
               <a:buNone/>
             </a:pPr>
-            <a:endParaRPr b="0" lang="en-US" sz="2800" spc="-1" strike="noStrike">
-              <a:solidFill>
-                <a:srgbClr val="000000"/>
-              </a:solidFill>
-              <a:latin typeface="Calibri"/>
+            <a:endParaRPr b="0" lang="en-US" sz="3200" spc="-1" strike="noStrike">
+              <a:solidFill>
+                <a:srgbClr val="000000"/>
+              </a:solidFill>
+              <a:latin typeface="Arial"/>
             </a:endParaRPr>
           </a:p>
         </p:txBody>
@@ -4825,8 +4788,8 @@
         </p:nvSpPr>
         <p:spPr>
           <a:xfrm>
-            <a:off x="6226200" y="4098240"/>
-            <a:ext cx="5131080" cy="2075040"/>
+            <a:off x="6231960" y="3682080"/>
+            <a:ext cx="5354280" cy="1896840"/>
           </a:xfrm>
           <a:prstGeom prst="rect">
             <a:avLst/>
@@ -4842,19 +4805,16 @@
           </a:bodyPr>
           <a:p>
             <a:pPr indent="0">
-              <a:lnSpc>
-                <a:spcPct val="90000"/>
-              </a:lnSpc>
               <a:spcBef>
                 <a:spcPts val="1417"/>
               </a:spcBef>
               <a:buNone/>
             </a:pPr>
-            <a:endParaRPr b="0" lang="en-US" sz="2800" spc="-1" strike="noStrike">
-              <a:solidFill>
-                <a:srgbClr val="000000"/>
-              </a:solidFill>
-              <a:latin typeface="Calibri"/>
+            <a:endParaRPr b="0" lang="en-US" sz="3200" spc="-1" strike="noStrike">
+              <a:solidFill>
+                <a:srgbClr val="000000"/>
+              </a:solidFill>
+              <a:latin typeface="Arial"/>
             </a:endParaRPr>
           </a:p>
         </p:txBody>
@@ -4866,7 +4826,7 @@
             <a:spLocks noGrp="1"/>
           </p:cNvSpPr>
           <p:nvPr>
-            <p:ph type="ftr" idx="5"/>
+            <p:ph type="ftr" idx="4"/>
           </p:nvPr>
         </p:nvSpPr>
         <p:spPr/>
@@ -4886,14 +4846,14 @@
             <a:spLocks noGrp="1"/>
           </p:cNvSpPr>
           <p:nvPr>
-            <p:ph type="sldNum" idx="6"/>
+            <p:ph type="sldNum" idx="5"/>
           </p:nvPr>
         </p:nvSpPr>
         <p:spPr/>
         <p:txBody>
           <a:bodyPr/>
           <a:p>
-            <a:fld id="{824AD258-3B94-4B2C-A1F2-433F682C6FA8}" type="slidenum">
+            <a:fld id="{958773E3-3884-4616-875B-C7A40E2770D5}" type="slidenum">
               <a:t>&lt;#&gt;</a:t>
             </a:fld>
           </a:p>
@@ -4906,7 +4866,7 @@
             <a:spLocks noGrp="1"/>
           </p:cNvSpPr>
           <p:nvPr>
-            <p:ph type="dt" idx="4"/>
+            <p:ph type="dt" idx="6"/>
           </p:nvPr>
         </p:nvSpPr>
         <p:spPr/>
@@ -4954,8 +4914,8 @@
         </p:nvSpPr>
         <p:spPr>
           <a:xfrm>
-            <a:off x="838080" y="365040"/>
-            <a:ext cx="10515240" cy="1325160"/>
+            <a:off x="609480" y="273600"/>
+            <a:ext cx="10972440" cy="1144800"/>
           </a:xfrm>
           <a:prstGeom prst="rect">
             <a:avLst/>
@@ -4970,14 +4930,14 @@
             <a:noAutofit/>
           </a:bodyPr>
           <a:p>
-            <a:pPr indent="0">
-              <a:buNone/>
-            </a:pPr>
-            <a:endParaRPr b="0" lang="en-US" sz="1800" spc="-1" strike="noStrike">
-              <a:solidFill>
-                <a:srgbClr val="000000"/>
-              </a:solidFill>
-              <a:latin typeface="Calibri"/>
+            <a:pPr indent="0" algn="ctr">
+              <a:buNone/>
+            </a:pPr>
+            <a:endParaRPr b="0" lang="en-US" sz="4400" spc="-1" strike="noStrike">
+              <a:solidFill>
+                <a:srgbClr val="000000"/>
+              </a:solidFill>
+              <a:latin typeface="Arial"/>
             </a:endParaRPr>
           </a:p>
         </p:txBody>
@@ -4994,8 +4954,8 @@
         </p:nvSpPr>
         <p:spPr>
           <a:xfrm>
-            <a:off x="838080" y="1825560"/>
-            <a:ext cx="3385800" cy="2075040"/>
+            <a:off x="609480" y="1604520"/>
+            <a:ext cx="3533040" cy="1896840"/>
           </a:xfrm>
           <a:prstGeom prst="rect">
             <a:avLst/>
@@ -5011,19 +4971,16 @@
           </a:bodyPr>
           <a:p>
             <a:pPr indent="0">
-              <a:lnSpc>
-                <a:spcPct val="90000"/>
-              </a:lnSpc>
               <a:spcBef>
                 <a:spcPts val="1417"/>
               </a:spcBef>
               <a:buNone/>
             </a:pPr>
-            <a:endParaRPr b="0" lang="en-US" sz="2800" spc="-1" strike="noStrike">
-              <a:solidFill>
-                <a:srgbClr val="000000"/>
-              </a:solidFill>
-              <a:latin typeface="Calibri"/>
+            <a:endParaRPr b="0" lang="en-US" sz="3200" spc="-1" strike="noStrike">
+              <a:solidFill>
+                <a:srgbClr val="000000"/>
+              </a:solidFill>
+              <a:latin typeface="Arial"/>
             </a:endParaRPr>
           </a:p>
         </p:txBody>
@@ -5040,8 +4997,8 @@
         </p:nvSpPr>
         <p:spPr>
           <a:xfrm>
-            <a:off x="4393440" y="1825560"/>
-            <a:ext cx="3385800" cy="2075040"/>
+            <a:off x="4319640" y="1604520"/>
+            <a:ext cx="3533040" cy="1896840"/>
           </a:xfrm>
           <a:prstGeom prst="rect">
             <a:avLst/>
@@ -5057,19 +5014,16 @@
           </a:bodyPr>
           <a:p>
             <a:pPr indent="0">
-              <a:lnSpc>
-                <a:spcPct val="90000"/>
-              </a:lnSpc>
               <a:spcBef>
                 <a:spcPts val="1417"/>
               </a:spcBef>
               <a:buNone/>
             </a:pPr>
-            <a:endParaRPr b="0" lang="en-US" sz="2800" spc="-1" strike="noStrike">
-              <a:solidFill>
-                <a:srgbClr val="000000"/>
-              </a:solidFill>
-              <a:latin typeface="Calibri"/>
+            <a:endParaRPr b="0" lang="en-US" sz="3200" spc="-1" strike="noStrike">
+              <a:solidFill>
+                <a:srgbClr val="000000"/>
+              </a:solidFill>
+              <a:latin typeface="Arial"/>
             </a:endParaRPr>
           </a:p>
         </p:txBody>
@@ -5086,8 +5040,8 @@
         </p:nvSpPr>
         <p:spPr>
           <a:xfrm>
-            <a:off x="7949160" y="1825560"/>
-            <a:ext cx="3385800" cy="2075040"/>
+            <a:off x="8029800" y="1604520"/>
+            <a:ext cx="3533040" cy="1896840"/>
           </a:xfrm>
           <a:prstGeom prst="rect">
             <a:avLst/>
@@ -5103,19 +5057,16 @@
           </a:bodyPr>
           <a:p>
             <a:pPr indent="0">
-              <a:lnSpc>
-                <a:spcPct val="90000"/>
-              </a:lnSpc>
               <a:spcBef>
                 <a:spcPts val="1417"/>
               </a:spcBef>
               <a:buNone/>
             </a:pPr>
-            <a:endParaRPr b="0" lang="en-US" sz="2800" spc="-1" strike="noStrike">
-              <a:solidFill>
-                <a:srgbClr val="000000"/>
-              </a:solidFill>
-              <a:latin typeface="Calibri"/>
+            <a:endParaRPr b="0" lang="en-US" sz="3200" spc="-1" strike="noStrike">
+              <a:solidFill>
+                <a:srgbClr val="000000"/>
+              </a:solidFill>
+              <a:latin typeface="Arial"/>
             </a:endParaRPr>
           </a:p>
         </p:txBody>
@@ -5132,8 +5083,8 @@
         </p:nvSpPr>
         <p:spPr>
           <a:xfrm>
-            <a:off x="838080" y="4098240"/>
-            <a:ext cx="3385800" cy="2075040"/>
+            <a:off x="609480" y="3682080"/>
+            <a:ext cx="3533040" cy="1896840"/>
           </a:xfrm>
           <a:prstGeom prst="rect">
             <a:avLst/>
@@ -5149,19 +5100,16 @@
           </a:bodyPr>
           <a:p>
             <a:pPr indent="0">
-              <a:lnSpc>
-                <a:spcPct val="90000"/>
-              </a:lnSpc>
               <a:spcBef>
                 <a:spcPts val="1417"/>
               </a:spcBef>
               <a:buNone/>
             </a:pPr>
-            <a:endParaRPr b="0" lang="en-US" sz="2800" spc="-1" strike="noStrike">
-              <a:solidFill>
-                <a:srgbClr val="000000"/>
-              </a:solidFill>
-              <a:latin typeface="Calibri"/>
+            <a:endParaRPr b="0" lang="en-US" sz="3200" spc="-1" strike="noStrike">
+              <a:solidFill>
+                <a:srgbClr val="000000"/>
+              </a:solidFill>
+              <a:latin typeface="Arial"/>
             </a:endParaRPr>
           </a:p>
         </p:txBody>
@@ -5178,8 +5126,8 @@
         </p:nvSpPr>
         <p:spPr>
           <a:xfrm>
-            <a:off x="4393440" y="4098240"/>
-            <a:ext cx="3385800" cy="2075040"/>
+            <a:off x="4319640" y="3682080"/>
+            <a:ext cx="3533040" cy="1896840"/>
           </a:xfrm>
           <a:prstGeom prst="rect">
             <a:avLst/>
@@ -5195,19 +5143,16 @@
           </a:bodyPr>
           <a:p>
             <a:pPr indent="0">
-              <a:lnSpc>
-                <a:spcPct val="90000"/>
-              </a:lnSpc>
               <a:spcBef>
                 <a:spcPts val="1417"/>
               </a:spcBef>
               <a:buNone/>
             </a:pPr>
-            <a:endParaRPr b="0" lang="en-US" sz="2800" spc="-1" strike="noStrike">
-              <a:solidFill>
-                <a:srgbClr val="000000"/>
-              </a:solidFill>
-              <a:latin typeface="Calibri"/>
+            <a:endParaRPr b="0" lang="en-US" sz="3200" spc="-1" strike="noStrike">
+              <a:solidFill>
+                <a:srgbClr val="000000"/>
+              </a:solidFill>
+              <a:latin typeface="Arial"/>
             </a:endParaRPr>
           </a:p>
         </p:txBody>
@@ -5224,8 +5169,8 @@
         </p:nvSpPr>
         <p:spPr>
           <a:xfrm>
-            <a:off x="7949160" y="4098240"/>
-            <a:ext cx="3385800" cy="2075040"/>
+            <a:off x="8029800" y="3682080"/>
+            <a:ext cx="3533040" cy="1896840"/>
           </a:xfrm>
           <a:prstGeom prst="rect">
             <a:avLst/>
@@ -5241,19 +5186,16 @@
           </a:bodyPr>
           <a:p>
             <a:pPr indent="0">
-              <a:lnSpc>
-                <a:spcPct val="90000"/>
-              </a:lnSpc>
               <a:spcBef>
                 <a:spcPts val="1417"/>
               </a:spcBef>
               <a:buNone/>
             </a:pPr>
-            <a:endParaRPr b="0" lang="en-US" sz="2800" spc="-1" strike="noStrike">
-              <a:solidFill>
-                <a:srgbClr val="000000"/>
-              </a:solidFill>
-              <a:latin typeface="Calibri"/>
+            <a:endParaRPr b="0" lang="en-US" sz="3200" spc="-1" strike="noStrike">
+              <a:solidFill>
+                <a:srgbClr val="000000"/>
+              </a:solidFill>
+              <a:latin typeface="Arial"/>
             </a:endParaRPr>
           </a:p>
         </p:txBody>
@@ -5265,7 +5207,7 @@
             <a:spLocks noGrp="1"/>
           </p:cNvSpPr>
           <p:nvPr>
-            <p:ph type="ftr" idx="5"/>
+            <p:ph type="ftr" idx="4"/>
           </p:nvPr>
         </p:nvSpPr>
         <p:spPr/>
@@ -5285,14 +5227,14 @@
             <a:spLocks noGrp="1"/>
           </p:cNvSpPr>
           <p:nvPr>
-            <p:ph type="sldNum" idx="6"/>
+            <p:ph type="sldNum" idx="5"/>
           </p:nvPr>
         </p:nvSpPr>
         <p:spPr/>
         <p:txBody>
           <a:bodyPr/>
           <a:p>
-            <a:fld id="{A7ACD3D1-D705-45A4-89D0-7DF84B8E58F8}" type="slidenum">
+            <a:fld id="{1B5ED5A3-4DAD-4973-AC9D-13C58EEF5ED7}" type="slidenum">
               <a:t>&lt;#&gt;</a:t>
             </a:fld>
           </a:p>
@@ -5305,7 +5247,7 @@
             <a:spLocks noGrp="1"/>
           </p:cNvSpPr>
           <p:nvPr>
-            <p:ph type="dt" idx="4"/>
+            <p:ph type="dt" idx="6"/>
           </p:nvPr>
         </p:nvSpPr>
         <p:spPr/>
@@ -5353,8 +5295,8 @@
         </p:nvSpPr>
         <p:spPr>
           <a:xfrm>
-            <a:off x="838080" y="365040"/>
-            <a:ext cx="10515240" cy="1325160"/>
+            <a:off x="609480" y="273600"/>
+            <a:ext cx="10972440" cy="1144800"/>
           </a:xfrm>
           <a:prstGeom prst="rect">
             <a:avLst/>
@@ -5369,14 +5311,14 @@
             <a:noAutofit/>
           </a:bodyPr>
           <a:p>
-            <a:pPr indent="0">
-              <a:buNone/>
-            </a:pPr>
-            <a:endParaRPr b="0" lang="en-US" sz="1800" spc="-1" strike="noStrike">
-              <a:solidFill>
-                <a:srgbClr val="000000"/>
-              </a:solidFill>
-              <a:latin typeface="Calibri"/>
+            <a:pPr indent="0" algn="ctr">
+              <a:buNone/>
+            </a:pPr>
+            <a:endParaRPr b="0" lang="en-US" sz="4400" spc="-1" strike="noStrike">
+              <a:solidFill>
+                <a:srgbClr val="000000"/>
+              </a:solidFill>
+              <a:latin typeface="Arial"/>
             </a:endParaRPr>
           </a:p>
         </p:txBody>
@@ -5393,8 +5335,8 @@
         </p:nvSpPr>
         <p:spPr>
           <a:xfrm>
-            <a:off x="838080" y="1825560"/>
-            <a:ext cx="10515240" cy="4350960"/>
+            <a:off x="609480" y="1604520"/>
+            <a:ext cx="10972440" cy="3977280"/>
           </a:xfrm>
           <a:prstGeom prst="rect">
             <a:avLst/>
@@ -5410,19 +5352,16 @@
           </a:bodyPr>
           <a:p>
             <a:pPr indent="0">
-              <a:lnSpc>
-                <a:spcPct val="90000"/>
-              </a:lnSpc>
               <a:spcBef>
                 <a:spcPts val="1417"/>
               </a:spcBef>
               <a:buNone/>
             </a:pPr>
-            <a:endParaRPr b="0" lang="en-US" sz="2800" spc="-1" strike="noStrike">
-              <a:solidFill>
-                <a:srgbClr val="000000"/>
-              </a:solidFill>
-              <a:latin typeface="Calibri"/>
+            <a:endParaRPr b="0" lang="en-US" sz="3200" spc="-1" strike="noStrike">
+              <a:solidFill>
+                <a:srgbClr val="000000"/>
+              </a:solidFill>
+              <a:latin typeface="Arial"/>
             </a:endParaRPr>
           </a:p>
         </p:txBody>
@@ -5434,7 +5373,7 @@
             <a:spLocks noGrp="1"/>
           </p:cNvSpPr>
           <p:nvPr>
-            <p:ph type="ftr" idx="2"/>
+            <p:ph type="ftr" idx="1"/>
           </p:nvPr>
         </p:nvSpPr>
         <p:spPr/>
@@ -5454,14 +5393,14 @@
             <a:spLocks noGrp="1"/>
           </p:cNvSpPr>
           <p:nvPr>
-            <p:ph type="sldNum" idx="3"/>
+            <p:ph type="sldNum" idx="2"/>
           </p:nvPr>
         </p:nvSpPr>
         <p:spPr/>
         <p:txBody>
           <a:bodyPr/>
           <a:p>
-            <a:fld id="{41315B67-790F-427D-923C-965FA33136DB}" type="slidenum">
+            <a:fld id="{EE1CC762-5F3C-406A-A906-DE4C20B7A0D7}" type="slidenum">
               <a:t>&lt;#&gt;</a:t>
             </a:fld>
           </a:p>
@@ -5474,7 +5413,7 @@
             <a:spLocks noGrp="1"/>
           </p:cNvSpPr>
           <p:nvPr>
-            <p:ph type="dt" idx="1"/>
+            <p:ph type="dt" idx="3"/>
           </p:nvPr>
         </p:nvSpPr>
         <p:spPr/>
@@ -5522,8 +5461,8 @@
         </p:nvSpPr>
         <p:spPr>
           <a:xfrm>
-            <a:off x="838080" y="365040"/>
-            <a:ext cx="10515240" cy="1325160"/>
+            <a:off x="609480" y="273600"/>
+            <a:ext cx="10972440" cy="1144800"/>
           </a:xfrm>
           <a:prstGeom prst="rect">
             <a:avLst/>
@@ -5538,14 +5477,14 @@
             <a:noAutofit/>
           </a:bodyPr>
           <a:p>
-            <a:pPr indent="0">
-              <a:buNone/>
-            </a:pPr>
-            <a:endParaRPr b="0" lang="en-US" sz="1800" spc="-1" strike="noStrike">
-              <a:solidFill>
-                <a:srgbClr val="000000"/>
-              </a:solidFill>
-              <a:latin typeface="Calibri"/>
+            <a:pPr indent="0" algn="ctr">
+              <a:buNone/>
+            </a:pPr>
+            <a:endParaRPr b="0" lang="en-US" sz="4400" spc="-1" strike="noStrike">
+              <a:solidFill>
+                <a:srgbClr val="000000"/>
+              </a:solidFill>
+              <a:latin typeface="Arial"/>
             </a:endParaRPr>
           </a:p>
         </p:txBody>
@@ -5562,8 +5501,8 @@
         </p:nvSpPr>
         <p:spPr>
           <a:xfrm>
-            <a:off x="838080" y="1825560"/>
-            <a:ext cx="5131080" cy="4350960"/>
+            <a:off x="609480" y="1604520"/>
+            <a:ext cx="5354280" cy="3977280"/>
           </a:xfrm>
           <a:prstGeom prst="rect">
             <a:avLst/>
@@ -5579,19 +5518,16 @@
           </a:bodyPr>
           <a:p>
             <a:pPr indent="0">
-              <a:lnSpc>
-                <a:spcPct val="90000"/>
-              </a:lnSpc>
               <a:spcBef>
                 <a:spcPts val="1417"/>
               </a:spcBef>
               <a:buNone/>
             </a:pPr>
-            <a:endParaRPr b="0" lang="en-US" sz="2800" spc="-1" strike="noStrike">
-              <a:solidFill>
-                <a:srgbClr val="000000"/>
-              </a:solidFill>
-              <a:latin typeface="Calibri"/>
+            <a:endParaRPr b="0" lang="en-US" sz="3200" spc="-1" strike="noStrike">
+              <a:solidFill>
+                <a:srgbClr val="000000"/>
+              </a:solidFill>
+              <a:latin typeface="Arial"/>
             </a:endParaRPr>
           </a:p>
         </p:txBody>
@@ -5608,8 +5544,8 @@
         </p:nvSpPr>
         <p:spPr>
           <a:xfrm>
-            <a:off x="6226200" y="1825560"/>
-            <a:ext cx="5131080" cy="4350960"/>
+            <a:off x="6231960" y="1604520"/>
+            <a:ext cx="5354280" cy="3977280"/>
           </a:xfrm>
           <a:prstGeom prst="rect">
             <a:avLst/>
@@ -5625,19 +5561,16 @@
           </a:bodyPr>
           <a:p>
             <a:pPr indent="0">
-              <a:lnSpc>
-                <a:spcPct val="90000"/>
-              </a:lnSpc>
               <a:spcBef>
                 <a:spcPts val="1417"/>
               </a:spcBef>
               <a:buNone/>
             </a:pPr>
-            <a:endParaRPr b="0" lang="en-US" sz="2800" spc="-1" strike="noStrike">
-              <a:solidFill>
-                <a:srgbClr val="000000"/>
-              </a:solidFill>
-              <a:latin typeface="Calibri"/>
+            <a:endParaRPr b="0" lang="en-US" sz="3200" spc="-1" strike="noStrike">
+              <a:solidFill>
+                <a:srgbClr val="000000"/>
+              </a:solidFill>
+              <a:latin typeface="Arial"/>
             </a:endParaRPr>
           </a:p>
         </p:txBody>
@@ -5649,7 +5582,7 @@
             <a:spLocks noGrp="1"/>
           </p:cNvSpPr>
           <p:nvPr>
-            <p:ph type="ftr" idx="2"/>
+            <p:ph type="ftr" idx="1"/>
           </p:nvPr>
         </p:nvSpPr>
         <p:spPr/>
@@ -5669,14 +5602,14 @@
             <a:spLocks noGrp="1"/>
           </p:cNvSpPr>
           <p:nvPr>
-            <p:ph type="sldNum" idx="3"/>
+            <p:ph type="sldNum" idx="2"/>
           </p:nvPr>
         </p:nvSpPr>
         <p:spPr/>
         <p:txBody>
           <a:bodyPr/>
           <a:p>
-            <a:fld id="{4850A02C-77E8-4300-8BB5-14BA56AB456F}" type="slidenum">
+            <a:fld id="{37B959D0-6080-4E9F-979A-F071FC83E1BA}" type="slidenum">
               <a:t>&lt;#&gt;</a:t>
             </a:fld>
           </a:p>
@@ -5689,7 +5622,7 @@
             <a:spLocks noGrp="1"/>
           </p:cNvSpPr>
           <p:nvPr>
-            <p:ph type="dt" idx="1"/>
+            <p:ph type="dt" idx="3"/>
           </p:nvPr>
         </p:nvSpPr>
         <p:spPr/>
@@ -5737,8 +5670,8 @@
         </p:nvSpPr>
         <p:spPr>
           <a:xfrm>
-            <a:off x="838080" y="365040"/>
-            <a:ext cx="10515240" cy="1325160"/>
+            <a:off x="609480" y="273600"/>
+            <a:ext cx="10972440" cy="1144800"/>
           </a:xfrm>
           <a:prstGeom prst="rect">
             <a:avLst/>
@@ -5753,14 +5686,14 @@
             <a:noAutofit/>
           </a:bodyPr>
           <a:p>
-            <a:pPr indent="0">
-              <a:buNone/>
-            </a:pPr>
-            <a:endParaRPr b="0" lang="en-US" sz="1800" spc="-1" strike="noStrike">
-              <a:solidFill>
-                <a:srgbClr val="000000"/>
-              </a:solidFill>
-              <a:latin typeface="Calibri"/>
+            <a:pPr indent="0" algn="ctr">
+              <a:buNone/>
+            </a:pPr>
+            <a:endParaRPr b="0" lang="en-US" sz="4400" spc="-1" strike="noStrike">
+              <a:solidFill>
+                <a:srgbClr val="000000"/>
+              </a:solidFill>
+              <a:latin typeface="Arial"/>
             </a:endParaRPr>
           </a:p>
         </p:txBody>
@@ -5772,7 +5705,7 @@
             <a:spLocks noGrp="1"/>
           </p:cNvSpPr>
           <p:nvPr>
-            <p:ph type="ftr" idx="2"/>
+            <p:ph type="ftr" idx="1"/>
           </p:nvPr>
         </p:nvSpPr>
         <p:spPr/>
@@ -5792,14 +5725,14 @@
             <a:spLocks noGrp="1"/>
           </p:cNvSpPr>
           <p:nvPr>
-            <p:ph type="sldNum" idx="3"/>
+            <p:ph type="sldNum" idx="2"/>
           </p:nvPr>
         </p:nvSpPr>
         <p:spPr/>
         <p:txBody>
           <a:bodyPr/>
           <a:p>
-            <a:fld id="{FC662FBF-E825-4BAE-841E-C8F34120AAC7}" type="slidenum">
+            <a:fld id="{F36516F7-A5C2-4246-8A41-139BEE0EDB57}" type="slidenum">
               <a:t>&lt;#&gt;</a:t>
             </a:fld>
           </a:p>
@@ -5812,7 +5745,7 @@
             <a:spLocks noGrp="1"/>
           </p:cNvSpPr>
           <p:nvPr>
-            <p:ph type="dt" idx="1"/>
+            <p:ph type="dt" idx="3"/>
           </p:nvPr>
         </p:nvSpPr>
         <p:spPr/>
@@ -5860,8 +5793,8 @@
         </p:nvSpPr>
         <p:spPr>
           <a:xfrm>
-            <a:off x="838080" y="365040"/>
-            <a:ext cx="10515240" cy="6144120"/>
+            <a:off x="609480" y="273600"/>
+            <a:ext cx="10972440" cy="5307840"/>
           </a:xfrm>
           <a:prstGeom prst="rect">
             <a:avLst/>
@@ -5893,7 +5826,7 @@
             <a:spLocks noGrp="1"/>
           </p:cNvSpPr>
           <p:nvPr>
-            <p:ph type="ftr" idx="2"/>
+            <p:ph type="ftr" idx="1"/>
           </p:nvPr>
         </p:nvSpPr>
         <p:spPr/>
@@ -5913,14 +5846,14 @@
             <a:spLocks noGrp="1"/>
           </p:cNvSpPr>
           <p:nvPr>
-            <p:ph type="sldNum" idx="3"/>
+            <p:ph type="sldNum" idx="2"/>
           </p:nvPr>
         </p:nvSpPr>
         <p:spPr/>
         <p:txBody>
           <a:bodyPr/>
           <a:p>
-            <a:fld id="{5033B3C9-5E1C-4054-BA71-745DD123C386}" type="slidenum">
+            <a:fld id="{04E764AC-83FD-4242-86C2-9D698ABF168D}" type="slidenum">
               <a:t>&lt;#&gt;</a:t>
             </a:fld>
           </a:p>
@@ -5933,7 +5866,7 @@
             <a:spLocks noGrp="1"/>
           </p:cNvSpPr>
           <p:nvPr>
-            <p:ph type="dt" idx="1"/>
+            <p:ph type="dt" idx="3"/>
           </p:nvPr>
         </p:nvSpPr>
         <p:spPr/>
@@ -5981,8 +5914,8 @@
         </p:nvSpPr>
         <p:spPr>
           <a:xfrm>
-            <a:off x="838080" y="365040"/>
-            <a:ext cx="10515240" cy="1325160"/>
+            <a:off x="609480" y="273600"/>
+            <a:ext cx="10972440" cy="1144800"/>
           </a:xfrm>
           <a:prstGeom prst="rect">
             <a:avLst/>
@@ -5997,14 +5930,14 @@
             <a:noAutofit/>
           </a:bodyPr>
           <a:p>
-            <a:pPr indent="0">
-              <a:buNone/>
-            </a:pPr>
-            <a:endParaRPr b="0" lang="en-US" sz="1800" spc="-1" strike="noStrike">
-              <a:solidFill>
-                <a:srgbClr val="000000"/>
-              </a:solidFill>
-              <a:latin typeface="Calibri"/>
+            <a:pPr indent="0" algn="ctr">
+              <a:buNone/>
+            </a:pPr>
+            <a:endParaRPr b="0" lang="en-US" sz="4400" spc="-1" strike="noStrike">
+              <a:solidFill>
+                <a:srgbClr val="000000"/>
+              </a:solidFill>
+              <a:latin typeface="Arial"/>
             </a:endParaRPr>
           </a:p>
         </p:txBody>
@@ -6021,8 +5954,8 @@
         </p:nvSpPr>
         <p:spPr>
           <a:xfrm>
-            <a:off x="838080" y="1825560"/>
-            <a:ext cx="5131080" cy="2075040"/>
+            <a:off x="609480" y="1604520"/>
+            <a:ext cx="5354280" cy="1896840"/>
           </a:xfrm>
           <a:prstGeom prst="rect">
             <a:avLst/>
@@ -6038,19 +5971,16 @@
           </a:bodyPr>
           <a:p>
             <a:pPr indent="0">
-              <a:lnSpc>
-                <a:spcPct val="90000"/>
-              </a:lnSpc>
               <a:spcBef>
                 <a:spcPts val="1417"/>
               </a:spcBef>
               <a:buNone/>
             </a:pPr>
-            <a:endParaRPr b="0" lang="en-US" sz="2800" spc="-1" strike="noStrike">
-              <a:solidFill>
-                <a:srgbClr val="000000"/>
-              </a:solidFill>
-              <a:latin typeface="Calibri"/>
+            <a:endParaRPr b="0" lang="en-US" sz="3200" spc="-1" strike="noStrike">
+              <a:solidFill>
+                <a:srgbClr val="000000"/>
+              </a:solidFill>
+              <a:latin typeface="Arial"/>
             </a:endParaRPr>
           </a:p>
         </p:txBody>
@@ -6067,8 +5997,8 @@
         </p:nvSpPr>
         <p:spPr>
           <a:xfrm>
-            <a:off x="6226200" y="1825560"/>
-            <a:ext cx="5131080" cy="4350960"/>
+            <a:off x="6231960" y="1604520"/>
+            <a:ext cx="5354280" cy="3977280"/>
           </a:xfrm>
           <a:prstGeom prst="rect">
             <a:avLst/>
@@ -6084,19 +6014,16 @@
           </a:bodyPr>
           <a:p>
             <a:pPr indent="0">
-              <a:lnSpc>
-                <a:spcPct val="90000"/>
-              </a:lnSpc>
               <a:spcBef>
                 <a:spcPts val="1417"/>
               </a:spcBef>
               <a:buNone/>
             </a:pPr>
-            <a:endParaRPr b="0" lang="en-US" sz="2800" spc="-1" strike="noStrike">
-              <a:solidFill>
-                <a:srgbClr val="000000"/>
-              </a:solidFill>
-              <a:latin typeface="Calibri"/>
+            <a:endParaRPr b="0" lang="en-US" sz="3200" spc="-1" strike="noStrike">
+              <a:solidFill>
+                <a:srgbClr val="000000"/>
+              </a:solidFill>
+              <a:latin typeface="Arial"/>
             </a:endParaRPr>
           </a:p>
         </p:txBody>
@@ -6113,8 +6040,8 @@
         </p:nvSpPr>
         <p:spPr>
           <a:xfrm>
-            <a:off x="838080" y="4098240"/>
-            <a:ext cx="5131080" cy="2075040"/>
+            <a:off x="609480" y="3682080"/>
+            <a:ext cx="5354280" cy="1896840"/>
           </a:xfrm>
           <a:prstGeom prst="rect">
             <a:avLst/>
@@ -6130,19 +6057,16 @@
           </a:bodyPr>
           <a:p>
             <a:pPr indent="0">
-              <a:lnSpc>
-                <a:spcPct val="90000"/>
-              </a:lnSpc>
               <a:spcBef>
                 <a:spcPts val="1417"/>
               </a:spcBef>
               <a:buNone/>
             </a:pPr>
-            <a:endParaRPr b="0" lang="en-US" sz="2800" spc="-1" strike="noStrike">
-              <a:solidFill>
-                <a:srgbClr val="000000"/>
-              </a:solidFill>
-              <a:latin typeface="Calibri"/>
+            <a:endParaRPr b="0" lang="en-US" sz="3200" spc="-1" strike="noStrike">
+              <a:solidFill>
+                <a:srgbClr val="000000"/>
+              </a:solidFill>
+              <a:latin typeface="Arial"/>
             </a:endParaRPr>
           </a:p>
         </p:txBody>
@@ -6154,7 +6078,7 @@
             <a:spLocks noGrp="1"/>
           </p:cNvSpPr>
           <p:nvPr>
-            <p:ph type="ftr" idx="2"/>
+            <p:ph type="ftr" idx="1"/>
           </p:nvPr>
         </p:nvSpPr>
         <p:spPr/>
@@ -6174,14 +6098,14 @@
             <a:spLocks noGrp="1"/>
           </p:cNvSpPr>
           <p:nvPr>
-            <p:ph type="sldNum" idx="3"/>
+            <p:ph type="sldNum" idx="2"/>
           </p:nvPr>
         </p:nvSpPr>
         <p:spPr/>
         <p:txBody>
           <a:bodyPr/>
           <a:p>
-            <a:fld id="{481F5132-CBBF-421F-BC91-94FBBE135DC3}" type="slidenum">
+            <a:fld id="{B4DC665D-88B9-48EA-B3A0-69888DAB6F26}" type="slidenum">
               <a:t>&lt;#&gt;</a:t>
             </a:fld>
           </a:p>
@@ -6194,7 +6118,7 @@
             <a:spLocks noGrp="1"/>
           </p:cNvSpPr>
           <p:nvPr>
-            <p:ph type="dt" idx="1"/>
+            <p:ph type="dt" idx="3"/>
           </p:nvPr>
         </p:nvSpPr>
         <p:spPr/>
@@ -6242,8 +6166,8 @@
         </p:nvSpPr>
         <p:spPr>
           <a:xfrm>
-            <a:off x="838080" y="365040"/>
-            <a:ext cx="10515240" cy="1325160"/>
+            <a:off x="609480" y="273600"/>
+            <a:ext cx="10972440" cy="1144800"/>
           </a:xfrm>
           <a:prstGeom prst="rect">
             <a:avLst/>
@@ -6258,14 +6182,14 @@
             <a:noAutofit/>
           </a:bodyPr>
           <a:p>
-            <a:pPr indent="0">
-              <a:buNone/>
-            </a:pPr>
-            <a:endParaRPr b="0" lang="en-US" sz="1800" spc="-1" strike="noStrike">
-              <a:solidFill>
-                <a:srgbClr val="000000"/>
-              </a:solidFill>
-              <a:latin typeface="Calibri"/>
+            <a:pPr indent="0" algn="ctr">
+              <a:buNone/>
+            </a:pPr>
+            <a:endParaRPr b="0" lang="en-US" sz="4400" spc="-1" strike="noStrike">
+              <a:solidFill>
+                <a:srgbClr val="000000"/>
+              </a:solidFill>
+              <a:latin typeface="Arial"/>
             </a:endParaRPr>
           </a:p>
         </p:txBody>
@@ -6282,8 +6206,8 @@
         </p:nvSpPr>
         <p:spPr>
           <a:xfrm>
-            <a:off x="838080" y="1825560"/>
-            <a:ext cx="5131080" cy="4350960"/>
+            <a:off x="609480" y="1604520"/>
+            <a:ext cx="5354280" cy="3977280"/>
           </a:xfrm>
           <a:prstGeom prst="rect">
             <a:avLst/>
@@ -6299,19 +6223,16 @@
           </a:bodyPr>
           <a:p>
             <a:pPr indent="0">
-              <a:lnSpc>
-                <a:spcPct val="90000"/>
-              </a:lnSpc>
               <a:spcBef>
                 <a:spcPts val="1417"/>
               </a:spcBef>
               <a:buNone/>
             </a:pPr>
-            <a:endParaRPr b="0" lang="en-US" sz="2800" spc="-1" strike="noStrike">
-              <a:solidFill>
-                <a:srgbClr val="000000"/>
-              </a:solidFill>
-              <a:latin typeface="Calibri"/>
+            <a:endParaRPr b="0" lang="en-US" sz="3200" spc="-1" strike="noStrike">
+              <a:solidFill>
+                <a:srgbClr val="000000"/>
+              </a:solidFill>
+              <a:latin typeface="Arial"/>
             </a:endParaRPr>
           </a:p>
         </p:txBody>
@@ -6328,8 +6249,8 @@
         </p:nvSpPr>
         <p:spPr>
           <a:xfrm>
-            <a:off x="6226200" y="1825560"/>
-            <a:ext cx="5131080" cy="2075040"/>
+            <a:off x="6231960" y="1604520"/>
+            <a:ext cx="5354280" cy="1896840"/>
           </a:xfrm>
           <a:prstGeom prst="rect">
             <a:avLst/>
@@ -6345,19 +6266,16 @@
           </a:bodyPr>
           <a:p>
             <a:pPr indent="0">
-              <a:lnSpc>
-                <a:spcPct val="90000"/>
-              </a:lnSpc>
               <a:spcBef>
                 <a:spcPts val="1417"/>
               </a:spcBef>
               <a:buNone/>
             </a:pPr>
-            <a:endParaRPr b="0" lang="en-US" sz="2800" spc="-1" strike="noStrike">
-              <a:solidFill>
-                <a:srgbClr val="000000"/>
-              </a:solidFill>
-              <a:latin typeface="Calibri"/>
+            <a:endParaRPr b="0" lang="en-US" sz="3200" spc="-1" strike="noStrike">
+              <a:solidFill>
+                <a:srgbClr val="000000"/>
+              </a:solidFill>
+              <a:latin typeface="Arial"/>
             </a:endParaRPr>
           </a:p>
         </p:txBody>
@@ -6374,8 +6292,8 @@
         </p:nvSpPr>
         <p:spPr>
           <a:xfrm>
-            <a:off x="6226200" y="4098240"/>
-            <a:ext cx="5131080" cy="2075040"/>
+            <a:off x="6231960" y="3682080"/>
+            <a:ext cx="5354280" cy="1896840"/>
           </a:xfrm>
           <a:prstGeom prst="rect">
             <a:avLst/>
@@ -6391,19 +6309,16 @@
           </a:bodyPr>
           <a:p>
             <a:pPr indent="0">
-              <a:lnSpc>
-                <a:spcPct val="90000"/>
-              </a:lnSpc>
               <a:spcBef>
                 <a:spcPts val="1417"/>
               </a:spcBef>
               <a:buNone/>
             </a:pPr>
-            <a:endParaRPr b="0" lang="en-US" sz="2800" spc="-1" strike="noStrike">
-              <a:solidFill>
-                <a:srgbClr val="000000"/>
-              </a:solidFill>
-              <a:latin typeface="Calibri"/>
+            <a:endParaRPr b="0" lang="en-US" sz="3200" spc="-1" strike="noStrike">
+              <a:solidFill>
+                <a:srgbClr val="000000"/>
+              </a:solidFill>
+              <a:latin typeface="Arial"/>
             </a:endParaRPr>
           </a:p>
         </p:txBody>
@@ -6415,7 +6330,7 @@
             <a:spLocks noGrp="1"/>
           </p:cNvSpPr>
           <p:nvPr>
-            <p:ph type="ftr" idx="2"/>
+            <p:ph type="ftr" idx="1"/>
           </p:nvPr>
         </p:nvSpPr>
         <p:spPr/>
@@ -6435,14 +6350,14 @@
             <a:spLocks noGrp="1"/>
           </p:cNvSpPr>
           <p:nvPr>
-            <p:ph type="sldNum" idx="3"/>
+            <p:ph type="sldNum" idx="2"/>
           </p:nvPr>
         </p:nvSpPr>
         <p:spPr/>
         <p:txBody>
           <a:bodyPr/>
           <a:p>
-            <a:fld id="{3F58D855-3992-4F9B-98C0-7649DF1FED10}" type="slidenum">
+            <a:fld id="{B6647AFB-3FB8-43CD-8C26-6E3427CFFF83}" type="slidenum">
               <a:t>&lt;#&gt;</a:t>
             </a:fld>
           </a:p>
@@ -6455,7 +6370,7 @@
             <a:spLocks noGrp="1"/>
           </p:cNvSpPr>
           <p:nvPr>
-            <p:ph type="dt" idx="1"/>
+            <p:ph type="dt" idx="3"/>
           </p:nvPr>
         </p:nvSpPr>
         <p:spPr/>
@@ -6503,8 +6418,8 @@
         </p:nvSpPr>
         <p:spPr>
           <a:xfrm>
-            <a:off x="838080" y="365040"/>
-            <a:ext cx="10515240" cy="1325160"/>
+            <a:off x="609480" y="273600"/>
+            <a:ext cx="10972440" cy="1144800"/>
           </a:xfrm>
           <a:prstGeom prst="rect">
             <a:avLst/>
@@ -6519,14 +6434,14 @@
             <a:noAutofit/>
           </a:bodyPr>
           <a:p>
-            <a:pPr indent="0">
-              <a:buNone/>
-            </a:pPr>
-            <a:endParaRPr b="0" lang="en-US" sz="1800" spc="-1" strike="noStrike">
-              <a:solidFill>
-                <a:srgbClr val="000000"/>
-              </a:solidFill>
-              <a:latin typeface="Calibri"/>
+            <a:pPr indent="0" algn="ctr">
+              <a:buNone/>
+            </a:pPr>
+            <a:endParaRPr b="0" lang="en-US" sz="4400" spc="-1" strike="noStrike">
+              <a:solidFill>
+                <a:srgbClr val="000000"/>
+              </a:solidFill>
+              <a:latin typeface="Arial"/>
             </a:endParaRPr>
           </a:p>
         </p:txBody>
@@ -6543,8 +6458,8 @@
         </p:nvSpPr>
         <p:spPr>
           <a:xfrm>
-            <a:off x="838080" y="1825560"/>
-            <a:ext cx="5131080" cy="2075040"/>
+            <a:off x="609480" y="1604520"/>
+            <a:ext cx="5354280" cy="1896840"/>
           </a:xfrm>
           <a:prstGeom prst="rect">
             <a:avLst/>
@@ -6560,19 +6475,16 @@
           </a:bodyPr>
           <a:p>
             <a:pPr indent="0">
-              <a:lnSpc>
-                <a:spcPct val="90000"/>
-              </a:lnSpc>
               <a:spcBef>
                 <a:spcPts val="1417"/>
               </a:spcBef>
               <a:buNone/>
             </a:pPr>
-            <a:endParaRPr b="0" lang="en-US" sz="2800" spc="-1" strike="noStrike">
-              <a:solidFill>
-                <a:srgbClr val="000000"/>
-              </a:solidFill>
-              <a:latin typeface="Calibri"/>
+            <a:endParaRPr b="0" lang="en-US" sz="3200" spc="-1" strike="noStrike">
+              <a:solidFill>
+                <a:srgbClr val="000000"/>
+              </a:solidFill>
+              <a:latin typeface="Arial"/>
             </a:endParaRPr>
           </a:p>
         </p:txBody>
@@ -6589,8 +6501,8 @@
         </p:nvSpPr>
         <p:spPr>
           <a:xfrm>
-            <a:off x="6226200" y="1825560"/>
-            <a:ext cx="5131080" cy="2075040"/>
+            <a:off x="6231960" y="1604520"/>
+            <a:ext cx="5354280" cy="1896840"/>
           </a:xfrm>
           <a:prstGeom prst="rect">
             <a:avLst/>
@@ -6606,19 +6518,16 @@
           </a:bodyPr>
           <a:p>
             <a:pPr indent="0">
-              <a:lnSpc>
-                <a:spcPct val="90000"/>
-              </a:lnSpc>
               <a:spcBef>
                 <a:spcPts val="1417"/>
               </a:spcBef>
               <a:buNone/>
             </a:pPr>
-            <a:endParaRPr b="0" lang="en-US" sz="2800" spc="-1" strike="noStrike">
-              <a:solidFill>
-                <a:srgbClr val="000000"/>
-              </a:solidFill>
-              <a:latin typeface="Calibri"/>
+            <a:endParaRPr b="0" lang="en-US" sz="3200" spc="-1" strike="noStrike">
+              <a:solidFill>
+                <a:srgbClr val="000000"/>
+              </a:solidFill>
+              <a:latin typeface="Arial"/>
             </a:endParaRPr>
           </a:p>
         </p:txBody>
@@ -6635,8 +6544,8 @@
         </p:nvSpPr>
         <p:spPr>
           <a:xfrm>
-            <a:off x="838080" y="4098240"/>
-            <a:ext cx="10515240" cy="2075040"/>
+            <a:off x="609480" y="3682080"/>
+            <a:ext cx="10972440" cy="1896840"/>
           </a:xfrm>
           <a:prstGeom prst="rect">
             <a:avLst/>
@@ -6652,19 +6561,16 @@
           </a:bodyPr>
           <a:p>
             <a:pPr indent="0">
-              <a:lnSpc>
-                <a:spcPct val="90000"/>
-              </a:lnSpc>
               <a:spcBef>
                 <a:spcPts val="1417"/>
               </a:spcBef>
               <a:buNone/>
             </a:pPr>
-            <a:endParaRPr b="0" lang="en-US" sz="2800" spc="-1" strike="noStrike">
-              <a:solidFill>
-                <a:srgbClr val="000000"/>
-              </a:solidFill>
-              <a:latin typeface="Calibri"/>
+            <a:endParaRPr b="0" lang="en-US" sz="3200" spc="-1" strike="noStrike">
+              <a:solidFill>
+                <a:srgbClr val="000000"/>
+              </a:solidFill>
+              <a:latin typeface="Arial"/>
             </a:endParaRPr>
           </a:p>
         </p:txBody>
@@ -6676,7 +6582,7 @@
             <a:spLocks noGrp="1"/>
           </p:cNvSpPr>
           <p:nvPr>
-            <p:ph type="ftr" idx="2"/>
+            <p:ph type="ftr" idx="1"/>
           </p:nvPr>
         </p:nvSpPr>
         <p:spPr/>
@@ -6696,14 +6602,14 @@
             <a:spLocks noGrp="1"/>
           </p:cNvSpPr>
           <p:nvPr>
-            <p:ph type="sldNum" idx="3"/>
+            <p:ph type="sldNum" idx="2"/>
           </p:nvPr>
         </p:nvSpPr>
         <p:spPr/>
         <p:txBody>
           <a:bodyPr/>
           <a:p>
-            <a:fld id="{FF46302E-AE6D-4584-A2DB-1431F681589B}" type="slidenum">
+            <a:fld id="{D150A885-4142-47C8-85CD-8DE319A2F7E7}" type="slidenum">
               <a:t>&lt;#&gt;</a:t>
             </a:fld>
           </a:p>
@@ -6716,7 +6622,7 @@
             <a:spLocks noGrp="1"/>
           </p:cNvSpPr>
           <p:nvPr>
-            <p:ph type="dt" idx="1"/>
+            <p:ph type="dt" idx="3"/>
           </p:nvPr>
         </p:nvSpPr>
         <p:spPr/>
@@ -6771,42 +6677,39 @@
         </p:nvSpPr>
         <p:spPr>
           <a:xfrm>
-            <a:off x="1523880" y="1122480"/>
-            <a:ext cx="9143640" cy="2387160"/>
-          </a:xfrm>
-          <a:prstGeom prst="rect">
-            <a:avLst/>
-          </a:prstGeom>
-          <a:noFill/>
-          <a:ln w="0">
-            <a:noFill/>
-          </a:ln>
-        </p:spPr>
-        <p:txBody>
-          <a:bodyPr anchor="b">
+            <a:off x="838080" y="365040"/>
+            <a:ext cx="10514880" cy="1324800"/>
+          </a:xfrm>
+          <a:prstGeom prst="rect">
+            <a:avLst/>
+          </a:prstGeom>
+          <a:noFill/>
+          <a:ln w="0">
+            <a:noFill/>
+          </a:ln>
+        </p:spPr>
+        <p:txBody>
+          <a:bodyPr lIns="0" rIns="0" tIns="0" bIns="0" anchor="ctr">
             <a:noAutofit/>
           </a:bodyPr>
           <a:p>
-            <a:pPr indent="0" algn="ctr">
-              <a:lnSpc>
-                <a:spcPct val="90000"/>
-              </a:lnSpc>
-              <a:buNone/>
-            </a:pPr>
-            <a:r>
-              <a:rPr b="0" lang="en-US" sz="6000" spc="-1" strike="noStrike">
+            <a:pPr indent="0">
+              <a:buNone/>
+            </a:pPr>
+            <a:r>
+              <a:rPr b="0" lang="en-US" sz="1800" spc="-1" strike="noStrike">
                 <a:solidFill>
                   <a:srgbClr val="000000"/>
                 </a:solidFill>
-                <a:latin typeface="Calibri Light"/>
+                <a:latin typeface="Arial"/>
               </a:rPr>
-              <a:t>Click to edit Master title style</a:t>
-            </a:r>
-            <a:endParaRPr b="0" lang="en-US" sz="6000" spc="-1" strike="noStrike">
-              <a:solidFill>
-                <a:srgbClr val="000000"/>
-              </a:solidFill>
-              <a:latin typeface="Calibri"/>
+              <a:t>Click to edit the title text format</a:t>
+            </a:r>
+            <a:endParaRPr b="0" lang="en-US" sz="1800" spc="-1" strike="noStrike">
+              <a:solidFill>
+                <a:srgbClr val="000000"/>
+              </a:solidFill>
+              <a:latin typeface="Arial"/>
             </a:endParaRPr>
           </a:p>
         </p:txBody>
@@ -6818,32 +6721,107 @@
             <a:spLocks noGrp="1"/>
           </p:cNvSpPr>
           <p:nvPr>
-            <p:ph type="dt" idx="1"/>
-          </p:nvPr>
-        </p:nvSpPr>
-        <p:spPr>
-          <a:xfrm>
-            <a:off x="838080" y="6356520"/>
-            <a:ext cx="2742840" cy="364680"/>
-          </a:xfrm>
-          <a:prstGeom prst="rect">
-            <a:avLst/>
-          </a:prstGeom>
-          <a:noFill/>
-          <a:ln w="0">
-            <a:noFill/>
-          </a:ln>
-        </p:spPr>
-        <p:txBody>
-          <a:bodyPr anchor="ctr">
+            <p:ph type="ftr" idx="1"/>
+          </p:nvPr>
+        </p:nvSpPr>
+        <p:spPr>
+          <a:xfrm>
+            <a:off x="4038480" y="6356520"/>
+            <a:ext cx="4114080" cy="364320"/>
+          </a:xfrm>
+          <a:prstGeom prst="rect">
+            <a:avLst/>
+          </a:prstGeom>
+          <a:noFill/>
+          <a:ln w="0">
+            <a:noFill/>
+          </a:ln>
+        </p:spPr>
+        <p:txBody>
+          <a:bodyPr lIns="90000" rIns="90000" tIns="45000" bIns="45000" anchor="ctr">
             <a:noAutofit/>
           </a:bodyPr>
           <a:lstStyle>
-            <a:lvl1pPr indent="0">
+            <a:lvl1pPr indent="0" algn="ctr">
               <a:lnSpc>
                 <a:spcPct val="100000"/>
               </a:lnSpc>
               <a:buNone/>
+              <a:tabLst>
+                <a:tab algn="l" pos="0"/>
+              </a:tabLst>
+              <a:defRPr b="0" lang="en-US" sz="1400" spc="-1" strike="noStrike">
+                <a:solidFill>
+                  <a:srgbClr val="000000"/>
+                </a:solidFill>
+                <a:latin typeface="Times New Roman"/>
+              </a:defRPr>
+            </a:lvl1pPr>
+          </a:lstStyle>
+          <a:p>
+            <a:pPr indent="0" algn="ctr">
+              <a:lnSpc>
+                <a:spcPct val="100000"/>
+              </a:lnSpc>
+              <a:buNone/>
+              <a:tabLst>
+                <a:tab algn="l" pos="0"/>
+              </a:tabLst>
+            </a:pPr>
+            <a:r>
+              <a:rPr b="0" lang="en-US" sz="1400" spc="-1" strike="noStrike">
+                <a:solidFill>
+                  <a:srgbClr val="000000"/>
+                </a:solidFill>
+                <a:latin typeface="Times New Roman"/>
+              </a:rPr>
+              <a:t>&lt;footer&gt;</a:t>
+            </a:r>
+            <a:endParaRPr b="0" lang="en-US" sz="1400" spc="-1" strike="noStrike">
+              <a:solidFill>
+                <a:srgbClr val="000000"/>
+              </a:solidFill>
+              <a:latin typeface="Times New Roman"/>
+            </a:endParaRPr>
+          </a:p>
+        </p:txBody>
+      </p:sp>
+      <p:sp>
+        <p:nvSpPr>
+          <p:cNvPr id="2" name="PlaceHolder 3"/>
+          <p:cNvSpPr>
+            <a:spLocks noGrp="1"/>
+          </p:cNvSpPr>
+          <p:nvPr>
+            <p:ph type="sldNum" idx="2"/>
+          </p:nvPr>
+        </p:nvSpPr>
+        <p:spPr>
+          <a:xfrm>
+            <a:off x="8610480" y="6356520"/>
+            <a:ext cx="2742480" cy="364320"/>
+          </a:xfrm>
+          <a:prstGeom prst="rect">
+            <a:avLst/>
+          </a:prstGeom>
+          <a:noFill/>
+          <a:ln w="0">
+            <a:noFill/>
+          </a:ln>
+        </p:spPr>
+        <p:txBody>
+          <a:bodyPr lIns="90000" rIns="90000" tIns="45000" bIns="45000" anchor="ctr">
+            <a:noAutofit/>
+          </a:bodyPr>
+          <a:lstStyle>
+            <a:lvl1pPr indent="0" algn="r">
+              <a:lnSpc>
+                <a:spcPct val="100000"/>
+              </a:lnSpc>
+              <a:buNone/>
+              <a:tabLst>
+                <a:tab algn="l" pos="0"/>
+              </a:tabLst>
               <a:defRPr b="0" lang="en-US" sz="1200" spc="-1" strike="noStrike">
                 <a:solidFill>
                   <a:srgbClr val="8b8b8b"/>
@@ -6853,139 +6831,16 @@
             </a:lvl1pPr>
           </a:lstStyle>
           <a:p>
-            <a:pPr indent="0">
-              <a:lnSpc>
-                <a:spcPct val="100000"/>
-              </a:lnSpc>
-              <a:buNone/>
-            </a:pPr>
-            <a:r>
-              <a:rPr b="0" lang="en-US" sz="1200" spc="-1" strike="noStrike">
-                <a:solidFill>
-                  <a:srgbClr val="8b8b8b"/>
-                </a:solidFill>
-                <a:latin typeface="Calibri"/>
-              </a:rPr>
-              <a:t>&lt;date/time&gt;</a:t>
-            </a:r>
-            <a:endParaRPr b="0" lang="en-US" sz="1200" spc="-1" strike="noStrike">
-              <a:solidFill>
-                <a:srgbClr val="000000"/>
-              </a:solidFill>
-              <a:latin typeface="Times New Roman"/>
-            </a:endParaRPr>
-          </a:p>
-        </p:txBody>
-      </p:sp>
-      <p:sp>
-        <p:nvSpPr>
-          <p:cNvPr id="2" name="PlaceHolder 3"/>
-          <p:cNvSpPr>
-            <a:spLocks noGrp="1"/>
-          </p:cNvSpPr>
-          <p:nvPr>
-            <p:ph type="ftr" idx="2"/>
-          </p:nvPr>
-        </p:nvSpPr>
-        <p:spPr>
-          <a:xfrm>
-            <a:off x="4038480" y="6356520"/>
-            <a:ext cx="4114440" cy="364680"/>
-          </a:xfrm>
-          <a:prstGeom prst="rect">
-            <a:avLst/>
-          </a:prstGeom>
-          <a:noFill/>
-          <a:ln w="0">
-            <a:noFill/>
-          </a:ln>
-        </p:spPr>
-        <p:txBody>
-          <a:bodyPr anchor="ctr">
-            <a:noAutofit/>
-          </a:bodyPr>
-          <a:lstStyle>
-            <a:lvl1pPr indent="0" algn="ctr">
-              <a:buNone/>
-              <a:defRPr b="0" lang="en-US" sz="1400" spc="-1" strike="noStrike">
-                <a:solidFill>
-                  <a:srgbClr val="000000"/>
-                </a:solidFill>
-                <a:latin typeface="Times New Roman"/>
-              </a:defRPr>
-            </a:lvl1pPr>
-          </a:lstStyle>
-          <a:p>
-            <a:pPr indent="0" algn="ctr">
-              <a:buNone/>
-            </a:pPr>
-            <a:r>
-              <a:rPr b="0" lang="en-US" sz="1400" spc="-1" strike="noStrike">
-                <a:solidFill>
-                  <a:srgbClr val="000000"/>
-                </a:solidFill>
-                <a:latin typeface="Times New Roman"/>
-              </a:rPr>
-              <a:t>&lt;footer&gt;</a:t>
-            </a:r>
-            <a:endParaRPr b="0" lang="en-US" sz="1400" spc="-1" strike="noStrike">
-              <a:solidFill>
-                <a:srgbClr val="000000"/>
-              </a:solidFill>
-              <a:latin typeface="Times New Roman"/>
-            </a:endParaRPr>
-          </a:p>
-        </p:txBody>
-      </p:sp>
-      <p:sp>
-        <p:nvSpPr>
-          <p:cNvPr id="3" name="PlaceHolder 4"/>
-          <p:cNvSpPr>
-            <a:spLocks noGrp="1"/>
-          </p:cNvSpPr>
-          <p:nvPr>
-            <p:ph type="sldNum" idx="3"/>
-          </p:nvPr>
-        </p:nvSpPr>
-        <p:spPr>
-          <a:xfrm>
-            <a:off x="8610480" y="6356520"/>
-            <a:ext cx="2742840" cy="364680"/>
-          </a:xfrm>
-          <a:prstGeom prst="rect">
-            <a:avLst/>
-          </a:prstGeom>
-          <a:noFill/>
-          <a:ln w="0">
-            <a:noFill/>
-          </a:ln>
-        </p:spPr>
-        <p:txBody>
-          <a:bodyPr anchor="ctr">
-            <a:noAutofit/>
-          </a:bodyPr>
-          <a:lstStyle>
-            <a:lvl1pPr indent="0" algn="r">
-              <a:lnSpc>
-                <a:spcPct val="100000"/>
-              </a:lnSpc>
-              <a:buNone/>
-              <a:defRPr b="0" lang="en-US" sz="1200" spc="-1" strike="noStrike">
-                <a:solidFill>
-                  <a:srgbClr val="8b8b8b"/>
-                </a:solidFill>
-                <a:latin typeface="Calibri"/>
-              </a:defRPr>
-            </a:lvl1pPr>
-          </a:lstStyle>
-          <a:p>
             <a:pPr indent="0" algn="r">
               <a:lnSpc>
                 <a:spcPct val="100000"/>
               </a:lnSpc>
               <a:buNone/>
-            </a:pPr>
-            <a:fld id="{8C6C3473-75A3-4876-A461-A745BF623B44}" type="slidenum">
+              <a:tabLst>
+                <a:tab algn="l" pos="0"/>
+              </a:tabLst>
+            </a:pPr>
+            <a:fld id="{61440FDB-7674-4A2F-A4F1-E451E7A85D62}" type="slidenum">
               <a:rPr b="0" lang="en-US" sz="1200" spc="-1" strike="noStrike">
                 <a:solidFill>
                   <a:srgbClr val="8b8b8b"/>
@@ -7005,6 +6860,66 @@
       </p:sp>
       <p:sp>
         <p:nvSpPr>
+          <p:cNvPr id="3" name="PlaceHolder 4"/>
+          <p:cNvSpPr>
+            <a:spLocks noGrp="1"/>
+          </p:cNvSpPr>
+          <p:nvPr>
+            <p:ph type="dt" idx="3"/>
+          </p:nvPr>
+        </p:nvSpPr>
+        <p:spPr>
+          <a:xfrm>
+            <a:off x="838080" y="6356520"/>
+            <a:ext cx="2742480" cy="364320"/>
+          </a:xfrm>
+          <a:prstGeom prst="rect">
+            <a:avLst/>
+          </a:prstGeom>
+          <a:noFill/>
+          <a:ln w="0">
+            <a:noFill/>
+          </a:ln>
+        </p:spPr>
+        <p:txBody>
+          <a:bodyPr lIns="90000" rIns="90000" tIns="45000" bIns="45000" anchor="ctr">
+            <a:noAutofit/>
+          </a:bodyPr>
+          <a:lstStyle>
+            <a:lvl1pPr indent="0">
+              <a:buNone/>
+              <a:defRPr b="0" lang="en-US" sz="1400" spc="-1" strike="noStrike">
+                <a:solidFill>
+                  <a:srgbClr val="000000"/>
+                </a:solidFill>
+                <a:latin typeface="Times New Roman"/>
+              </a:defRPr>
+            </a:lvl1pPr>
+          </a:lstStyle>
+          <a:p>
+            <a:pPr indent="0">
+              <a:buNone/>
+            </a:pPr>
+            <a:r>
+              <a:rPr b="0" lang="en-US" sz="1400" spc="-1" strike="noStrike">
+                <a:solidFill>
+                  <a:srgbClr val="000000"/>
+                </a:solidFill>
+                <a:latin typeface="Times New Roman"/>
+              </a:rPr>
+              <a:t>&lt;date/time&gt;</a:t>
+            </a:r>
+            <a:endParaRPr b="0" lang="en-US" sz="1400" spc="-1" strike="noStrike">
+              <a:solidFill>
+                <a:srgbClr val="000000"/>
+              </a:solidFill>
+              <a:latin typeface="Times New Roman"/>
+            </a:endParaRPr>
+          </a:p>
+        </p:txBody>
+      </p:sp>
+      <p:sp>
+        <p:nvSpPr>
           <p:cNvPr id="4" name="PlaceHolder 5"/>
           <p:cNvSpPr>
             <a:spLocks noGrp="1"/>
@@ -7032,9 +6947,6 @@
           </a:bodyPr>
           <a:p>
             <a:pPr marL="432000" indent="-324000">
-              <a:lnSpc>
-                <a:spcPct val="90000"/>
-              </a:lnSpc>
               <a:spcBef>
                 <a:spcPts val="1417"/>
               </a:spcBef>
@@ -7046,28 +6958,81 @@
               <a:buChar char=""/>
             </a:pPr>
             <a:r>
+              <a:rPr b="0" lang="en-US" sz="3200" spc="-1" strike="noStrike">
+                <a:solidFill>
+                  <a:srgbClr val="000000"/>
+                </a:solidFill>
+                <a:latin typeface="Arial"/>
+              </a:rPr>
+              <a:t>Click to edit the outline text format</a:t>
+            </a:r>
+            <a:endParaRPr b="0" lang="en-US" sz="3200" spc="-1" strike="noStrike">
+              <a:solidFill>
+                <a:srgbClr val="000000"/>
+              </a:solidFill>
+              <a:latin typeface="Arial"/>
+            </a:endParaRPr>
+          </a:p>
+          <a:p>
+            <a:pPr lvl="1" marL="864000" indent="-324000">
+              <a:spcBef>
+                <a:spcPts val="1134"/>
+              </a:spcBef>
+              <a:buClr>
+                <a:srgbClr val="000000"/>
+              </a:buClr>
+              <a:buSzPct val="75000"/>
+              <a:buFont typeface="Symbol" charset="2"/>
+              <a:buChar char=""/>
+            </a:pPr>
+            <a:r>
               <a:rPr b="0" lang="en-US" sz="2800" spc="-1" strike="noStrike">
                 <a:solidFill>
                   <a:srgbClr val="000000"/>
                 </a:solidFill>
-                <a:latin typeface="Calibri"/>
+                <a:latin typeface="Arial"/>
               </a:rPr>
-              <a:t>Click to edit the outline text format</a:t>
+              <a:t>Second Outline Level</a:t>
             </a:r>
             <a:endParaRPr b="0" lang="en-US" sz="2800" spc="-1" strike="noStrike">
               <a:solidFill>
                 <a:srgbClr val="000000"/>
               </a:solidFill>
-              <a:latin typeface="Calibri"/>
-            </a:endParaRPr>
-          </a:p>
-          <a:p>
-            <a:pPr lvl="1" marL="864000" indent="-324000">
-              <a:lnSpc>
-                <a:spcPct val="90000"/>
-              </a:lnSpc>
+              <a:latin typeface="Arial"/>
+            </a:endParaRPr>
+          </a:p>
+          <a:p>
+            <a:pPr lvl="2" marL="1296000" indent="-288000">
               <a:spcBef>
-                <a:spcPts val="1134"/>
+                <a:spcPts val="850"/>
+              </a:spcBef>
+              <a:buClr>
+                <a:srgbClr val="000000"/>
+              </a:buClr>
+              <a:buSzPct val="45000"/>
+              <a:buFont typeface="Wingdings" charset="2"/>
+              <a:buChar char=""/>
+            </a:pPr>
+            <a:r>
+              <a:rPr b="0" lang="en-US" sz="2400" spc="-1" strike="noStrike">
+                <a:solidFill>
+                  <a:srgbClr val="000000"/>
+                </a:solidFill>
+                <a:latin typeface="Arial"/>
+              </a:rPr>
+              <a:t>Third Outline Level</a:t>
+            </a:r>
+            <a:endParaRPr b="0" lang="en-US" sz="2400" spc="-1" strike="noStrike">
+              <a:solidFill>
+                <a:srgbClr val="000000"/>
+              </a:solidFill>
+              <a:latin typeface="Arial"/>
+            </a:endParaRPr>
+          </a:p>
+          <a:p>
+            <a:pPr lvl="3" marL="1728000" indent="-216000">
+              <a:spcBef>
+                <a:spcPts val="567"/>
               </a:spcBef>
               <a:buClr>
                 <a:srgbClr val="000000"/>
@@ -7081,24 +7046,21 @@
                 <a:solidFill>
                   <a:srgbClr val="000000"/>
                 </a:solidFill>
-                <a:latin typeface="Calibri"/>
+                <a:latin typeface="Arial"/>
               </a:rPr>
-              <a:t>Second Outline Level</a:t>
+              <a:t>Fourth Outline Level</a:t>
             </a:r>
             <a:endParaRPr b="0" lang="en-US" sz="2000" spc="-1" strike="noStrike">
               <a:solidFill>
                 <a:srgbClr val="000000"/>
               </a:solidFill>
-              <a:latin typeface="Calibri"/>
-            </a:endParaRPr>
-          </a:p>
-          <a:p>
-            <a:pPr lvl="2" marL="1296000" indent="-288000">
-              <a:lnSpc>
-                <a:spcPct val="90000"/>
-              </a:lnSpc>
+              <a:latin typeface="Arial"/>
+            </a:endParaRPr>
+          </a:p>
+          <a:p>
+            <a:pPr lvl="4" marL="2160000" indent="-216000">
               <a:spcBef>
-                <a:spcPts val="850"/>
+                <a:spcPts val="283"/>
               </a:spcBef>
               <a:buClr>
                 <a:srgbClr val="000000"/>
@@ -7108,57 +7070,23 @@
               <a:buChar char=""/>
             </a:pPr>
             <a:r>
-              <a:rPr b="0" lang="en-US" sz="1800" spc="-1" strike="noStrike">
+              <a:rPr b="0" lang="en-US" sz="2000" spc="-1" strike="noStrike">
                 <a:solidFill>
                   <a:srgbClr val="000000"/>
                 </a:solidFill>
-                <a:latin typeface="Calibri"/>
+                <a:latin typeface="Arial"/>
               </a:rPr>
-              <a:t>Third Outline Level</a:t>
-            </a:r>
-            <a:endParaRPr b="0" lang="en-US" sz="1800" spc="-1" strike="noStrike">
-              <a:solidFill>
-                <a:srgbClr val="000000"/>
-              </a:solidFill>
-              <a:latin typeface="Calibri"/>
-            </a:endParaRPr>
-          </a:p>
-          <a:p>
-            <a:pPr lvl="3" marL="1728000" indent="-216000">
-              <a:lnSpc>
-                <a:spcPct val="90000"/>
-              </a:lnSpc>
-              <a:spcBef>
-                <a:spcPts val="567"/>
-              </a:spcBef>
-              <a:buClr>
-                <a:srgbClr val="000000"/>
-              </a:buClr>
-              <a:buSzPct val="75000"/>
-              <a:buFont typeface="Symbol" charset="2"/>
-              <a:buChar char=""/>
-            </a:pPr>
-            <a:r>
-              <a:rPr b="0" lang="en-US" sz="1800" spc="-1" strike="noStrike">
-                <a:solidFill>
-                  <a:srgbClr val="000000"/>
-                </a:solidFill>
-                <a:latin typeface="Calibri"/>
-              </a:rPr>
-              <a:t>Fourth Outline Level</a:t>
-            </a:r>
-            <a:endParaRPr b="0" lang="en-US" sz="1800" spc="-1" strike="noStrike">
-              <a:solidFill>
-                <a:srgbClr val="000000"/>
-              </a:solidFill>
-              <a:latin typeface="Calibri"/>
-            </a:endParaRPr>
-          </a:p>
-          <a:p>
-            <a:pPr lvl="4" marL="2160000" indent="-216000">
-              <a:lnSpc>
-                <a:spcPct val="90000"/>
-              </a:lnSpc>
+              <a:t>Fifth Outline Level</a:t>
+            </a:r>
+            <a:endParaRPr b="0" lang="en-US" sz="2000" spc="-1" strike="noStrike">
+              <a:solidFill>
+                <a:srgbClr val="000000"/>
+              </a:solidFill>
+              <a:latin typeface="Arial"/>
+            </a:endParaRPr>
+          </a:p>
+          <a:p>
+            <a:pPr lvl="5" marL="2592000" indent="-216000">
               <a:spcBef>
                 <a:spcPts val="283"/>
               </a:spcBef>
@@ -7174,22 +7102,19 @@
                 <a:solidFill>
                   <a:srgbClr val="000000"/>
                 </a:solidFill>
-                <a:latin typeface="Calibri"/>
+                <a:latin typeface="Arial"/>
               </a:rPr>
-              <a:t>Fifth Outline Level</a:t>
+              <a:t>Sixth Outline Level</a:t>
             </a:r>
             <a:endParaRPr b="0" lang="en-US" sz="2000" spc="-1" strike="noStrike">
               <a:solidFill>
                 <a:srgbClr val="000000"/>
               </a:solidFill>
-              <a:latin typeface="Calibri"/>
-            </a:endParaRPr>
-          </a:p>
-          <a:p>
-            <a:pPr lvl="5" marL="2592000" indent="-216000">
-              <a:lnSpc>
-                <a:spcPct val="90000"/>
-              </a:lnSpc>
+              <a:latin typeface="Arial"/>
+            </a:endParaRPr>
+          </a:p>
+          <a:p>
+            <a:pPr lvl="6" marL="3024000" indent="-216000">
               <a:spcBef>
                 <a:spcPts val="283"/>
               </a:spcBef>
@@ -7205,38 +7130,7 @@
                 <a:solidFill>
                   <a:srgbClr val="000000"/>
                 </a:solidFill>
-                <a:latin typeface="Calibri"/>
-              </a:rPr>
-              <a:t>Sixth Outline Level</a:t>
-            </a:r>
-            <a:endParaRPr b="0" lang="en-US" sz="2000" spc="-1" strike="noStrike">
-              <a:solidFill>
-                <a:srgbClr val="000000"/>
-              </a:solidFill>
-              <a:latin typeface="Calibri"/>
-            </a:endParaRPr>
-          </a:p>
-          <a:p>
-            <a:pPr lvl="6" marL="3024000" indent="-216000">
-              <a:lnSpc>
-                <a:spcPct val="90000"/>
-              </a:lnSpc>
-              <a:spcBef>
-                <a:spcPts val="283"/>
-              </a:spcBef>
-              <a:buClr>
-                <a:srgbClr val="000000"/>
-              </a:buClr>
-              <a:buSzPct val="45000"/>
-              <a:buFont typeface="Wingdings" charset="2"/>
-              <a:buChar char=""/>
-            </a:pPr>
-            <a:r>
-              <a:rPr b="0" lang="en-US" sz="2000" spc="-1" strike="noStrike">
-                <a:solidFill>
-                  <a:srgbClr val="000000"/>
-                </a:solidFill>
-                <a:latin typeface="Calibri"/>
+                <a:latin typeface="Arial"/>
               </a:rPr>
               <a:t>Seventh Outline Level</a:t>
             </a:r>
@@ -7244,7 +7138,7 @@
               <a:solidFill>
                 <a:srgbClr val="000000"/>
               </a:solidFill>
-              <a:latin typeface="Calibri"/>
+              <a:latin typeface="Arial"/>
             </a:endParaRPr>
           </a:p>
         </p:txBody>
@@ -7300,263 +7194,107 @@
             <a:spLocks noGrp="1"/>
           </p:cNvSpPr>
           <p:nvPr>
-            <p:ph type="title"/>
-          </p:nvPr>
-        </p:nvSpPr>
-        <p:spPr>
-          <a:xfrm>
-            <a:off x="838080" y="365040"/>
-            <a:ext cx="10515240" cy="1325160"/>
-          </a:xfrm>
-          <a:prstGeom prst="rect">
-            <a:avLst/>
-          </a:prstGeom>
-          <a:noFill/>
-          <a:ln w="0">
-            <a:noFill/>
-          </a:ln>
-        </p:spPr>
-        <p:txBody>
-          <a:bodyPr anchor="ctr">
+            <p:ph type="ftr" idx="4"/>
+          </p:nvPr>
+        </p:nvSpPr>
+        <p:spPr>
+          <a:xfrm>
+            <a:off x="4038480" y="6356520"/>
+            <a:ext cx="4114080" cy="364320"/>
+          </a:xfrm>
+          <a:prstGeom prst="rect">
+            <a:avLst/>
+          </a:prstGeom>
+          <a:noFill/>
+          <a:ln w="0">
+            <a:noFill/>
+          </a:ln>
+        </p:spPr>
+        <p:txBody>
+          <a:bodyPr lIns="90000" rIns="90000" tIns="45000" bIns="45000" anchor="ctr">
             <a:noAutofit/>
           </a:bodyPr>
-          <a:p>
-            <a:pPr indent="0">
+          <a:lstStyle>
+            <a:lvl1pPr indent="0" algn="ctr">
               <a:lnSpc>
-                <a:spcPct val="90000"/>
+                <a:spcPct val="100000"/>
               </a:lnSpc>
               <a:buNone/>
-            </a:pPr>
-            <a:r>
-              <a:rPr b="0" lang="en-US" sz="4400" spc="-1" strike="noStrike">
+              <a:tabLst>
+                <a:tab algn="l" pos="0"/>
+              </a:tabLst>
+              <a:defRPr b="0" lang="en-US" sz="1400" spc="-1" strike="noStrike">
                 <a:solidFill>
                   <a:srgbClr val="000000"/>
                 </a:solidFill>
-                <a:latin typeface="Calibri Light"/>
-              </a:rPr>
-              <a:t>Click to edit Master title style</a:t>
-            </a:r>
-            <a:endParaRPr b="0" lang="en-US" sz="4400" spc="-1" strike="noStrike">
-              <a:solidFill>
-                <a:srgbClr val="000000"/>
-              </a:solidFill>
-              <a:latin typeface="Calibri"/>
-            </a:endParaRPr>
-          </a:p>
-        </p:txBody>
-      </p:sp>
-      <p:sp>
-        <p:nvSpPr>
-          <p:cNvPr id="42" name="PlaceHolder 2"/>
-          <p:cNvSpPr>
-            <a:spLocks noGrp="1"/>
-          </p:cNvSpPr>
-          <p:nvPr>
-            <p:ph type="body"/>
-          </p:nvPr>
-        </p:nvSpPr>
-        <p:spPr>
-          <a:xfrm>
-            <a:off x="838080" y="1825560"/>
-            <a:ext cx="10515240" cy="4350960"/>
-          </a:xfrm>
-          <a:prstGeom prst="rect">
-            <a:avLst/>
-          </a:prstGeom>
-          <a:noFill/>
-          <a:ln w="0">
-            <a:noFill/>
-          </a:ln>
-        </p:spPr>
-        <p:txBody>
-          <a:bodyPr anchor="t">
-            <a:noAutofit/>
-          </a:bodyPr>
-          <a:p>
-            <a:pPr marL="228600" indent="-228600">
+                <a:latin typeface="Times New Roman"/>
+              </a:defRPr>
+            </a:lvl1pPr>
+          </a:lstStyle>
+          <a:p>
+            <a:pPr indent="0" algn="ctr">
               <a:lnSpc>
-                <a:spcPct val="90000"/>
+                <a:spcPct val="100000"/>
               </a:lnSpc>
-              <a:spcBef>
-                <a:spcPts val="1001"/>
-              </a:spcBef>
-              <a:buClr>
-                <a:srgbClr val="000000"/>
-              </a:buClr>
-              <a:buFont typeface="Arial"/>
-              <a:buChar char="•"/>
-            </a:pPr>
-            <a:r>
-              <a:rPr b="0" lang="en-US" sz="2800" spc="-1" strike="noStrike">
+              <a:buNone/>
+              <a:tabLst>
+                <a:tab algn="l" pos="0"/>
+              </a:tabLst>
+            </a:pPr>
+            <a:r>
+              <a:rPr b="0" lang="en-US" sz="1400" spc="-1" strike="noStrike">
                 <a:solidFill>
                   <a:srgbClr val="000000"/>
                 </a:solidFill>
-                <a:latin typeface="Calibri"/>
+                <a:latin typeface="Times New Roman"/>
               </a:rPr>
-              <a:t>Click to edit Master text styles</a:t>
-            </a:r>
-            <a:endParaRPr b="0" lang="en-US" sz="2800" spc="-1" strike="noStrike">
-              <a:solidFill>
-                <a:srgbClr val="000000"/>
-              </a:solidFill>
-              <a:latin typeface="Calibri"/>
-            </a:endParaRPr>
-          </a:p>
-          <a:p>
-            <a:pPr lvl="1" marL="685800" indent="-228600">
-              <a:lnSpc>
-                <a:spcPct val="90000"/>
-              </a:lnSpc>
-              <a:spcBef>
-                <a:spcPts val="499"/>
-              </a:spcBef>
-              <a:buClr>
-                <a:srgbClr val="000000"/>
-              </a:buClr>
-              <a:buFont typeface="Arial"/>
-              <a:buChar char="•"/>
-            </a:pPr>
-            <a:r>
-              <a:rPr b="0" lang="en-US" sz="2400" spc="-1" strike="noStrike">
-                <a:solidFill>
-                  <a:srgbClr val="000000"/>
-                </a:solidFill>
-                <a:latin typeface="Calibri"/>
-              </a:rPr>
-              <a:t>Second level</a:t>
-            </a:r>
-            <a:endParaRPr b="0" lang="en-US" sz="2400" spc="-1" strike="noStrike">
-              <a:solidFill>
-                <a:srgbClr val="000000"/>
-              </a:solidFill>
-              <a:latin typeface="Calibri"/>
-            </a:endParaRPr>
-          </a:p>
-          <a:p>
-            <a:pPr lvl="2" marL="1143000" indent="-228600">
-              <a:lnSpc>
-                <a:spcPct val="90000"/>
-              </a:lnSpc>
-              <a:spcBef>
-                <a:spcPts val="499"/>
-              </a:spcBef>
-              <a:buClr>
-                <a:srgbClr val="000000"/>
-              </a:buClr>
-              <a:buFont typeface="Arial"/>
-              <a:buChar char="•"/>
-            </a:pPr>
-            <a:r>
-              <a:rPr b="0" lang="en-US" sz="2000" spc="-1" strike="noStrike">
-                <a:solidFill>
-                  <a:srgbClr val="000000"/>
-                </a:solidFill>
-                <a:latin typeface="Calibri"/>
-              </a:rPr>
-              <a:t>Third level</a:t>
-            </a:r>
-            <a:endParaRPr b="0" lang="en-US" sz="2000" spc="-1" strike="noStrike">
-              <a:solidFill>
-                <a:srgbClr val="000000"/>
-              </a:solidFill>
-              <a:latin typeface="Calibri"/>
-            </a:endParaRPr>
-          </a:p>
-          <a:p>
-            <a:pPr lvl="3" marL="1600200" indent="-228600">
-              <a:lnSpc>
-                <a:spcPct val="90000"/>
-              </a:lnSpc>
-              <a:spcBef>
-                <a:spcPts val="499"/>
-              </a:spcBef>
-              <a:buClr>
-                <a:srgbClr val="000000"/>
-              </a:buClr>
-              <a:buFont typeface="Arial"/>
-              <a:buChar char="•"/>
-            </a:pPr>
-            <a:r>
-              <a:rPr b="0" lang="en-US" sz="1800" spc="-1" strike="noStrike">
-                <a:solidFill>
-                  <a:srgbClr val="000000"/>
-                </a:solidFill>
-                <a:latin typeface="Calibri"/>
-              </a:rPr>
-              <a:t>Fourth level</a:t>
-            </a:r>
-            <a:endParaRPr b="0" lang="en-US" sz="1800" spc="-1" strike="noStrike">
-              <a:solidFill>
-                <a:srgbClr val="000000"/>
-              </a:solidFill>
-              <a:latin typeface="Calibri"/>
-            </a:endParaRPr>
-          </a:p>
-          <a:p>
-            <a:pPr lvl="4" marL="2057400" indent="-228600">
-              <a:lnSpc>
-                <a:spcPct val="90000"/>
-              </a:lnSpc>
-              <a:spcBef>
-                <a:spcPts val="499"/>
-              </a:spcBef>
-              <a:buClr>
-                <a:srgbClr val="000000"/>
-              </a:buClr>
-              <a:buFont typeface="Arial"/>
-              <a:buChar char="•"/>
-            </a:pPr>
-            <a:r>
-              <a:rPr b="0" lang="en-US" sz="1800" spc="-1" strike="noStrike">
-                <a:solidFill>
-                  <a:srgbClr val="000000"/>
-                </a:solidFill>
-                <a:latin typeface="Calibri"/>
-              </a:rPr>
-              <a:t>Fifth level</a:t>
-            </a:r>
-            <a:endParaRPr b="0" lang="en-US" sz="1800" spc="-1" strike="noStrike">
-              <a:solidFill>
-                <a:srgbClr val="000000"/>
-              </a:solidFill>
-              <a:latin typeface="Calibri"/>
-            </a:endParaRPr>
-          </a:p>
-        </p:txBody>
-      </p:sp>
-      <p:sp>
-        <p:nvSpPr>
-          <p:cNvPr id="43" name="PlaceHolder 3"/>
-          <p:cNvSpPr>
-            <a:spLocks noGrp="1"/>
-          </p:cNvSpPr>
-          <p:nvPr>
-            <p:ph type="dt" idx="4"/>
-          </p:nvPr>
-        </p:nvSpPr>
-        <p:spPr>
-          <a:xfrm>
-            <a:off x="838080" y="6356520"/>
-            <a:ext cx="2742840" cy="364680"/>
-          </a:xfrm>
-          <a:prstGeom prst="rect">
-            <a:avLst/>
-          </a:prstGeom>
-          <a:noFill/>
-          <a:ln w="0">
-            <a:noFill/>
-          </a:ln>
-        </p:spPr>
-        <p:txBody>
-          <a:bodyPr anchor="ctr">
+              <a:t>&lt;footer&gt;</a:t>
+            </a:r>
+            <a:endParaRPr b="0" lang="en-US" sz="1400" spc="-1" strike="noStrike">
+              <a:solidFill>
+                <a:srgbClr val="000000"/>
+              </a:solidFill>
+              <a:latin typeface="Times New Roman"/>
+            </a:endParaRPr>
+          </a:p>
+        </p:txBody>
+      </p:sp>
+      <p:sp>
+        <p:nvSpPr>
+          <p:cNvPr id="42" name="PlaceHolder 2"/>
+          <p:cNvSpPr>
+            <a:spLocks noGrp="1"/>
+          </p:cNvSpPr>
+          <p:nvPr>
+            <p:ph type="sldNum" idx="5"/>
+          </p:nvPr>
+        </p:nvSpPr>
+        <p:spPr>
+          <a:xfrm>
+            <a:off x="8610480" y="6356520"/>
+            <a:ext cx="2742480" cy="364320"/>
+          </a:xfrm>
+          <a:prstGeom prst="rect">
+            <a:avLst/>
+          </a:prstGeom>
+          <a:noFill/>
+          <a:ln w="0">
+            <a:noFill/>
+          </a:ln>
+        </p:spPr>
+        <p:txBody>
+          <a:bodyPr lIns="90000" rIns="90000" tIns="45000" bIns="45000" anchor="ctr">
             <a:noAutofit/>
           </a:bodyPr>
           <a:lstStyle>
-            <a:lvl1pPr indent="0">
+            <a:lvl1pPr indent="0" algn="r">
               <a:lnSpc>
                 <a:spcPct val="100000"/>
               </a:lnSpc>
               <a:buNone/>
+              <a:tabLst>
+                <a:tab algn="l" pos="0"/>
+              </a:tabLst>
               <a:defRPr b="0" lang="en-US" sz="1200" spc="-1" strike="noStrike">
                 <a:solidFill>
                   <a:srgbClr val="8b8b8b"/>
@@ -7566,139 +7304,16 @@
             </a:lvl1pPr>
           </a:lstStyle>
           <a:p>
-            <a:pPr indent="0">
-              <a:lnSpc>
-                <a:spcPct val="100000"/>
-              </a:lnSpc>
-              <a:buNone/>
-            </a:pPr>
-            <a:r>
-              <a:rPr b="0" lang="en-US" sz="1200" spc="-1" strike="noStrike">
-                <a:solidFill>
-                  <a:srgbClr val="8b8b8b"/>
-                </a:solidFill>
-                <a:latin typeface="Calibri"/>
-              </a:rPr>
-              <a:t>&lt;date/time&gt;</a:t>
-            </a:r>
-            <a:endParaRPr b="0" lang="en-US" sz="1200" spc="-1" strike="noStrike">
-              <a:solidFill>
-                <a:srgbClr val="000000"/>
-              </a:solidFill>
-              <a:latin typeface="Times New Roman"/>
-            </a:endParaRPr>
-          </a:p>
-        </p:txBody>
-      </p:sp>
-      <p:sp>
-        <p:nvSpPr>
-          <p:cNvPr id="44" name="PlaceHolder 4"/>
-          <p:cNvSpPr>
-            <a:spLocks noGrp="1"/>
-          </p:cNvSpPr>
-          <p:nvPr>
-            <p:ph type="ftr" idx="5"/>
-          </p:nvPr>
-        </p:nvSpPr>
-        <p:spPr>
-          <a:xfrm>
-            <a:off x="4038480" y="6356520"/>
-            <a:ext cx="4114440" cy="364680"/>
-          </a:xfrm>
-          <a:prstGeom prst="rect">
-            <a:avLst/>
-          </a:prstGeom>
-          <a:noFill/>
-          <a:ln w="0">
-            <a:noFill/>
-          </a:ln>
-        </p:spPr>
-        <p:txBody>
-          <a:bodyPr anchor="ctr">
-            <a:noAutofit/>
-          </a:bodyPr>
-          <a:lstStyle>
-            <a:lvl1pPr indent="0" algn="ctr">
-              <a:buNone/>
-              <a:defRPr b="0" lang="en-US" sz="1400" spc="-1" strike="noStrike">
-                <a:solidFill>
-                  <a:srgbClr val="000000"/>
-                </a:solidFill>
-                <a:latin typeface="Times New Roman"/>
-              </a:defRPr>
-            </a:lvl1pPr>
-          </a:lstStyle>
-          <a:p>
-            <a:pPr indent="0" algn="ctr">
-              <a:buNone/>
-            </a:pPr>
-            <a:r>
-              <a:rPr b="0" lang="en-US" sz="1400" spc="-1" strike="noStrike">
-                <a:solidFill>
-                  <a:srgbClr val="000000"/>
-                </a:solidFill>
-                <a:latin typeface="Times New Roman"/>
-              </a:rPr>
-              <a:t>&lt;footer&gt;</a:t>
-            </a:r>
-            <a:endParaRPr b="0" lang="en-US" sz="1400" spc="-1" strike="noStrike">
-              <a:solidFill>
-                <a:srgbClr val="000000"/>
-              </a:solidFill>
-              <a:latin typeface="Times New Roman"/>
-            </a:endParaRPr>
-          </a:p>
-        </p:txBody>
-      </p:sp>
-      <p:sp>
-        <p:nvSpPr>
-          <p:cNvPr id="45" name="PlaceHolder 5"/>
-          <p:cNvSpPr>
-            <a:spLocks noGrp="1"/>
-          </p:cNvSpPr>
-          <p:nvPr>
-            <p:ph type="sldNum" idx="6"/>
-          </p:nvPr>
-        </p:nvSpPr>
-        <p:spPr>
-          <a:xfrm>
-            <a:off x="8610480" y="6356520"/>
-            <a:ext cx="2742840" cy="364680"/>
-          </a:xfrm>
-          <a:prstGeom prst="rect">
-            <a:avLst/>
-          </a:prstGeom>
-          <a:noFill/>
-          <a:ln w="0">
-            <a:noFill/>
-          </a:ln>
-        </p:spPr>
-        <p:txBody>
-          <a:bodyPr anchor="ctr">
-            <a:noAutofit/>
-          </a:bodyPr>
-          <a:lstStyle>
-            <a:lvl1pPr indent="0" algn="r">
-              <a:lnSpc>
-                <a:spcPct val="100000"/>
-              </a:lnSpc>
-              <a:buNone/>
-              <a:defRPr b="0" lang="en-US" sz="1200" spc="-1" strike="noStrike">
-                <a:solidFill>
-                  <a:srgbClr val="8b8b8b"/>
-                </a:solidFill>
-                <a:latin typeface="Calibri"/>
-              </a:defRPr>
-            </a:lvl1pPr>
-          </a:lstStyle>
-          <a:p>
             <a:pPr indent="0" algn="r">
               <a:lnSpc>
                 <a:spcPct val="100000"/>
               </a:lnSpc>
               <a:buNone/>
-            </a:pPr>
-            <a:fld id="{28524736-FDCA-469E-8109-56610526C00D}" type="slidenum">
+              <a:tabLst>
+                <a:tab algn="l" pos="0"/>
+              </a:tabLst>
+            </a:pPr>
+            <a:fld id="{9674D998-95DF-401B-919E-6A4A93ED635D}" type="slidenum">
               <a:rPr b="0" lang="en-US" sz="1200" spc="-1" strike="noStrike">
                 <a:solidFill>
                   <a:srgbClr val="8b8b8b"/>
@@ -7712,6 +7327,340 @@
                 <a:srgbClr val="000000"/>
               </a:solidFill>
               <a:latin typeface="Times New Roman"/>
+            </a:endParaRPr>
+          </a:p>
+        </p:txBody>
+      </p:sp>
+      <p:sp>
+        <p:nvSpPr>
+          <p:cNvPr id="43" name="PlaceHolder 3"/>
+          <p:cNvSpPr>
+            <a:spLocks noGrp="1"/>
+          </p:cNvSpPr>
+          <p:nvPr>
+            <p:ph type="dt" idx="6"/>
+          </p:nvPr>
+        </p:nvSpPr>
+        <p:spPr>
+          <a:xfrm>
+            <a:off x="838080" y="6356520"/>
+            <a:ext cx="2742480" cy="364320"/>
+          </a:xfrm>
+          <a:prstGeom prst="rect">
+            <a:avLst/>
+          </a:prstGeom>
+          <a:noFill/>
+          <a:ln w="0">
+            <a:noFill/>
+          </a:ln>
+        </p:spPr>
+        <p:txBody>
+          <a:bodyPr lIns="90000" rIns="90000" tIns="45000" bIns="45000" anchor="ctr">
+            <a:noAutofit/>
+          </a:bodyPr>
+          <a:lstStyle>
+            <a:lvl1pPr indent="0">
+              <a:buNone/>
+              <a:defRPr b="0" lang="en-US" sz="1400" spc="-1" strike="noStrike">
+                <a:solidFill>
+                  <a:srgbClr val="000000"/>
+                </a:solidFill>
+                <a:latin typeface="Times New Roman"/>
+              </a:defRPr>
+            </a:lvl1pPr>
+          </a:lstStyle>
+          <a:p>
+            <a:pPr indent="0">
+              <a:buNone/>
+            </a:pPr>
+            <a:r>
+              <a:rPr b="0" lang="en-US" sz="1400" spc="-1" strike="noStrike">
+                <a:solidFill>
+                  <a:srgbClr val="000000"/>
+                </a:solidFill>
+                <a:latin typeface="Times New Roman"/>
+              </a:rPr>
+              <a:t>&lt;date/time&gt;</a:t>
+            </a:r>
+            <a:endParaRPr b="0" lang="en-US" sz="1400" spc="-1" strike="noStrike">
+              <a:solidFill>
+                <a:srgbClr val="000000"/>
+              </a:solidFill>
+              <a:latin typeface="Times New Roman"/>
+            </a:endParaRPr>
+          </a:p>
+        </p:txBody>
+      </p:sp>
+      <p:sp>
+        <p:nvSpPr>
+          <p:cNvPr id="44" name="PlaceHolder 4"/>
+          <p:cNvSpPr>
+            <a:spLocks noGrp="1"/>
+          </p:cNvSpPr>
+          <p:nvPr>
+            <p:ph type="title"/>
+          </p:nvPr>
+        </p:nvSpPr>
+        <p:spPr>
+          <a:xfrm>
+            <a:off x="609480" y="273600"/>
+            <a:ext cx="10972440" cy="1144800"/>
+          </a:xfrm>
+          <a:prstGeom prst="rect">
+            <a:avLst/>
+          </a:prstGeom>
+          <a:noFill/>
+          <a:ln w="0">
+            <a:noFill/>
+          </a:ln>
+        </p:spPr>
+        <p:txBody>
+          <a:bodyPr lIns="0" rIns="0" tIns="0" bIns="0" anchor="ctr">
+            <a:noAutofit/>
+          </a:bodyPr>
+          <a:p>
+            <a:pPr indent="0" algn="ctr">
+              <a:buNone/>
+            </a:pPr>
+            <a:r>
+              <a:rPr b="0" lang="en-US" sz="4400" spc="-1" strike="noStrike">
+                <a:solidFill>
+                  <a:srgbClr val="000000"/>
+                </a:solidFill>
+                <a:latin typeface="Arial"/>
+              </a:rPr>
+              <a:t>Click to edit the title text format</a:t>
+            </a:r>
+            <a:endParaRPr b="0" lang="en-US" sz="4400" spc="-1" strike="noStrike">
+              <a:solidFill>
+                <a:srgbClr val="000000"/>
+              </a:solidFill>
+              <a:latin typeface="Arial"/>
+            </a:endParaRPr>
+          </a:p>
+        </p:txBody>
+      </p:sp>
+      <p:sp>
+        <p:nvSpPr>
+          <p:cNvPr id="45" name="PlaceHolder 5"/>
+          <p:cNvSpPr>
+            <a:spLocks noGrp="1"/>
+          </p:cNvSpPr>
+          <p:nvPr>
+            <p:ph type="body"/>
+          </p:nvPr>
+        </p:nvSpPr>
+        <p:spPr>
+          <a:xfrm>
+            <a:off x="609480" y="1604520"/>
+            <a:ext cx="10972440" cy="3977280"/>
+          </a:xfrm>
+          <a:prstGeom prst="rect">
+            <a:avLst/>
+          </a:prstGeom>
+          <a:noFill/>
+          <a:ln w="0">
+            <a:noFill/>
+          </a:ln>
+        </p:spPr>
+        <p:txBody>
+          <a:bodyPr lIns="0" rIns="0" tIns="0" bIns="0" anchor="t">
+            <a:normAutofit/>
+          </a:bodyPr>
+          <a:p>
+            <a:pPr marL="432000" indent="-324000">
+              <a:spcBef>
+                <a:spcPts val="1417"/>
+              </a:spcBef>
+              <a:buClr>
+                <a:srgbClr val="000000"/>
+              </a:buClr>
+              <a:buSzPct val="45000"/>
+              <a:buFont typeface="Wingdings" charset="2"/>
+              <a:buChar char=""/>
+            </a:pPr>
+            <a:r>
+              <a:rPr b="0" lang="en-US" sz="3200" spc="-1" strike="noStrike">
+                <a:solidFill>
+                  <a:srgbClr val="000000"/>
+                </a:solidFill>
+                <a:latin typeface="Arial"/>
+              </a:rPr>
+              <a:t>Click to edit the outline text format</a:t>
+            </a:r>
+            <a:endParaRPr b="0" lang="en-US" sz="3200" spc="-1" strike="noStrike">
+              <a:solidFill>
+                <a:srgbClr val="000000"/>
+              </a:solidFill>
+              <a:latin typeface="Arial"/>
+            </a:endParaRPr>
+          </a:p>
+          <a:p>
+            <a:pPr lvl="1" marL="864000" indent="-324000">
+              <a:spcBef>
+                <a:spcPts val="1134"/>
+              </a:spcBef>
+              <a:buClr>
+                <a:srgbClr val="000000"/>
+              </a:buClr>
+              <a:buSzPct val="75000"/>
+              <a:buFont typeface="Symbol" charset="2"/>
+              <a:buChar char=""/>
+            </a:pPr>
+            <a:r>
+              <a:rPr b="0" lang="en-US" sz="2800" spc="-1" strike="noStrike">
+                <a:solidFill>
+                  <a:srgbClr val="000000"/>
+                </a:solidFill>
+                <a:latin typeface="Arial"/>
+              </a:rPr>
+              <a:t>Second Outline Level</a:t>
+            </a:r>
+            <a:endParaRPr b="0" lang="en-US" sz="2800" spc="-1" strike="noStrike">
+              <a:solidFill>
+                <a:srgbClr val="000000"/>
+              </a:solidFill>
+              <a:latin typeface="Arial"/>
+            </a:endParaRPr>
+          </a:p>
+          <a:p>
+            <a:pPr lvl="2" marL="1296000" indent="-288000">
+              <a:spcBef>
+                <a:spcPts val="850"/>
+              </a:spcBef>
+              <a:buClr>
+                <a:srgbClr val="000000"/>
+              </a:buClr>
+              <a:buSzPct val="45000"/>
+              <a:buFont typeface="Wingdings" charset="2"/>
+              <a:buChar char=""/>
+            </a:pPr>
+            <a:r>
+              <a:rPr b="0" lang="en-US" sz="2400" spc="-1" strike="noStrike">
+                <a:solidFill>
+                  <a:srgbClr val="000000"/>
+                </a:solidFill>
+                <a:latin typeface="Arial"/>
+              </a:rPr>
+              <a:t>Third Outline Level</a:t>
+            </a:r>
+            <a:endParaRPr b="0" lang="en-US" sz="2400" spc="-1" strike="noStrike">
+              <a:solidFill>
+                <a:srgbClr val="000000"/>
+              </a:solidFill>
+              <a:latin typeface="Arial"/>
+            </a:endParaRPr>
+          </a:p>
+          <a:p>
+            <a:pPr lvl="3" marL="1728000" indent="-216000">
+              <a:spcBef>
+                <a:spcPts val="567"/>
+              </a:spcBef>
+              <a:buClr>
+                <a:srgbClr val="000000"/>
+              </a:buClr>
+              <a:buSzPct val="75000"/>
+              <a:buFont typeface="Symbol" charset="2"/>
+              <a:buChar char=""/>
+            </a:pPr>
+            <a:r>
+              <a:rPr b="0" lang="en-US" sz="2000" spc="-1" strike="noStrike">
+                <a:solidFill>
+                  <a:srgbClr val="000000"/>
+                </a:solidFill>
+                <a:latin typeface="Arial"/>
+              </a:rPr>
+              <a:t>Fourth Outline Level</a:t>
+            </a:r>
+            <a:endParaRPr b="0" lang="en-US" sz="2000" spc="-1" strike="noStrike">
+              <a:solidFill>
+                <a:srgbClr val="000000"/>
+              </a:solidFill>
+              <a:latin typeface="Arial"/>
+            </a:endParaRPr>
+          </a:p>
+          <a:p>
+            <a:pPr lvl="4" marL="2160000" indent="-216000">
+              <a:spcBef>
+                <a:spcPts val="283"/>
+              </a:spcBef>
+              <a:buClr>
+                <a:srgbClr val="000000"/>
+              </a:buClr>
+              <a:buSzPct val="45000"/>
+              <a:buFont typeface="Wingdings" charset="2"/>
+              <a:buChar char=""/>
+            </a:pPr>
+            <a:r>
+              <a:rPr b="0" lang="en-US" sz="2000" spc="-1" strike="noStrike">
+                <a:solidFill>
+                  <a:srgbClr val="000000"/>
+                </a:solidFill>
+                <a:latin typeface="Arial"/>
+              </a:rPr>
+              <a:t>Fifth Outline Level</a:t>
+            </a:r>
+            <a:endParaRPr b="0" lang="en-US" sz="2000" spc="-1" strike="noStrike">
+              <a:solidFill>
+                <a:srgbClr val="000000"/>
+              </a:solidFill>
+              <a:latin typeface="Arial"/>
+            </a:endParaRPr>
+          </a:p>
+          <a:p>
+            <a:pPr lvl="5" marL="2592000" indent="-216000">
+              <a:spcBef>
+                <a:spcPts val="283"/>
+              </a:spcBef>
+              <a:buClr>
+                <a:srgbClr val="000000"/>
+              </a:buClr>
+              <a:buSzPct val="45000"/>
+              <a:buFont typeface="Wingdings" charset="2"/>
+              <a:buChar char=""/>
+            </a:pPr>
+            <a:r>
+              <a:rPr b="0" lang="en-US" sz="2000" spc="-1" strike="noStrike">
+                <a:solidFill>
+                  <a:srgbClr val="000000"/>
+                </a:solidFill>
+                <a:latin typeface="Arial"/>
+              </a:rPr>
+              <a:t>Sixth Outline Level</a:t>
+            </a:r>
+            <a:endParaRPr b="0" lang="en-US" sz="2000" spc="-1" strike="noStrike">
+              <a:solidFill>
+                <a:srgbClr val="000000"/>
+              </a:solidFill>
+              <a:latin typeface="Arial"/>
+            </a:endParaRPr>
+          </a:p>
+          <a:p>
+            <a:pPr lvl="6" marL="3024000" indent="-216000">
+              <a:spcBef>
+                <a:spcPts val="283"/>
+              </a:spcBef>
+              <a:buClr>
+                <a:srgbClr val="000000"/>
+              </a:buClr>
+              <a:buSzPct val="45000"/>
+              <a:buFont typeface="Wingdings" charset="2"/>
+              <a:buChar char=""/>
+            </a:pPr>
+            <a:r>
+              <a:rPr b="0" lang="en-US" sz="2000" spc="-1" strike="noStrike">
+                <a:solidFill>
+                  <a:srgbClr val="000000"/>
+                </a:solidFill>
+                <a:latin typeface="Arial"/>
+              </a:rPr>
+              <a:t>Seventh Outline Level</a:t>
+            </a:r>
+            <a:endParaRPr b="0" lang="en-US" sz="2000" spc="-1" strike="noStrike">
+              <a:solidFill>
+                <a:srgbClr val="000000"/>
+              </a:solidFill>
+              <a:latin typeface="Arial"/>
             </a:endParaRPr>
           </a:p>
         </p:txBody>
@@ -7766,18 +7715,18 @@
         <p:spPr>
           <a:xfrm>
             <a:off x="1523880" y="1122480"/>
-            <a:ext cx="9143640" cy="2387160"/>
-          </a:xfrm>
-          <a:prstGeom prst="rect">
-            <a:avLst/>
-          </a:prstGeom>
-          <a:noFill/>
-          <a:ln w="0">
-            <a:noFill/>
-          </a:ln>
-        </p:spPr>
-        <p:txBody>
-          <a:bodyPr anchor="b">
+            <a:ext cx="9143280" cy="2386800"/>
+          </a:xfrm>
+          <a:prstGeom prst="rect">
+            <a:avLst/>
+          </a:prstGeom>
+          <a:noFill/>
+          <a:ln w="0">
+            <a:noFill/>
+          </a:ln>
+        </p:spPr>
+        <p:txBody>
+          <a:bodyPr lIns="0" rIns="0" tIns="0" bIns="0" anchor="b">
             <a:noAutofit/>
           </a:bodyPr>
           <a:p>
@@ -7786,6 +7735,9 @@
                 <a:spcPct val="90000"/>
               </a:lnSpc>
               <a:buNone/>
+              <a:tabLst>
+                <a:tab algn="l" pos="0"/>
+              </a:tabLst>
             </a:pPr>
             <a:r>
               <a:rPr b="0" lang="en-US" sz="6000" spc="-1" strike="noStrike">
@@ -7800,7 +7752,7 @@
               <a:solidFill>
                 <a:srgbClr val="000000"/>
               </a:solidFill>
-              <a:latin typeface="Calibri"/>
+              <a:latin typeface="Arial"/>
             </a:endParaRPr>
           </a:p>
         </p:txBody>
@@ -7818,29 +7770,377 @@
         <p:spPr>
           <a:xfrm>
             <a:off x="1523880" y="3602160"/>
-            <a:ext cx="9143640" cy="1655280"/>
-          </a:xfrm>
-          <a:prstGeom prst="rect">
-            <a:avLst/>
-          </a:prstGeom>
-          <a:noFill/>
-          <a:ln w="0">
-            <a:noFill/>
-          </a:ln>
-        </p:spPr>
-        <p:txBody>
-          <a:bodyPr anchor="t">
+            <a:ext cx="9143280" cy="1654920"/>
+          </a:xfrm>
+          <a:prstGeom prst="rect">
+            <a:avLst/>
+          </a:prstGeom>
+          <a:noFill/>
+          <a:ln w="0">
+            <a:noFill/>
+          </a:ln>
+        </p:spPr>
+        <p:txBody>
+          <a:bodyPr lIns="0" rIns="0" tIns="0" bIns="0" anchor="t">
             <a:noAutofit/>
           </a:bodyPr>
           <a:p>
             <a:pPr indent="0" algn="ctr">
               <a:buNone/>
             </a:pPr>
+            <a:r>
+              <a:rPr b="0" lang="en-US" sz="3200" spc="-1" strike="noStrike">
+                <a:solidFill>
+                  <a:srgbClr val="000000"/>
+                </a:solidFill>
+                <a:latin typeface="Arial"/>
+              </a:rPr>
+              <a:t>Yeganeh Jalalpour</a:t>
+            </a:r>
+            <a:endParaRPr b="0" lang="en-US" sz="3200" spc="-1" strike="noStrike">
+              <a:solidFill>
+                <a:srgbClr val="000000"/>
+              </a:solidFill>
+              <a:latin typeface="Arial"/>
+            </a:endParaRPr>
+          </a:p>
+        </p:txBody>
+      </p:sp>
+    </p:spTree>
+  </p:cSld>
+  <mc:AlternateContent>
+    <mc:Choice Requires="p14">
+      <p:transition spd="slow" p14:dur="2000"/>
+    </mc:Choice>
+    <mc:Fallback>
+      <p:transition spd="slow"/>
+    </mc:Fallback>
+  </mc:AlternateContent>
+</p:sld>
+</file>
+
+<file path=ppt/slides/slide10.xml><?xml version="1.0" encoding="utf-8"?>
+<p:sld xmlns:a="http://schemas.openxmlformats.org/drawingml/2006/main" xmlns:p="http://schemas.openxmlformats.org/presentationml/2006/main" xmlns:r="http://schemas.openxmlformats.org/officeDocument/2006/relationships" xmlns:p14="http://schemas.microsoft.com/office/powerpoint/2010/main" xmlns:p15="http://schemas.microsoft.com/office/powerpoint/2012/main" xmlns:mc="http://schemas.openxmlformats.org/markup-compatibility/2006">
+  <p:cSld>
+    <p:spTree>
+      <p:nvGrpSpPr>
+        <p:cNvPr id="1" name=""/>
+        <p:cNvGrpSpPr/>
+        <p:nvPr/>
+      </p:nvGrpSpPr>
+      <p:grpSpPr>
+        <a:xfrm>
+          <a:off x="0" y="0"/>
+          <a:ext cx="0" cy="0"/>
+          <a:chOff x="0" y="0"/>
+          <a:chExt cx="0" cy="0"/>
+        </a:xfrm>
+      </p:grpSpPr>
+      <p:sp>
+        <p:nvSpPr>
+          <p:cNvPr id="111" name="PlaceHolder 1"/>
+          <p:cNvSpPr>
+            <a:spLocks noGrp="1"/>
+          </p:cNvSpPr>
+          <p:nvPr>
+            <p:ph type="title"/>
+          </p:nvPr>
+        </p:nvSpPr>
+        <p:spPr>
+          <a:xfrm>
+            <a:off x="609480" y="273600"/>
+            <a:ext cx="10972440" cy="1144800"/>
+          </a:xfrm>
+          <a:prstGeom prst="rect">
+            <a:avLst/>
+          </a:prstGeom>
+          <a:noFill/>
+          <a:ln w="0">
+            <a:noFill/>
+          </a:ln>
+        </p:spPr>
+        <p:txBody>
+          <a:bodyPr lIns="0" rIns="0" tIns="0" bIns="0" anchor="ctr">
+            <a:noAutofit/>
+          </a:bodyPr>
+          <a:p>
+            <a:pPr indent="0" algn="ctr">
+              <a:buNone/>
+            </a:pPr>
+            <a:r>
+              <a:rPr b="0" lang="en-US" sz="4400" spc="-1" strike="noStrike">
+                <a:solidFill>
+                  <a:srgbClr val="000000"/>
+                </a:solidFill>
+                <a:latin typeface="Arial"/>
+              </a:rPr>
+              <a:t>More Classification Metrics</a:t>
+            </a:r>
+            <a:endParaRPr b="0" lang="en-US" sz="4400" spc="-1" strike="noStrike">
+              <a:solidFill>
+                <a:srgbClr val="000000"/>
+              </a:solidFill>
+              <a:latin typeface="Arial"/>
+            </a:endParaRPr>
+          </a:p>
+        </p:txBody>
+      </p:sp>
+      <p:sp>
+        <p:nvSpPr>
+          <p:cNvPr id="112" name="PlaceHolder 2"/>
+          <p:cNvSpPr>
+            <a:spLocks noGrp="1"/>
+          </p:cNvSpPr>
+          <p:nvPr>
+            <p:ph/>
+          </p:nvPr>
+        </p:nvSpPr>
+        <p:spPr>
+          <a:xfrm>
+            <a:off x="609480" y="1604520"/>
+            <a:ext cx="10972440" cy="2967480"/>
+          </a:xfrm>
+          <a:prstGeom prst="rect">
+            <a:avLst/>
+          </a:prstGeom>
+          <a:noFill/>
+          <a:ln w="0">
+            <a:noFill/>
+          </a:ln>
+        </p:spPr>
+        <p:txBody>
+          <a:bodyPr lIns="0" rIns="0" tIns="0" bIns="0" anchor="t">
+            <a:normAutofit/>
+          </a:bodyPr>
+          <a:p>
+            <a:pPr marL="432000" indent="-324000">
+              <a:spcBef>
+                <a:spcPts val="1417"/>
+              </a:spcBef>
+              <a:buClr>
+                <a:srgbClr val="000000"/>
+              </a:buClr>
+              <a:buSzPct val="45000"/>
+              <a:buFont typeface="Wingdings" charset="2"/>
+              <a:buChar char=""/>
+            </a:pPr>
+            <a:r>
+              <a:rPr b="0" lang="en-US" sz="3200" spc="-1" strike="noStrike">
+                <a:solidFill>
+                  <a:srgbClr val="000000"/>
+                </a:solidFill>
+                <a:latin typeface="Arial"/>
+              </a:rPr>
+              <a:t>Prediction “Loss”</a:t>
+            </a:r>
+            <a:endParaRPr b="0" lang="en-US" sz="3200" spc="-1" strike="noStrike">
+              <a:solidFill>
+                <a:srgbClr val="000000"/>
+              </a:solidFill>
+              <a:latin typeface="Arial"/>
+            </a:endParaRPr>
+          </a:p>
+        </p:txBody>
+      </p:sp>
+      <p:pic>
+        <p:nvPicPr>
+          <p:cNvPr id="113" name="" descr=""/>
+          <p:cNvPicPr/>
+          <p:nvPr/>
+        </p:nvPicPr>
+        <p:blipFill>
+          <a:blip r:embed="rId1"/>
+          <a:stretch/>
+        </p:blipFill>
+        <p:spPr>
+          <a:xfrm>
+            <a:off x="3252600" y="2280240"/>
+            <a:ext cx="2594880" cy="1429560"/>
+          </a:xfrm>
+          <a:prstGeom prst="rect">
+            <a:avLst/>
+          </a:prstGeom>
+          <a:ln w="0">
+            <a:noFill/>
+          </a:ln>
+        </p:spPr>
+      </p:pic>
+      <p:sp>
+        <p:nvSpPr>
+          <p:cNvPr id="114" name=""/>
+          <p:cNvSpPr txBox="1"/>
+          <p:nvPr/>
+        </p:nvSpPr>
+        <p:spPr>
+          <a:xfrm>
+            <a:off x="5167440" y="3969000"/>
+            <a:ext cx="3354120" cy="346320"/>
+          </a:xfrm>
+          <a:prstGeom prst="rect">
+            <a:avLst/>
+          </a:prstGeom>
+          <a:noFill/>
+          <a:ln w="0">
+            <a:noFill/>
+          </a:ln>
+        </p:spPr>
+        <p:txBody>
+          <a:bodyPr lIns="90000" rIns="90000" tIns="45000" bIns="45000" anchor="t">
+            <a:noAutofit/>
+          </a:bodyPr>
+          <a:p>
+            <a:r>
+              <a:rPr b="0" lang="en-US" sz="1800" spc="-1" strike="noStrike">
+                <a:solidFill>
+                  <a:srgbClr val="cccccc"/>
+                </a:solidFill>
+                <a:latin typeface="Arial"/>
+              </a:rPr>
+              <a:t>(Image: Wikimedia Commons)</a:t>
+            </a:r>
+            <a:endParaRPr b="0" lang="en-US" sz="1800" spc="-1" strike="noStrike">
+              <a:solidFill>
+                <a:srgbClr val="cccccc"/>
+              </a:solidFill>
+              <a:latin typeface="Arial"/>
+            </a:endParaRPr>
+          </a:p>
+        </p:txBody>
+      </p:sp>
+      <p:sp>
+        <p:nvSpPr>
+          <p:cNvPr id="115" name=""/>
+          <p:cNvSpPr txBox="1"/>
+          <p:nvPr/>
+        </p:nvSpPr>
+        <p:spPr>
+          <a:xfrm>
+            <a:off x="1600200" y="3060000"/>
+            <a:ext cx="828000" cy="346320"/>
+          </a:xfrm>
+          <a:prstGeom prst="rect">
+            <a:avLst/>
+          </a:prstGeom>
+          <a:noFill/>
+          <a:ln w="0">
+            <a:noFill/>
+          </a:ln>
+        </p:spPr>
+        <p:txBody>
+          <a:bodyPr lIns="90000" rIns="90000" tIns="45000" bIns="45000" anchor="t">
+            <a:noAutofit/>
+          </a:bodyPr>
+          <a:p>
+            <a:r>
+              <a:rPr b="0" lang="en-US" sz="1800" spc="-1" strike="noStrike">
+                <a:solidFill>
+                  <a:srgbClr val="000000"/>
+                </a:solidFill>
+                <a:latin typeface="Arial"/>
+              </a:rPr>
+              <a:t>Inputs</a:t>
+            </a:r>
+            <a:endParaRPr b="0" lang="en-US" sz="1800" spc="-1" strike="noStrike">
+              <a:solidFill>
+                <a:srgbClr val="000000"/>
+              </a:solidFill>
+              <a:latin typeface="Arial"/>
+            </a:endParaRPr>
+          </a:p>
+        </p:txBody>
+      </p:sp>
+      <p:sp>
+        <p:nvSpPr>
+          <p:cNvPr id="116" name=""/>
+          <p:cNvSpPr txBox="1"/>
+          <p:nvPr/>
+        </p:nvSpPr>
+        <p:spPr>
+          <a:xfrm>
+            <a:off x="6555240" y="3060000"/>
+            <a:ext cx="2407320" cy="602280"/>
+          </a:xfrm>
+          <a:prstGeom prst="rect">
+            <a:avLst/>
+          </a:prstGeom>
+          <a:noFill/>
+          <a:ln w="0">
+            <a:noFill/>
+          </a:ln>
+        </p:spPr>
+        <p:txBody>
+          <a:bodyPr lIns="90000" rIns="90000" tIns="45000" bIns="45000" anchor="t">
+            <a:noAutofit/>
+          </a:bodyPr>
+          <a:p>
+            <a:r>
+              <a:rPr b="0" lang="en-US" sz="1800" spc="-1" strike="noStrike">
+                <a:solidFill>
+                  <a:srgbClr val="000000"/>
+                </a:solidFill>
+                <a:latin typeface="Arial"/>
+              </a:rPr>
+              <a:t>Outputs +</a:t>
+            </a:r>
+            <a:br>
+              <a:rPr sz="1800"/>
+            </a:br>
+            <a:r>
+              <a:rPr b="0" lang="en-US" sz="1800" spc="-1" strike="noStrike">
+                <a:solidFill>
+                  <a:srgbClr val="000000"/>
+                </a:solidFill>
+                <a:latin typeface="Arial"/>
+              </a:rPr>
+              <a:t>Prediction Error Term</a:t>
+            </a:r>
+            <a:endParaRPr b="0" lang="en-US" sz="1800" spc="-1" strike="noStrike">
+              <a:solidFill>
+                <a:srgbClr val="000000"/>
+              </a:solidFill>
+              <a:latin typeface="Arial"/>
+            </a:endParaRPr>
+          </a:p>
+        </p:txBody>
+      </p:sp>
+      <p:sp>
+        <p:nvSpPr>
+          <p:cNvPr id="117" name=""/>
+          <p:cNvSpPr txBox="1"/>
+          <p:nvPr/>
+        </p:nvSpPr>
+        <p:spPr>
+          <a:xfrm>
+            <a:off x="2048760" y="5715000"/>
+            <a:ext cx="5467320" cy="430200"/>
+          </a:xfrm>
+          <a:prstGeom prst="rect">
+            <a:avLst/>
+          </a:prstGeom>
+          <a:noFill/>
+          <a:ln w="0">
+            <a:noFill/>
+          </a:ln>
+        </p:spPr>
+        <p:txBody>
+          <a:bodyPr lIns="90000" rIns="90000" tIns="45000" bIns="45000" anchor="t">
+            <a:noAutofit/>
+          </a:bodyPr>
+          <a:p>
+            <a:r>
+              <a:rPr b="0" lang="en-US" sz="2400" spc="-1" strike="noStrike">
+                <a:solidFill>
+                  <a:srgbClr val="000000"/>
+                </a:solidFill>
+                <a:latin typeface="Arial"/>
+              </a:rPr>
+              <a:t>Typically various norms, e.g. L0, L1, L2</a:t>
+            </a:r>
             <a:endParaRPr b="0" lang="en-US" sz="2400" spc="-1" strike="noStrike">
               <a:solidFill>
                 <a:srgbClr val="000000"/>
               </a:solidFill>
-              <a:latin typeface="Calibri"/>
+              <a:latin typeface="Arial"/>
             </a:endParaRPr>
           </a:p>
         </p:txBody>
@@ -7888,18 +8188,18 @@
         <p:spPr>
           <a:xfrm>
             <a:off x="838080" y="365040"/>
-            <a:ext cx="10515240" cy="1325160"/>
-          </a:xfrm>
-          <a:prstGeom prst="rect">
-            <a:avLst/>
-          </a:prstGeom>
-          <a:noFill/>
-          <a:ln w="0">
-            <a:noFill/>
-          </a:ln>
-        </p:spPr>
-        <p:txBody>
-          <a:bodyPr anchor="ctr">
+            <a:ext cx="10514880" cy="1324800"/>
+          </a:xfrm>
+          <a:prstGeom prst="rect">
+            <a:avLst/>
+          </a:prstGeom>
+          <a:noFill/>
+          <a:ln w="0">
+            <a:noFill/>
+          </a:ln>
+        </p:spPr>
+        <p:txBody>
+          <a:bodyPr lIns="90000" rIns="90000" tIns="45000" bIns="45000" anchor="ctr">
             <a:noAutofit/>
           </a:bodyPr>
           <a:p>
@@ -7908,6 +8208,9 @@
                 <a:spcPct val="90000"/>
               </a:lnSpc>
               <a:buNone/>
+              <a:tabLst>
+                <a:tab algn="l" pos="0"/>
+              </a:tabLst>
             </a:pPr>
             <a:r>
               <a:rPr b="0" lang="en-US" sz="4400" spc="-1" strike="noStrike">
@@ -7922,7 +8225,7 @@
               <a:solidFill>
                 <a:srgbClr val="000000"/>
               </a:solidFill>
-              <a:latin typeface="Calibri"/>
+              <a:latin typeface="Arial"/>
             </a:endParaRPr>
           </a:p>
         </p:txBody>
@@ -7940,18 +8243,18 @@
         <p:spPr>
           <a:xfrm>
             <a:off x="838080" y="1825560"/>
-            <a:ext cx="10515240" cy="4350960"/>
-          </a:xfrm>
-          <a:prstGeom prst="rect">
-            <a:avLst/>
-          </a:prstGeom>
-          <a:noFill/>
-          <a:ln w="0">
-            <a:noFill/>
-          </a:ln>
-        </p:spPr>
-        <p:txBody>
-          <a:bodyPr anchor="t">
+            <a:ext cx="10514880" cy="4350600"/>
+          </a:xfrm>
+          <a:prstGeom prst="rect">
+            <a:avLst/>
+          </a:prstGeom>
+          <a:noFill/>
+          <a:ln w="0">
+            <a:noFill/>
+          </a:ln>
+        </p:spPr>
+        <p:txBody>
+          <a:bodyPr lIns="90000" rIns="90000" tIns="45000" bIns="45000" anchor="t">
             <a:noAutofit/>
           </a:bodyPr>
           <a:p>
@@ -7993,7 +8296,7 @@
               <a:solidFill>
                 <a:srgbClr val="000000"/>
               </a:solidFill>
-              <a:latin typeface="Calibri"/>
+              <a:latin typeface="Arial"/>
             </a:endParaRPr>
           </a:p>
           <a:p>
@@ -8023,7 +8326,7 @@
               <a:solidFill>
                 <a:srgbClr val="000000"/>
               </a:solidFill>
-              <a:latin typeface="Calibri"/>
+              <a:latin typeface="Arial"/>
             </a:endParaRPr>
           </a:p>
           <a:p>
@@ -8053,7 +8356,7 @@
               <a:solidFill>
                 <a:srgbClr val="000000"/>
               </a:solidFill>
-              <a:latin typeface="Calibri"/>
+              <a:latin typeface="Arial"/>
             </a:endParaRPr>
           </a:p>
           <a:p>
@@ -8083,7 +8386,7 @@
               <a:solidFill>
                 <a:srgbClr val="000000"/>
               </a:solidFill>
-              <a:latin typeface="Calibri"/>
+              <a:latin typeface="Arial"/>
             </a:endParaRPr>
           </a:p>
           <a:p>
@@ -8113,7 +8416,7 @@
               <a:solidFill>
                 <a:srgbClr val="000000"/>
               </a:solidFill>
-              <a:latin typeface="Calibri"/>
+              <a:latin typeface="Arial"/>
             </a:endParaRPr>
           </a:p>
           <a:p>
@@ -8143,7 +8446,7 @@
               <a:solidFill>
                 <a:srgbClr val="000000"/>
               </a:solidFill>
-              <a:latin typeface="Calibri"/>
+              <a:latin typeface="Arial"/>
             </a:endParaRPr>
           </a:p>
           <a:p>
@@ -8173,7 +8476,7 @@
               <a:solidFill>
                 <a:srgbClr val="000000"/>
               </a:solidFill>
-              <a:latin typeface="Calibri"/>
+              <a:latin typeface="Arial"/>
             </a:endParaRPr>
           </a:p>
           <a:p>
@@ -8203,7 +8506,7 @@
               <a:solidFill>
                 <a:srgbClr val="000000"/>
               </a:solidFill>
-              <a:latin typeface="Calibri"/>
+              <a:latin typeface="Arial"/>
             </a:endParaRPr>
           </a:p>
           <a:p>
@@ -8215,12 +8518,15 @@
                 <a:spcPts val="1001"/>
               </a:spcBef>
               <a:buNone/>
+              <a:tabLst>
+                <a:tab algn="l" pos="0"/>
+              </a:tabLst>
             </a:pPr>
             <a:endParaRPr b="0" lang="en-US" sz="2800" spc="-1" strike="noStrike">
               <a:solidFill>
                 <a:srgbClr val="000000"/>
               </a:solidFill>
-              <a:latin typeface="Calibri"/>
+              <a:latin typeface="Arial"/>
             </a:endParaRPr>
           </a:p>
         </p:txBody>
@@ -8268,18 +8574,18 @@
         <p:spPr>
           <a:xfrm>
             <a:off x="838080" y="365040"/>
-            <a:ext cx="10515240" cy="1325160"/>
-          </a:xfrm>
-          <a:prstGeom prst="rect">
-            <a:avLst/>
-          </a:prstGeom>
-          <a:noFill/>
-          <a:ln w="0">
-            <a:noFill/>
-          </a:ln>
-        </p:spPr>
-        <p:txBody>
-          <a:bodyPr anchor="ctr">
+            <a:ext cx="10514880" cy="1324800"/>
+          </a:xfrm>
+          <a:prstGeom prst="rect">
+            <a:avLst/>
+          </a:prstGeom>
+          <a:noFill/>
+          <a:ln w="0">
+            <a:noFill/>
+          </a:ln>
+        </p:spPr>
+        <p:txBody>
+          <a:bodyPr lIns="90000" rIns="90000" tIns="45000" bIns="45000" anchor="ctr">
             <a:noAutofit/>
           </a:bodyPr>
           <a:p>
@@ -8288,6 +8594,9 @@
                 <a:spcPct val="90000"/>
               </a:lnSpc>
               <a:buNone/>
+              <a:tabLst>
+                <a:tab algn="l" pos="0"/>
+              </a:tabLst>
             </a:pPr>
             <a:r>
               <a:rPr b="0" lang="en-US" sz="4400" spc="-1" strike="noStrike">
@@ -8302,7 +8611,7 @@
               <a:solidFill>
                 <a:srgbClr val="000000"/>
               </a:solidFill>
-              <a:latin typeface="Calibri"/>
+              <a:latin typeface="Arial"/>
             </a:endParaRPr>
           </a:p>
         </p:txBody>
@@ -8320,18 +8629,18 @@
         <p:spPr>
           <a:xfrm>
             <a:off x="838080" y="1825560"/>
-            <a:ext cx="10515240" cy="4350960"/>
-          </a:xfrm>
-          <a:prstGeom prst="rect">
-            <a:avLst/>
-          </a:prstGeom>
-          <a:noFill/>
-          <a:ln w="0">
-            <a:noFill/>
-          </a:ln>
-        </p:spPr>
-        <p:txBody>
-          <a:bodyPr anchor="t">
+            <a:ext cx="10514880" cy="4350600"/>
+          </a:xfrm>
+          <a:prstGeom prst="rect">
+            <a:avLst/>
+          </a:prstGeom>
+          <a:noFill/>
+          <a:ln w="0">
+            <a:noFill/>
+          </a:ln>
+        </p:spPr>
+        <p:txBody>
+          <a:bodyPr lIns="90000" rIns="90000" tIns="45000" bIns="45000" anchor="t">
             <a:normAutofit/>
           </a:bodyPr>
           <a:p>
@@ -8361,7 +8670,7 @@
               <a:solidFill>
                 <a:srgbClr val="000000"/>
               </a:solidFill>
-              <a:latin typeface="Calibri"/>
+              <a:latin typeface="Arial"/>
             </a:endParaRPr>
           </a:p>
           <a:p>
@@ -8391,7 +8700,7 @@
               <a:solidFill>
                 <a:srgbClr val="000000"/>
               </a:solidFill>
-              <a:latin typeface="Calibri"/>
+              <a:latin typeface="Arial"/>
             </a:endParaRPr>
           </a:p>
           <a:p>
@@ -8421,7 +8730,7 @@
               <a:solidFill>
                 <a:srgbClr val="000000"/>
               </a:solidFill>
-              <a:latin typeface="Calibri"/>
+              <a:latin typeface="Arial"/>
             </a:endParaRPr>
           </a:p>
         </p:txBody>
@@ -8469,18 +8778,18 @@
         <p:spPr>
           <a:xfrm>
             <a:off x="838080" y="365040"/>
-            <a:ext cx="10515240" cy="1325160"/>
-          </a:xfrm>
-          <a:prstGeom prst="rect">
-            <a:avLst/>
-          </a:prstGeom>
-          <a:noFill/>
-          <a:ln w="0">
-            <a:noFill/>
-          </a:ln>
-        </p:spPr>
-        <p:txBody>
-          <a:bodyPr anchor="ctr">
+            <a:ext cx="10514880" cy="1324800"/>
+          </a:xfrm>
+          <a:prstGeom prst="rect">
+            <a:avLst/>
+          </a:prstGeom>
+          <a:noFill/>
+          <a:ln w="0">
+            <a:noFill/>
+          </a:ln>
+        </p:spPr>
+        <p:txBody>
+          <a:bodyPr lIns="90000" rIns="90000" tIns="45000" bIns="45000" anchor="ctr">
             <a:noAutofit/>
           </a:bodyPr>
           <a:p>
@@ -8489,6 +8798,9 @@
                 <a:spcPct val="90000"/>
               </a:lnSpc>
               <a:buNone/>
+              <a:tabLst>
+                <a:tab algn="l" pos="0"/>
+              </a:tabLst>
             </a:pPr>
             <a:r>
               <a:rPr b="0" lang="en-US" sz="4400" spc="-1" strike="noStrike">
@@ -8506,7 +8818,7 @@
               <a:solidFill>
                 <a:srgbClr val="000000"/>
               </a:solidFill>
-              <a:latin typeface="Calibri"/>
+              <a:latin typeface="Arial"/>
             </a:endParaRPr>
           </a:p>
         </p:txBody>
@@ -8524,18 +8836,18 @@
         <p:spPr>
           <a:xfrm>
             <a:off x="838080" y="1825560"/>
-            <a:ext cx="10515240" cy="4350960"/>
-          </a:xfrm>
-          <a:prstGeom prst="rect">
-            <a:avLst/>
-          </a:prstGeom>
-          <a:noFill/>
-          <a:ln w="0">
-            <a:noFill/>
-          </a:ln>
-        </p:spPr>
-        <p:txBody>
-          <a:bodyPr anchor="t">
+            <a:ext cx="10514880" cy="4350600"/>
+          </a:xfrm>
+          <a:prstGeom prst="rect">
+            <a:avLst/>
+          </a:prstGeom>
+          <a:noFill/>
+          <a:ln w="0">
+            <a:noFill/>
+          </a:ln>
+        </p:spPr>
+        <p:txBody>
+          <a:bodyPr lIns="90000" rIns="90000" tIns="45000" bIns="45000" anchor="t">
             <a:noAutofit/>
           </a:bodyPr>
           <a:p>
@@ -8565,7 +8877,7 @@
               <a:solidFill>
                 <a:srgbClr val="000000"/>
               </a:solidFill>
-              <a:latin typeface="Calibri"/>
+              <a:latin typeface="Arial"/>
             </a:endParaRPr>
           </a:p>
           <a:p>
@@ -8595,7 +8907,7 @@
               <a:solidFill>
                 <a:srgbClr val="000000"/>
               </a:solidFill>
-              <a:latin typeface="Calibri"/>
+              <a:latin typeface="Arial"/>
             </a:endParaRPr>
           </a:p>
           <a:p>
@@ -8625,7 +8937,7 @@
               <a:solidFill>
                 <a:srgbClr val="000000"/>
               </a:solidFill>
-              <a:latin typeface="Calibri"/>
+              <a:latin typeface="Arial"/>
             </a:endParaRPr>
           </a:p>
           <a:p>
@@ -8655,7 +8967,7 @@
               <a:solidFill>
                 <a:srgbClr val="000000"/>
               </a:solidFill>
-              <a:latin typeface="Calibri"/>
+              <a:latin typeface="Arial"/>
             </a:endParaRPr>
           </a:p>
           <a:p>
@@ -8685,7 +8997,7 @@
               <a:solidFill>
                 <a:srgbClr val="000000"/>
               </a:solidFill>
-              <a:latin typeface="Calibri"/>
+              <a:latin typeface="Arial"/>
             </a:endParaRPr>
           </a:p>
           <a:p>
@@ -8715,7 +9027,7 @@
               <a:solidFill>
                 <a:srgbClr val="000000"/>
               </a:solidFill>
-              <a:latin typeface="Calibri"/>
+              <a:latin typeface="Arial"/>
             </a:endParaRPr>
           </a:p>
           <a:p>
@@ -8745,7 +9057,7 @@
               <a:solidFill>
                 <a:srgbClr val="000000"/>
               </a:solidFill>
-              <a:latin typeface="Calibri"/>
+              <a:latin typeface="Arial"/>
             </a:endParaRPr>
           </a:p>
           <a:p>
@@ -8757,12 +9069,15 @@
                 <a:spcPts val="1001"/>
               </a:spcBef>
               <a:buNone/>
+              <a:tabLst>
+                <a:tab algn="l" pos="0"/>
+              </a:tabLst>
             </a:pPr>
             <a:endParaRPr b="0" lang="en-US" sz="2800" spc="-1" strike="noStrike">
               <a:solidFill>
                 <a:srgbClr val="000000"/>
               </a:solidFill>
-              <a:latin typeface="Calibri"/>
+              <a:latin typeface="Arial"/>
             </a:endParaRPr>
           </a:p>
         </p:txBody>
@@ -8810,7 +9125,7 @@
         <p:spPr>
           <a:xfrm>
             <a:off x="1711440" y="1027800"/>
-            <a:ext cx="8768520" cy="3962880"/>
+            <a:ext cx="8768160" cy="3962520"/>
           </a:xfrm>
           <a:prstGeom prst="rect">
             <a:avLst/>
@@ -8829,7 +9144,7 @@
         <p:spPr>
           <a:xfrm>
             <a:off x="18360" y="6581160"/>
-            <a:ext cx="6824160" cy="272160"/>
+            <a:ext cx="6823800" cy="272160"/>
           </a:xfrm>
           <a:prstGeom prst="rect">
             <a:avLst/>
@@ -8861,6 +9176,7 @@
                   <a:srgbClr val="000000"/>
                 </a:solidFill>
                 <a:latin typeface="Calibri"/>
+                <a:ea typeface="DejaVu Sans"/>
               </a:rPr>
               <a:t>https://docs.paperspace.com/machine-learning/wiki/supervised-unsupervised-and-reinforcement-learning</a:t>
             </a:r>
@@ -8916,18 +9232,18 @@
         <p:spPr>
           <a:xfrm>
             <a:off x="838080" y="365040"/>
-            <a:ext cx="10515240" cy="1325160"/>
-          </a:xfrm>
-          <a:prstGeom prst="rect">
-            <a:avLst/>
-          </a:prstGeom>
-          <a:noFill/>
-          <a:ln w="0">
-            <a:noFill/>
-          </a:ln>
-        </p:spPr>
-        <p:txBody>
-          <a:bodyPr anchor="ctr">
+            <a:ext cx="10514880" cy="1324800"/>
+          </a:xfrm>
+          <a:prstGeom prst="rect">
+            <a:avLst/>
+          </a:prstGeom>
+          <a:noFill/>
+          <a:ln w="0">
+            <a:noFill/>
+          </a:ln>
+        </p:spPr>
+        <p:txBody>
+          <a:bodyPr lIns="90000" rIns="90000" tIns="45000" bIns="45000" anchor="ctr">
             <a:noAutofit/>
           </a:bodyPr>
           <a:p>
@@ -8936,6 +9252,9 @@
                 <a:spcPct val="90000"/>
               </a:lnSpc>
               <a:buNone/>
+              <a:tabLst>
+                <a:tab algn="l" pos="0"/>
+              </a:tabLst>
             </a:pPr>
             <a:r>
               <a:rPr b="0" lang="en-US" sz="4400" spc="-1" strike="noStrike">
@@ -8950,7 +9269,7 @@
               <a:solidFill>
                 <a:srgbClr val="000000"/>
               </a:solidFill>
-              <a:latin typeface="Calibri"/>
+              <a:latin typeface="Arial"/>
             </a:endParaRPr>
           </a:p>
         </p:txBody>
@@ -8968,18 +9287,18 @@
         <p:spPr>
           <a:xfrm>
             <a:off x="838080" y="1825560"/>
-            <a:ext cx="10515240" cy="4350960"/>
-          </a:xfrm>
-          <a:prstGeom prst="rect">
-            <a:avLst/>
-          </a:prstGeom>
-          <a:noFill/>
-          <a:ln w="0">
-            <a:noFill/>
-          </a:ln>
-        </p:spPr>
-        <p:txBody>
-          <a:bodyPr anchor="t">
+            <a:ext cx="10514880" cy="4350600"/>
+          </a:xfrm>
+          <a:prstGeom prst="rect">
+            <a:avLst/>
+          </a:prstGeom>
+          <a:noFill/>
+          <a:ln w="0">
+            <a:noFill/>
+          </a:ln>
+        </p:spPr>
+        <p:txBody>
+          <a:bodyPr lIns="90000" rIns="90000" tIns="45000" bIns="45000" anchor="t">
             <a:noAutofit/>
           </a:bodyPr>
           <a:p>
@@ -9003,13 +9322,13 @@
                 </a:solidFill>
                 <a:latin typeface="Calibri"/>
               </a:rPr>
-              <a:t>Numerical</a:t>
+              <a:t>Numerical Data</a:t>
             </a:r>
             <a:endParaRPr b="0" lang="en-US" sz="2800" spc="-1" strike="noStrike">
               <a:solidFill>
                 <a:srgbClr val="000000"/>
               </a:solidFill>
-              <a:latin typeface="Calibri"/>
+              <a:latin typeface="Arial"/>
             </a:endParaRPr>
           </a:p>
           <a:p>
@@ -9033,13 +9352,13 @@
                 </a:solidFill>
                 <a:latin typeface="Calibri"/>
               </a:rPr>
-              <a:t>Discrete</a:t>
+              <a:t>Continuous</a:t>
             </a:r>
             <a:endParaRPr b="0" lang="en-US" sz="2400" spc="-1" strike="noStrike">
               <a:solidFill>
                 <a:srgbClr val="000000"/>
               </a:solidFill>
-              <a:latin typeface="Calibri"/>
+              <a:latin typeface="Arial"/>
             </a:endParaRPr>
           </a:p>
           <a:p>
@@ -9063,13 +9382,13 @@
                 </a:solidFill>
                 <a:latin typeface="Calibri"/>
               </a:rPr>
-              <a:t>Continuous</a:t>
+              <a:t>Discrete</a:t>
             </a:r>
             <a:endParaRPr b="0" lang="en-US" sz="2400" spc="-1" strike="noStrike">
               <a:solidFill>
                 <a:srgbClr val="000000"/>
               </a:solidFill>
-              <a:latin typeface="Calibri"/>
+              <a:latin typeface="Arial"/>
             </a:endParaRPr>
           </a:p>
           <a:p>
@@ -9093,13 +9412,73 @@
                 </a:solidFill>
                 <a:latin typeface="Calibri"/>
               </a:rPr>
+              <a:t>Ordinal Data</a:t>
+            </a:r>
+            <a:endParaRPr b="0" lang="en-US" sz="2800" spc="-1" strike="noStrike">
+              <a:solidFill>
+                <a:srgbClr val="000000"/>
+              </a:solidFill>
+              <a:latin typeface="Arial"/>
+            </a:endParaRPr>
+          </a:p>
+          <a:p>
+            <a:pPr marL="228600" indent="-228600">
+              <a:lnSpc>
+                <a:spcPct val="90000"/>
+              </a:lnSpc>
+              <a:spcBef>
+                <a:spcPts val="1001"/>
+              </a:spcBef>
+              <a:buClr>
+                <a:srgbClr val="000000"/>
+              </a:buClr>
+              <a:buFont typeface="Arial"/>
+              <a:buChar char="•"/>
+            </a:pPr>
+            <a:r>
+              <a:rPr b="0" lang="en-US" sz="2800" spc="-1" strike="noStrike">
+                <a:solidFill>
+                  <a:srgbClr val="000000"/>
+                </a:solidFill>
+                <a:latin typeface="Calibri"/>
+              </a:rPr>
               <a:t>Categorical Data</a:t>
             </a:r>
             <a:endParaRPr b="0" lang="en-US" sz="2800" spc="-1" strike="noStrike">
               <a:solidFill>
                 <a:srgbClr val="000000"/>
               </a:solidFill>
-              <a:latin typeface="Calibri"/>
+              <a:latin typeface="Arial"/>
+            </a:endParaRPr>
+          </a:p>
+          <a:p>
+            <a:pPr marL="228600" indent="-228600">
+              <a:lnSpc>
+                <a:spcPct val="90000"/>
+              </a:lnSpc>
+              <a:spcBef>
+                <a:spcPts val="1001"/>
+              </a:spcBef>
+              <a:buClr>
+                <a:srgbClr val="000000"/>
+              </a:buClr>
+              <a:buFont typeface="Arial"/>
+              <a:buChar char="•"/>
+            </a:pPr>
+            <a:r>
+              <a:rPr b="0" lang="en-US" sz="2800" spc="-1" strike="noStrike">
+                <a:solidFill>
+                  <a:srgbClr val="000000"/>
+                </a:solidFill>
+                <a:latin typeface="Calibri"/>
+              </a:rPr>
+              <a:t>Fancy Data</a:t>
+            </a:r>
+            <a:endParaRPr b="0" lang="en-US" sz="2800" spc="-1" strike="noStrike">
+              <a:solidFill>
+                <a:srgbClr val="000000"/>
+              </a:solidFill>
+              <a:latin typeface="Arial"/>
             </a:endParaRPr>
           </a:p>
           <a:p>
@@ -9111,12 +9490,15 @@
                 <a:spcPts val="1001"/>
               </a:spcBef>
               <a:buNone/>
+              <a:tabLst>
+                <a:tab algn="l" pos="0"/>
+              </a:tabLst>
             </a:pPr>
             <a:endParaRPr b="0" lang="en-US" sz="2800" spc="-1" strike="noStrike">
               <a:solidFill>
                 <a:srgbClr val="000000"/>
               </a:solidFill>
-              <a:latin typeface="Calibri"/>
+              <a:latin typeface="Arial"/>
             </a:endParaRPr>
           </a:p>
           <a:p>
@@ -9128,12 +9510,15 @@
                 <a:spcPts val="1001"/>
               </a:spcBef>
               <a:buNone/>
+              <a:tabLst>
+                <a:tab algn="l" pos="0"/>
+              </a:tabLst>
             </a:pPr>
             <a:endParaRPr b="0" lang="en-US" sz="2800" spc="-1" strike="noStrike">
               <a:solidFill>
                 <a:srgbClr val="000000"/>
               </a:solidFill>
-              <a:latin typeface="Calibri"/>
+              <a:latin typeface="Arial"/>
             </a:endParaRPr>
           </a:p>
           <a:p>
@@ -9145,12 +9530,15 @@
                 <a:spcPts val="1001"/>
               </a:spcBef>
               <a:buNone/>
+              <a:tabLst>
+                <a:tab algn="l" pos="0"/>
+              </a:tabLst>
             </a:pPr>
             <a:endParaRPr b="0" lang="en-US" sz="2800" spc="-1" strike="noStrike">
               <a:solidFill>
                 <a:srgbClr val="000000"/>
               </a:solidFill>
-              <a:latin typeface="Calibri"/>
+              <a:latin typeface="Arial"/>
             </a:endParaRPr>
           </a:p>
         </p:txBody>
@@ -9198,18 +9586,18 @@
         <p:spPr>
           <a:xfrm>
             <a:off x="838080" y="365040"/>
-            <a:ext cx="10515240" cy="1325160"/>
-          </a:xfrm>
-          <a:prstGeom prst="rect">
-            <a:avLst/>
-          </a:prstGeom>
-          <a:noFill/>
-          <a:ln w="0">
-            <a:noFill/>
-          </a:ln>
-        </p:spPr>
-        <p:txBody>
-          <a:bodyPr anchor="ctr">
+            <a:ext cx="10514880" cy="1324800"/>
+          </a:xfrm>
+          <a:prstGeom prst="rect">
+            <a:avLst/>
+          </a:prstGeom>
+          <a:noFill/>
+          <a:ln w="0">
+            <a:noFill/>
+          </a:ln>
+        </p:spPr>
+        <p:txBody>
+          <a:bodyPr lIns="90000" rIns="90000" tIns="45000" bIns="45000" anchor="ctr">
             <a:noAutofit/>
           </a:bodyPr>
           <a:p>
@@ -9218,6 +9606,9 @@
                 <a:spcPct val="90000"/>
               </a:lnSpc>
               <a:buNone/>
+              <a:tabLst>
+                <a:tab algn="l" pos="0"/>
+              </a:tabLst>
             </a:pPr>
             <a:r>
               <a:rPr b="0" lang="en-US" sz="4400" spc="-1" strike="noStrike">
@@ -9226,13 +9617,13 @@
                 </a:solidFill>
                 <a:latin typeface="Calibri Light"/>
               </a:rPr>
-              <a:t>ML system evaluation</a:t>
+              <a:t>ML System Evaluation</a:t>
             </a:r>
             <a:endParaRPr b="0" lang="en-US" sz="4400" spc="-1" strike="noStrike">
               <a:solidFill>
                 <a:srgbClr val="000000"/>
               </a:solidFill>
-              <a:latin typeface="Calibri"/>
+              <a:latin typeface="Arial"/>
             </a:endParaRPr>
           </a:p>
         </p:txBody>
@@ -9250,18 +9641,18 @@
         <p:spPr>
           <a:xfrm>
             <a:off x="838080" y="1825560"/>
-            <a:ext cx="10515240" cy="4350960"/>
-          </a:xfrm>
-          <a:prstGeom prst="rect">
-            <a:avLst/>
-          </a:prstGeom>
-          <a:noFill/>
-          <a:ln w="0">
-            <a:noFill/>
-          </a:ln>
-        </p:spPr>
-        <p:txBody>
-          <a:bodyPr anchor="t">
+            <a:ext cx="10514880" cy="4350600"/>
+          </a:xfrm>
+          <a:prstGeom prst="rect">
+            <a:avLst/>
+          </a:prstGeom>
+          <a:noFill/>
+          <a:ln w="0">
+            <a:noFill/>
+          </a:ln>
+        </p:spPr>
+        <p:txBody>
+          <a:bodyPr lIns="90000" rIns="90000" tIns="45000" bIns="45000" anchor="t">
             <a:normAutofit/>
           </a:bodyPr>
           <a:p>
@@ -9285,13 +9676,13 @@
                 </a:solidFill>
                 <a:latin typeface="Calibri"/>
               </a:rPr>
-              <a:t>Predictions:</a:t>
+              <a:t>Binary Classifications:</a:t>
             </a:r>
             <a:endParaRPr b="0" lang="en-US" sz="2800" spc="-1" strike="noStrike">
               <a:solidFill>
                 <a:srgbClr val="000000"/>
               </a:solidFill>
-              <a:latin typeface="Calibri"/>
+              <a:latin typeface="Arial"/>
             </a:endParaRPr>
           </a:p>
           <a:p>
@@ -9321,7 +9712,7 @@
               <a:solidFill>
                 <a:srgbClr val="000000"/>
               </a:solidFill>
-              <a:latin typeface="Calibri"/>
+              <a:latin typeface="Arial"/>
             </a:endParaRPr>
           </a:p>
           <a:p>
@@ -9351,7 +9742,7 @@
               <a:solidFill>
                 <a:srgbClr val="000000"/>
               </a:solidFill>
-              <a:latin typeface="Calibri"/>
+              <a:latin typeface="Arial"/>
             </a:endParaRPr>
           </a:p>
           <a:p>
@@ -9381,7 +9772,7 @@
               <a:solidFill>
                 <a:srgbClr val="000000"/>
               </a:solidFill>
-              <a:latin typeface="Calibri"/>
+              <a:latin typeface="Arial"/>
             </a:endParaRPr>
           </a:p>
           <a:p>
@@ -9411,7 +9802,7 @@
               <a:solidFill>
                 <a:srgbClr val="000000"/>
               </a:solidFill>
-              <a:latin typeface="Calibri"/>
+              <a:latin typeface="Arial"/>
             </a:endParaRPr>
           </a:p>
           <a:p>
@@ -9434,7 +9825,7 @@
               <a:solidFill>
                 <a:srgbClr val="000000"/>
               </a:solidFill>
-              <a:latin typeface="Calibri"/>
+              <a:latin typeface="Arial"/>
             </a:endParaRPr>
           </a:p>
           <a:p>
@@ -9454,7 +9845,7 @@
               <a:solidFill>
                 <a:srgbClr val="000000"/>
               </a:solidFill>
-              <a:latin typeface="Calibri"/>
+              <a:latin typeface="Arial"/>
             </a:endParaRPr>
           </a:p>
           <a:p>
@@ -9474,7 +9865,7 @@
               <a:solidFill>
                 <a:srgbClr val="000000"/>
               </a:solidFill>
-              <a:latin typeface="Calibri"/>
+              <a:latin typeface="Arial"/>
             </a:endParaRPr>
           </a:p>
         </p:txBody>
@@ -9522,18 +9913,18 @@
         <p:spPr>
           <a:xfrm>
             <a:off x="838080" y="365040"/>
-            <a:ext cx="10515240" cy="1325160"/>
-          </a:xfrm>
-          <a:prstGeom prst="rect">
-            <a:avLst/>
-          </a:prstGeom>
-          <a:noFill/>
-          <a:ln w="0">
-            <a:noFill/>
-          </a:ln>
-        </p:spPr>
-        <p:txBody>
-          <a:bodyPr anchor="ctr">
+            <a:ext cx="10514880" cy="1324800"/>
+          </a:xfrm>
+          <a:prstGeom prst="rect">
+            <a:avLst/>
+          </a:prstGeom>
+          <a:noFill/>
+          <a:ln w="0">
+            <a:noFill/>
+          </a:ln>
+        </p:spPr>
+        <p:txBody>
+          <a:bodyPr lIns="90000" rIns="90000" tIns="45000" bIns="45000" anchor="ctr">
             <a:noAutofit/>
           </a:bodyPr>
           <a:p>
@@ -9542,6 +9933,9 @@
                 <a:spcPct val="90000"/>
               </a:lnSpc>
               <a:buNone/>
+              <a:tabLst>
+                <a:tab algn="l" pos="0"/>
+              </a:tabLst>
             </a:pPr>
             <a:r>
               <a:rPr b="0" lang="en-US" sz="4400" spc="-1" strike="noStrike">
@@ -9550,13 +9944,13 @@
                 </a:solidFill>
                 <a:latin typeface="Calibri Light"/>
               </a:rPr>
-              <a:t>Some ML Metrics</a:t>
+              <a:t>Some Binary Classification Metrics</a:t>
             </a:r>
             <a:endParaRPr b="0" lang="en-US" sz="4400" spc="-1" strike="noStrike">
               <a:solidFill>
                 <a:srgbClr val="000000"/>
               </a:solidFill>
-              <a:latin typeface="Calibri"/>
+              <a:latin typeface="Arial"/>
             </a:endParaRPr>
           </a:p>
         </p:txBody>
@@ -9574,18 +9968,18 @@
         <p:spPr>
           <a:xfrm>
             <a:off x="838080" y="1825560"/>
-            <a:ext cx="10515240" cy="4350960"/>
-          </a:xfrm>
-          <a:prstGeom prst="rect">
-            <a:avLst/>
-          </a:prstGeom>
-          <a:noFill/>
-          <a:ln w="0">
-            <a:noFill/>
-          </a:ln>
-        </p:spPr>
-        <p:txBody>
-          <a:bodyPr anchor="t">
+            <a:ext cx="10514880" cy="4350600"/>
+          </a:xfrm>
+          <a:prstGeom prst="rect">
+            <a:avLst/>
+          </a:prstGeom>
+          <a:noFill/>
+          <a:ln w="0">
+            <a:noFill/>
+          </a:ln>
+        </p:spPr>
+        <p:txBody>
+          <a:bodyPr lIns="90000" rIns="90000" tIns="45000" bIns="45000" anchor="t">
             <a:noAutofit/>
           </a:bodyPr>
           <a:p>
@@ -9615,7 +10009,7 @@
               <a:solidFill>
                 <a:srgbClr val="000000"/>
               </a:solidFill>
-              <a:latin typeface="Calibri"/>
+              <a:latin typeface="Arial"/>
             </a:endParaRPr>
           </a:p>
           <a:p>
@@ -9645,7 +10039,7 @@
               <a:solidFill>
                 <a:srgbClr val="000000"/>
               </a:solidFill>
-              <a:latin typeface="Calibri"/>
+              <a:latin typeface="Arial"/>
             </a:endParaRPr>
           </a:p>
           <a:p>
@@ -9675,7 +10069,7 @@
               <a:solidFill>
                 <a:srgbClr val="000000"/>
               </a:solidFill>
-              <a:latin typeface="Calibri"/>
+              <a:latin typeface="Arial"/>
             </a:endParaRPr>
           </a:p>
           <a:p>
@@ -9687,12 +10081,15 @@
                 <a:spcPts val="1001"/>
               </a:spcBef>
               <a:buNone/>
+              <a:tabLst>
+                <a:tab algn="l" pos="0"/>
+              </a:tabLst>
             </a:pPr>
             <a:endParaRPr b="0" lang="en-US" sz="2800" spc="-1" strike="noStrike">
               <a:solidFill>
                 <a:srgbClr val="000000"/>
               </a:solidFill>
-              <a:latin typeface="Calibri"/>
+              <a:latin typeface="Arial"/>
             </a:endParaRPr>
           </a:p>
           <a:p>
@@ -9708,6 +10105,9 @@
               </a:buClr>
               <a:buFont typeface="Arial"/>
               <a:buChar char="•"/>
+              <a:tabLst>
+                <a:tab algn="l" pos="0"/>
+              </a:tabLst>
             </a:pPr>
             <a:r>
               <a:rPr b="0" lang="en-US" sz="2800" spc="-1" strike="noStrike">
@@ -9731,7 +10131,7 @@
               <a:solidFill>
                 <a:srgbClr val="000000"/>
               </a:solidFill>
-              <a:latin typeface="Calibri"/>
+              <a:latin typeface="Arial"/>
             </a:endParaRPr>
           </a:p>
         </p:txBody>
@@ -9749,7 +10149,7 @@
         <p:spPr>
           <a:xfrm>
             <a:off x="8117640" y="3315240"/>
-            <a:ext cx="4074120" cy="3063600"/>
+            <a:ext cx="4073760" cy="3063240"/>
           </a:xfrm>
           <a:prstGeom prst="rect">
             <a:avLst/>
@@ -9768,7 +10168,7 @@
         <p:spPr>
           <a:xfrm>
             <a:off x="32760" y="6581160"/>
-            <a:ext cx="7863480" cy="272160"/>
+            <a:ext cx="7863120" cy="272160"/>
           </a:xfrm>
           <a:prstGeom prst="rect">
             <a:avLst/>
@@ -9800,6 +10200,7 @@
                   <a:srgbClr val="000000"/>
                 </a:solidFill>
                 <a:latin typeface="Calibri"/>
+                <a:ea typeface="DejaVu Sans"/>
               </a:rPr>
               <a:t>https://upload.wikimedia.org/wikipedia/commons/thumb/3/36/Roc-draft-xkcd-style.svg/375px-Roc-draft-xkcd-style.svg.png</a:t>
             </a:r>
@@ -9855,18 +10256,18 @@
         <p:spPr>
           <a:xfrm>
             <a:off x="838080" y="365040"/>
-            <a:ext cx="10515240" cy="1325160"/>
-          </a:xfrm>
-          <a:prstGeom prst="rect">
-            <a:avLst/>
-          </a:prstGeom>
-          <a:noFill/>
-          <a:ln w="0">
-            <a:noFill/>
-          </a:ln>
-        </p:spPr>
-        <p:txBody>
-          <a:bodyPr anchor="ctr">
+            <a:ext cx="10514880" cy="1324800"/>
+          </a:xfrm>
+          <a:prstGeom prst="rect">
+            <a:avLst/>
+          </a:prstGeom>
+          <a:noFill/>
+          <a:ln w="0">
+            <a:noFill/>
+          </a:ln>
+        </p:spPr>
+        <p:txBody>
+          <a:bodyPr lIns="90000" rIns="90000" tIns="45000" bIns="45000" anchor="ctr">
             <a:noAutofit/>
           </a:bodyPr>
           <a:p>
@@ -9875,6 +10276,9 @@
                 <a:spcPct val="90000"/>
               </a:lnSpc>
               <a:buNone/>
+              <a:tabLst>
+                <a:tab algn="l" pos="0"/>
+              </a:tabLst>
             </a:pPr>
             <a:r>
               <a:rPr b="0" lang="en-US" sz="4400" spc="-1" strike="noStrike">
@@ -9883,13 +10287,13 @@
                 </a:solidFill>
                 <a:latin typeface="Calibri Light"/>
               </a:rPr>
-              <a:t>Some ML Metrics</a:t>
+              <a:t>More Binary Classification Metrics</a:t>
             </a:r>
             <a:endParaRPr b="0" lang="en-US" sz="4400" spc="-1" strike="noStrike">
               <a:solidFill>
                 <a:srgbClr val="000000"/>
               </a:solidFill>
-              <a:latin typeface="Calibri"/>
+              <a:latin typeface="Arial"/>
             </a:endParaRPr>
           </a:p>
         </p:txBody>
@@ -9907,18 +10311,18 @@
         <p:spPr>
           <a:xfrm>
             <a:off x="838080" y="1825560"/>
-            <a:ext cx="10515240" cy="4350960"/>
-          </a:xfrm>
-          <a:prstGeom prst="rect">
-            <a:avLst/>
-          </a:prstGeom>
-          <a:noFill/>
-          <a:ln w="0">
-            <a:noFill/>
-          </a:ln>
-        </p:spPr>
-        <p:txBody>
-          <a:bodyPr anchor="t">
+            <a:ext cx="10514880" cy="4350600"/>
+          </a:xfrm>
+          <a:prstGeom prst="rect">
+            <a:avLst/>
+          </a:prstGeom>
+          <a:noFill/>
+          <a:ln w="0">
+            <a:noFill/>
+          </a:ln>
+        </p:spPr>
+        <p:txBody>
+          <a:bodyPr lIns="90000" rIns="90000" tIns="45000" bIns="45000" anchor="t">
             <a:noAutofit/>
           </a:bodyPr>
           <a:p>
@@ -9948,7 +10352,7 @@
               <a:solidFill>
                 <a:srgbClr val="000000"/>
               </a:solidFill>
-              <a:latin typeface="Calibri"/>
+              <a:latin typeface="Arial"/>
             </a:endParaRPr>
           </a:p>
           <a:p>
@@ -9960,12 +10364,15 @@
                 <a:spcPts val="1001"/>
               </a:spcBef>
               <a:buNone/>
+              <a:tabLst>
+                <a:tab algn="l" pos="0"/>
+              </a:tabLst>
             </a:pPr>
             <a:endParaRPr b="0" lang="en-US" sz="2800" spc="-1" strike="noStrike">
               <a:solidFill>
                 <a:srgbClr val="000000"/>
               </a:solidFill>
-              <a:latin typeface="Calibri"/>
+              <a:latin typeface="Arial"/>
             </a:endParaRPr>
           </a:p>
           <a:p>
@@ -9977,12 +10384,15 @@
                 <a:spcPts val="1001"/>
               </a:spcBef>
               <a:buNone/>
+              <a:tabLst>
+                <a:tab algn="l" pos="0"/>
+              </a:tabLst>
             </a:pPr>
             <a:endParaRPr b="0" lang="en-US" sz="2800" spc="-1" strike="noStrike">
               <a:solidFill>
                 <a:srgbClr val="000000"/>
               </a:solidFill>
-              <a:latin typeface="Calibri"/>
+              <a:latin typeface="Arial"/>
             </a:endParaRPr>
           </a:p>
           <a:p>
@@ -9994,12 +10404,15 @@
                 <a:spcPts val="1001"/>
               </a:spcBef>
               <a:buNone/>
+              <a:tabLst>
+                <a:tab algn="l" pos="0"/>
+              </a:tabLst>
             </a:pPr>
             <a:endParaRPr b="0" lang="en-US" sz="2800" spc="-1" strike="noStrike">
               <a:solidFill>
                 <a:srgbClr val="000000"/>
               </a:solidFill>
-              <a:latin typeface="Calibri"/>
+              <a:latin typeface="Arial"/>
             </a:endParaRPr>
           </a:p>
           <a:p>
@@ -10011,12 +10424,15 @@
                 <a:spcPts val="1001"/>
               </a:spcBef>
               <a:buNone/>
+              <a:tabLst>
+                <a:tab algn="l" pos="0"/>
+              </a:tabLst>
             </a:pPr>
             <a:endParaRPr b="0" lang="en-US" sz="2800" spc="-1" strike="noStrike">
               <a:solidFill>
                 <a:srgbClr val="000000"/>
               </a:solidFill>
-              <a:latin typeface="Calibri"/>
+              <a:latin typeface="Arial"/>
             </a:endParaRPr>
           </a:p>
           <a:p>
@@ -10032,6 +10448,9 @@
               </a:buClr>
               <a:buFont typeface="Arial"/>
               <a:buChar char="•"/>
+              <a:tabLst>
+                <a:tab algn="l" pos="0"/>
+              </a:tabLst>
             </a:pPr>
             <a:r>
               <a:rPr b="0" lang="en-US" sz="2800" spc="-1" strike="noStrike">
@@ -10046,7 +10465,7 @@
               <a:solidFill>
                 <a:srgbClr val="000000"/>
               </a:solidFill>
-              <a:latin typeface="Calibri"/>
+              <a:latin typeface="Arial"/>
             </a:endParaRPr>
           </a:p>
         </p:txBody>
@@ -10064,7 +10483,7 @@
         <p:spPr>
           <a:xfrm>
             <a:off x="6269040" y="1306440"/>
-            <a:ext cx="5286240" cy="2973240"/>
+            <a:ext cx="5285880" cy="2972880"/>
           </a:xfrm>
           <a:prstGeom prst="rect">
             <a:avLst/>
@@ -10083,7 +10502,7 @@
         <p:spPr>
           <a:xfrm>
             <a:off x="21960" y="6581160"/>
-            <a:ext cx="4980240" cy="272160"/>
+            <a:ext cx="4979880" cy="272160"/>
           </a:xfrm>
           <a:prstGeom prst="rect">
             <a:avLst/>
@@ -10115,6 +10534,7 @@
                   <a:srgbClr val="000000"/>
                 </a:solidFill>
                 <a:latin typeface="Calibri"/>
+                <a:ea typeface="DejaVu Sans"/>
               </a:rPr>
               <a:t>https://glassboxmedicine.files.wordpress.com/2019/02/confusion-matrix.png</a:t>
             </a:r>
@@ -10140,7 +10560,7 @@
         <p:spPr>
           <a:xfrm>
             <a:off x="6269040" y="4415400"/>
-            <a:ext cx="5922720" cy="1491840"/>
+            <a:ext cx="5922360" cy="1491480"/>
           </a:xfrm>
           <a:prstGeom prst="rect">
             <a:avLst/>

--- a/07-ml/07-1-mlintro.pptx
+++ b/07-ml/07-1-mlintro.pptx
@@ -4,21 +4,22 @@
   <p:sldMasterIdLst>
     <p:sldMasterId id="2147483648" r:id="rId2"/>
     <p:sldMasterId id="2147483661" r:id="rId3"/>
+    <p:sldMasterId id="2147483674" r:id="rId4"/>
   </p:sldMasterIdLst>
   <p:notesMasterIdLst>
-    <p:notesMasterId r:id="rId4"/>
+    <p:notesMasterId r:id="rId5"/>
   </p:notesMasterIdLst>
   <p:sldIdLst>
-    <p:sldId id="256" r:id="rId5"/>
-    <p:sldId id="257" r:id="rId6"/>
-    <p:sldId id="258" r:id="rId7"/>
-    <p:sldId id="259" r:id="rId8"/>
-    <p:sldId id="260" r:id="rId9"/>
-    <p:sldId id="261" r:id="rId10"/>
-    <p:sldId id="262" r:id="rId11"/>
-    <p:sldId id="263" r:id="rId12"/>
-    <p:sldId id="264" r:id="rId13"/>
-    <p:sldId id="265" r:id="rId14"/>
+    <p:sldId id="256" r:id="rId6"/>
+    <p:sldId id="257" r:id="rId7"/>
+    <p:sldId id="258" r:id="rId8"/>
+    <p:sldId id="259" r:id="rId9"/>
+    <p:sldId id="260" r:id="rId10"/>
+    <p:sldId id="261" r:id="rId11"/>
+    <p:sldId id="262" r:id="rId12"/>
+    <p:sldId id="263" r:id="rId13"/>
+    <p:sldId id="264" r:id="rId14"/>
+    <p:sldId id="265" r:id="rId15"/>
   </p:sldIdLst>
   <p:sldSz cx="12192000" cy="6858000"/>
   <p:notesSz cx="6858000" cy="9144000"/>
@@ -44,7 +45,7 @@
       </p:grpSpPr>
       <p:sp>
         <p:nvSpPr>
-          <p:cNvPr id="82" name="PlaceHolder 1"/>
+          <p:cNvPr id="123" name="PlaceHolder 1"/>
           <p:cNvSpPr>
             <a:spLocks noGrp="1"/>
           </p:cNvSpPr>
@@ -91,7 +92,7 @@
       </p:sp>
       <p:sp>
         <p:nvSpPr>
-          <p:cNvPr id="83" name="PlaceHolder 2"/>
+          <p:cNvPr id="124" name="PlaceHolder 2"/>
           <p:cNvSpPr>
             <a:spLocks noGrp="1"/>
           </p:cNvSpPr>
@@ -140,7 +141,7 @@
       </p:sp>
       <p:sp>
         <p:nvSpPr>
-          <p:cNvPr id="84" name="PlaceHolder 3"/>
+          <p:cNvPr id="125" name="PlaceHolder 3"/>
           <p:cNvSpPr>
             <a:spLocks noGrp="1"/>
           </p:cNvSpPr>
@@ -189,12 +190,12 @@
       </p:sp>
       <p:sp>
         <p:nvSpPr>
-          <p:cNvPr id="85" name="PlaceHolder 4"/>
-          <p:cNvSpPr>
-            <a:spLocks noGrp="1"/>
-          </p:cNvSpPr>
-          <p:nvPr>
-            <p:ph type="dt" idx="7"/>
+          <p:cNvPr id="126" name="PlaceHolder 4"/>
+          <p:cNvSpPr>
+            <a:spLocks noGrp="1"/>
+          </p:cNvSpPr>
+          <p:nvPr>
+            <p:ph type="dt" idx="10"/>
           </p:nvPr>
         </p:nvSpPr>
         <p:spPr>
@@ -249,12 +250,12 @@
       </p:sp>
       <p:sp>
         <p:nvSpPr>
-          <p:cNvPr id="86" name="PlaceHolder 5"/>
-          <p:cNvSpPr>
-            <a:spLocks noGrp="1"/>
-          </p:cNvSpPr>
-          <p:nvPr>
-            <p:ph type="ftr" idx="8"/>
+          <p:cNvPr id="127" name="PlaceHolder 5"/>
+          <p:cNvSpPr>
+            <a:spLocks noGrp="1"/>
+          </p:cNvSpPr>
+          <p:nvPr>
+            <p:ph type="ftr" idx="11"/>
           </p:nvPr>
         </p:nvSpPr>
         <p:spPr>
@@ -309,12 +310,12 @@
       </p:sp>
       <p:sp>
         <p:nvSpPr>
-          <p:cNvPr id="87" name="PlaceHolder 6"/>
-          <p:cNvSpPr>
-            <a:spLocks noGrp="1"/>
-          </p:cNvSpPr>
-          <p:nvPr>
-            <p:ph type="sldNum" idx="9"/>
+          <p:cNvPr id="128" name="PlaceHolder 6"/>
+          <p:cNvSpPr>
+            <a:spLocks noGrp="1"/>
+          </p:cNvSpPr>
+          <p:nvPr>
+            <p:ph type="sldNum" idx="12"/>
           </p:nvPr>
         </p:nvSpPr>
         <p:spPr>
@@ -349,7 +350,7 @@
             <a:pPr indent="0" algn="r">
               <a:buNone/>
             </a:pPr>
-            <a:fld id="{27AF1065-8D43-4318-8583-BCACFBADD071}" type="slidenum">
+            <a:fld id="{052BFF86-2CE6-4EBF-9909-2E0841E82087}" type="slidenum">
               <a:rPr b="0" lang="en-US" sz="1400" spc="-1" strike="noStrike">
                 <a:solidFill>
                   <a:srgbClr val="000000"/>
@@ -392,7 +393,7 @@
       </p:grpSpPr>
       <p:sp>
         <p:nvSpPr>
-          <p:cNvPr id="118" name="PlaceHolder 1"/>
+          <p:cNvPr id="159" name="PlaceHolder 1"/>
           <p:cNvSpPr>
             <a:spLocks noGrp="1"/>
           </p:cNvSpPr>
@@ -403,19 +404,19 @@
         <p:spPr>
           <a:xfrm>
             <a:off x="685800" y="1143000"/>
-            <a:ext cx="5485680" cy="3085560"/>
-          </a:xfrm>
-          <a:prstGeom prst="rect">
-            <a:avLst/>
-          </a:prstGeom>
-          <a:ln w="0">
-            <a:noFill/>
-          </a:ln>
-        </p:spPr>
-      </p:sp>
-      <p:sp>
-        <p:nvSpPr>
-          <p:cNvPr id="119" name="PlaceHolder 2"/>
+            <a:ext cx="5485320" cy="3085200"/>
+          </a:xfrm>
+          <a:prstGeom prst="rect">
+            <a:avLst/>
+          </a:prstGeom>
+          <a:ln w="0">
+            <a:noFill/>
+          </a:ln>
+        </p:spPr>
+      </p:sp>
+      <p:sp>
+        <p:nvSpPr>
+          <p:cNvPr id="160" name="PlaceHolder 2"/>
           <p:cNvSpPr>
             <a:spLocks noGrp="1"/>
           </p:cNvSpPr>
@@ -426,7 +427,7 @@
         <p:spPr>
           <a:xfrm>
             <a:off x="685800" y="4400640"/>
-            <a:ext cx="5485680" cy="3599640"/>
+            <a:ext cx="5485320" cy="3599280"/>
           </a:xfrm>
           <a:prstGeom prst="rect">
             <a:avLst/>
@@ -455,18 +456,18 @@
       </p:sp>
       <p:sp>
         <p:nvSpPr>
-          <p:cNvPr id="120" name="PlaceHolder 3"/>
-          <p:cNvSpPr>
-            <a:spLocks noGrp="1"/>
-          </p:cNvSpPr>
-          <p:nvPr>
-            <p:ph type="sldNum" idx="10"/>
+          <p:cNvPr id="161" name="PlaceHolder 3"/>
+          <p:cNvSpPr>
+            <a:spLocks noGrp="1"/>
+          </p:cNvSpPr>
+          <p:nvPr>
+            <p:ph type="sldNum" idx="13"/>
           </p:nvPr>
         </p:nvSpPr>
         <p:spPr>
           <a:xfrm>
             <a:off x="3884760" y="8685360"/>
-            <a:ext cx="2971080" cy="457920"/>
+            <a:ext cx="2970720" cy="457560"/>
           </a:xfrm>
           <a:prstGeom prst="rect">
             <a:avLst/>
@@ -507,14 +508,14 @@
                 <a:tab algn="l" pos="0"/>
               </a:tabLst>
             </a:pPr>
-            <a:fld id="{B7636720-85A4-4B4D-9274-B06F9DE07867}" type="slidenum">
+            <a:fld id="{613D8AE8-0CC0-4352-80B3-F812EA5F0963}" type="slidenum">
               <a:rPr b="0" lang="en-US" sz="1200" spc="-1" strike="noStrike">
                 <a:solidFill>
                   <a:srgbClr val="000000"/>
                 </a:solidFill>
                 <a:latin typeface="Times New Roman"/>
               </a:rPr>
-              <a:t>10</a:t>
+              <a:t>&lt;number&gt;</a:t>
             </a:fld>
             <a:endParaRPr b="0" lang="en-US" sz="1200" spc="-1" strike="noStrike">
               <a:solidFill>
@@ -549,7 +550,7 @@
       </p:grpSpPr>
       <p:sp>
         <p:nvSpPr>
-          <p:cNvPr id="121" name="PlaceHolder 1"/>
+          <p:cNvPr id="162" name="PlaceHolder 1"/>
           <p:cNvSpPr>
             <a:spLocks noGrp="1"/>
           </p:cNvSpPr>
@@ -560,19 +561,19 @@
         <p:spPr>
           <a:xfrm>
             <a:off x="685800" y="1143000"/>
-            <a:ext cx="5485680" cy="3085560"/>
-          </a:xfrm>
-          <a:prstGeom prst="rect">
-            <a:avLst/>
-          </a:prstGeom>
-          <a:ln w="0">
-            <a:noFill/>
-          </a:ln>
-        </p:spPr>
-      </p:sp>
-      <p:sp>
-        <p:nvSpPr>
-          <p:cNvPr id="122" name="PlaceHolder 2"/>
+            <a:ext cx="5485320" cy="3085200"/>
+          </a:xfrm>
+          <a:prstGeom prst="rect">
+            <a:avLst/>
+          </a:prstGeom>
+          <a:ln w="0">
+            <a:noFill/>
+          </a:ln>
+        </p:spPr>
+      </p:sp>
+      <p:sp>
+        <p:nvSpPr>
+          <p:cNvPr id="163" name="PlaceHolder 2"/>
           <p:cNvSpPr>
             <a:spLocks noGrp="1"/>
           </p:cNvSpPr>
@@ -583,7 +584,7 @@
         <p:spPr>
           <a:xfrm>
             <a:off x="685800" y="4400640"/>
-            <a:ext cx="5485680" cy="3599640"/>
+            <a:ext cx="5485320" cy="3599280"/>
           </a:xfrm>
           <a:prstGeom prst="rect">
             <a:avLst/>
@@ -612,18 +613,18 @@
       </p:sp>
       <p:sp>
         <p:nvSpPr>
-          <p:cNvPr id="123" name="PlaceHolder 3"/>
-          <p:cNvSpPr>
-            <a:spLocks noGrp="1"/>
-          </p:cNvSpPr>
-          <p:nvPr>
-            <p:ph type="sldNum" idx="11"/>
+          <p:cNvPr id="164" name="PlaceHolder 3"/>
+          <p:cNvSpPr>
+            <a:spLocks noGrp="1"/>
+          </p:cNvSpPr>
+          <p:nvPr>
+            <p:ph type="sldNum" idx="14"/>
           </p:nvPr>
         </p:nvSpPr>
         <p:spPr>
           <a:xfrm>
             <a:off x="3884760" y="8685360"/>
-            <a:ext cx="2971080" cy="457920"/>
+            <a:ext cx="2970720" cy="457560"/>
           </a:xfrm>
           <a:prstGeom prst="rect">
             <a:avLst/>
@@ -664,14 +665,14 @@
                 <a:tab algn="l" pos="0"/>
               </a:tabLst>
             </a:pPr>
-            <a:fld id="{7BDA82E5-55E3-4AFC-9AB4-6734AEC87047}" type="slidenum">
+            <a:fld id="{4C91E692-C016-4ACE-B2E8-771CE08F6A34}" type="slidenum">
               <a:rPr b="0" lang="en-US" sz="1200" spc="-1" strike="noStrike">
                 <a:solidFill>
                   <a:srgbClr val="000000"/>
                 </a:solidFill>
                 <a:latin typeface="Times New Roman"/>
               </a:rPr>
-              <a:t>10</a:t>
+              <a:t>&lt;number&gt;</a:t>
             </a:fld>
             <a:endParaRPr b="0" lang="en-US" sz="1200" spc="-1" strike="noStrike">
               <a:solidFill>
@@ -706,7 +707,7 @@
       </p:grpSpPr>
       <p:sp>
         <p:nvSpPr>
-          <p:cNvPr id="124" name="PlaceHolder 1"/>
+          <p:cNvPr id="165" name="PlaceHolder 1"/>
           <p:cNvSpPr>
             <a:spLocks noGrp="1"/>
           </p:cNvSpPr>
@@ -717,19 +718,19 @@
         <p:spPr>
           <a:xfrm>
             <a:off x="685800" y="1143000"/>
-            <a:ext cx="5485680" cy="3085560"/>
-          </a:xfrm>
-          <a:prstGeom prst="rect">
-            <a:avLst/>
-          </a:prstGeom>
-          <a:ln w="0">
-            <a:noFill/>
-          </a:ln>
-        </p:spPr>
-      </p:sp>
-      <p:sp>
-        <p:nvSpPr>
-          <p:cNvPr id="125" name="PlaceHolder 2"/>
+            <a:ext cx="5485320" cy="3085200"/>
+          </a:xfrm>
+          <a:prstGeom prst="rect">
+            <a:avLst/>
+          </a:prstGeom>
+          <a:ln w="0">
+            <a:noFill/>
+          </a:ln>
+        </p:spPr>
+      </p:sp>
+      <p:sp>
+        <p:nvSpPr>
+          <p:cNvPr id="166" name="PlaceHolder 2"/>
           <p:cNvSpPr>
             <a:spLocks noGrp="1"/>
           </p:cNvSpPr>
@@ -740,7 +741,7 @@
         <p:spPr>
           <a:xfrm>
             <a:off x="685800" y="4400640"/>
-            <a:ext cx="5485680" cy="3599640"/>
+            <a:ext cx="5485320" cy="3599280"/>
           </a:xfrm>
           <a:prstGeom prst="rect">
             <a:avLst/>
@@ -769,18 +770,18 @@
       </p:sp>
       <p:sp>
         <p:nvSpPr>
-          <p:cNvPr id="126" name="PlaceHolder 3"/>
-          <p:cNvSpPr>
-            <a:spLocks noGrp="1"/>
-          </p:cNvSpPr>
-          <p:nvPr>
-            <p:ph type="sldNum" idx="12"/>
+          <p:cNvPr id="167" name="PlaceHolder 3"/>
+          <p:cNvSpPr>
+            <a:spLocks noGrp="1"/>
+          </p:cNvSpPr>
+          <p:nvPr>
+            <p:ph type="sldNum" idx="15"/>
           </p:nvPr>
         </p:nvSpPr>
         <p:spPr>
           <a:xfrm>
             <a:off x="3884760" y="8685360"/>
-            <a:ext cx="2971080" cy="457920"/>
+            <a:ext cx="2970720" cy="457560"/>
           </a:xfrm>
           <a:prstGeom prst="rect">
             <a:avLst/>
@@ -821,7 +822,7 @@
                 <a:tab algn="l" pos="0"/>
               </a:tabLst>
             </a:pPr>
-            <a:fld id="{CE22A0E5-F05E-43BF-AC79-D6DBCD416825}" type="slidenum">
+            <a:fld id="{857A3415-D5EC-4B50-8652-35CFABA82F2A}" type="slidenum">
               <a:rPr b="0" lang="en-US" sz="1200" spc="-1" strike="noStrike">
                 <a:solidFill>
                   <a:srgbClr val="000000"/>
@@ -863,7 +864,7 @@
       </p:grpSpPr>
       <p:sp>
         <p:nvSpPr>
-          <p:cNvPr id="127" name="PlaceHolder 1"/>
+          <p:cNvPr id="168" name="PlaceHolder 1"/>
           <p:cNvSpPr>
             <a:spLocks noGrp="1"/>
           </p:cNvSpPr>
@@ -874,19 +875,19 @@
         <p:spPr>
           <a:xfrm>
             <a:off x="685800" y="1143000"/>
-            <a:ext cx="5485680" cy="3085560"/>
-          </a:xfrm>
-          <a:prstGeom prst="rect">
-            <a:avLst/>
-          </a:prstGeom>
-          <a:ln w="0">
-            <a:noFill/>
-          </a:ln>
-        </p:spPr>
-      </p:sp>
-      <p:sp>
-        <p:nvSpPr>
-          <p:cNvPr id="128" name="PlaceHolder 2"/>
+            <a:ext cx="5485320" cy="3085200"/>
+          </a:xfrm>
+          <a:prstGeom prst="rect">
+            <a:avLst/>
+          </a:prstGeom>
+          <a:ln w="0">
+            <a:noFill/>
+          </a:ln>
+        </p:spPr>
+      </p:sp>
+      <p:sp>
+        <p:nvSpPr>
+          <p:cNvPr id="169" name="PlaceHolder 2"/>
           <p:cNvSpPr>
             <a:spLocks noGrp="1"/>
           </p:cNvSpPr>
@@ -897,7 +898,7 @@
         <p:spPr>
           <a:xfrm>
             <a:off x="685800" y="4400640"/>
-            <a:ext cx="5485680" cy="3599640"/>
+            <a:ext cx="5485320" cy="3599280"/>
           </a:xfrm>
           <a:prstGeom prst="rect">
             <a:avLst/>
@@ -926,18 +927,18 @@
       </p:sp>
       <p:sp>
         <p:nvSpPr>
-          <p:cNvPr id="129" name="PlaceHolder 3"/>
-          <p:cNvSpPr>
-            <a:spLocks noGrp="1"/>
-          </p:cNvSpPr>
-          <p:nvPr>
-            <p:ph type="sldNum" idx="13"/>
+          <p:cNvPr id="170" name="PlaceHolder 3"/>
+          <p:cNvSpPr>
+            <a:spLocks noGrp="1"/>
+          </p:cNvSpPr>
+          <p:nvPr>
+            <p:ph type="sldNum" idx="16"/>
           </p:nvPr>
         </p:nvSpPr>
         <p:spPr>
           <a:xfrm>
             <a:off x="3884760" y="8685360"/>
-            <a:ext cx="2971080" cy="457920"/>
+            <a:ext cx="2970720" cy="457560"/>
           </a:xfrm>
           <a:prstGeom prst="rect">
             <a:avLst/>
@@ -978,7 +979,7 @@
                 <a:tab algn="l" pos="0"/>
               </a:tabLst>
             </a:pPr>
-            <a:fld id="{7B9ADC58-FED1-4B6E-9385-0C1AFF187BC8}" type="slidenum">
+            <a:fld id="{F4A71F62-BC45-4961-A3E8-671A7EC488DA}" type="slidenum">
               <a:rPr b="0" lang="en-US" sz="1200" spc="-1" strike="noStrike">
                 <a:solidFill>
                   <a:srgbClr val="000000"/>
@@ -1020,7 +1021,7 @@
       </p:grpSpPr>
       <p:sp>
         <p:nvSpPr>
-          <p:cNvPr id="130" name="PlaceHolder 1"/>
+          <p:cNvPr id="171" name="PlaceHolder 1"/>
           <p:cNvSpPr>
             <a:spLocks noGrp="1"/>
           </p:cNvSpPr>
@@ -1031,19 +1032,19 @@
         <p:spPr>
           <a:xfrm>
             <a:off x="685800" y="1143000"/>
-            <a:ext cx="5485680" cy="3085560"/>
-          </a:xfrm>
-          <a:prstGeom prst="rect">
-            <a:avLst/>
-          </a:prstGeom>
-          <a:ln w="0">
-            <a:noFill/>
-          </a:ln>
-        </p:spPr>
-      </p:sp>
-      <p:sp>
-        <p:nvSpPr>
-          <p:cNvPr id="131" name="PlaceHolder 2"/>
+            <a:ext cx="5485320" cy="3085200"/>
+          </a:xfrm>
+          <a:prstGeom prst="rect">
+            <a:avLst/>
+          </a:prstGeom>
+          <a:ln w="0">
+            <a:noFill/>
+          </a:ln>
+        </p:spPr>
+      </p:sp>
+      <p:sp>
+        <p:nvSpPr>
+          <p:cNvPr id="172" name="PlaceHolder 2"/>
           <p:cNvSpPr>
             <a:spLocks noGrp="1"/>
           </p:cNvSpPr>
@@ -1054,7 +1055,7 @@
         <p:spPr>
           <a:xfrm>
             <a:off x="685800" y="4400640"/>
-            <a:ext cx="5485680" cy="3599640"/>
+            <a:ext cx="5485320" cy="3599280"/>
           </a:xfrm>
           <a:prstGeom prst="rect">
             <a:avLst/>
@@ -1083,18 +1084,18 @@
       </p:sp>
       <p:sp>
         <p:nvSpPr>
-          <p:cNvPr id="132" name="PlaceHolder 3"/>
-          <p:cNvSpPr>
-            <a:spLocks noGrp="1"/>
-          </p:cNvSpPr>
-          <p:nvPr>
-            <p:ph type="sldNum" idx="14"/>
+          <p:cNvPr id="173" name="PlaceHolder 3"/>
+          <p:cNvSpPr>
+            <a:spLocks noGrp="1"/>
+          </p:cNvSpPr>
+          <p:nvPr>
+            <p:ph type="sldNum" idx="17"/>
           </p:nvPr>
         </p:nvSpPr>
         <p:spPr>
           <a:xfrm>
             <a:off x="3884760" y="8685360"/>
-            <a:ext cx="2971080" cy="457920"/>
+            <a:ext cx="2970720" cy="457560"/>
           </a:xfrm>
           <a:prstGeom prst="rect">
             <a:avLst/>
@@ -1135,7 +1136,7 @@
                 <a:tab algn="l" pos="0"/>
               </a:tabLst>
             </a:pPr>
-            <a:fld id="{9CE39124-26C8-44F2-B9F7-C170DFD90D1B}" type="slidenum">
+            <a:fld id="{DB57F0EA-9ABA-4939-BBC7-4CFE223DC199}" type="slidenum">
               <a:rPr b="0" lang="en-US" sz="1200" spc="-1" strike="noStrike">
                 <a:solidFill>
                   <a:srgbClr val="000000"/>
@@ -1177,7 +1178,7 @@
       </p:grpSpPr>
       <p:sp>
         <p:nvSpPr>
-          <p:cNvPr id="133" name="PlaceHolder 1"/>
+          <p:cNvPr id="174" name="PlaceHolder 1"/>
           <p:cNvSpPr>
             <a:spLocks noGrp="1"/>
           </p:cNvSpPr>
@@ -1188,19 +1189,19 @@
         <p:spPr>
           <a:xfrm>
             <a:off x="685800" y="1143000"/>
-            <a:ext cx="5485680" cy="3085560"/>
-          </a:xfrm>
-          <a:prstGeom prst="rect">
-            <a:avLst/>
-          </a:prstGeom>
-          <a:ln w="0">
-            <a:noFill/>
-          </a:ln>
-        </p:spPr>
-      </p:sp>
-      <p:sp>
-        <p:nvSpPr>
-          <p:cNvPr id="134" name="PlaceHolder 2"/>
+            <a:ext cx="5485320" cy="3085200"/>
+          </a:xfrm>
+          <a:prstGeom prst="rect">
+            <a:avLst/>
+          </a:prstGeom>
+          <a:ln w="0">
+            <a:noFill/>
+          </a:ln>
+        </p:spPr>
+      </p:sp>
+      <p:sp>
+        <p:nvSpPr>
+          <p:cNvPr id="175" name="PlaceHolder 2"/>
           <p:cNvSpPr>
             <a:spLocks noGrp="1"/>
           </p:cNvSpPr>
@@ -1211,7 +1212,7 @@
         <p:spPr>
           <a:xfrm>
             <a:off x="685800" y="4400640"/>
-            <a:ext cx="5485680" cy="3599640"/>
+            <a:ext cx="5485320" cy="3599280"/>
           </a:xfrm>
           <a:prstGeom prst="rect">
             <a:avLst/>
@@ -1240,18 +1241,18 @@
       </p:sp>
       <p:sp>
         <p:nvSpPr>
-          <p:cNvPr id="135" name="PlaceHolder 3"/>
-          <p:cNvSpPr>
-            <a:spLocks noGrp="1"/>
-          </p:cNvSpPr>
-          <p:nvPr>
-            <p:ph type="sldNum" idx="15"/>
+          <p:cNvPr id="176" name="PlaceHolder 3"/>
+          <p:cNvSpPr>
+            <a:spLocks noGrp="1"/>
+          </p:cNvSpPr>
+          <p:nvPr>
+            <p:ph type="sldNum" idx="18"/>
           </p:nvPr>
         </p:nvSpPr>
         <p:spPr>
           <a:xfrm>
             <a:off x="3884760" y="8685360"/>
-            <a:ext cx="2971080" cy="457920"/>
+            <a:ext cx="2970720" cy="457560"/>
           </a:xfrm>
           <a:prstGeom prst="rect">
             <a:avLst/>
@@ -1292,7 +1293,7 @@
                 <a:tab algn="l" pos="0"/>
               </a:tabLst>
             </a:pPr>
-            <a:fld id="{E3573F1F-1F6D-4896-9B20-E54A83167939}" type="slidenum">
+            <a:fld id="{874CA8BE-D100-40A9-B306-DE63BB97F251}" type="slidenum">
               <a:rPr b="0" lang="en-US" sz="1200" spc="-1" strike="noStrike">
                 <a:solidFill>
                   <a:srgbClr val="000000"/>
@@ -1334,7 +1335,7 @@
       </p:grpSpPr>
       <p:sp>
         <p:nvSpPr>
-          <p:cNvPr id="136" name="PlaceHolder 1"/>
+          <p:cNvPr id="177" name="PlaceHolder 1"/>
           <p:cNvSpPr>
             <a:spLocks noGrp="1"/>
           </p:cNvSpPr>
@@ -1345,19 +1346,19 @@
         <p:spPr>
           <a:xfrm>
             <a:off x="685800" y="1143000"/>
-            <a:ext cx="5485680" cy="3085560"/>
-          </a:xfrm>
-          <a:prstGeom prst="rect">
-            <a:avLst/>
-          </a:prstGeom>
-          <a:ln w="0">
-            <a:noFill/>
-          </a:ln>
-        </p:spPr>
-      </p:sp>
-      <p:sp>
-        <p:nvSpPr>
-          <p:cNvPr id="137" name="PlaceHolder 2"/>
+            <a:ext cx="5485320" cy="3085200"/>
+          </a:xfrm>
+          <a:prstGeom prst="rect">
+            <a:avLst/>
+          </a:prstGeom>
+          <a:ln w="0">
+            <a:noFill/>
+          </a:ln>
+        </p:spPr>
+      </p:sp>
+      <p:sp>
+        <p:nvSpPr>
+          <p:cNvPr id="178" name="PlaceHolder 2"/>
           <p:cNvSpPr>
             <a:spLocks noGrp="1"/>
           </p:cNvSpPr>
@@ -1368,7 +1369,7 @@
         <p:spPr>
           <a:xfrm>
             <a:off x="685800" y="4400640"/>
-            <a:ext cx="5485680" cy="3599640"/>
+            <a:ext cx="5485320" cy="3599280"/>
           </a:xfrm>
           <a:prstGeom prst="rect">
             <a:avLst/>
@@ -1397,18 +1398,18 @@
       </p:sp>
       <p:sp>
         <p:nvSpPr>
-          <p:cNvPr id="138" name="PlaceHolder 3"/>
-          <p:cNvSpPr>
-            <a:spLocks noGrp="1"/>
-          </p:cNvSpPr>
-          <p:nvPr>
-            <p:ph type="sldNum" idx="16"/>
+          <p:cNvPr id="179" name="PlaceHolder 3"/>
+          <p:cNvSpPr>
+            <a:spLocks noGrp="1"/>
+          </p:cNvSpPr>
+          <p:nvPr>
+            <p:ph type="sldNum" idx="19"/>
           </p:nvPr>
         </p:nvSpPr>
         <p:spPr>
           <a:xfrm>
             <a:off x="3884760" y="8685360"/>
-            <a:ext cx="2971080" cy="457920"/>
+            <a:ext cx="2970720" cy="457560"/>
           </a:xfrm>
           <a:prstGeom prst="rect">
             <a:avLst/>
@@ -1449,7 +1450,7 @@
                 <a:tab algn="l" pos="0"/>
               </a:tabLst>
             </a:pPr>
-            <a:fld id="{1BB7860D-A5A1-4862-85F3-38D063C21D33}" type="slidenum">
+            <a:fld id="{E08095B2-0A76-43B4-9380-3DAFAA28E0B9}" type="slidenum">
               <a:rPr b="0" lang="en-US" sz="1200" spc="-1" strike="noStrike">
                 <a:solidFill>
                   <a:srgbClr val="000000"/>
@@ -1491,7 +1492,7 @@
       </p:grpSpPr>
       <p:sp>
         <p:nvSpPr>
-          <p:cNvPr id="139" name="PlaceHolder 1"/>
+          <p:cNvPr id="180" name="PlaceHolder 1"/>
           <p:cNvSpPr>
             <a:spLocks noGrp="1"/>
           </p:cNvSpPr>
@@ -1502,19 +1503,19 @@
         <p:spPr>
           <a:xfrm>
             <a:off x="685800" y="1143000"/>
-            <a:ext cx="5485680" cy="3085560"/>
-          </a:xfrm>
-          <a:prstGeom prst="rect">
-            <a:avLst/>
-          </a:prstGeom>
-          <a:ln w="0">
-            <a:noFill/>
-          </a:ln>
-        </p:spPr>
-      </p:sp>
-      <p:sp>
-        <p:nvSpPr>
-          <p:cNvPr id="140" name="PlaceHolder 2"/>
+            <a:ext cx="5485320" cy="3085200"/>
+          </a:xfrm>
+          <a:prstGeom prst="rect">
+            <a:avLst/>
+          </a:prstGeom>
+          <a:ln w="0">
+            <a:noFill/>
+          </a:ln>
+        </p:spPr>
+      </p:sp>
+      <p:sp>
+        <p:nvSpPr>
+          <p:cNvPr id="181" name="PlaceHolder 2"/>
           <p:cNvSpPr>
             <a:spLocks noGrp="1"/>
           </p:cNvSpPr>
@@ -1525,7 +1526,7 @@
         <p:spPr>
           <a:xfrm>
             <a:off x="685800" y="4400640"/>
-            <a:ext cx="5485680" cy="3599640"/>
+            <a:ext cx="5485320" cy="3599280"/>
           </a:xfrm>
           <a:prstGeom prst="rect">
             <a:avLst/>
@@ -1554,18 +1555,18 @@
       </p:sp>
       <p:sp>
         <p:nvSpPr>
-          <p:cNvPr id="141" name="PlaceHolder 3"/>
-          <p:cNvSpPr>
-            <a:spLocks noGrp="1"/>
-          </p:cNvSpPr>
-          <p:nvPr>
-            <p:ph type="sldNum" idx="17"/>
+          <p:cNvPr id="182" name="PlaceHolder 3"/>
+          <p:cNvSpPr>
+            <a:spLocks noGrp="1"/>
+          </p:cNvSpPr>
+          <p:nvPr>
+            <p:ph type="sldNum" idx="20"/>
           </p:nvPr>
         </p:nvSpPr>
         <p:spPr>
           <a:xfrm>
             <a:off x="3884760" y="8685360"/>
-            <a:ext cx="2971080" cy="457920"/>
+            <a:ext cx="2970720" cy="457560"/>
           </a:xfrm>
           <a:prstGeom prst="rect">
             <a:avLst/>
@@ -1606,7 +1607,7 @@
                 <a:tab algn="l" pos="0"/>
               </a:tabLst>
             </a:pPr>
-            <a:fld id="{48FD6A79-D69C-4699-8344-1E1C1CBE510F}" type="slidenum">
+            <a:fld id="{B037C2FD-04E5-457F-8B94-F0DDFC34223F}" type="slidenum">
               <a:rPr b="0" lang="en-US" sz="1200" spc="-1" strike="noStrike">
                 <a:solidFill>
                   <a:srgbClr val="000000"/>
@@ -1680,7 +1681,7 @@
         <p:txBody>
           <a:bodyPr/>
           <a:p>
-            <a:fld id="{BF444899-5F0B-4F47-8A65-E493918C13C8}" type="slidenum">
+            <a:fld id="{C36AB04F-B472-4065-899E-399EE91DB2E0}" type="slidenum">
               <a:t>&lt;#&gt;</a:t>
             </a:fld>
           </a:p>
@@ -1742,7 +1743,7 @@
         <p:spPr>
           <a:xfrm>
             <a:off x="609480" y="273600"/>
-            <a:ext cx="10972440" cy="1144800"/>
+            <a:ext cx="10972080" cy="1144440"/>
           </a:xfrm>
           <a:prstGeom prst="rect">
             <a:avLst/>
@@ -1782,7 +1783,7 @@
         <p:spPr>
           <a:xfrm>
             <a:off x="609480" y="1604520"/>
-            <a:ext cx="10972440" cy="1896840"/>
+            <a:ext cx="10972080" cy="1896840"/>
           </a:xfrm>
           <a:prstGeom prst="rect">
             <a:avLst/>
@@ -1825,7 +1826,7 @@
         <p:spPr>
           <a:xfrm>
             <a:off x="609480" y="3682080"/>
-            <a:ext cx="10972440" cy="1896840"/>
+            <a:ext cx="10972080" cy="1896840"/>
           </a:xfrm>
           <a:prstGeom prst="rect">
             <a:avLst/>
@@ -1889,7 +1890,7 @@
         <p:txBody>
           <a:bodyPr/>
           <a:p>
-            <a:fld id="{67496646-62FC-4157-A908-3C288F5AD910}" type="slidenum">
+            <a:fld id="{195D0271-5A43-42A5-8518-13998CAC3FFA}" type="slidenum">
               <a:t>&lt;#&gt;</a:t>
             </a:fld>
           </a:p>
@@ -1951,7 +1952,7 @@
         <p:spPr>
           <a:xfrm>
             <a:off x="609480" y="273600"/>
-            <a:ext cx="10972440" cy="1144800"/>
+            <a:ext cx="10972080" cy="1144440"/>
           </a:xfrm>
           <a:prstGeom prst="rect">
             <a:avLst/>
@@ -2184,7 +2185,7 @@
         <p:txBody>
           <a:bodyPr/>
           <a:p>
-            <a:fld id="{428B0FBC-EA8A-408D-BDCB-4D9F2F83F4F0}" type="slidenum">
+            <a:fld id="{94C78A55-9214-4F5C-81E3-E1E0187C0980}" type="slidenum">
               <a:t>&lt;#&gt;</a:t>
             </a:fld>
           </a:p>
@@ -2246,7 +2247,7 @@
         <p:spPr>
           <a:xfrm>
             <a:off x="609480" y="273600"/>
-            <a:ext cx="10972440" cy="1144800"/>
+            <a:ext cx="10972080" cy="1144440"/>
           </a:xfrm>
           <a:prstGeom prst="rect">
             <a:avLst/>
@@ -2286,7 +2287,7 @@
         <p:spPr>
           <a:xfrm>
             <a:off x="609480" y="1604520"/>
-            <a:ext cx="3533040" cy="1896840"/>
+            <a:ext cx="3532680" cy="1896840"/>
           </a:xfrm>
           <a:prstGeom prst="rect">
             <a:avLst/>
@@ -2328,8 +2329,8 @@
         </p:nvSpPr>
         <p:spPr>
           <a:xfrm>
-            <a:off x="4319640" y="1604520"/>
-            <a:ext cx="3533040" cy="1896840"/>
+            <a:off x="4319280" y="1604520"/>
+            <a:ext cx="3532680" cy="1896840"/>
           </a:xfrm>
           <a:prstGeom prst="rect">
             <a:avLst/>
@@ -2371,8 +2372,8 @@
         </p:nvSpPr>
         <p:spPr>
           <a:xfrm>
-            <a:off x="8029800" y="1604520"/>
-            <a:ext cx="3533040" cy="1896840"/>
+            <a:off x="8028720" y="1604520"/>
+            <a:ext cx="3532680" cy="1896840"/>
           </a:xfrm>
           <a:prstGeom prst="rect">
             <a:avLst/>
@@ -2415,7 +2416,7 @@
         <p:spPr>
           <a:xfrm>
             <a:off x="609480" y="3682080"/>
-            <a:ext cx="3533040" cy="1896840"/>
+            <a:ext cx="3532680" cy="1896840"/>
           </a:xfrm>
           <a:prstGeom prst="rect">
             <a:avLst/>
@@ -2457,8 +2458,8 @@
         </p:nvSpPr>
         <p:spPr>
           <a:xfrm>
-            <a:off x="4319640" y="3682080"/>
-            <a:ext cx="3533040" cy="1896840"/>
+            <a:off x="4319280" y="3682080"/>
+            <a:ext cx="3532680" cy="1896840"/>
           </a:xfrm>
           <a:prstGeom prst="rect">
             <a:avLst/>
@@ -2500,8 +2501,8 @@
         </p:nvSpPr>
         <p:spPr>
           <a:xfrm>
-            <a:off x="8029800" y="3682080"/>
-            <a:ext cx="3533040" cy="1896840"/>
+            <a:off x="8028720" y="3682080"/>
+            <a:ext cx="3532680" cy="1896840"/>
           </a:xfrm>
           <a:prstGeom prst="rect">
             <a:avLst/>
@@ -2565,7 +2566,7 @@
         <p:txBody>
           <a:bodyPr/>
           <a:p>
-            <a:fld id="{96121602-4997-4677-9C1C-2D7D33431951}" type="slidenum">
+            <a:fld id="{E383DBB8-7899-4D27-8A7F-44EA292B86F9}" type="slidenum">
               <a:t>&lt;#&gt;</a:t>
             </a:fld>
           </a:p>
@@ -2648,7 +2649,7 @@
         <p:txBody>
           <a:bodyPr/>
           <a:p>
-            <a:fld id="{DBB27CCF-D88C-4640-BBA8-2540CE7BD01F}" type="slidenum">
+            <a:fld id="{E15FCC55-F9C2-44D8-B07D-AB677C5D6592}" type="slidenum">
               <a:t>&lt;#&gt;</a:t>
             </a:fld>
           </a:p>
@@ -2710,7 +2711,7 @@
         <p:spPr>
           <a:xfrm>
             <a:off x="609480" y="273600"/>
-            <a:ext cx="10972440" cy="1144800"/>
+            <a:ext cx="10972080" cy="1144440"/>
           </a:xfrm>
           <a:prstGeom prst="rect">
             <a:avLst/>
@@ -2750,7 +2751,7 @@
         <p:spPr>
           <a:xfrm>
             <a:off x="609480" y="1604520"/>
-            <a:ext cx="10972440" cy="3977280"/>
+            <a:ext cx="10972080" cy="3976920"/>
           </a:xfrm>
           <a:prstGeom prst="rect">
             <a:avLst/>
@@ -2811,7 +2812,7 @@
         <p:txBody>
           <a:bodyPr/>
           <a:p>
-            <a:fld id="{DEF653E7-6427-4CEB-B0CB-B66EC5F1452F}" type="slidenum">
+            <a:fld id="{5730C5D9-D965-430B-A33E-76489C7847E0}" type="slidenum">
               <a:t>&lt;#&gt;</a:t>
             </a:fld>
           </a:p>
@@ -2873,7 +2874,7 @@
         <p:spPr>
           <a:xfrm>
             <a:off x="609480" y="273600"/>
-            <a:ext cx="10972440" cy="1144800"/>
+            <a:ext cx="10972080" cy="1144440"/>
           </a:xfrm>
           <a:prstGeom prst="rect">
             <a:avLst/>
@@ -2913,7 +2914,7 @@
         <p:spPr>
           <a:xfrm>
             <a:off x="609480" y="1604520"/>
-            <a:ext cx="10972440" cy="3977280"/>
+            <a:ext cx="10972080" cy="3976920"/>
           </a:xfrm>
           <a:prstGeom prst="rect">
             <a:avLst/>
@@ -2977,7 +2978,7 @@
         <p:txBody>
           <a:bodyPr/>
           <a:p>
-            <a:fld id="{8B6163B3-B05A-4E8B-8792-F57EDDDE60A8}" type="slidenum">
+            <a:fld id="{1BB185CB-FFD1-45EC-8B19-DC7ACFE4ADB1}" type="slidenum">
               <a:t>&lt;#&gt;</a:t>
             </a:fld>
           </a:p>
@@ -3039,7 +3040,7 @@
         <p:spPr>
           <a:xfrm>
             <a:off x="609480" y="273600"/>
-            <a:ext cx="10972440" cy="1144800"/>
+            <a:ext cx="10972080" cy="1144440"/>
           </a:xfrm>
           <a:prstGeom prst="rect">
             <a:avLst/>
@@ -3079,7 +3080,7 @@
         <p:spPr>
           <a:xfrm>
             <a:off x="609480" y="1604520"/>
-            <a:ext cx="5354280" cy="3977280"/>
+            <a:ext cx="5354280" cy="3976920"/>
           </a:xfrm>
           <a:prstGeom prst="rect">
             <a:avLst/>
@@ -3122,7 +3123,7 @@
         <p:spPr>
           <a:xfrm>
             <a:off x="6231960" y="1604520"/>
-            <a:ext cx="5354280" cy="3977280"/>
+            <a:ext cx="5354280" cy="3976920"/>
           </a:xfrm>
           <a:prstGeom prst="rect">
             <a:avLst/>
@@ -3186,7 +3187,7 @@
         <p:txBody>
           <a:bodyPr/>
           <a:p>
-            <a:fld id="{B1242198-1C50-4042-B922-BC9681E9FF02}" type="slidenum">
+            <a:fld id="{0AB94014-D778-405D-A85A-3647598C25C5}" type="slidenum">
               <a:t>&lt;#&gt;</a:t>
             </a:fld>
           </a:p>
@@ -3248,7 +3249,7 @@
         <p:spPr>
           <a:xfrm>
             <a:off x="609480" y="273600"/>
-            <a:ext cx="10972440" cy="1144800"/>
+            <a:ext cx="10972080" cy="1144440"/>
           </a:xfrm>
           <a:prstGeom prst="rect">
             <a:avLst/>
@@ -3309,7 +3310,7 @@
         <p:txBody>
           <a:bodyPr/>
           <a:p>
-            <a:fld id="{85DE60A9-567E-4635-BB71-6C0048F14FC4}" type="slidenum">
+            <a:fld id="{8F39FC04-4E54-4930-A599-70B0E0D0811C}" type="slidenum">
               <a:t>&lt;#&gt;</a:t>
             </a:fld>
           </a:p>
@@ -3371,7 +3372,7 @@
         <p:spPr>
           <a:xfrm>
             <a:off x="609480" y="273600"/>
-            <a:ext cx="10972440" cy="5307840"/>
+            <a:ext cx="10972080" cy="5306400"/>
           </a:xfrm>
           <a:prstGeom prst="rect">
             <a:avLst/>
@@ -3430,7 +3431,7 @@
         <p:txBody>
           <a:bodyPr/>
           <a:p>
-            <a:fld id="{A8225CF8-8256-49DB-A70C-CB32CBCECCC0}" type="slidenum">
+            <a:fld id="{FCF4A22D-4FD2-4376-896B-B91D2AF7789E}" type="slidenum">
               <a:t>&lt;#&gt;</a:t>
             </a:fld>
           </a:p>
@@ -3492,7 +3493,7 @@
         <p:spPr>
           <a:xfrm>
             <a:off x="609480" y="273600"/>
-            <a:ext cx="10972440" cy="1144800"/>
+            <a:ext cx="10972080" cy="1144440"/>
           </a:xfrm>
           <a:prstGeom prst="rect">
             <a:avLst/>
@@ -3575,7 +3576,7 @@
         <p:spPr>
           <a:xfrm>
             <a:off x="6231960" y="1604520"/>
-            <a:ext cx="5354280" cy="3977280"/>
+            <a:ext cx="5354280" cy="3976920"/>
           </a:xfrm>
           <a:prstGeom prst="rect">
             <a:avLst/>
@@ -3682,7 +3683,7 @@
         <p:txBody>
           <a:bodyPr/>
           <a:p>
-            <a:fld id="{AA6B6509-0AE0-4241-BD4C-C44BAC4F540B}" type="slidenum">
+            <a:fld id="{62D741A4-C801-4E80-BD75-44C36F2FE31A}" type="slidenum">
               <a:t>&lt;#&gt;</a:t>
             </a:fld>
           </a:p>
@@ -3744,7 +3745,7 @@
         <p:spPr>
           <a:xfrm>
             <a:off x="609480" y="273600"/>
-            <a:ext cx="10972440" cy="1144800"/>
+            <a:ext cx="10972080" cy="1144440"/>
           </a:xfrm>
           <a:prstGeom prst="rect">
             <a:avLst/>
@@ -3784,7 +3785,7 @@
         <p:spPr>
           <a:xfrm>
             <a:off x="609480" y="1604520"/>
-            <a:ext cx="10972440" cy="3977280"/>
+            <a:ext cx="10972080" cy="3976920"/>
           </a:xfrm>
           <a:prstGeom prst="rect">
             <a:avLst/>
@@ -3845,7 +3846,7 @@
         <p:txBody>
           <a:bodyPr/>
           <a:p>
-            <a:fld id="{0EB9DD3A-49AE-4802-A3B5-B748F43CEF99}" type="slidenum">
+            <a:fld id="{5E7AD91B-9991-4605-9485-C0515BCEC1BB}" type="slidenum">
               <a:t>&lt;#&gt;</a:t>
             </a:fld>
           </a:p>
@@ -3907,7 +3908,7 @@
         <p:spPr>
           <a:xfrm>
             <a:off x="609480" y="273600"/>
-            <a:ext cx="10972440" cy="1144800"/>
+            <a:ext cx="10972080" cy="1144440"/>
           </a:xfrm>
           <a:prstGeom prst="rect">
             <a:avLst/>
@@ -3947,7 +3948,7 @@
         <p:spPr>
           <a:xfrm>
             <a:off x="609480" y="1604520"/>
-            <a:ext cx="5354280" cy="3977280"/>
+            <a:ext cx="5354280" cy="3976920"/>
           </a:xfrm>
           <a:prstGeom prst="rect">
             <a:avLst/>
@@ -4097,7 +4098,7 @@
         <p:txBody>
           <a:bodyPr/>
           <a:p>
-            <a:fld id="{638A35A5-0B7D-4683-B05C-C916EFA1D9F8}" type="slidenum">
+            <a:fld id="{10881954-D229-495A-887C-DF9C7055865D}" type="slidenum">
               <a:t>&lt;#&gt;</a:t>
             </a:fld>
           </a:p>
@@ -4159,7 +4160,7 @@
         <p:spPr>
           <a:xfrm>
             <a:off x="609480" y="273600"/>
-            <a:ext cx="10972440" cy="1144800"/>
+            <a:ext cx="10972080" cy="1144440"/>
           </a:xfrm>
           <a:prstGeom prst="rect">
             <a:avLst/>
@@ -4285,7 +4286,7 @@
         <p:spPr>
           <a:xfrm>
             <a:off x="609480" y="3682080"/>
-            <a:ext cx="10972440" cy="1896840"/>
+            <a:ext cx="10972080" cy="1896840"/>
           </a:xfrm>
           <a:prstGeom prst="rect">
             <a:avLst/>
@@ -4349,7 +4350,7 @@
         <p:txBody>
           <a:bodyPr/>
           <a:p>
-            <a:fld id="{559E86F1-D8A7-46DE-88D6-DC20664DD0DD}" type="slidenum">
+            <a:fld id="{AAFDD248-AAE0-4A5B-A2E0-424F20197FBE}" type="slidenum">
               <a:t>&lt;#&gt;</a:t>
             </a:fld>
           </a:p>
@@ -4411,7 +4412,7 @@
         <p:spPr>
           <a:xfrm>
             <a:off x="609480" y="273600"/>
-            <a:ext cx="10972440" cy="1144800"/>
+            <a:ext cx="10972080" cy="1144440"/>
           </a:xfrm>
           <a:prstGeom prst="rect">
             <a:avLst/>
@@ -4451,7 +4452,7 @@
         <p:spPr>
           <a:xfrm>
             <a:off x="609480" y="1604520"/>
-            <a:ext cx="10972440" cy="1896840"/>
+            <a:ext cx="10972080" cy="1896840"/>
           </a:xfrm>
           <a:prstGeom prst="rect">
             <a:avLst/>
@@ -4494,7 +4495,7 @@
         <p:spPr>
           <a:xfrm>
             <a:off x="609480" y="3682080"/>
-            <a:ext cx="10972440" cy="1896840"/>
+            <a:ext cx="10972080" cy="1896840"/>
           </a:xfrm>
           <a:prstGeom prst="rect">
             <a:avLst/>
@@ -4558,7 +4559,7 @@
         <p:txBody>
           <a:bodyPr/>
           <a:p>
-            <a:fld id="{E7160B0D-2EB7-46BA-9E71-C4D55273697A}" type="slidenum">
+            <a:fld id="{CB818E6C-865B-4E14-9F29-A08760541562}" type="slidenum">
               <a:t>&lt;#&gt;</a:t>
             </a:fld>
           </a:p>
@@ -4620,7 +4621,7 @@
         <p:spPr>
           <a:xfrm>
             <a:off x="609480" y="273600"/>
-            <a:ext cx="10972440" cy="1144800"/>
+            <a:ext cx="10972080" cy="1144440"/>
           </a:xfrm>
           <a:prstGeom prst="rect">
             <a:avLst/>
@@ -4853,7 +4854,7 @@
         <p:txBody>
           <a:bodyPr/>
           <a:p>
-            <a:fld id="{958773E3-3884-4616-875B-C7A40E2770D5}" type="slidenum">
+            <a:fld id="{4557DA9F-2F03-44BF-B67D-D6EC396C099E}" type="slidenum">
               <a:t>&lt;#&gt;</a:t>
             </a:fld>
           </a:p>
@@ -4915,7 +4916,7 @@
         <p:spPr>
           <a:xfrm>
             <a:off x="609480" y="273600"/>
-            <a:ext cx="10972440" cy="1144800"/>
+            <a:ext cx="10972080" cy="1144440"/>
           </a:xfrm>
           <a:prstGeom prst="rect">
             <a:avLst/>
@@ -4955,7 +4956,7 @@
         <p:spPr>
           <a:xfrm>
             <a:off x="609480" y="1604520"/>
-            <a:ext cx="3533040" cy="1896840"/>
+            <a:ext cx="3532680" cy="1896840"/>
           </a:xfrm>
           <a:prstGeom prst="rect">
             <a:avLst/>
@@ -4997,8 +4998,8 @@
         </p:nvSpPr>
         <p:spPr>
           <a:xfrm>
-            <a:off x="4319640" y="1604520"/>
-            <a:ext cx="3533040" cy="1896840"/>
+            <a:off x="4319280" y="1604520"/>
+            <a:ext cx="3532680" cy="1896840"/>
           </a:xfrm>
           <a:prstGeom prst="rect">
             <a:avLst/>
@@ -5040,8 +5041,8 @@
         </p:nvSpPr>
         <p:spPr>
           <a:xfrm>
-            <a:off x="8029800" y="1604520"/>
-            <a:ext cx="3533040" cy="1896840"/>
+            <a:off x="8028720" y="1604520"/>
+            <a:ext cx="3532680" cy="1896840"/>
           </a:xfrm>
           <a:prstGeom prst="rect">
             <a:avLst/>
@@ -5084,7 +5085,7 @@
         <p:spPr>
           <a:xfrm>
             <a:off x="609480" y="3682080"/>
-            <a:ext cx="3533040" cy="1896840"/>
+            <a:ext cx="3532680" cy="1896840"/>
           </a:xfrm>
           <a:prstGeom prst="rect">
             <a:avLst/>
@@ -5126,8 +5127,8 @@
         </p:nvSpPr>
         <p:spPr>
           <a:xfrm>
-            <a:off x="4319640" y="3682080"/>
-            <a:ext cx="3533040" cy="1896840"/>
+            <a:off x="4319280" y="3682080"/>
+            <a:ext cx="3532680" cy="1896840"/>
           </a:xfrm>
           <a:prstGeom prst="rect">
             <a:avLst/>
@@ -5169,8 +5170,8 @@
         </p:nvSpPr>
         <p:spPr>
           <a:xfrm>
-            <a:off x="8029800" y="3682080"/>
-            <a:ext cx="3533040" cy="1896840"/>
+            <a:off x="8028720" y="3682080"/>
+            <a:ext cx="3532680" cy="1896840"/>
           </a:xfrm>
           <a:prstGeom prst="rect">
             <a:avLst/>
@@ -5234,7 +5235,7 @@
         <p:txBody>
           <a:bodyPr/>
           <a:p>
-            <a:fld id="{1B5ED5A3-4DAD-4973-AC9D-13C58EEF5ED7}" type="slidenum">
+            <a:fld id="{8A0BF37D-4FF6-4839-9A53-56E196D87C95}" type="slidenum">
               <a:t>&lt;#&gt;</a:t>
             </a:fld>
           </a:p>
@@ -5248,6 +5249,750 @@
           </p:cNvSpPr>
           <p:nvPr>
             <p:ph type="dt" idx="6"/>
+          </p:nvPr>
+        </p:nvSpPr>
+        <p:spPr/>
+        <p:txBody>
+          <a:bodyPr/>
+          <a:p>
+            <a:r>
+              <a:rPr lang="en-US"/>
+              <a:t/>
+            </a:r>
+          </a:p>
+        </p:txBody>
+      </p:sp>
+    </p:spTree>
+  </p:cSld>
+</p:sldLayout>
+</file>
+
+<file path=ppt/slideLayouts/slideLayout25.xml><?xml version="1.0" encoding="utf-8"?>
+<p:sldLayout xmlns:a="http://schemas.openxmlformats.org/drawingml/2006/main" xmlns:p="http://schemas.openxmlformats.org/presentationml/2006/main" xmlns:r="http://schemas.openxmlformats.org/officeDocument/2006/relationships" xmlns:p14="http://schemas.microsoft.com/office/powerpoint/2010/main" xmlns:p15="http://schemas.microsoft.com/office/powerpoint/2012/main" xmlns:mc="http://schemas.openxmlformats.org/markup-compatibility/2006" type="blank" preserve="1">
+  <p:cSld name="Blank Slide">
+    <p:spTree>
+      <p:nvGrpSpPr>
+        <p:cNvPr id="1" name=""/>
+        <p:cNvGrpSpPr/>
+        <p:nvPr/>
+      </p:nvGrpSpPr>
+      <p:grpSpPr>
+        <a:xfrm>
+          <a:off x="0" y="0"/>
+          <a:ext cx="0" cy="0"/>
+          <a:chOff x="0" y="0"/>
+          <a:chExt cx="0" cy="0"/>
+        </a:xfrm>
+      </p:grpSpPr>
+      <p:sp>
+        <p:nvSpPr>
+          <p:cNvPr id="2" name="PlaceHolder 1"/>
+          <p:cNvSpPr>
+            <a:spLocks noGrp="1"/>
+          </p:cNvSpPr>
+          <p:nvPr>
+            <p:ph type="ftr" idx="7"/>
+          </p:nvPr>
+        </p:nvSpPr>
+        <p:spPr/>
+        <p:txBody>
+          <a:bodyPr/>
+          <a:p>
+            <a:r>
+              <a:t>Footer</a:t>
+            </a:r>
+          </a:p>
+        </p:txBody>
+      </p:sp>
+      <p:sp>
+        <p:nvSpPr>
+          <p:cNvPr id="3" name="PlaceHolder 2"/>
+          <p:cNvSpPr>
+            <a:spLocks noGrp="1"/>
+          </p:cNvSpPr>
+          <p:nvPr>
+            <p:ph type="sldNum" idx="8"/>
+          </p:nvPr>
+        </p:nvSpPr>
+        <p:spPr/>
+        <p:txBody>
+          <a:bodyPr/>
+          <a:p>
+            <a:fld id="{A8FE3E7F-0F03-4470-A41F-29466B5874F6}" type="slidenum">
+              <a:t>&lt;#&gt;</a:t>
+            </a:fld>
+          </a:p>
+        </p:txBody>
+      </p:sp>
+      <p:sp>
+        <p:nvSpPr>
+          <p:cNvPr id="4" name="PlaceHolder 3"/>
+          <p:cNvSpPr>
+            <a:spLocks noGrp="1"/>
+          </p:cNvSpPr>
+          <p:nvPr>
+            <p:ph type="dt" idx="9"/>
+          </p:nvPr>
+        </p:nvSpPr>
+        <p:spPr/>
+        <p:txBody>
+          <a:bodyPr/>
+          <a:p>
+            <a:r>
+              <a:rPr lang="en-US"/>
+              <a:t/>
+            </a:r>
+          </a:p>
+        </p:txBody>
+      </p:sp>
+    </p:spTree>
+  </p:cSld>
+</p:sldLayout>
+</file>
+
+<file path=ppt/slideLayouts/slideLayout26.xml><?xml version="1.0" encoding="utf-8"?>
+<p:sldLayout xmlns:a="http://schemas.openxmlformats.org/drawingml/2006/main" xmlns:p="http://schemas.openxmlformats.org/presentationml/2006/main" xmlns:r="http://schemas.openxmlformats.org/officeDocument/2006/relationships" xmlns:p14="http://schemas.microsoft.com/office/powerpoint/2010/main" xmlns:p15="http://schemas.microsoft.com/office/powerpoint/2012/main" xmlns:mc="http://schemas.openxmlformats.org/markup-compatibility/2006" type="tx" preserve="1">
+  <p:cSld name="Title Slide">
+    <p:spTree>
+      <p:nvGrpSpPr>
+        <p:cNvPr id="1" name=""/>
+        <p:cNvGrpSpPr/>
+        <p:nvPr/>
+      </p:nvGrpSpPr>
+      <p:grpSpPr>
+        <a:xfrm>
+          <a:off x="0" y="0"/>
+          <a:ext cx="0" cy="0"/>
+          <a:chOff x="0" y="0"/>
+          <a:chExt cx="0" cy="0"/>
+        </a:xfrm>
+      </p:grpSpPr>
+      <p:sp>
+        <p:nvSpPr>
+          <p:cNvPr id="87" name="PlaceHolder 1"/>
+          <p:cNvSpPr>
+            <a:spLocks noGrp="1"/>
+          </p:cNvSpPr>
+          <p:nvPr>
+            <p:ph type="title"/>
+          </p:nvPr>
+        </p:nvSpPr>
+        <p:spPr>
+          <a:xfrm>
+            <a:off x="609480" y="273600"/>
+            <a:ext cx="10972080" cy="1144440"/>
+          </a:xfrm>
+          <a:prstGeom prst="rect">
+            <a:avLst/>
+          </a:prstGeom>
+          <a:noFill/>
+          <a:ln w="0">
+            <a:noFill/>
+          </a:ln>
+        </p:spPr>
+        <p:txBody>
+          <a:bodyPr lIns="0" rIns="0" tIns="0" bIns="0" anchor="ctr">
+            <a:noAutofit/>
+          </a:bodyPr>
+          <a:p>
+            <a:pPr indent="0" algn="ctr">
+              <a:buNone/>
+            </a:pPr>
+            <a:endParaRPr b="0" lang="en-US" sz="4400" spc="-1" strike="noStrike">
+              <a:solidFill>
+                <a:srgbClr val="000000"/>
+              </a:solidFill>
+              <a:latin typeface="Arial"/>
+            </a:endParaRPr>
+          </a:p>
+        </p:txBody>
+      </p:sp>
+      <p:sp>
+        <p:nvSpPr>
+          <p:cNvPr id="88" name="PlaceHolder 2"/>
+          <p:cNvSpPr>
+            <a:spLocks noGrp="1"/>
+          </p:cNvSpPr>
+          <p:nvPr>
+            <p:ph type="subTitle"/>
+          </p:nvPr>
+        </p:nvSpPr>
+        <p:spPr>
+          <a:xfrm>
+            <a:off x="609480" y="1604520"/>
+            <a:ext cx="10972080" cy="3976920"/>
+          </a:xfrm>
+          <a:prstGeom prst="rect">
+            <a:avLst/>
+          </a:prstGeom>
+          <a:noFill/>
+          <a:ln w="0">
+            <a:noFill/>
+          </a:ln>
+        </p:spPr>
+        <p:txBody>
+          <a:bodyPr lIns="0" rIns="0" tIns="0" bIns="0" anchor="ctr">
+            <a:noAutofit/>
+          </a:bodyPr>
+          <a:p>
+            <a:pPr indent="0" algn="ctr">
+              <a:buNone/>
+            </a:pPr>
+            <a:endParaRPr b="0" lang="en-US" sz="3200" spc="-1" strike="noStrike">
+              <a:solidFill>
+                <a:srgbClr val="000000"/>
+              </a:solidFill>
+              <a:latin typeface="Arial"/>
+            </a:endParaRPr>
+          </a:p>
+        </p:txBody>
+      </p:sp>
+      <p:sp>
+        <p:nvSpPr>
+          <p:cNvPr id="4" name="PlaceHolder 3"/>
+          <p:cNvSpPr>
+            <a:spLocks noGrp="1"/>
+          </p:cNvSpPr>
+          <p:nvPr>
+            <p:ph type="ftr" idx="7"/>
+          </p:nvPr>
+        </p:nvSpPr>
+        <p:spPr/>
+        <p:txBody>
+          <a:bodyPr/>
+          <a:p>
+            <a:r>
+              <a:t>Footer</a:t>
+            </a:r>
+          </a:p>
+        </p:txBody>
+      </p:sp>
+      <p:sp>
+        <p:nvSpPr>
+          <p:cNvPr id="5" name="PlaceHolder 4"/>
+          <p:cNvSpPr>
+            <a:spLocks noGrp="1"/>
+          </p:cNvSpPr>
+          <p:nvPr>
+            <p:ph type="sldNum" idx="8"/>
+          </p:nvPr>
+        </p:nvSpPr>
+        <p:spPr/>
+        <p:txBody>
+          <a:bodyPr/>
+          <a:p>
+            <a:fld id="{0957092C-A7A8-436B-8614-ACA30B97E130}" type="slidenum">
+              <a:t>&lt;#&gt;</a:t>
+            </a:fld>
+          </a:p>
+        </p:txBody>
+      </p:sp>
+      <p:sp>
+        <p:nvSpPr>
+          <p:cNvPr id="6" name="PlaceHolder 5"/>
+          <p:cNvSpPr>
+            <a:spLocks noGrp="1"/>
+          </p:cNvSpPr>
+          <p:nvPr>
+            <p:ph type="dt" idx="9"/>
+          </p:nvPr>
+        </p:nvSpPr>
+        <p:spPr/>
+        <p:txBody>
+          <a:bodyPr/>
+          <a:p>
+            <a:r>
+              <a:rPr lang="en-US"/>
+              <a:t/>
+            </a:r>
+          </a:p>
+        </p:txBody>
+      </p:sp>
+    </p:spTree>
+  </p:cSld>
+</p:sldLayout>
+</file>
+
+<file path=ppt/slideLayouts/slideLayout27.xml><?xml version="1.0" encoding="utf-8"?>
+<p:sldLayout xmlns:a="http://schemas.openxmlformats.org/drawingml/2006/main" xmlns:p="http://schemas.openxmlformats.org/presentationml/2006/main" xmlns:r="http://schemas.openxmlformats.org/officeDocument/2006/relationships" xmlns:p14="http://schemas.microsoft.com/office/powerpoint/2010/main" xmlns:p15="http://schemas.microsoft.com/office/powerpoint/2012/main" xmlns:mc="http://schemas.openxmlformats.org/markup-compatibility/2006" type="obj" preserve="1">
+  <p:cSld name="Title, Content">
+    <p:spTree>
+      <p:nvGrpSpPr>
+        <p:cNvPr id="1" name=""/>
+        <p:cNvGrpSpPr/>
+        <p:nvPr/>
+      </p:nvGrpSpPr>
+      <p:grpSpPr>
+        <a:xfrm>
+          <a:off x="0" y="0"/>
+          <a:ext cx="0" cy="0"/>
+          <a:chOff x="0" y="0"/>
+          <a:chExt cx="0" cy="0"/>
+        </a:xfrm>
+      </p:grpSpPr>
+      <p:sp>
+        <p:nvSpPr>
+          <p:cNvPr id="89" name="PlaceHolder 1"/>
+          <p:cNvSpPr>
+            <a:spLocks noGrp="1"/>
+          </p:cNvSpPr>
+          <p:nvPr>
+            <p:ph type="title"/>
+          </p:nvPr>
+        </p:nvSpPr>
+        <p:spPr>
+          <a:xfrm>
+            <a:off x="609480" y="273600"/>
+            <a:ext cx="10972080" cy="1144440"/>
+          </a:xfrm>
+          <a:prstGeom prst="rect">
+            <a:avLst/>
+          </a:prstGeom>
+          <a:noFill/>
+          <a:ln w="0">
+            <a:noFill/>
+          </a:ln>
+        </p:spPr>
+        <p:txBody>
+          <a:bodyPr lIns="0" rIns="0" tIns="0" bIns="0" anchor="ctr">
+            <a:noAutofit/>
+          </a:bodyPr>
+          <a:p>
+            <a:pPr indent="0" algn="ctr">
+              <a:buNone/>
+            </a:pPr>
+            <a:endParaRPr b="0" lang="en-US" sz="4400" spc="-1" strike="noStrike">
+              <a:solidFill>
+                <a:srgbClr val="000000"/>
+              </a:solidFill>
+              <a:latin typeface="Arial"/>
+            </a:endParaRPr>
+          </a:p>
+        </p:txBody>
+      </p:sp>
+      <p:sp>
+        <p:nvSpPr>
+          <p:cNvPr id="90" name="PlaceHolder 2"/>
+          <p:cNvSpPr>
+            <a:spLocks noGrp="1"/>
+          </p:cNvSpPr>
+          <p:nvPr>
+            <p:ph/>
+          </p:nvPr>
+        </p:nvSpPr>
+        <p:spPr>
+          <a:xfrm>
+            <a:off x="609480" y="1604520"/>
+            <a:ext cx="10972080" cy="3976920"/>
+          </a:xfrm>
+          <a:prstGeom prst="rect">
+            <a:avLst/>
+          </a:prstGeom>
+          <a:noFill/>
+          <a:ln w="0">
+            <a:noFill/>
+          </a:ln>
+        </p:spPr>
+        <p:txBody>
+          <a:bodyPr lIns="0" rIns="0" tIns="0" bIns="0" anchor="t">
+            <a:normAutofit/>
+          </a:bodyPr>
+          <a:p>
+            <a:pPr indent="0">
+              <a:spcBef>
+                <a:spcPts val="1417"/>
+              </a:spcBef>
+              <a:buNone/>
+            </a:pPr>
+            <a:endParaRPr b="0" lang="en-US" sz="3200" spc="-1" strike="noStrike">
+              <a:solidFill>
+                <a:srgbClr val="000000"/>
+              </a:solidFill>
+              <a:latin typeface="Arial"/>
+            </a:endParaRPr>
+          </a:p>
+        </p:txBody>
+      </p:sp>
+      <p:sp>
+        <p:nvSpPr>
+          <p:cNvPr id="4" name="PlaceHolder 3"/>
+          <p:cNvSpPr>
+            <a:spLocks noGrp="1"/>
+          </p:cNvSpPr>
+          <p:nvPr>
+            <p:ph type="ftr" idx="7"/>
+          </p:nvPr>
+        </p:nvSpPr>
+        <p:spPr/>
+        <p:txBody>
+          <a:bodyPr/>
+          <a:p>
+            <a:r>
+              <a:t>Footer</a:t>
+            </a:r>
+          </a:p>
+        </p:txBody>
+      </p:sp>
+      <p:sp>
+        <p:nvSpPr>
+          <p:cNvPr id="5" name="PlaceHolder 4"/>
+          <p:cNvSpPr>
+            <a:spLocks noGrp="1"/>
+          </p:cNvSpPr>
+          <p:nvPr>
+            <p:ph type="sldNum" idx="8"/>
+          </p:nvPr>
+        </p:nvSpPr>
+        <p:spPr/>
+        <p:txBody>
+          <a:bodyPr/>
+          <a:p>
+            <a:fld id="{3FA9919B-215D-47D0-86CA-3B93FDC7E89C}" type="slidenum">
+              <a:t>&lt;#&gt;</a:t>
+            </a:fld>
+          </a:p>
+        </p:txBody>
+      </p:sp>
+      <p:sp>
+        <p:nvSpPr>
+          <p:cNvPr id="6" name="PlaceHolder 5"/>
+          <p:cNvSpPr>
+            <a:spLocks noGrp="1"/>
+          </p:cNvSpPr>
+          <p:nvPr>
+            <p:ph type="dt" idx="9"/>
+          </p:nvPr>
+        </p:nvSpPr>
+        <p:spPr/>
+        <p:txBody>
+          <a:bodyPr/>
+          <a:p>
+            <a:r>
+              <a:rPr lang="en-US"/>
+              <a:t/>
+            </a:r>
+          </a:p>
+        </p:txBody>
+      </p:sp>
+    </p:spTree>
+  </p:cSld>
+</p:sldLayout>
+</file>
+
+<file path=ppt/slideLayouts/slideLayout28.xml><?xml version="1.0" encoding="utf-8"?>
+<p:sldLayout xmlns:a="http://schemas.openxmlformats.org/drawingml/2006/main" xmlns:p="http://schemas.openxmlformats.org/presentationml/2006/main" xmlns:r="http://schemas.openxmlformats.org/officeDocument/2006/relationships" xmlns:p14="http://schemas.microsoft.com/office/powerpoint/2010/main" xmlns:p15="http://schemas.microsoft.com/office/powerpoint/2012/main" xmlns:mc="http://schemas.openxmlformats.org/markup-compatibility/2006" type="twoObj" preserve="1">
+  <p:cSld name="Title, 2 Content">
+    <p:spTree>
+      <p:nvGrpSpPr>
+        <p:cNvPr id="1" name=""/>
+        <p:cNvGrpSpPr/>
+        <p:nvPr/>
+      </p:nvGrpSpPr>
+      <p:grpSpPr>
+        <a:xfrm>
+          <a:off x="0" y="0"/>
+          <a:ext cx="0" cy="0"/>
+          <a:chOff x="0" y="0"/>
+          <a:chExt cx="0" cy="0"/>
+        </a:xfrm>
+      </p:grpSpPr>
+      <p:sp>
+        <p:nvSpPr>
+          <p:cNvPr id="91" name="PlaceHolder 1"/>
+          <p:cNvSpPr>
+            <a:spLocks noGrp="1"/>
+          </p:cNvSpPr>
+          <p:nvPr>
+            <p:ph type="title"/>
+          </p:nvPr>
+        </p:nvSpPr>
+        <p:spPr>
+          <a:xfrm>
+            <a:off x="609480" y="273600"/>
+            <a:ext cx="10972080" cy="1144440"/>
+          </a:xfrm>
+          <a:prstGeom prst="rect">
+            <a:avLst/>
+          </a:prstGeom>
+          <a:noFill/>
+          <a:ln w="0">
+            <a:noFill/>
+          </a:ln>
+        </p:spPr>
+        <p:txBody>
+          <a:bodyPr lIns="0" rIns="0" tIns="0" bIns="0" anchor="ctr">
+            <a:noAutofit/>
+          </a:bodyPr>
+          <a:p>
+            <a:pPr indent="0" algn="ctr">
+              <a:buNone/>
+            </a:pPr>
+            <a:endParaRPr b="0" lang="en-US" sz="4400" spc="-1" strike="noStrike">
+              <a:solidFill>
+                <a:srgbClr val="000000"/>
+              </a:solidFill>
+              <a:latin typeface="Arial"/>
+            </a:endParaRPr>
+          </a:p>
+        </p:txBody>
+      </p:sp>
+      <p:sp>
+        <p:nvSpPr>
+          <p:cNvPr id="92" name="PlaceHolder 2"/>
+          <p:cNvSpPr>
+            <a:spLocks noGrp="1"/>
+          </p:cNvSpPr>
+          <p:nvPr>
+            <p:ph/>
+          </p:nvPr>
+        </p:nvSpPr>
+        <p:spPr>
+          <a:xfrm>
+            <a:off x="609480" y="1604520"/>
+            <a:ext cx="5354280" cy="3976920"/>
+          </a:xfrm>
+          <a:prstGeom prst="rect">
+            <a:avLst/>
+          </a:prstGeom>
+          <a:noFill/>
+          <a:ln w="0">
+            <a:noFill/>
+          </a:ln>
+        </p:spPr>
+        <p:txBody>
+          <a:bodyPr lIns="0" rIns="0" tIns="0" bIns="0" anchor="t">
+            <a:normAutofit/>
+          </a:bodyPr>
+          <a:p>
+            <a:pPr indent="0">
+              <a:spcBef>
+                <a:spcPts val="1417"/>
+              </a:spcBef>
+              <a:buNone/>
+            </a:pPr>
+            <a:endParaRPr b="0" lang="en-US" sz="3200" spc="-1" strike="noStrike">
+              <a:solidFill>
+                <a:srgbClr val="000000"/>
+              </a:solidFill>
+              <a:latin typeface="Arial"/>
+            </a:endParaRPr>
+          </a:p>
+        </p:txBody>
+      </p:sp>
+      <p:sp>
+        <p:nvSpPr>
+          <p:cNvPr id="93" name="PlaceHolder 3"/>
+          <p:cNvSpPr>
+            <a:spLocks noGrp="1"/>
+          </p:cNvSpPr>
+          <p:nvPr>
+            <p:ph/>
+          </p:nvPr>
+        </p:nvSpPr>
+        <p:spPr>
+          <a:xfrm>
+            <a:off x="6231960" y="1604520"/>
+            <a:ext cx="5354280" cy="3976920"/>
+          </a:xfrm>
+          <a:prstGeom prst="rect">
+            <a:avLst/>
+          </a:prstGeom>
+          <a:noFill/>
+          <a:ln w="0">
+            <a:noFill/>
+          </a:ln>
+        </p:spPr>
+        <p:txBody>
+          <a:bodyPr lIns="0" rIns="0" tIns="0" bIns="0" anchor="t">
+            <a:normAutofit/>
+          </a:bodyPr>
+          <a:p>
+            <a:pPr indent="0">
+              <a:spcBef>
+                <a:spcPts val="1417"/>
+              </a:spcBef>
+              <a:buNone/>
+            </a:pPr>
+            <a:endParaRPr b="0" lang="en-US" sz="3200" spc="-1" strike="noStrike">
+              <a:solidFill>
+                <a:srgbClr val="000000"/>
+              </a:solidFill>
+              <a:latin typeface="Arial"/>
+            </a:endParaRPr>
+          </a:p>
+        </p:txBody>
+      </p:sp>
+      <p:sp>
+        <p:nvSpPr>
+          <p:cNvPr id="5" name="PlaceHolder 4"/>
+          <p:cNvSpPr>
+            <a:spLocks noGrp="1"/>
+          </p:cNvSpPr>
+          <p:nvPr>
+            <p:ph type="ftr" idx="7"/>
+          </p:nvPr>
+        </p:nvSpPr>
+        <p:spPr/>
+        <p:txBody>
+          <a:bodyPr/>
+          <a:p>
+            <a:r>
+              <a:t>Footer</a:t>
+            </a:r>
+          </a:p>
+        </p:txBody>
+      </p:sp>
+      <p:sp>
+        <p:nvSpPr>
+          <p:cNvPr id="6" name="PlaceHolder 5"/>
+          <p:cNvSpPr>
+            <a:spLocks noGrp="1"/>
+          </p:cNvSpPr>
+          <p:nvPr>
+            <p:ph type="sldNum" idx="8"/>
+          </p:nvPr>
+        </p:nvSpPr>
+        <p:spPr/>
+        <p:txBody>
+          <a:bodyPr/>
+          <a:p>
+            <a:fld id="{8BC7FFE4-431C-4C07-96D9-BBD8CBE4B61A}" type="slidenum">
+              <a:t>&lt;#&gt;</a:t>
+            </a:fld>
+          </a:p>
+        </p:txBody>
+      </p:sp>
+      <p:sp>
+        <p:nvSpPr>
+          <p:cNvPr id="7" name="PlaceHolder 6"/>
+          <p:cNvSpPr>
+            <a:spLocks noGrp="1"/>
+          </p:cNvSpPr>
+          <p:nvPr>
+            <p:ph type="dt" idx="9"/>
+          </p:nvPr>
+        </p:nvSpPr>
+        <p:spPr/>
+        <p:txBody>
+          <a:bodyPr/>
+          <a:p>
+            <a:r>
+              <a:rPr lang="en-US"/>
+              <a:t/>
+            </a:r>
+          </a:p>
+        </p:txBody>
+      </p:sp>
+    </p:spTree>
+  </p:cSld>
+</p:sldLayout>
+</file>
+
+<file path=ppt/slideLayouts/slideLayout29.xml><?xml version="1.0" encoding="utf-8"?>
+<p:sldLayout xmlns:a="http://schemas.openxmlformats.org/drawingml/2006/main" xmlns:p="http://schemas.openxmlformats.org/presentationml/2006/main" xmlns:r="http://schemas.openxmlformats.org/officeDocument/2006/relationships" xmlns:p14="http://schemas.microsoft.com/office/powerpoint/2010/main" xmlns:p15="http://schemas.microsoft.com/office/powerpoint/2012/main" xmlns:mc="http://schemas.openxmlformats.org/markup-compatibility/2006" type="titleOnly" preserve="1">
+  <p:cSld name="Title Only">
+    <p:spTree>
+      <p:nvGrpSpPr>
+        <p:cNvPr id="1" name=""/>
+        <p:cNvGrpSpPr/>
+        <p:nvPr/>
+      </p:nvGrpSpPr>
+      <p:grpSpPr>
+        <a:xfrm>
+          <a:off x="0" y="0"/>
+          <a:ext cx="0" cy="0"/>
+          <a:chOff x="0" y="0"/>
+          <a:chExt cx="0" cy="0"/>
+        </a:xfrm>
+      </p:grpSpPr>
+      <p:sp>
+        <p:nvSpPr>
+          <p:cNvPr id="94" name="PlaceHolder 1"/>
+          <p:cNvSpPr>
+            <a:spLocks noGrp="1"/>
+          </p:cNvSpPr>
+          <p:nvPr>
+            <p:ph type="title"/>
+          </p:nvPr>
+        </p:nvSpPr>
+        <p:spPr>
+          <a:xfrm>
+            <a:off x="609480" y="273600"/>
+            <a:ext cx="10972080" cy="1144440"/>
+          </a:xfrm>
+          <a:prstGeom prst="rect">
+            <a:avLst/>
+          </a:prstGeom>
+          <a:noFill/>
+          <a:ln w="0">
+            <a:noFill/>
+          </a:ln>
+        </p:spPr>
+        <p:txBody>
+          <a:bodyPr lIns="0" rIns="0" tIns="0" bIns="0" anchor="ctr">
+            <a:noAutofit/>
+          </a:bodyPr>
+          <a:p>
+            <a:pPr indent="0" algn="ctr">
+              <a:buNone/>
+            </a:pPr>
+            <a:endParaRPr b="0" lang="en-US" sz="4400" spc="-1" strike="noStrike">
+              <a:solidFill>
+                <a:srgbClr val="000000"/>
+              </a:solidFill>
+              <a:latin typeface="Arial"/>
+            </a:endParaRPr>
+          </a:p>
+        </p:txBody>
+      </p:sp>
+      <p:sp>
+        <p:nvSpPr>
+          <p:cNvPr id="3" name="PlaceHolder 2"/>
+          <p:cNvSpPr>
+            <a:spLocks noGrp="1"/>
+          </p:cNvSpPr>
+          <p:nvPr>
+            <p:ph type="ftr" idx="7"/>
+          </p:nvPr>
+        </p:nvSpPr>
+        <p:spPr/>
+        <p:txBody>
+          <a:bodyPr/>
+          <a:p>
+            <a:r>
+              <a:t>Footer</a:t>
+            </a:r>
+          </a:p>
+        </p:txBody>
+      </p:sp>
+      <p:sp>
+        <p:nvSpPr>
+          <p:cNvPr id="4" name="PlaceHolder 3"/>
+          <p:cNvSpPr>
+            <a:spLocks noGrp="1"/>
+          </p:cNvSpPr>
+          <p:nvPr>
+            <p:ph type="sldNum" idx="8"/>
+          </p:nvPr>
+        </p:nvSpPr>
+        <p:spPr/>
+        <p:txBody>
+          <a:bodyPr/>
+          <a:p>
+            <a:fld id="{D3BA8D67-DB53-42AD-BC8D-6A2392636B61}" type="slidenum">
+              <a:t>&lt;#&gt;</a:t>
+            </a:fld>
+          </a:p>
+        </p:txBody>
+      </p:sp>
+      <p:sp>
+        <p:nvSpPr>
+          <p:cNvPr id="5" name="PlaceHolder 4"/>
+          <p:cNvSpPr>
+            <a:spLocks noGrp="1"/>
+          </p:cNvSpPr>
+          <p:nvPr>
+            <p:ph type="dt" idx="9"/>
           </p:nvPr>
         </p:nvSpPr>
         <p:spPr/>
@@ -5296,7 +6041,7 @@
         <p:spPr>
           <a:xfrm>
             <a:off x="609480" y="273600"/>
-            <a:ext cx="10972440" cy="1144800"/>
+            <a:ext cx="10972080" cy="1144440"/>
           </a:xfrm>
           <a:prstGeom prst="rect">
             <a:avLst/>
@@ -5336,7 +6081,7 @@
         <p:spPr>
           <a:xfrm>
             <a:off x="609480" y="1604520"/>
-            <a:ext cx="10972440" cy="3977280"/>
+            <a:ext cx="10972080" cy="3976920"/>
           </a:xfrm>
           <a:prstGeom prst="rect">
             <a:avLst/>
@@ -5400,7 +6145,7 @@
         <p:txBody>
           <a:bodyPr/>
           <a:p>
-            <a:fld id="{EE1CC762-5F3C-406A-A906-DE4C20B7A0D7}" type="slidenum">
+            <a:fld id="{6755B155-BA23-4E98-B720-2B3AEC40CA12}" type="slidenum">
               <a:t>&lt;#&gt;</a:t>
             </a:fld>
           </a:p>
@@ -5414,6 +6159,1768 @@
           </p:cNvSpPr>
           <p:nvPr>
             <p:ph type="dt" idx="3"/>
+          </p:nvPr>
+        </p:nvSpPr>
+        <p:spPr/>
+        <p:txBody>
+          <a:bodyPr/>
+          <a:p>
+            <a:r>
+              <a:rPr lang="en-US"/>
+              <a:t/>
+            </a:r>
+          </a:p>
+        </p:txBody>
+      </p:sp>
+    </p:spTree>
+  </p:cSld>
+</p:sldLayout>
+</file>
+
+<file path=ppt/slideLayouts/slideLayout30.xml><?xml version="1.0" encoding="utf-8"?>
+<p:sldLayout xmlns:a="http://schemas.openxmlformats.org/drawingml/2006/main" xmlns:p="http://schemas.openxmlformats.org/presentationml/2006/main" xmlns:r="http://schemas.openxmlformats.org/officeDocument/2006/relationships" xmlns:p14="http://schemas.microsoft.com/office/powerpoint/2010/main" xmlns:p15="http://schemas.microsoft.com/office/powerpoint/2012/main" xmlns:mc="http://schemas.openxmlformats.org/markup-compatibility/2006" type="objOnly" preserve="1">
+  <p:cSld name="Centered Text">
+    <p:spTree>
+      <p:nvGrpSpPr>
+        <p:cNvPr id="1" name=""/>
+        <p:cNvGrpSpPr/>
+        <p:nvPr/>
+      </p:nvGrpSpPr>
+      <p:grpSpPr>
+        <a:xfrm>
+          <a:off x="0" y="0"/>
+          <a:ext cx="0" cy="0"/>
+          <a:chOff x="0" y="0"/>
+          <a:chExt cx="0" cy="0"/>
+        </a:xfrm>
+      </p:grpSpPr>
+      <p:sp>
+        <p:nvSpPr>
+          <p:cNvPr id="95" name="PlaceHolder 1"/>
+          <p:cNvSpPr>
+            <a:spLocks noGrp="1"/>
+          </p:cNvSpPr>
+          <p:nvPr>
+            <p:ph type="subTitle"/>
+          </p:nvPr>
+        </p:nvSpPr>
+        <p:spPr>
+          <a:xfrm>
+            <a:off x="609480" y="273600"/>
+            <a:ext cx="10972080" cy="5306400"/>
+          </a:xfrm>
+          <a:prstGeom prst="rect">
+            <a:avLst/>
+          </a:prstGeom>
+          <a:noFill/>
+          <a:ln w="0">
+            <a:noFill/>
+          </a:ln>
+        </p:spPr>
+        <p:txBody>
+          <a:bodyPr lIns="0" rIns="0" tIns="0" bIns="0" anchor="ctr">
+            <a:noAutofit/>
+          </a:bodyPr>
+          <a:p>
+            <a:pPr algn="ctr"/>
+            <a:endParaRPr b="0" lang="en-US" sz="3200" spc="-1" strike="noStrike">
+              <a:solidFill>
+                <a:srgbClr val="000000"/>
+              </a:solidFill>
+              <a:latin typeface="Arial"/>
+            </a:endParaRPr>
+          </a:p>
+        </p:txBody>
+      </p:sp>
+      <p:sp>
+        <p:nvSpPr>
+          <p:cNvPr id="3" name="PlaceHolder 2"/>
+          <p:cNvSpPr>
+            <a:spLocks noGrp="1"/>
+          </p:cNvSpPr>
+          <p:nvPr>
+            <p:ph type="ftr" idx="7"/>
+          </p:nvPr>
+        </p:nvSpPr>
+        <p:spPr/>
+        <p:txBody>
+          <a:bodyPr/>
+          <a:p>
+            <a:r>
+              <a:t>Footer</a:t>
+            </a:r>
+          </a:p>
+        </p:txBody>
+      </p:sp>
+      <p:sp>
+        <p:nvSpPr>
+          <p:cNvPr id="4" name="PlaceHolder 3"/>
+          <p:cNvSpPr>
+            <a:spLocks noGrp="1"/>
+          </p:cNvSpPr>
+          <p:nvPr>
+            <p:ph type="sldNum" idx="8"/>
+          </p:nvPr>
+        </p:nvSpPr>
+        <p:spPr/>
+        <p:txBody>
+          <a:bodyPr/>
+          <a:p>
+            <a:fld id="{52AB353A-E481-4451-97FE-30DF0C77809C}" type="slidenum">
+              <a:t>&lt;#&gt;</a:t>
+            </a:fld>
+          </a:p>
+        </p:txBody>
+      </p:sp>
+      <p:sp>
+        <p:nvSpPr>
+          <p:cNvPr id="5" name="PlaceHolder 4"/>
+          <p:cNvSpPr>
+            <a:spLocks noGrp="1"/>
+          </p:cNvSpPr>
+          <p:nvPr>
+            <p:ph type="dt" idx="9"/>
+          </p:nvPr>
+        </p:nvSpPr>
+        <p:spPr/>
+        <p:txBody>
+          <a:bodyPr/>
+          <a:p>
+            <a:r>
+              <a:rPr lang="en-US"/>
+              <a:t/>
+            </a:r>
+          </a:p>
+        </p:txBody>
+      </p:sp>
+    </p:spTree>
+  </p:cSld>
+</p:sldLayout>
+</file>
+
+<file path=ppt/slideLayouts/slideLayout31.xml><?xml version="1.0" encoding="utf-8"?>
+<p:sldLayout xmlns:a="http://schemas.openxmlformats.org/drawingml/2006/main" xmlns:p="http://schemas.openxmlformats.org/presentationml/2006/main" xmlns:r="http://schemas.openxmlformats.org/officeDocument/2006/relationships" xmlns:p14="http://schemas.microsoft.com/office/powerpoint/2010/main" xmlns:p15="http://schemas.microsoft.com/office/powerpoint/2012/main" xmlns:mc="http://schemas.openxmlformats.org/markup-compatibility/2006" type="twoObjAndObj" preserve="1">
+  <p:cSld name="Title, 2 Content and Content">
+    <p:spTree>
+      <p:nvGrpSpPr>
+        <p:cNvPr id="1" name=""/>
+        <p:cNvGrpSpPr/>
+        <p:nvPr/>
+      </p:nvGrpSpPr>
+      <p:grpSpPr>
+        <a:xfrm>
+          <a:off x="0" y="0"/>
+          <a:ext cx="0" cy="0"/>
+          <a:chOff x="0" y="0"/>
+          <a:chExt cx="0" cy="0"/>
+        </a:xfrm>
+      </p:grpSpPr>
+      <p:sp>
+        <p:nvSpPr>
+          <p:cNvPr id="96" name="PlaceHolder 1"/>
+          <p:cNvSpPr>
+            <a:spLocks noGrp="1"/>
+          </p:cNvSpPr>
+          <p:nvPr>
+            <p:ph type="title"/>
+          </p:nvPr>
+        </p:nvSpPr>
+        <p:spPr>
+          <a:xfrm>
+            <a:off x="609480" y="273600"/>
+            <a:ext cx="10972080" cy="1144440"/>
+          </a:xfrm>
+          <a:prstGeom prst="rect">
+            <a:avLst/>
+          </a:prstGeom>
+          <a:noFill/>
+          <a:ln w="0">
+            <a:noFill/>
+          </a:ln>
+        </p:spPr>
+        <p:txBody>
+          <a:bodyPr lIns="0" rIns="0" tIns="0" bIns="0" anchor="ctr">
+            <a:noAutofit/>
+          </a:bodyPr>
+          <a:p>
+            <a:pPr indent="0" algn="ctr">
+              <a:buNone/>
+            </a:pPr>
+            <a:endParaRPr b="0" lang="en-US" sz="4400" spc="-1" strike="noStrike">
+              <a:solidFill>
+                <a:srgbClr val="000000"/>
+              </a:solidFill>
+              <a:latin typeface="Arial"/>
+            </a:endParaRPr>
+          </a:p>
+        </p:txBody>
+      </p:sp>
+      <p:sp>
+        <p:nvSpPr>
+          <p:cNvPr id="97" name="PlaceHolder 2"/>
+          <p:cNvSpPr>
+            <a:spLocks noGrp="1"/>
+          </p:cNvSpPr>
+          <p:nvPr>
+            <p:ph/>
+          </p:nvPr>
+        </p:nvSpPr>
+        <p:spPr>
+          <a:xfrm>
+            <a:off x="609480" y="1604520"/>
+            <a:ext cx="5354280" cy="1896840"/>
+          </a:xfrm>
+          <a:prstGeom prst="rect">
+            <a:avLst/>
+          </a:prstGeom>
+          <a:noFill/>
+          <a:ln w="0">
+            <a:noFill/>
+          </a:ln>
+        </p:spPr>
+        <p:txBody>
+          <a:bodyPr lIns="0" rIns="0" tIns="0" bIns="0" anchor="t">
+            <a:normAutofit/>
+          </a:bodyPr>
+          <a:p>
+            <a:pPr indent="0">
+              <a:spcBef>
+                <a:spcPts val="1417"/>
+              </a:spcBef>
+              <a:buNone/>
+            </a:pPr>
+            <a:endParaRPr b="0" lang="en-US" sz="3200" spc="-1" strike="noStrike">
+              <a:solidFill>
+                <a:srgbClr val="000000"/>
+              </a:solidFill>
+              <a:latin typeface="Arial"/>
+            </a:endParaRPr>
+          </a:p>
+        </p:txBody>
+      </p:sp>
+      <p:sp>
+        <p:nvSpPr>
+          <p:cNvPr id="98" name="PlaceHolder 3"/>
+          <p:cNvSpPr>
+            <a:spLocks noGrp="1"/>
+          </p:cNvSpPr>
+          <p:nvPr>
+            <p:ph/>
+          </p:nvPr>
+        </p:nvSpPr>
+        <p:spPr>
+          <a:xfrm>
+            <a:off x="6231960" y="1604520"/>
+            <a:ext cx="5354280" cy="3976920"/>
+          </a:xfrm>
+          <a:prstGeom prst="rect">
+            <a:avLst/>
+          </a:prstGeom>
+          <a:noFill/>
+          <a:ln w="0">
+            <a:noFill/>
+          </a:ln>
+        </p:spPr>
+        <p:txBody>
+          <a:bodyPr lIns="0" rIns="0" tIns="0" bIns="0" anchor="t">
+            <a:normAutofit/>
+          </a:bodyPr>
+          <a:p>
+            <a:pPr indent="0">
+              <a:spcBef>
+                <a:spcPts val="1417"/>
+              </a:spcBef>
+              <a:buNone/>
+            </a:pPr>
+            <a:endParaRPr b="0" lang="en-US" sz="3200" spc="-1" strike="noStrike">
+              <a:solidFill>
+                <a:srgbClr val="000000"/>
+              </a:solidFill>
+              <a:latin typeface="Arial"/>
+            </a:endParaRPr>
+          </a:p>
+        </p:txBody>
+      </p:sp>
+      <p:sp>
+        <p:nvSpPr>
+          <p:cNvPr id="99" name="PlaceHolder 4"/>
+          <p:cNvSpPr>
+            <a:spLocks noGrp="1"/>
+          </p:cNvSpPr>
+          <p:nvPr>
+            <p:ph/>
+          </p:nvPr>
+        </p:nvSpPr>
+        <p:spPr>
+          <a:xfrm>
+            <a:off x="609480" y="3682080"/>
+            <a:ext cx="5354280" cy="1896840"/>
+          </a:xfrm>
+          <a:prstGeom prst="rect">
+            <a:avLst/>
+          </a:prstGeom>
+          <a:noFill/>
+          <a:ln w="0">
+            <a:noFill/>
+          </a:ln>
+        </p:spPr>
+        <p:txBody>
+          <a:bodyPr lIns="0" rIns="0" tIns="0" bIns="0" anchor="t">
+            <a:normAutofit/>
+          </a:bodyPr>
+          <a:p>
+            <a:pPr indent="0">
+              <a:spcBef>
+                <a:spcPts val="1417"/>
+              </a:spcBef>
+              <a:buNone/>
+            </a:pPr>
+            <a:endParaRPr b="0" lang="en-US" sz="3200" spc="-1" strike="noStrike">
+              <a:solidFill>
+                <a:srgbClr val="000000"/>
+              </a:solidFill>
+              <a:latin typeface="Arial"/>
+            </a:endParaRPr>
+          </a:p>
+        </p:txBody>
+      </p:sp>
+      <p:sp>
+        <p:nvSpPr>
+          <p:cNvPr id="6" name="PlaceHolder 5"/>
+          <p:cNvSpPr>
+            <a:spLocks noGrp="1"/>
+          </p:cNvSpPr>
+          <p:nvPr>
+            <p:ph type="ftr" idx="7"/>
+          </p:nvPr>
+        </p:nvSpPr>
+        <p:spPr/>
+        <p:txBody>
+          <a:bodyPr/>
+          <a:p>
+            <a:r>
+              <a:t>Footer</a:t>
+            </a:r>
+          </a:p>
+        </p:txBody>
+      </p:sp>
+      <p:sp>
+        <p:nvSpPr>
+          <p:cNvPr id="7" name="PlaceHolder 6"/>
+          <p:cNvSpPr>
+            <a:spLocks noGrp="1"/>
+          </p:cNvSpPr>
+          <p:nvPr>
+            <p:ph type="sldNum" idx="8"/>
+          </p:nvPr>
+        </p:nvSpPr>
+        <p:spPr/>
+        <p:txBody>
+          <a:bodyPr/>
+          <a:p>
+            <a:fld id="{B3093A19-1FDC-4447-A273-90B285923E59}" type="slidenum">
+              <a:t>&lt;#&gt;</a:t>
+            </a:fld>
+          </a:p>
+        </p:txBody>
+      </p:sp>
+      <p:sp>
+        <p:nvSpPr>
+          <p:cNvPr id="8" name="PlaceHolder 7"/>
+          <p:cNvSpPr>
+            <a:spLocks noGrp="1"/>
+          </p:cNvSpPr>
+          <p:nvPr>
+            <p:ph type="dt" idx="9"/>
+          </p:nvPr>
+        </p:nvSpPr>
+        <p:spPr/>
+        <p:txBody>
+          <a:bodyPr/>
+          <a:p>
+            <a:r>
+              <a:rPr lang="en-US"/>
+              <a:t/>
+            </a:r>
+          </a:p>
+        </p:txBody>
+      </p:sp>
+    </p:spTree>
+  </p:cSld>
+</p:sldLayout>
+</file>
+
+<file path=ppt/slideLayouts/slideLayout32.xml><?xml version="1.0" encoding="utf-8"?>
+<p:sldLayout xmlns:a="http://schemas.openxmlformats.org/drawingml/2006/main" xmlns:p="http://schemas.openxmlformats.org/presentationml/2006/main" xmlns:r="http://schemas.openxmlformats.org/officeDocument/2006/relationships" xmlns:p14="http://schemas.microsoft.com/office/powerpoint/2010/main" xmlns:p15="http://schemas.microsoft.com/office/powerpoint/2012/main" xmlns:mc="http://schemas.openxmlformats.org/markup-compatibility/2006" type="objAndTwoObj" preserve="1">
+  <p:cSld name="Title Content and 2 Content">
+    <p:spTree>
+      <p:nvGrpSpPr>
+        <p:cNvPr id="1" name=""/>
+        <p:cNvGrpSpPr/>
+        <p:nvPr/>
+      </p:nvGrpSpPr>
+      <p:grpSpPr>
+        <a:xfrm>
+          <a:off x="0" y="0"/>
+          <a:ext cx="0" cy="0"/>
+          <a:chOff x="0" y="0"/>
+          <a:chExt cx="0" cy="0"/>
+        </a:xfrm>
+      </p:grpSpPr>
+      <p:sp>
+        <p:nvSpPr>
+          <p:cNvPr id="100" name="PlaceHolder 1"/>
+          <p:cNvSpPr>
+            <a:spLocks noGrp="1"/>
+          </p:cNvSpPr>
+          <p:nvPr>
+            <p:ph type="title"/>
+          </p:nvPr>
+        </p:nvSpPr>
+        <p:spPr>
+          <a:xfrm>
+            <a:off x="609480" y="273600"/>
+            <a:ext cx="10972080" cy="1144440"/>
+          </a:xfrm>
+          <a:prstGeom prst="rect">
+            <a:avLst/>
+          </a:prstGeom>
+          <a:noFill/>
+          <a:ln w="0">
+            <a:noFill/>
+          </a:ln>
+        </p:spPr>
+        <p:txBody>
+          <a:bodyPr lIns="0" rIns="0" tIns="0" bIns="0" anchor="ctr">
+            <a:noAutofit/>
+          </a:bodyPr>
+          <a:p>
+            <a:pPr indent="0" algn="ctr">
+              <a:buNone/>
+            </a:pPr>
+            <a:endParaRPr b="0" lang="en-US" sz="4400" spc="-1" strike="noStrike">
+              <a:solidFill>
+                <a:srgbClr val="000000"/>
+              </a:solidFill>
+              <a:latin typeface="Arial"/>
+            </a:endParaRPr>
+          </a:p>
+        </p:txBody>
+      </p:sp>
+      <p:sp>
+        <p:nvSpPr>
+          <p:cNvPr id="101" name="PlaceHolder 2"/>
+          <p:cNvSpPr>
+            <a:spLocks noGrp="1"/>
+          </p:cNvSpPr>
+          <p:nvPr>
+            <p:ph/>
+          </p:nvPr>
+        </p:nvSpPr>
+        <p:spPr>
+          <a:xfrm>
+            <a:off x="609480" y="1604520"/>
+            <a:ext cx="5354280" cy="3976920"/>
+          </a:xfrm>
+          <a:prstGeom prst="rect">
+            <a:avLst/>
+          </a:prstGeom>
+          <a:noFill/>
+          <a:ln w="0">
+            <a:noFill/>
+          </a:ln>
+        </p:spPr>
+        <p:txBody>
+          <a:bodyPr lIns="0" rIns="0" tIns="0" bIns="0" anchor="t">
+            <a:normAutofit/>
+          </a:bodyPr>
+          <a:p>
+            <a:pPr indent="0">
+              <a:spcBef>
+                <a:spcPts val="1417"/>
+              </a:spcBef>
+              <a:buNone/>
+            </a:pPr>
+            <a:endParaRPr b="0" lang="en-US" sz="3200" spc="-1" strike="noStrike">
+              <a:solidFill>
+                <a:srgbClr val="000000"/>
+              </a:solidFill>
+              <a:latin typeface="Arial"/>
+            </a:endParaRPr>
+          </a:p>
+        </p:txBody>
+      </p:sp>
+      <p:sp>
+        <p:nvSpPr>
+          <p:cNvPr id="102" name="PlaceHolder 3"/>
+          <p:cNvSpPr>
+            <a:spLocks noGrp="1"/>
+          </p:cNvSpPr>
+          <p:nvPr>
+            <p:ph/>
+          </p:nvPr>
+        </p:nvSpPr>
+        <p:spPr>
+          <a:xfrm>
+            <a:off x="6231960" y="1604520"/>
+            <a:ext cx="5354280" cy="1896840"/>
+          </a:xfrm>
+          <a:prstGeom prst="rect">
+            <a:avLst/>
+          </a:prstGeom>
+          <a:noFill/>
+          <a:ln w="0">
+            <a:noFill/>
+          </a:ln>
+        </p:spPr>
+        <p:txBody>
+          <a:bodyPr lIns="0" rIns="0" tIns="0" bIns="0" anchor="t">
+            <a:normAutofit/>
+          </a:bodyPr>
+          <a:p>
+            <a:pPr indent="0">
+              <a:spcBef>
+                <a:spcPts val="1417"/>
+              </a:spcBef>
+              <a:buNone/>
+            </a:pPr>
+            <a:endParaRPr b="0" lang="en-US" sz="3200" spc="-1" strike="noStrike">
+              <a:solidFill>
+                <a:srgbClr val="000000"/>
+              </a:solidFill>
+              <a:latin typeface="Arial"/>
+            </a:endParaRPr>
+          </a:p>
+        </p:txBody>
+      </p:sp>
+      <p:sp>
+        <p:nvSpPr>
+          <p:cNvPr id="103" name="PlaceHolder 4"/>
+          <p:cNvSpPr>
+            <a:spLocks noGrp="1"/>
+          </p:cNvSpPr>
+          <p:nvPr>
+            <p:ph/>
+          </p:nvPr>
+        </p:nvSpPr>
+        <p:spPr>
+          <a:xfrm>
+            <a:off x="6231960" y="3682080"/>
+            <a:ext cx="5354280" cy="1896840"/>
+          </a:xfrm>
+          <a:prstGeom prst="rect">
+            <a:avLst/>
+          </a:prstGeom>
+          <a:noFill/>
+          <a:ln w="0">
+            <a:noFill/>
+          </a:ln>
+        </p:spPr>
+        <p:txBody>
+          <a:bodyPr lIns="0" rIns="0" tIns="0" bIns="0" anchor="t">
+            <a:normAutofit/>
+          </a:bodyPr>
+          <a:p>
+            <a:pPr indent="0">
+              <a:spcBef>
+                <a:spcPts val="1417"/>
+              </a:spcBef>
+              <a:buNone/>
+            </a:pPr>
+            <a:endParaRPr b="0" lang="en-US" sz="3200" spc="-1" strike="noStrike">
+              <a:solidFill>
+                <a:srgbClr val="000000"/>
+              </a:solidFill>
+              <a:latin typeface="Arial"/>
+            </a:endParaRPr>
+          </a:p>
+        </p:txBody>
+      </p:sp>
+      <p:sp>
+        <p:nvSpPr>
+          <p:cNvPr id="6" name="PlaceHolder 5"/>
+          <p:cNvSpPr>
+            <a:spLocks noGrp="1"/>
+          </p:cNvSpPr>
+          <p:nvPr>
+            <p:ph type="ftr" idx="7"/>
+          </p:nvPr>
+        </p:nvSpPr>
+        <p:spPr/>
+        <p:txBody>
+          <a:bodyPr/>
+          <a:p>
+            <a:r>
+              <a:t>Footer</a:t>
+            </a:r>
+          </a:p>
+        </p:txBody>
+      </p:sp>
+      <p:sp>
+        <p:nvSpPr>
+          <p:cNvPr id="7" name="PlaceHolder 6"/>
+          <p:cNvSpPr>
+            <a:spLocks noGrp="1"/>
+          </p:cNvSpPr>
+          <p:nvPr>
+            <p:ph type="sldNum" idx="8"/>
+          </p:nvPr>
+        </p:nvSpPr>
+        <p:spPr/>
+        <p:txBody>
+          <a:bodyPr/>
+          <a:p>
+            <a:fld id="{334C8A95-3292-434F-9DF4-29E042F8BB48}" type="slidenum">
+              <a:t>&lt;#&gt;</a:t>
+            </a:fld>
+          </a:p>
+        </p:txBody>
+      </p:sp>
+      <p:sp>
+        <p:nvSpPr>
+          <p:cNvPr id="8" name="PlaceHolder 7"/>
+          <p:cNvSpPr>
+            <a:spLocks noGrp="1"/>
+          </p:cNvSpPr>
+          <p:nvPr>
+            <p:ph type="dt" idx="9"/>
+          </p:nvPr>
+        </p:nvSpPr>
+        <p:spPr/>
+        <p:txBody>
+          <a:bodyPr/>
+          <a:p>
+            <a:r>
+              <a:rPr lang="en-US"/>
+              <a:t/>
+            </a:r>
+          </a:p>
+        </p:txBody>
+      </p:sp>
+    </p:spTree>
+  </p:cSld>
+</p:sldLayout>
+</file>
+
+<file path=ppt/slideLayouts/slideLayout33.xml><?xml version="1.0" encoding="utf-8"?>
+<p:sldLayout xmlns:a="http://schemas.openxmlformats.org/drawingml/2006/main" xmlns:p="http://schemas.openxmlformats.org/presentationml/2006/main" xmlns:r="http://schemas.openxmlformats.org/officeDocument/2006/relationships" xmlns:p14="http://schemas.microsoft.com/office/powerpoint/2010/main" xmlns:p15="http://schemas.microsoft.com/office/powerpoint/2012/main" xmlns:mc="http://schemas.openxmlformats.org/markup-compatibility/2006" type="twoObjOverTx" preserve="1">
+  <p:cSld name="Title, 2 Content over Content">
+    <p:spTree>
+      <p:nvGrpSpPr>
+        <p:cNvPr id="1" name=""/>
+        <p:cNvGrpSpPr/>
+        <p:nvPr/>
+      </p:nvGrpSpPr>
+      <p:grpSpPr>
+        <a:xfrm>
+          <a:off x="0" y="0"/>
+          <a:ext cx="0" cy="0"/>
+          <a:chOff x="0" y="0"/>
+          <a:chExt cx="0" cy="0"/>
+        </a:xfrm>
+      </p:grpSpPr>
+      <p:sp>
+        <p:nvSpPr>
+          <p:cNvPr id="104" name="PlaceHolder 1"/>
+          <p:cNvSpPr>
+            <a:spLocks noGrp="1"/>
+          </p:cNvSpPr>
+          <p:nvPr>
+            <p:ph type="title"/>
+          </p:nvPr>
+        </p:nvSpPr>
+        <p:spPr>
+          <a:xfrm>
+            <a:off x="609480" y="273600"/>
+            <a:ext cx="10972080" cy="1144440"/>
+          </a:xfrm>
+          <a:prstGeom prst="rect">
+            <a:avLst/>
+          </a:prstGeom>
+          <a:noFill/>
+          <a:ln w="0">
+            <a:noFill/>
+          </a:ln>
+        </p:spPr>
+        <p:txBody>
+          <a:bodyPr lIns="0" rIns="0" tIns="0" bIns="0" anchor="ctr">
+            <a:noAutofit/>
+          </a:bodyPr>
+          <a:p>
+            <a:pPr indent="0" algn="ctr">
+              <a:buNone/>
+            </a:pPr>
+            <a:endParaRPr b="0" lang="en-US" sz="4400" spc="-1" strike="noStrike">
+              <a:solidFill>
+                <a:srgbClr val="000000"/>
+              </a:solidFill>
+              <a:latin typeface="Arial"/>
+            </a:endParaRPr>
+          </a:p>
+        </p:txBody>
+      </p:sp>
+      <p:sp>
+        <p:nvSpPr>
+          <p:cNvPr id="105" name="PlaceHolder 2"/>
+          <p:cNvSpPr>
+            <a:spLocks noGrp="1"/>
+          </p:cNvSpPr>
+          <p:nvPr>
+            <p:ph/>
+          </p:nvPr>
+        </p:nvSpPr>
+        <p:spPr>
+          <a:xfrm>
+            <a:off x="609480" y="1604520"/>
+            <a:ext cx="5354280" cy="1896840"/>
+          </a:xfrm>
+          <a:prstGeom prst="rect">
+            <a:avLst/>
+          </a:prstGeom>
+          <a:noFill/>
+          <a:ln w="0">
+            <a:noFill/>
+          </a:ln>
+        </p:spPr>
+        <p:txBody>
+          <a:bodyPr lIns="0" rIns="0" tIns="0" bIns="0" anchor="t">
+            <a:normAutofit/>
+          </a:bodyPr>
+          <a:p>
+            <a:pPr indent="0">
+              <a:spcBef>
+                <a:spcPts val="1417"/>
+              </a:spcBef>
+              <a:buNone/>
+            </a:pPr>
+            <a:endParaRPr b="0" lang="en-US" sz="3200" spc="-1" strike="noStrike">
+              <a:solidFill>
+                <a:srgbClr val="000000"/>
+              </a:solidFill>
+              <a:latin typeface="Arial"/>
+            </a:endParaRPr>
+          </a:p>
+        </p:txBody>
+      </p:sp>
+      <p:sp>
+        <p:nvSpPr>
+          <p:cNvPr id="106" name="PlaceHolder 3"/>
+          <p:cNvSpPr>
+            <a:spLocks noGrp="1"/>
+          </p:cNvSpPr>
+          <p:nvPr>
+            <p:ph/>
+          </p:nvPr>
+        </p:nvSpPr>
+        <p:spPr>
+          <a:xfrm>
+            <a:off x="6231960" y="1604520"/>
+            <a:ext cx="5354280" cy="1896840"/>
+          </a:xfrm>
+          <a:prstGeom prst="rect">
+            <a:avLst/>
+          </a:prstGeom>
+          <a:noFill/>
+          <a:ln w="0">
+            <a:noFill/>
+          </a:ln>
+        </p:spPr>
+        <p:txBody>
+          <a:bodyPr lIns="0" rIns="0" tIns="0" bIns="0" anchor="t">
+            <a:normAutofit/>
+          </a:bodyPr>
+          <a:p>
+            <a:pPr indent="0">
+              <a:spcBef>
+                <a:spcPts val="1417"/>
+              </a:spcBef>
+              <a:buNone/>
+            </a:pPr>
+            <a:endParaRPr b="0" lang="en-US" sz="3200" spc="-1" strike="noStrike">
+              <a:solidFill>
+                <a:srgbClr val="000000"/>
+              </a:solidFill>
+              <a:latin typeface="Arial"/>
+            </a:endParaRPr>
+          </a:p>
+        </p:txBody>
+      </p:sp>
+      <p:sp>
+        <p:nvSpPr>
+          <p:cNvPr id="107" name="PlaceHolder 4"/>
+          <p:cNvSpPr>
+            <a:spLocks noGrp="1"/>
+          </p:cNvSpPr>
+          <p:nvPr>
+            <p:ph/>
+          </p:nvPr>
+        </p:nvSpPr>
+        <p:spPr>
+          <a:xfrm>
+            <a:off x="609480" y="3682080"/>
+            <a:ext cx="10972080" cy="1896840"/>
+          </a:xfrm>
+          <a:prstGeom prst="rect">
+            <a:avLst/>
+          </a:prstGeom>
+          <a:noFill/>
+          <a:ln w="0">
+            <a:noFill/>
+          </a:ln>
+        </p:spPr>
+        <p:txBody>
+          <a:bodyPr lIns="0" rIns="0" tIns="0" bIns="0" anchor="t">
+            <a:normAutofit/>
+          </a:bodyPr>
+          <a:p>
+            <a:pPr indent="0">
+              <a:spcBef>
+                <a:spcPts val="1417"/>
+              </a:spcBef>
+              <a:buNone/>
+            </a:pPr>
+            <a:endParaRPr b="0" lang="en-US" sz="3200" spc="-1" strike="noStrike">
+              <a:solidFill>
+                <a:srgbClr val="000000"/>
+              </a:solidFill>
+              <a:latin typeface="Arial"/>
+            </a:endParaRPr>
+          </a:p>
+        </p:txBody>
+      </p:sp>
+      <p:sp>
+        <p:nvSpPr>
+          <p:cNvPr id="6" name="PlaceHolder 5"/>
+          <p:cNvSpPr>
+            <a:spLocks noGrp="1"/>
+          </p:cNvSpPr>
+          <p:nvPr>
+            <p:ph type="ftr" idx="7"/>
+          </p:nvPr>
+        </p:nvSpPr>
+        <p:spPr/>
+        <p:txBody>
+          <a:bodyPr/>
+          <a:p>
+            <a:r>
+              <a:t>Footer</a:t>
+            </a:r>
+          </a:p>
+        </p:txBody>
+      </p:sp>
+      <p:sp>
+        <p:nvSpPr>
+          <p:cNvPr id="7" name="PlaceHolder 6"/>
+          <p:cNvSpPr>
+            <a:spLocks noGrp="1"/>
+          </p:cNvSpPr>
+          <p:nvPr>
+            <p:ph type="sldNum" idx="8"/>
+          </p:nvPr>
+        </p:nvSpPr>
+        <p:spPr/>
+        <p:txBody>
+          <a:bodyPr/>
+          <a:p>
+            <a:fld id="{334E2C67-AC85-42B4-9D79-D0BB4E19CF58}" type="slidenum">
+              <a:t>&lt;#&gt;</a:t>
+            </a:fld>
+          </a:p>
+        </p:txBody>
+      </p:sp>
+      <p:sp>
+        <p:nvSpPr>
+          <p:cNvPr id="8" name="PlaceHolder 7"/>
+          <p:cNvSpPr>
+            <a:spLocks noGrp="1"/>
+          </p:cNvSpPr>
+          <p:nvPr>
+            <p:ph type="dt" idx="9"/>
+          </p:nvPr>
+        </p:nvSpPr>
+        <p:spPr/>
+        <p:txBody>
+          <a:bodyPr/>
+          <a:p>
+            <a:r>
+              <a:rPr lang="en-US"/>
+              <a:t/>
+            </a:r>
+          </a:p>
+        </p:txBody>
+      </p:sp>
+    </p:spTree>
+  </p:cSld>
+</p:sldLayout>
+</file>
+
+<file path=ppt/slideLayouts/slideLayout34.xml><?xml version="1.0" encoding="utf-8"?>
+<p:sldLayout xmlns:a="http://schemas.openxmlformats.org/drawingml/2006/main" xmlns:p="http://schemas.openxmlformats.org/presentationml/2006/main" xmlns:r="http://schemas.openxmlformats.org/officeDocument/2006/relationships" xmlns:p14="http://schemas.microsoft.com/office/powerpoint/2010/main" xmlns:p15="http://schemas.microsoft.com/office/powerpoint/2012/main" xmlns:mc="http://schemas.openxmlformats.org/markup-compatibility/2006" type="objOverTx" preserve="1">
+  <p:cSld name="Title, Content over Content">
+    <p:spTree>
+      <p:nvGrpSpPr>
+        <p:cNvPr id="1" name=""/>
+        <p:cNvGrpSpPr/>
+        <p:nvPr/>
+      </p:nvGrpSpPr>
+      <p:grpSpPr>
+        <a:xfrm>
+          <a:off x="0" y="0"/>
+          <a:ext cx="0" cy="0"/>
+          <a:chOff x="0" y="0"/>
+          <a:chExt cx="0" cy="0"/>
+        </a:xfrm>
+      </p:grpSpPr>
+      <p:sp>
+        <p:nvSpPr>
+          <p:cNvPr id="108" name="PlaceHolder 1"/>
+          <p:cNvSpPr>
+            <a:spLocks noGrp="1"/>
+          </p:cNvSpPr>
+          <p:nvPr>
+            <p:ph type="title"/>
+          </p:nvPr>
+        </p:nvSpPr>
+        <p:spPr>
+          <a:xfrm>
+            <a:off x="609480" y="273600"/>
+            <a:ext cx="10972080" cy="1144440"/>
+          </a:xfrm>
+          <a:prstGeom prst="rect">
+            <a:avLst/>
+          </a:prstGeom>
+          <a:noFill/>
+          <a:ln w="0">
+            <a:noFill/>
+          </a:ln>
+        </p:spPr>
+        <p:txBody>
+          <a:bodyPr lIns="0" rIns="0" tIns="0" bIns="0" anchor="ctr">
+            <a:noAutofit/>
+          </a:bodyPr>
+          <a:p>
+            <a:pPr indent="0" algn="ctr">
+              <a:buNone/>
+            </a:pPr>
+            <a:endParaRPr b="0" lang="en-US" sz="4400" spc="-1" strike="noStrike">
+              <a:solidFill>
+                <a:srgbClr val="000000"/>
+              </a:solidFill>
+              <a:latin typeface="Arial"/>
+            </a:endParaRPr>
+          </a:p>
+        </p:txBody>
+      </p:sp>
+      <p:sp>
+        <p:nvSpPr>
+          <p:cNvPr id="109" name="PlaceHolder 2"/>
+          <p:cNvSpPr>
+            <a:spLocks noGrp="1"/>
+          </p:cNvSpPr>
+          <p:nvPr>
+            <p:ph/>
+          </p:nvPr>
+        </p:nvSpPr>
+        <p:spPr>
+          <a:xfrm>
+            <a:off x="609480" y="1604520"/>
+            <a:ext cx="10972080" cy="1896840"/>
+          </a:xfrm>
+          <a:prstGeom prst="rect">
+            <a:avLst/>
+          </a:prstGeom>
+          <a:noFill/>
+          <a:ln w="0">
+            <a:noFill/>
+          </a:ln>
+        </p:spPr>
+        <p:txBody>
+          <a:bodyPr lIns="0" rIns="0" tIns="0" bIns="0" anchor="t">
+            <a:normAutofit/>
+          </a:bodyPr>
+          <a:p>
+            <a:pPr indent="0">
+              <a:spcBef>
+                <a:spcPts val="1417"/>
+              </a:spcBef>
+              <a:buNone/>
+            </a:pPr>
+            <a:endParaRPr b="0" lang="en-US" sz="3200" spc="-1" strike="noStrike">
+              <a:solidFill>
+                <a:srgbClr val="000000"/>
+              </a:solidFill>
+              <a:latin typeface="Arial"/>
+            </a:endParaRPr>
+          </a:p>
+        </p:txBody>
+      </p:sp>
+      <p:sp>
+        <p:nvSpPr>
+          <p:cNvPr id="110" name="PlaceHolder 3"/>
+          <p:cNvSpPr>
+            <a:spLocks noGrp="1"/>
+          </p:cNvSpPr>
+          <p:nvPr>
+            <p:ph/>
+          </p:nvPr>
+        </p:nvSpPr>
+        <p:spPr>
+          <a:xfrm>
+            <a:off x="609480" y="3682080"/>
+            <a:ext cx="10972080" cy="1896840"/>
+          </a:xfrm>
+          <a:prstGeom prst="rect">
+            <a:avLst/>
+          </a:prstGeom>
+          <a:noFill/>
+          <a:ln w="0">
+            <a:noFill/>
+          </a:ln>
+        </p:spPr>
+        <p:txBody>
+          <a:bodyPr lIns="0" rIns="0" tIns="0" bIns="0" anchor="t">
+            <a:normAutofit/>
+          </a:bodyPr>
+          <a:p>
+            <a:pPr indent="0">
+              <a:spcBef>
+                <a:spcPts val="1417"/>
+              </a:spcBef>
+              <a:buNone/>
+            </a:pPr>
+            <a:endParaRPr b="0" lang="en-US" sz="3200" spc="-1" strike="noStrike">
+              <a:solidFill>
+                <a:srgbClr val="000000"/>
+              </a:solidFill>
+              <a:latin typeface="Arial"/>
+            </a:endParaRPr>
+          </a:p>
+        </p:txBody>
+      </p:sp>
+      <p:sp>
+        <p:nvSpPr>
+          <p:cNvPr id="5" name="PlaceHolder 4"/>
+          <p:cNvSpPr>
+            <a:spLocks noGrp="1"/>
+          </p:cNvSpPr>
+          <p:nvPr>
+            <p:ph type="ftr" idx="7"/>
+          </p:nvPr>
+        </p:nvSpPr>
+        <p:spPr/>
+        <p:txBody>
+          <a:bodyPr/>
+          <a:p>
+            <a:r>
+              <a:t>Footer</a:t>
+            </a:r>
+          </a:p>
+        </p:txBody>
+      </p:sp>
+      <p:sp>
+        <p:nvSpPr>
+          <p:cNvPr id="6" name="PlaceHolder 5"/>
+          <p:cNvSpPr>
+            <a:spLocks noGrp="1"/>
+          </p:cNvSpPr>
+          <p:nvPr>
+            <p:ph type="sldNum" idx="8"/>
+          </p:nvPr>
+        </p:nvSpPr>
+        <p:spPr/>
+        <p:txBody>
+          <a:bodyPr/>
+          <a:p>
+            <a:fld id="{AC86026A-1649-4724-A0CC-2A780B6C7602}" type="slidenum">
+              <a:t>&lt;#&gt;</a:t>
+            </a:fld>
+          </a:p>
+        </p:txBody>
+      </p:sp>
+      <p:sp>
+        <p:nvSpPr>
+          <p:cNvPr id="7" name="PlaceHolder 6"/>
+          <p:cNvSpPr>
+            <a:spLocks noGrp="1"/>
+          </p:cNvSpPr>
+          <p:nvPr>
+            <p:ph type="dt" idx="9"/>
+          </p:nvPr>
+        </p:nvSpPr>
+        <p:spPr/>
+        <p:txBody>
+          <a:bodyPr/>
+          <a:p>
+            <a:r>
+              <a:rPr lang="en-US"/>
+              <a:t/>
+            </a:r>
+          </a:p>
+        </p:txBody>
+      </p:sp>
+    </p:spTree>
+  </p:cSld>
+</p:sldLayout>
+</file>
+
+<file path=ppt/slideLayouts/slideLayout35.xml><?xml version="1.0" encoding="utf-8"?>
+<p:sldLayout xmlns:a="http://schemas.openxmlformats.org/drawingml/2006/main" xmlns:p="http://schemas.openxmlformats.org/presentationml/2006/main" xmlns:r="http://schemas.openxmlformats.org/officeDocument/2006/relationships" xmlns:p14="http://schemas.microsoft.com/office/powerpoint/2010/main" xmlns:p15="http://schemas.microsoft.com/office/powerpoint/2012/main" xmlns:mc="http://schemas.openxmlformats.org/markup-compatibility/2006" type="fourObj" preserve="1">
+  <p:cSld name="Title, 4 Content">
+    <p:spTree>
+      <p:nvGrpSpPr>
+        <p:cNvPr id="1" name=""/>
+        <p:cNvGrpSpPr/>
+        <p:nvPr/>
+      </p:nvGrpSpPr>
+      <p:grpSpPr>
+        <a:xfrm>
+          <a:off x="0" y="0"/>
+          <a:ext cx="0" cy="0"/>
+          <a:chOff x="0" y="0"/>
+          <a:chExt cx="0" cy="0"/>
+        </a:xfrm>
+      </p:grpSpPr>
+      <p:sp>
+        <p:nvSpPr>
+          <p:cNvPr id="111" name="PlaceHolder 1"/>
+          <p:cNvSpPr>
+            <a:spLocks noGrp="1"/>
+          </p:cNvSpPr>
+          <p:nvPr>
+            <p:ph type="title"/>
+          </p:nvPr>
+        </p:nvSpPr>
+        <p:spPr>
+          <a:xfrm>
+            <a:off x="609480" y="273600"/>
+            <a:ext cx="10972080" cy="1144440"/>
+          </a:xfrm>
+          <a:prstGeom prst="rect">
+            <a:avLst/>
+          </a:prstGeom>
+          <a:noFill/>
+          <a:ln w="0">
+            <a:noFill/>
+          </a:ln>
+        </p:spPr>
+        <p:txBody>
+          <a:bodyPr lIns="0" rIns="0" tIns="0" bIns="0" anchor="ctr">
+            <a:noAutofit/>
+          </a:bodyPr>
+          <a:p>
+            <a:pPr indent="0" algn="ctr">
+              <a:buNone/>
+            </a:pPr>
+            <a:endParaRPr b="0" lang="en-US" sz="4400" spc="-1" strike="noStrike">
+              <a:solidFill>
+                <a:srgbClr val="000000"/>
+              </a:solidFill>
+              <a:latin typeface="Arial"/>
+            </a:endParaRPr>
+          </a:p>
+        </p:txBody>
+      </p:sp>
+      <p:sp>
+        <p:nvSpPr>
+          <p:cNvPr id="112" name="PlaceHolder 2"/>
+          <p:cNvSpPr>
+            <a:spLocks noGrp="1"/>
+          </p:cNvSpPr>
+          <p:nvPr>
+            <p:ph/>
+          </p:nvPr>
+        </p:nvSpPr>
+        <p:spPr>
+          <a:xfrm>
+            <a:off x="609480" y="1604520"/>
+            <a:ext cx="5354280" cy="1896840"/>
+          </a:xfrm>
+          <a:prstGeom prst="rect">
+            <a:avLst/>
+          </a:prstGeom>
+          <a:noFill/>
+          <a:ln w="0">
+            <a:noFill/>
+          </a:ln>
+        </p:spPr>
+        <p:txBody>
+          <a:bodyPr lIns="0" rIns="0" tIns="0" bIns="0" anchor="t">
+            <a:normAutofit/>
+          </a:bodyPr>
+          <a:p>
+            <a:pPr indent="0">
+              <a:spcBef>
+                <a:spcPts val="1417"/>
+              </a:spcBef>
+              <a:buNone/>
+            </a:pPr>
+            <a:endParaRPr b="0" lang="en-US" sz="3200" spc="-1" strike="noStrike">
+              <a:solidFill>
+                <a:srgbClr val="000000"/>
+              </a:solidFill>
+              <a:latin typeface="Arial"/>
+            </a:endParaRPr>
+          </a:p>
+        </p:txBody>
+      </p:sp>
+      <p:sp>
+        <p:nvSpPr>
+          <p:cNvPr id="113" name="PlaceHolder 3"/>
+          <p:cNvSpPr>
+            <a:spLocks noGrp="1"/>
+          </p:cNvSpPr>
+          <p:nvPr>
+            <p:ph/>
+          </p:nvPr>
+        </p:nvSpPr>
+        <p:spPr>
+          <a:xfrm>
+            <a:off x="6231960" y="1604520"/>
+            <a:ext cx="5354280" cy="1896840"/>
+          </a:xfrm>
+          <a:prstGeom prst="rect">
+            <a:avLst/>
+          </a:prstGeom>
+          <a:noFill/>
+          <a:ln w="0">
+            <a:noFill/>
+          </a:ln>
+        </p:spPr>
+        <p:txBody>
+          <a:bodyPr lIns="0" rIns="0" tIns="0" bIns="0" anchor="t">
+            <a:normAutofit/>
+          </a:bodyPr>
+          <a:p>
+            <a:pPr indent="0">
+              <a:spcBef>
+                <a:spcPts val="1417"/>
+              </a:spcBef>
+              <a:buNone/>
+            </a:pPr>
+            <a:endParaRPr b="0" lang="en-US" sz="3200" spc="-1" strike="noStrike">
+              <a:solidFill>
+                <a:srgbClr val="000000"/>
+              </a:solidFill>
+              <a:latin typeface="Arial"/>
+            </a:endParaRPr>
+          </a:p>
+        </p:txBody>
+      </p:sp>
+      <p:sp>
+        <p:nvSpPr>
+          <p:cNvPr id="114" name="PlaceHolder 4"/>
+          <p:cNvSpPr>
+            <a:spLocks noGrp="1"/>
+          </p:cNvSpPr>
+          <p:nvPr>
+            <p:ph/>
+          </p:nvPr>
+        </p:nvSpPr>
+        <p:spPr>
+          <a:xfrm>
+            <a:off x="609480" y="3682080"/>
+            <a:ext cx="5354280" cy="1896840"/>
+          </a:xfrm>
+          <a:prstGeom prst="rect">
+            <a:avLst/>
+          </a:prstGeom>
+          <a:noFill/>
+          <a:ln w="0">
+            <a:noFill/>
+          </a:ln>
+        </p:spPr>
+        <p:txBody>
+          <a:bodyPr lIns="0" rIns="0" tIns="0" bIns="0" anchor="t">
+            <a:normAutofit/>
+          </a:bodyPr>
+          <a:p>
+            <a:pPr indent="0">
+              <a:spcBef>
+                <a:spcPts val="1417"/>
+              </a:spcBef>
+              <a:buNone/>
+            </a:pPr>
+            <a:endParaRPr b="0" lang="en-US" sz="3200" spc="-1" strike="noStrike">
+              <a:solidFill>
+                <a:srgbClr val="000000"/>
+              </a:solidFill>
+              <a:latin typeface="Arial"/>
+            </a:endParaRPr>
+          </a:p>
+        </p:txBody>
+      </p:sp>
+      <p:sp>
+        <p:nvSpPr>
+          <p:cNvPr id="115" name="PlaceHolder 5"/>
+          <p:cNvSpPr>
+            <a:spLocks noGrp="1"/>
+          </p:cNvSpPr>
+          <p:nvPr>
+            <p:ph/>
+          </p:nvPr>
+        </p:nvSpPr>
+        <p:spPr>
+          <a:xfrm>
+            <a:off x="6231960" y="3682080"/>
+            <a:ext cx="5354280" cy="1896840"/>
+          </a:xfrm>
+          <a:prstGeom prst="rect">
+            <a:avLst/>
+          </a:prstGeom>
+          <a:noFill/>
+          <a:ln w="0">
+            <a:noFill/>
+          </a:ln>
+        </p:spPr>
+        <p:txBody>
+          <a:bodyPr lIns="0" rIns="0" tIns="0" bIns="0" anchor="t">
+            <a:normAutofit/>
+          </a:bodyPr>
+          <a:p>
+            <a:pPr indent="0">
+              <a:spcBef>
+                <a:spcPts val="1417"/>
+              </a:spcBef>
+              <a:buNone/>
+            </a:pPr>
+            <a:endParaRPr b="0" lang="en-US" sz="3200" spc="-1" strike="noStrike">
+              <a:solidFill>
+                <a:srgbClr val="000000"/>
+              </a:solidFill>
+              <a:latin typeface="Arial"/>
+            </a:endParaRPr>
+          </a:p>
+        </p:txBody>
+      </p:sp>
+      <p:sp>
+        <p:nvSpPr>
+          <p:cNvPr id="7" name="PlaceHolder 6"/>
+          <p:cNvSpPr>
+            <a:spLocks noGrp="1"/>
+          </p:cNvSpPr>
+          <p:nvPr>
+            <p:ph type="ftr" idx="7"/>
+          </p:nvPr>
+        </p:nvSpPr>
+        <p:spPr/>
+        <p:txBody>
+          <a:bodyPr/>
+          <a:p>
+            <a:r>
+              <a:t>Footer</a:t>
+            </a:r>
+          </a:p>
+        </p:txBody>
+      </p:sp>
+      <p:sp>
+        <p:nvSpPr>
+          <p:cNvPr id="8" name="PlaceHolder 7"/>
+          <p:cNvSpPr>
+            <a:spLocks noGrp="1"/>
+          </p:cNvSpPr>
+          <p:nvPr>
+            <p:ph type="sldNum" idx="8"/>
+          </p:nvPr>
+        </p:nvSpPr>
+        <p:spPr/>
+        <p:txBody>
+          <a:bodyPr/>
+          <a:p>
+            <a:fld id="{6B73B07F-33C7-4B47-8620-8D57913D984F}" type="slidenum">
+              <a:t>&lt;#&gt;</a:t>
+            </a:fld>
+          </a:p>
+        </p:txBody>
+      </p:sp>
+      <p:sp>
+        <p:nvSpPr>
+          <p:cNvPr id="9" name="PlaceHolder 8"/>
+          <p:cNvSpPr>
+            <a:spLocks noGrp="1"/>
+          </p:cNvSpPr>
+          <p:nvPr>
+            <p:ph type="dt" idx="9"/>
+          </p:nvPr>
+        </p:nvSpPr>
+        <p:spPr/>
+        <p:txBody>
+          <a:bodyPr/>
+          <a:p>
+            <a:r>
+              <a:rPr lang="en-US"/>
+              <a:t/>
+            </a:r>
+          </a:p>
+        </p:txBody>
+      </p:sp>
+    </p:spTree>
+  </p:cSld>
+</p:sldLayout>
+</file>
+
+<file path=ppt/slideLayouts/slideLayout36.xml><?xml version="1.0" encoding="utf-8"?>
+<p:sldLayout xmlns:a="http://schemas.openxmlformats.org/drawingml/2006/main" xmlns:p="http://schemas.openxmlformats.org/presentationml/2006/main" xmlns:r="http://schemas.openxmlformats.org/officeDocument/2006/relationships" xmlns:p14="http://schemas.microsoft.com/office/powerpoint/2010/main" xmlns:p15="http://schemas.microsoft.com/office/powerpoint/2012/main" xmlns:mc="http://schemas.openxmlformats.org/markup-compatibility/2006" type="blank" preserve="1">
+  <p:cSld name="Title, 6 Content">
+    <p:spTree>
+      <p:nvGrpSpPr>
+        <p:cNvPr id="1" name=""/>
+        <p:cNvGrpSpPr/>
+        <p:nvPr/>
+      </p:nvGrpSpPr>
+      <p:grpSpPr>
+        <a:xfrm>
+          <a:off x="0" y="0"/>
+          <a:ext cx="0" cy="0"/>
+          <a:chOff x="0" y="0"/>
+          <a:chExt cx="0" cy="0"/>
+        </a:xfrm>
+      </p:grpSpPr>
+      <p:sp>
+        <p:nvSpPr>
+          <p:cNvPr id="116" name="PlaceHolder 1"/>
+          <p:cNvSpPr>
+            <a:spLocks noGrp="1"/>
+          </p:cNvSpPr>
+          <p:nvPr>
+            <p:ph type="title"/>
+          </p:nvPr>
+        </p:nvSpPr>
+        <p:spPr>
+          <a:xfrm>
+            <a:off x="609480" y="273600"/>
+            <a:ext cx="10972080" cy="1144440"/>
+          </a:xfrm>
+          <a:prstGeom prst="rect">
+            <a:avLst/>
+          </a:prstGeom>
+          <a:noFill/>
+          <a:ln w="0">
+            <a:noFill/>
+          </a:ln>
+        </p:spPr>
+        <p:txBody>
+          <a:bodyPr lIns="0" rIns="0" tIns="0" bIns="0" anchor="ctr">
+            <a:noAutofit/>
+          </a:bodyPr>
+          <a:p>
+            <a:pPr indent="0" algn="ctr">
+              <a:buNone/>
+            </a:pPr>
+            <a:endParaRPr b="0" lang="en-US" sz="4400" spc="-1" strike="noStrike">
+              <a:solidFill>
+                <a:srgbClr val="000000"/>
+              </a:solidFill>
+              <a:latin typeface="Arial"/>
+            </a:endParaRPr>
+          </a:p>
+        </p:txBody>
+      </p:sp>
+      <p:sp>
+        <p:nvSpPr>
+          <p:cNvPr id="117" name="PlaceHolder 2"/>
+          <p:cNvSpPr>
+            <a:spLocks noGrp="1"/>
+          </p:cNvSpPr>
+          <p:nvPr>
+            <p:ph/>
+          </p:nvPr>
+        </p:nvSpPr>
+        <p:spPr>
+          <a:xfrm>
+            <a:off x="609480" y="1604520"/>
+            <a:ext cx="3532680" cy="1896840"/>
+          </a:xfrm>
+          <a:prstGeom prst="rect">
+            <a:avLst/>
+          </a:prstGeom>
+          <a:noFill/>
+          <a:ln w="0">
+            <a:noFill/>
+          </a:ln>
+        </p:spPr>
+        <p:txBody>
+          <a:bodyPr lIns="0" rIns="0" tIns="0" bIns="0" anchor="t">
+            <a:normAutofit/>
+          </a:bodyPr>
+          <a:p>
+            <a:pPr indent="0">
+              <a:spcBef>
+                <a:spcPts val="1417"/>
+              </a:spcBef>
+              <a:buNone/>
+            </a:pPr>
+            <a:endParaRPr b="0" lang="en-US" sz="3200" spc="-1" strike="noStrike">
+              <a:solidFill>
+                <a:srgbClr val="000000"/>
+              </a:solidFill>
+              <a:latin typeface="Arial"/>
+            </a:endParaRPr>
+          </a:p>
+        </p:txBody>
+      </p:sp>
+      <p:sp>
+        <p:nvSpPr>
+          <p:cNvPr id="118" name="PlaceHolder 3"/>
+          <p:cNvSpPr>
+            <a:spLocks noGrp="1"/>
+          </p:cNvSpPr>
+          <p:nvPr>
+            <p:ph/>
+          </p:nvPr>
+        </p:nvSpPr>
+        <p:spPr>
+          <a:xfrm>
+            <a:off x="4319280" y="1604520"/>
+            <a:ext cx="3532680" cy="1896840"/>
+          </a:xfrm>
+          <a:prstGeom prst="rect">
+            <a:avLst/>
+          </a:prstGeom>
+          <a:noFill/>
+          <a:ln w="0">
+            <a:noFill/>
+          </a:ln>
+        </p:spPr>
+        <p:txBody>
+          <a:bodyPr lIns="0" rIns="0" tIns="0" bIns="0" anchor="t">
+            <a:normAutofit/>
+          </a:bodyPr>
+          <a:p>
+            <a:pPr indent="0">
+              <a:spcBef>
+                <a:spcPts val="1417"/>
+              </a:spcBef>
+              <a:buNone/>
+            </a:pPr>
+            <a:endParaRPr b="0" lang="en-US" sz="3200" spc="-1" strike="noStrike">
+              <a:solidFill>
+                <a:srgbClr val="000000"/>
+              </a:solidFill>
+              <a:latin typeface="Arial"/>
+            </a:endParaRPr>
+          </a:p>
+        </p:txBody>
+      </p:sp>
+      <p:sp>
+        <p:nvSpPr>
+          <p:cNvPr id="119" name="PlaceHolder 4"/>
+          <p:cNvSpPr>
+            <a:spLocks noGrp="1"/>
+          </p:cNvSpPr>
+          <p:nvPr>
+            <p:ph/>
+          </p:nvPr>
+        </p:nvSpPr>
+        <p:spPr>
+          <a:xfrm>
+            <a:off x="8028720" y="1604520"/>
+            <a:ext cx="3532680" cy="1896840"/>
+          </a:xfrm>
+          <a:prstGeom prst="rect">
+            <a:avLst/>
+          </a:prstGeom>
+          <a:noFill/>
+          <a:ln w="0">
+            <a:noFill/>
+          </a:ln>
+        </p:spPr>
+        <p:txBody>
+          <a:bodyPr lIns="0" rIns="0" tIns="0" bIns="0" anchor="t">
+            <a:normAutofit/>
+          </a:bodyPr>
+          <a:p>
+            <a:pPr indent="0">
+              <a:spcBef>
+                <a:spcPts val="1417"/>
+              </a:spcBef>
+              <a:buNone/>
+            </a:pPr>
+            <a:endParaRPr b="0" lang="en-US" sz="3200" spc="-1" strike="noStrike">
+              <a:solidFill>
+                <a:srgbClr val="000000"/>
+              </a:solidFill>
+              <a:latin typeface="Arial"/>
+            </a:endParaRPr>
+          </a:p>
+        </p:txBody>
+      </p:sp>
+      <p:sp>
+        <p:nvSpPr>
+          <p:cNvPr id="120" name="PlaceHolder 5"/>
+          <p:cNvSpPr>
+            <a:spLocks noGrp="1"/>
+          </p:cNvSpPr>
+          <p:nvPr>
+            <p:ph/>
+          </p:nvPr>
+        </p:nvSpPr>
+        <p:spPr>
+          <a:xfrm>
+            <a:off x="609480" y="3682080"/>
+            <a:ext cx="3532680" cy="1896840"/>
+          </a:xfrm>
+          <a:prstGeom prst="rect">
+            <a:avLst/>
+          </a:prstGeom>
+          <a:noFill/>
+          <a:ln w="0">
+            <a:noFill/>
+          </a:ln>
+        </p:spPr>
+        <p:txBody>
+          <a:bodyPr lIns="0" rIns="0" tIns="0" bIns="0" anchor="t">
+            <a:normAutofit/>
+          </a:bodyPr>
+          <a:p>
+            <a:pPr indent="0">
+              <a:spcBef>
+                <a:spcPts val="1417"/>
+              </a:spcBef>
+              <a:buNone/>
+            </a:pPr>
+            <a:endParaRPr b="0" lang="en-US" sz="3200" spc="-1" strike="noStrike">
+              <a:solidFill>
+                <a:srgbClr val="000000"/>
+              </a:solidFill>
+              <a:latin typeface="Arial"/>
+            </a:endParaRPr>
+          </a:p>
+        </p:txBody>
+      </p:sp>
+      <p:sp>
+        <p:nvSpPr>
+          <p:cNvPr id="121" name="PlaceHolder 6"/>
+          <p:cNvSpPr>
+            <a:spLocks noGrp="1"/>
+          </p:cNvSpPr>
+          <p:nvPr>
+            <p:ph/>
+          </p:nvPr>
+        </p:nvSpPr>
+        <p:spPr>
+          <a:xfrm>
+            <a:off x="4319280" y="3682080"/>
+            <a:ext cx="3532680" cy="1896840"/>
+          </a:xfrm>
+          <a:prstGeom prst="rect">
+            <a:avLst/>
+          </a:prstGeom>
+          <a:noFill/>
+          <a:ln w="0">
+            <a:noFill/>
+          </a:ln>
+        </p:spPr>
+        <p:txBody>
+          <a:bodyPr lIns="0" rIns="0" tIns="0" bIns="0" anchor="t">
+            <a:normAutofit/>
+          </a:bodyPr>
+          <a:p>
+            <a:pPr indent="0">
+              <a:spcBef>
+                <a:spcPts val="1417"/>
+              </a:spcBef>
+              <a:buNone/>
+            </a:pPr>
+            <a:endParaRPr b="0" lang="en-US" sz="3200" spc="-1" strike="noStrike">
+              <a:solidFill>
+                <a:srgbClr val="000000"/>
+              </a:solidFill>
+              <a:latin typeface="Arial"/>
+            </a:endParaRPr>
+          </a:p>
+        </p:txBody>
+      </p:sp>
+      <p:sp>
+        <p:nvSpPr>
+          <p:cNvPr id="122" name="PlaceHolder 7"/>
+          <p:cNvSpPr>
+            <a:spLocks noGrp="1"/>
+          </p:cNvSpPr>
+          <p:nvPr>
+            <p:ph/>
+          </p:nvPr>
+        </p:nvSpPr>
+        <p:spPr>
+          <a:xfrm>
+            <a:off x="8028720" y="3682080"/>
+            <a:ext cx="3532680" cy="1896840"/>
+          </a:xfrm>
+          <a:prstGeom prst="rect">
+            <a:avLst/>
+          </a:prstGeom>
+          <a:noFill/>
+          <a:ln w="0">
+            <a:noFill/>
+          </a:ln>
+        </p:spPr>
+        <p:txBody>
+          <a:bodyPr lIns="0" rIns="0" tIns="0" bIns="0" anchor="t">
+            <a:normAutofit/>
+          </a:bodyPr>
+          <a:p>
+            <a:pPr indent="0">
+              <a:spcBef>
+                <a:spcPts val="1417"/>
+              </a:spcBef>
+              <a:buNone/>
+            </a:pPr>
+            <a:endParaRPr b="0" lang="en-US" sz="3200" spc="-1" strike="noStrike">
+              <a:solidFill>
+                <a:srgbClr val="000000"/>
+              </a:solidFill>
+              <a:latin typeface="Arial"/>
+            </a:endParaRPr>
+          </a:p>
+        </p:txBody>
+      </p:sp>
+      <p:sp>
+        <p:nvSpPr>
+          <p:cNvPr id="9" name="PlaceHolder 8"/>
+          <p:cNvSpPr>
+            <a:spLocks noGrp="1"/>
+          </p:cNvSpPr>
+          <p:nvPr>
+            <p:ph type="ftr" idx="7"/>
+          </p:nvPr>
+        </p:nvSpPr>
+        <p:spPr/>
+        <p:txBody>
+          <a:bodyPr/>
+          <a:p>
+            <a:r>
+              <a:t>Footer</a:t>
+            </a:r>
+          </a:p>
+        </p:txBody>
+      </p:sp>
+      <p:sp>
+        <p:nvSpPr>
+          <p:cNvPr id="10" name="PlaceHolder 9"/>
+          <p:cNvSpPr>
+            <a:spLocks noGrp="1"/>
+          </p:cNvSpPr>
+          <p:nvPr>
+            <p:ph type="sldNum" idx="8"/>
+          </p:nvPr>
+        </p:nvSpPr>
+        <p:spPr/>
+        <p:txBody>
+          <a:bodyPr/>
+          <a:p>
+            <a:fld id="{85777FF8-F901-418D-91B3-10C120F807EC}" type="slidenum">
+              <a:t>&lt;#&gt;</a:t>
+            </a:fld>
+          </a:p>
+        </p:txBody>
+      </p:sp>
+      <p:sp>
+        <p:nvSpPr>
+          <p:cNvPr id="11" name="PlaceHolder 10"/>
+          <p:cNvSpPr>
+            <a:spLocks noGrp="1"/>
+          </p:cNvSpPr>
+          <p:nvPr>
+            <p:ph type="dt" idx="9"/>
           </p:nvPr>
         </p:nvSpPr>
         <p:spPr/>
@@ -5462,7 +7969,7 @@
         <p:spPr>
           <a:xfrm>
             <a:off x="609480" y="273600"/>
-            <a:ext cx="10972440" cy="1144800"/>
+            <a:ext cx="10972080" cy="1144440"/>
           </a:xfrm>
           <a:prstGeom prst="rect">
             <a:avLst/>
@@ -5502,7 +8009,7 @@
         <p:spPr>
           <a:xfrm>
             <a:off x="609480" y="1604520"/>
-            <a:ext cx="5354280" cy="3977280"/>
+            <a:ext cx="5354280" cy="3976920"/>
           </a:xfrm>
           <a:prstGeom prst="rect">
             <a:avLst/>
@@ -5545,7 +8052,7 @@
         <p:spPr>
           <a:xfrm>
             <a:off x="6231960" y="1604520"/>
-            <a:ext cx="5354280" cy="3977280"/>
+            <a:ext cx="5354280" cy="3976920"/>
           </a:xfrm>
           <a:prstGeom prst="rect">
             <a:avLst/>
@@ -5609,7 +8116,7 @@
         <p:txBody>
           <a:bodyPr/>
           <a:p>
-            <a:fld id="{37B959D0-6080-4E9F-979A-F071FC83E1BA}" type="slidenum">
+            <a:fld id="{06D1A5B8-AEEA-4801-865A-7FA6807A8DBE}" type="slidenum">
               <a:t>&lt;#&gt;</a:t>
             </a:fld>
           </a:p>
@@ -5671,7 +8178,7 @@
         <p:spPr>
           <a:xfrm>
             <a:off x="609480" y="273600"/>
-            <a:ext cx="10972440" cy="1144800"/>
+            <a:ext cx="10972080" cy="1144440"/>
           </a:xfrm>
           <a:prstGeom prst="rect">
             <a:avLst/>
@@ -5732,7 +8239,7 @@
         <p:txBody>
           <a:bodyPr/>
           <a:p>
-            <a:fld id="{F36516F7-A5C2-4246-8A41-139BEE0EDB57}" type="slidenum">
+            <a:fld id="{F2256AC0-DD23-491F-A4C0-7F95993242E0}" type="slidenum">
               <a:t>&lt;#&gt;</a:t>
             </a:fld>
           </a:p>
@@ -5794,7 +8301,7 @@
         <p:spPr>
           <a:xfrm>
             <a:off x="609480" y="273600"/>
-            <a:ext cx="10972440" cy="5307840"/>
+            <a:ext cx="10972080" cy="5306400"/>
           </a:xfrm>
           <a:prstGeom prst="rect">
             <a:avLst/>
@@ -5853,7 +8360,7 @@
         <p:txBody>
           <a:bodyPr/>
           <a:p>
-            <a:fld id="{04E764AC-83FD-4242-86C2-9D698ABF168D}" type="slidenum">
+            <a:fld id="{DA65DB93-4A98-477B-8E8A-22E5BFF60E02}" type="slidenum">
               <a:t>&lt;#&gt;</a:t>
             </a:fld>
           </a:p>
@@ -5915,7 +8422,7 @@
         <p:spPr>
           <a:xfrm>
             <a:off x="609480" y="273600"/>
-            <a:ext cx="10972440" cy="1144800"/>
+            <a:ext cx="10972080" cy="1144440"/>
           </a:xfrm>
           <a:prstGeom prst="rect">
             <a:avLst/>
@@ -5998,7 +8505,7 @@
         <p:spPr>
           <a:xfrm>
             <a:off x="6231960" y="1604520"/>
-            <a:ext cx="5354280" cy="3977280"/>
+            <a:ext cx="5354280" cy="3976920"/>
           </a:xfrm>
           <a:prstGeom prst="rect">
             <a:avLst/>
@@ -6105,7 +8612,7 @@
         <p:txBody>
           <a:bodyPr/>
           <a:p>
-            <a:fld id="{B4DC665D-88B9-48EA-B3A0-69888DAB6F26}" type="slidenum">
+            <a:fld id="{1C0DC72B-67D9-4F40-A944-C062218259C1}" type="slidenum">
               <a:t>&lt;#&gt;</a:t>
             </a:fld>
           </a:p>
@@ -6167,7 +8674,7 @@
         <p:spPr>
           <a:xfrm>
             <a:off x="609480" y="273600"/>
-            <a:ext cx="10972440" cy="1144800"/>
+            <a:ext cx="10972080" cy="1144440"/>
           </a:xfrm>
           <a:prstGeom prst="rect">
             <a:avLst/>
@@ -6207,7 +8714,7 @@
         <p:spPr>
           <a:xfrm>
             <a:off x="609480" y="1604520"/>
-            <a:ext cx="5354280" cy="3977280"/>
+            <a:ext cx="5354280" cy="3976920"/>
           </a:xfrm>
           <a:prstGeom prst="rect">
             <a:avLst/>
@@ -6357,7 +8864,7 @@
         <p:txBody>
           <a:bodyPr/>
           <a:p>
-            <a:fld id="{B6647AFB-3FB8-43CD-8C26-6E3427CFFF83}" type="slidenum">
+            <a:fld id="{F4100EA0-8D4B-476A-81DD-AC76EE26359E}" type="slidenum">
               <a:t>&lt;#&gt;</a:t>
             </a:fld>
           </a:p>
@@ -6419,7 +8926,7 @@
         <p:spPr>
           <a:xfrm>
             <a:off x="609480" y="273600"/>
-            <a:ext cx="10972440" cy="1144800"/>
+            <a:ext cx="10972080" cy="1144440"/>
           </a:xfrm>
           <a:prstGeom prst="rect">
             <a:avLst/>
@@ -6545,7 +9052,7 @@
         <p:spPr>
           <a:xfrm>
             <a:off x="609480" y="3682080"/>
-            <a:ext cx="10972440" cy="1896840"/>
+            <a:ext cx="10972080" cy="1896840"/>
           </a:xfrm>
           <a:prstGeom prst="rect">
             <a:avLst/>
@@ -6609,7 +9116,7 @@
         <p:txBody>
           <a:bodyPr/>
           <a:p>
-            <a:fld id="{D150A885-4142-47C8-85CD-8DE319A2F7E7}" type="slidenum">
+            <a:fld id="{CD9B2949-BE47-4B74-82F7-BF31CD35D891}" type="slidenum">
               <a:t>&lt;#&gt;</a:t>
             </a:fld>
           </a:p>
@@ -6677,8 +9184,8 @@
         </p:nvSpPr>
         <p:spPr>
           <a:xfrm>
-            <a:off x="838080" y="365040"/>
-            <a:ext cx="10514880" cy="1324800"/>
+            <a:off x="609480" y="273600"/>
+            <a:ext cx="10972080" cy="1144440"/>
           </a:xfrm>
           <a:prstGeom prst="rect">
             <a:avLst/>
@@ -6721,13 +9228,238 @@
             <a:spLocks noGrp="1"/>
           </p:cNvSpPr>
           <p:nvPr>
+            <p:ph type="body"/>
+          </p:nvPr>
+        </p:nvSpPr>
+        <p:spPr>
+          <a:xfrm>
+            <a:off x="609480" y="1604520"/>
+            <a:ext cx="10972080" cy="3976920"/>
+          </a:xfrm>
+          <a:prstGeom prst="rect">
+            <a:avLst/>
+          </a:prstGeom>
+          <a:noFill/>
+          <a:ln w="0">
+            <a:noFill/>
+          </a:ln>
+        </p:spPr>
+        <p:txBody>
+          <a:bodyPr lIns="0" rIns="0" tIns="0" bIns="0" anchor="t">
+            <a:normAutofit/>
+          </a:bodyPr>
+          <a:p>
+            <a:pPr marL="432000" indent="-324000">
+              <a:spcBef>
+                <a:spcPts val="1417"/>
+              </a:spcBef>
+              <a:buClr>
+                <a:srgbClr val="000000"/>
+              </a:buClr>
+              <a:buSzPct val="45000"/>
+              <a:buFont typeface="Wingdings" charset="2"/>
+              <a:buChar char=""/>
+            </a:pPr>
+            <a:r>
+              <a:rPr b="0" lang="en-US" sz="1800" spc="-1" strike="noStrike">
+                <a:solidFill>
+                  <a:srgbClr val="000000"/>
+                </a:solidFill>
+                <a:latin typeface="Arial"/>
+              </a:rPr>
+              <a:t>Click to edit the outline text format</a:t>
+            </a:r>
+            <a:endParaRPr b="0" lang="en-US" sz="1800" spc="-1" strike="noStrike">
+              <a:solidFill>
+                <a:srgbClr val="000000"/>
+              </a:solidFill>
+              <a:latin typeface="Arial"/>
+            </a:endParaRPr>
+          </a:p>
+          <a:p>
+            <a:pPr lvl="1" marL="864000" indent="-324000">
+              <a:spcBef>
+                <a:spcPts val="1134"/>
+              </a:spcBef>
+              <a:buClr>
+                <a:srgbClr val="000000"/>
+              </a:buClr>
+              <a:buSzPct val="75000"/>
+              <a:buFont typeface="Symbol" charset="2"/>
+              <a:buChar char=""/>
+            </a:pPr>
+            <a:r>
+              <a:rPr b="0" lang="en-US" sz="1800" spc="-1" strike="noStrike">
+                <a:solidFill>
+                  <a:srgbClr val="000000"/>
+                </a:solidFill>
+                <a:latin typeface="Arial"/>
+              </a:rPr>
+              <a:t>Second Outline Level</a:t>
+            </a:r>
+            <a:endParaRPr b="0" lang="en-US" sz="1800" spc="-1" strike="noStrike">
+              <a:solidFill>
+                <a:srgbClr val="000000"/>
+              </a:solidFill>
+              <a:latin typeface="Arial"/>
+            </a:endParaRPr>
+          </a:p>
+          <a:p>
+            <a:pPr lvl="2" marL="1296000" indent="-288000">
+              <a:spcBef>
+                <a:spcPts val="850"/>
+              </a:spcBef>
+              <a:buClr>
+                <a:srgbClr val="000000"/>
+              </a:buClr>
+              <a:buSzPct val="45000"/>
+              <a:buFont typeface="Wingdings" charset="2"/>
+              <a:buChar char=""/>
+            </a:pPr>
+            <a:r>
+              <a:rPr b="0" lang="en-US" sz="1800" spc="-1" strike="noStrike">
+                <a:solidFill>
+                  <a:srgbClr val="000000"/>
+                </a:solidFill>
+                <a:latin typeface="Arial"/>
+              </a:rPr>
+              <a:t>Third Outline Level</a:t>
+            </a:r>
+            <a:endParaRPr b="0" lang="en-US" sz="1800" spc="-1" strike="noStrike">
+              <a:solidFill>
+                <a:srgbClr val="000000"/>
+              </a:solidFill>
+              <a:latin typeface="Arial"/>
+            </a:endParaRPr>
+          </a:p>
+          <a:p>
+            <a:pPr lvl="3" marL="1728000" indent="-216000">
+              <a:spcBef>
+                <a:spcPts val="567"/>
+              </a:spcBef>
+              <a:buClr>
+                <a:srgbClr val="000000"/>
+              </a:buClr>
+              <a:buSzPct val="75000"/>
+              <a:buFont typeface="Symbol" charset="2"/>
+              <a:buChar char=""/>
+            </a:pPr>
+            <a:r>
+              <a:rPr b="0" lang="en-US" sz="1800" spc="-1" strike="noStrike">
+                <a:solidFill>
+                  <a:srgbClr val="000000"/>
+                </a:solidFill>
+                <a:latin typeface="Arial"/>
+              </a:rPr>
+              <a:t>Fourth Outline Level</a:t>
+            </a:r>
+            <a:endParaRPr b="0" lang="en-US" sz="1800" spc="-1" strike="noStrike">
+              <a:solidFill>
+                <a:srgbClr val="000000"/>
+              </a:solidFill>
+              <a:latin typeface="Arial"/>
+            </a:endParaRPr>
+          </a:p>
+          <a:p>
+            <a:pPr lvl="4" marL="2160000" indent="-216000">
+              <a:spcBef>
+                <a:spcPts val="283"/>
+              </a:spcBef>
+              <a:buClr>
+                <a:srgbClr val="000000"/>
+              </a:buClr>
+              <a:buSzPct val="45000"/>
+              <a:buFont typeface="Wingdings" charset="2"/>
+              <a:buChar char=""/>
+            </a:pPr>
+            <a:r>
+              <a:rPr b="0" lang="en-US" sz="1800" spc="-1" strike="noStrike">
+                <a:solidFill>
+                  <a:srgbClr val="000000"/>
+                </a:solidFill>
+                <a:latin typeface="Arial"/>
+              </a:rPr>
+              <a:t>Fifth Outline Level</a:t>
+            </a:r>
+            <a:endParaRPr b="0" lang="en-US" sz="1800" spc="-1" strike="noStrike">
+              <a:solidFill>
+                <a:srgbClr val="000000"/>
+              </a:solidFill>
+              <a:latin typeface="Arial"/>
+            </a:endParaRPr>
+          </a:p>
+          <a:p>
+            <a:pPr lvl="5" marL="2592000" indent="-216000">
+              <a:spcBef>
+                <a:spcPts val="283"/>
+              </a:spcBef>
+              <a:buClr>
+                <a:srgbClr val="000000"/>
+              </a:buClr>
+              <a:buSzPct val="45000"/>
+              <a:buFont typeface="Wingdings" charset="2"/>
+              <a:buChar char=""/>
+            </a:pPr>
+            <a:r>
+              <a:rPr b="0" lang="en-US" sz="1800" spc="-1" strike="noStrike">
+                <a:solidFill>
+                  <a:srgbClr val="000000"/>
+                </a:solidFill>
+                <a:latin typeface="Arial"/>
+              </a:rPr>
+              <a:t>Sixth Outline Level</a:t>
+            </a:r>
+            <a:endParaRPr b="0" lang="en-US" sz="1800" spc="-1" strike="noStrike">
+              <a:solidFill>
+                <a:srgbClr val="000000"/>
+              </a:solidFill>
+              <a:latin typeface="Arial"/>
+            </a:endParaRPr>
+          </a:p>
+          <a:p>
+            <a:pPr lvl="6" marL="3024000" indent="-216000">
+              <a:spcBef>
+                <a:spcPts val="283"/>
+              </a:spcBef>
+              <a:buClr>
+                <a:srgbClr val="000000"/>
+              </a:buClr>
+              <a:buSzPct val="45000"/>
+              <a:buFont typeface="Wingdings" charset="2"/>
+              <a:buChar char=""/>
+            </a:pPr>
+            <a:r>
+              <a:rPr b="0" lang="en-US" sz="1800" spc="-1" strike="noStrike">
+                <a:solidFill>
+                  <a:srgbClr val="000000"/>
+                </a:solidFill>
+                <a:latin typeface="Arial"/>
+              </a:rPr>
+              <a:t>Seventh Outline Level</a:t>
+            </a:r>
+            <a:endParaRPr b="0" lang="en-US" sz="1800" spc="-1" strike="noStrike">
+              <a:solidFill>
+                <a:srgbClr val="000000"/>
+              </a:solidFill>
+              <a:latin typeface="Arial"/>
+            </a:endParaRPr>
+          </a:p>
+        </p:txBody>
+      </p:sp>
+      <p:sp>
+        <p:nvSpPr>
+          <p:cNvPr id="2" name="PlaceHolder 3"/>
+          <p:cNvSpPr>
+            <a:spLocks noGrp="1"/>
+          </p:cNvSpPr>
+          <p:nvPr>
             <p:ph type="ftr" idx="1"/>
           </p:nvPr>
         </p:nvSpPr>
         <p:spPr>
           <a:xfrm>
             <a:off x="4038480" y="6356520"/>
-            <a:ext cx="4114080" cy="364320"/>
+            <a:ext cx="4113720" cy="363960"/>
           </a:xfrm>
           <a:prstGeom prst="rect">
             <a:avLst/>
@@ -6788,7 +9520,7 @@
       </p:sp>
       <p:sp>
         <p:nvSpPr>
-          <p:cNvPr id="2" name="PlaceHolder 3"/>
+          <p:cNvPr id="3" name="PlaceHolder 4"/>
           <p:cNvSpPr>
             <a:spLocks noGrp="1"/>
           </p:cNvSpPr>
@@ -6799,7 +9531,7 @@
         <p:spPr>
           <a:xfrm>
             <a:off x="8610480" y="6356520"/>
-            <a:ext cx="2742480" cy="364320"/>
+            <a:ext cx="2742120" cy="363960"/>
           </a:xfrm>
           <a:prstGeom prst="rect">
             <a:avLst/>
@@ -6840,7 +9572,7 @@
                 <a:tab algn="l" pos="0"/>
               </a:tabLst>
             </a:pPr>
-            <a:fld id="{61440FDB-7674-4A2F-A4F1-E451E7A85D62}" type="slidenum">
+            <a:fld id="{81B9E8B1-1273-4096-A848-C290C9D9757E}" type="slidenum">
               <a:rPr b="0" lang="en-US" sz="1200" spc="-1" strike="noStrike">
                 <a:solidFill>
                   <a:srgbClr val="8b8b8b"/>
@@ -6860,7 +9592,7 @@
       </p:sp>
       <p:sp>
         <p:nvSpPr>
-          <p:cNvPr id="3" name="PlaceHolder 4"/>
+          <p:cNvPr id="4" name="PlaceHolder 5"/>
           <p:cNvSpPr>
             <a:spLocks noGrp="1"/>
           </p:cNvSpPr>
@@ -6871,7 +9603,7 @@
         <p:spPr>
           <a:xfrm>
             <a:off x="838080" y="6356520"/>
-            <a:ext cx="2742480" cy="364320"/>
+            <a:ext cx="2742120" cy="363960"/>
           </a:xfrm>
           <a:prstGeom prst="rect">
             <a:avLst/>
@@ -6914,231 +9646,6 @@
                 <a:srgbClr val="000000"/>
               </a:solidFill>
               <a:latin typeface="Times New Roman"/>
-            </a:endParaRPr>
-          </a:p>
-        </p:txBody>
-      </p:sp>
-      <p:sp>
-        <p:nvSpPr>
-          <p:cNvPr id="4" name="PlaceHolder 5"/>
-          <p:cNvSpPr>
-            <a:spLocks noGrp="1"/>
-          </p:cNvSpPr>
-          <p:nvPr>
-            <p:ph type="body"/>
-          </p:nvPr>
-        </p:nvSpPr>
-        <p:spPr>
-          <a:xfrm>
-            <a:off x="609480" y="1604520"/>
-            <a:ext cx="10972440" cy="3977280"/>
-          </a:xfrm>
-          <a:prstGeom prst="rect">
-            <a:avLst/>
-          </a:prstGeom>
-          <a:noFill/>
-          <a:ln w="0">
-            <a:noFill/>
-          </a:ln>
-        </p:spPr>
-        <p:txBody>
-          <a:bodyPr lIns="0" rIns="0" tIns="0" bIns="0" anchor="t">
-            <a:normAutofit/>
-          </a:bodyPr>
-          <a:p>
-            <a:pPr marL="432000" indent="-324000">
-              <a:spcBef>
-                <a:spcPts val="1417"/>
-              </a:spcBef>
-              <a:buClr>
-                <a:srgbClr val="000000"/>
-              </a:buClr>
-              <a:buSzPct val="45000"/>
-              <a:buFont typeface="Wingdings" charset="2"/>
-              <a:buChar char=""/>
-            </a:pPr>
-            <a:r>
-              <a:rPr b="0" lang="en-US" sz="3200" spc="-1" strike="noStrike">
-                <a:solidFill>
-                  <a:srgbClr val="000000"/>
-                </a:solidFill>
-                <a:latin typeface="Arial"/>
-              </a:rPr>
-              <a:t>Click to edit the outline text format</a:t>
-            </a:r>
-            <a:endParaRPr b="0" lang="en-US" sz="3200" spc="-1" strike="noStrike">
-              <a:solidFill>
-                <a:srgbClr val="000000"/>
-              </a:solidFill>
-              <a:latin typeface="Arial"/>
-            </a:endParaRPr>
-          </a:p>
-          <a:p>
-            <a:pPr lvl="1" marL="864000" indent="-324000">
-              <a:spcBef>
-                <a:spcPts val="1134"/>
-              </a:spcBef>
-              <a:buClr>
-                <a:srgbClr val="000000"/>
-              </a:buClr>
-              <a:buSzPct val="75000"/>
-              <a:buFont typeface="Symbol" charset="2"/>
-              <a:buChar char=""/>
-            </a:pPr>
-            <a:r>
-              <a:rPr b="0" lang="en-US" sz="2800" spc="-1" strike="noStrike">
-                <a:solidFill>
-                  <a:srgbClr val="000000"/>
-                </a:solidFill>
-                <a:latin typeface="Arial"/>
-              </a:rPr>
-              <a:t>Second Outline Level</a:t>
-            </a:r>
-            <a:endParaRPr b="0" lang="en-US" sz="2800" spc="-1" strike="noStrike">
-              <a:solidFill>
-                <a:srgbClr val="000000"/>
-              </a:solidFill>
-              <a:latin typeface="Arial"/>
-            </a:endParaRPr>
-          </a:p>
-          <a:p>
-            <a:pPr lvl="2" marL="1296000" indent="-288000">
-              <a:spcBef>
-                <a:spcPts val="850"/>
-              </a:spcBef>
-              <a:buClr>
-                <a:srgbClr val="000000"/>
-              </a:buClr>
-              <a:buSzPct val="45000"/>
-              <a:buFont typeface="Wingdings" charset="2"/>
-              <a:buChar char=""/>
-            </a:pPr>
-            <a:r>
-              <a:rPr b="0" lang="en-US" sz="2400" spc="-1" strike="noStrike">
-                <a:solidFill>
-                  <a:srgbClr val="000000"/>
-                </a:solidFill>
-                <a:latin typeface="Arial"/>
-              </a:rPr>
-              <a:t>Third Outline Level</a:t>
-            </a:r>
-            <a:endParaRPr b="0" lang="en-US" sz="2400" spc="-1" strike="noStrike">
-              <a:solidFill>
-                <a:srgbClr val="000000"/>
-              </a:solidFill>
-              <a:latin typeface="Arial"/>
-            </a:endParaRPr>
-          </a:p>
-          <a:p>
-            <a:pPr lvl="3" marL="1728000" indent="-216000">
-              <a:spcBef>
-                <a:spcPts val="567"/>
-              </a:spcBef>
-              <a:buClr>
-                <a:srgbClr val="000000"/>
-              </a:buClr>
-              <a:buSzPct val="75000"/>
-              <a:buFont typeface="Symbol" charset="2"/>
-              <a:buChar char=""/>
-            </a:pPr>
-            <a:r>
-              <a:rPr b="0" lang="en-US" sz="2000" spc="-1" strike="noStrike">
-                <a:solidFill>
-                  <a:srgbClr val="000000"/>
-                </a:solidFill>
-                <a:latin typeface="Arial"/>
-              </a:rPr>
-              <a:t>Fourth Outline Level</a:t>
-            </a:r>
-            <a:endParaRPr b="0" lang="en-US" sz="2000" spc="-1" strike="noStrike">
-              <a:solidFill>
-                <a:srgbClr val="000000"/>
-              </a:solidFill>
-              <a:latin typeface="Arial"/>
-            </a:endParaRPr>
-          </a:p>
-          <a:p>
-            <a:pPr lvl="4" marL="2160000" indent="-216000">
-              <a:spcBef>
-                <a:spcPts val="283"/>
-              </a:spcBef>
-              <a:buClr>
-                <a:srgbClr val="000000"/>
-              </a:buClr>
-              <a:buSzPct val="45000"/>
-              <a:buFont typeface="Wingdings" charset="2"/>
-              <a:buChar char=""/>
-            </a:pPr>
-            <a:r>
-              <a:rPr b="0" lang="en-US" sz="2000" spc="-1" strike="noStrike">
-                <a:solidFill>
-                  <a:srgbClr val="000000"/>
-                </a:solidFill>
-                <a:latin typeface="Arial"/>
-              </a:rPr>
-              <a:t>Fifth Outline Level</a:t>
-            </a:r>
-            <a:endParaRPr b="0" lang="en-US" sz="2000" spc="-1" strike="noStrike">
-              <a:solidFill>
-                <a:srgbClr val="000000"/>
-              </a:solidFill>
-              <a:latin typeface="Arial"/>
-            </a:endParaRPr>
-          </a:p>
-          <a:p>
-            <a:pPr lvl="5" marL="2592000" indent="-216000">
-              <a:spcBef>
-                <a:spcPts val="283"/>
-              </a:spcBef>
-              <a:buClr>
-                <a:srgbClr val="000000"/>
-              </a:buClr>
-              <a:buSzPct val="45000"/>
-              <a:buFont typeface="Wingdings" charset="2"/>
-              <a:buChar char=""/>
-            </a:pPr>
-            <a:r>
-              <a:rPr b="0" lang="en-US" sz="2000" spc="-1" strike="noStrike">
-                <a:solidFill>
-                  <a:srgbClr val="000000"/>
-                </a:solidFill>
-                <a:latin typeface="Arial"/>
-              </a:rPr>
-              <a:t>Sixth Outline Level</a:t>
-            </a:r>
-            <a:endParaRPr b="0" lang="en-US" sz="2000" spc="-1" strike="noStrike">
-              <a:solidFill>
-                <a:srgbClr val="000000"/>
-              </a:solidFill>
-              <a:latin typeface="Arial"/>
-            </a:endParaRPr>
-          </a:p>
-          <a:p>
-            <a:pPr lvl="6" marL="3024000" indent="-216000">
-              <a:spcBef>
-                <a:spcPts val="283"/>
-              </a:spcBef>
-              <a:buClr>
-                <a:srgbClr val="000000"/>
-              </a:buClr>
-              <a:buSzPct val="45000"/>
-              <a:buFont typeface="Wingdings" charset="2"/>
-              <a:buChar char=""/>
-            </a:pPr>
-            <a:r>
-              <a:rPr b="0" lang="en-US" sz="2000" spc="-1" strike="noStrike">
-                <a:solidFill>
-                  <a:srgbClr val="000000"/>
-                </a:solidFill>
-                <a:latin typeface="Arial"/>
-              </a:rPr>
-              <a:t>Seventh Outline Level</a:t>
-            </a:r>
-            <a:endParaRPr b="0" lang="en-US" sz="2000" spc="-1" strike="noStrike">
-              <a:solidFill>
-                <a:srgbClr val="000000"/>
-              </a:solidFill>
-              <a:latin typeface="Arial"/>
             </a:endParaRPr>
           </a:p>
         </p:txBody>
@@ -7200,7 +9707,7 @@
         <p:spPr>
           <a:xfrm>
             <a:off x="4038480" y="6356520"/>
-            <a:ext cx="4114080" cy="364320"/>
+            <a:ext cx="4113720" cy="363960"/>
           </a:xfrm>
           <a:prstGeom prst="rect">
             <a:avLst/>
@@ -7272,7 +9779,7 @@
         <p:spPr>
           <a:xfrm>
             <a:off x="8610480" y="6356520"/>
-            <a:ext cx="2742480" cy="364320"/>
+            <a:ext cx="2742120" cy="363960"/>
           </a:xfrm>
           <a:prstGeom prst="rect">
             <a:avLst/>
@@ -7313,7 +9820,7 @@
                 <a:tab algn="l" pos="0"/>
               </a:tabLst>
             </a:pPr>
-            <a:fld id="{9674D998-95DF-401B-919E-6A4A93ED635D}" type="slidenum">
+            <a:fld id="{2179A403-3193-4621-89D7-8FD33BAFC5F1}" type="slidenum">
               <a:rPr b="0" lang="en-US" sz="1200" spc="-1" strike="noStrike">
                 <a:solidFill>
                   <a:srgbClr val="8b8b8b"/>
@@ -7344,7 +9851,7 @@
         <p:spPr>
           <a:xfrm>
             <a:off x="838080" y="6356520"/>
-            <a:ext cx="2742480" cy="364320"/>
+            <a:ext cx="2742120" cy="363960"/>
           </a:xfrm>
           <a:prstGeom prst="rect">
             <a:avLst/>
@@ -7681,6 +10188,528 @@
     <p:sldLayoutId id="2147483671" r:id="rId11"/>
     <p:sldLayoutId id="2147483672" r:id="rId12"/>
     <p:sldLayoutId id="2147483673" r:id="rId13"/>
+  </p:sldLayoutIdLst>
+</p:sldMaster>
+</file>
+
+<file path=ppt/slideMasters/slideMaster3.xml><?xml version="1.0" encoding="utf-8"?>
+<p:sldMaster xmlns:a="http://schemas.openxmlformats.org/drawingml/2006/main" xmlns:p="http://schemas.openxmlformats.org/presentationml/2006/main" xmlns:r="http://schemas.openxmlformats.org/officeDocument/2006/relationships" xmlns:p14="http://schemas.microsoft.com/office/powerpoint/2010/main" xmlns:p15="http://schemas.microsoft.com/office/powerpoint/2012/main" xmlns:mc="http://schemas.openxmlformats.org/markup-compatibility/2006">
+  <p:cSld>
+    <p:bg>
+      <p:bgPr>
+        <a:solidFill>
+          <a:srgbClr val="ffffff"/>
+        </a:solidFill>
+      </p:bgPr>
+    </p:bg>
+    <p:spTree>
+      <p:nvGrpSpPr>
+        <p:cNvPr id="1" name=""/>
+        <p:cNvGrpSpPr/>
+        <p:nvPr/>
+      </p:nvGrpSpPr>
+      <p:grpSpPr>
+        <a:xfrm>
+          <a:off x="0" y="0"/>
+          <a:ext cx="0" cy="0"/>
+          <a:chOff x="0" y="0"/>
+          <a:chExt cx="0" cy="0"/>
+        </a:xfrm>
+      </p:grpSpPr>
+      <p:sp>
+        <p:nvSpPr>
+          <p:cNvPr id="82" name="PlaceHolder 1"/>
+          <p:cNvSpPr>
+            <a:spLocks noGrp="1"/>
+          </p:cNvSpPr>
+          <p:nvPr>
+            <p:ph type="title"/>
+          </p:nvPr>
+        </p:nvSpPr>
+        <p:spPr>
+          <a:xfrm>
+            <a:off x="609480" y="273600"/>
+            <a:ext cx="10972080" cy="1144440"/>
+          </a:xfrm>
+          <a:prstGeom prst="rect">
+            <a:avLst/>
+          </a:prstGeom>
+          <a:noFill/>
+          <a:ln w="0">
+            <a:noFill/>
+          </a:ln>
+        </p:spPr>
+        <p:txBody>
+          <a:bodyPr lIns="0" rIns="0" tIns="0" bIns="0" anchor="ctr">
+            <a:noAutofit/>
+          </a:bodyPr>
+          <a:p>
+            <a:pPr indent="0">
+              <a:buNone/>
+            </a:pPr>
+            <a:r>
+              <a:rPr b="0" lang="en-US" sz="1800" spc="-1" strike="noStrike">
+                <a:solidFill>
+                  <a:srgbClr val="000000"/>
+                </a:solidFill>
+                <a:latin typeface="Arial"/>
+              </a:rPr>
+              <a:t>Click to edit the title text format</a:t>
+            </a:r>
+            <a:endParaRPr b="0" lang="en-US" sz="1800" spc="-1" strike="noStrike">
+              <a:solidFill>
+                <a:srgbClr val="000000"/>
+              </a:solidFill>
+              <a:latin typeface="Arial"/>
+            </a:endParaRPr>
+          </a:p>
+        </p:txBody>
+      </p:sp>
+      <p:sp>
+        <p:nvSpPr>
+          <p:cNvPr id="83" name="PlaceHolder 2"/>
+          <p:cNvSpPr>
+            <a:spLocks noGrp="1"/>
+          </p:cNvSpPr>
+          <p:nvPr>
+            <p:ph type="body"/>
+          </p:nvPr>
+        </p:nvSpPr>
+        <p:spPr>
+          <a:xfrm>
+            <a:off x="609480" y="1604520"/>
+            <a:ext cx="10972080" cy="3976920"/>
+          </a:xfrm>
+          <a:prstGeom prst="rect">
+            <a:avLst/>
+          </a:prstGeom>
+          <a:noFill/>
+          <a:ln w="0">
+            <a:noFill/>
+          </a:ln>
+        </p:spPr>
+        <p:txBody>
+          <a:bodyPr lIns="0" rIns="0" tIns="0" bIns="0" anchor="t">
+            <a:normAutofit/>
+          </a:bodyPr>
+          <a:p>
+            <a:pPr marL="432000" indent="-324000">
+              <a:spcBef>
+                <a:spcPts val="1417"/>
+              </a:spcBef>
+              <a:buClr>
+                <a:srgbClr val="000000"/>
+              </a:buClr>
+              <a:buSzPct val="45000"/>
+              <a:buFont typeface="Wingdings" charset="2"/>
+              <a:buChar char=""/>
+            </a:pPr>
+            <a:r>
+              <a:rPr b="0" lang="en-US" sz="1800" spc="-1" strike="noStrike">
+                <a:solidFill>
+                  <a:srgbClr val="000000"/>
+                </a:solidFill>
+                <a:latin typeface="Arial"/>
+              </a:rPr>
+              <a:t>Click to edit the outline text format</a:t>
+            </a:r>
+            <a:endParaRPr b="0" lang="en-US" sz="1800" spc="-1" strike="noStrike">
+              <a:solidFill>
+                <a:srgbClr val="000000"/>
+              </a:solidFill>
+              <a:latin typeface="Arial"/>
+            </a:endParaRPr>
+          </a:p>
+          <a:p>
+            <a:pPr lvl="1" marL="864000" indent="-324000">
+              <a:spcBef>
+                <a:spcPts val="1134"/>
+              </a:spcBef>
+              <a:buClr>
+                <a:srgbClr val="000000"/>
+              </a:buClr>
+              <a:buSzPct val="75000"/>
+              <a:buFont typeface="Symbol" charset="2"/>
+              <a:buChar char=""/>
+            </a:pPr>
+            <a:r>
+              <a:rPr b="0" lang="en-US" sz="1800" spc="-1" strike="noStrike">
+                <a:solidFill>
+                  <a:srgbClr val="000000"/>
+                </a:solidFill>
+                <a:latin typeface="Arial"/>
+              </a:rPr>
+              <a:t>Second Outline Level</a:t>
+            </a:r>
+            <a:endParaRPr b="0" lang="en-US" sz="1800" spc="-1" strike="noStrike">
+              <a:solidFill>
+                <a:srgbClr val="000000"/>
+              </a:solidFill>
+              <a:latin typeface="Arial"/>
+            </a:endParaRPr>
+          </a:p>
+          <a:p>
+            <a:pPr lvl="2" marL="1296000" indent="-288000">
+              <a:spcBef>
+                <a:spcPts val="850"/>
+              </a:spcBef>
+              <a:buClr>
+                <a:srgbClr val="000000"/>
+              </a:buClr>
+              <a:buSzPct val="45000"/>
+              <a:buFont typeface="Wingdings" charset="2"/>
+              <a:buChar char=""/>
+            </a:pPr>
+            <a:r>
+              <a:rPr b="0" lang="en-US" sz="1800" spc="-1" strike="noStrike">
+                <a:solidFill>
+                  <a:srgbClr val="000000"/>
+                </a:solidFill>
+                <a:latin typeface="Arial"/>
+              </a:rPr>
+              <a:t>Third Outline Level</a:t>
+            </a:r>
+            <a:endParaRPr b="0" lang="en-US" sz="1800" spc="-1" strike="noStrike">
+              <a:solidFill>
+                <a:srgbClr val="000000"/>
+              </a:solidFill>
+              <a:latin typeface="Arial"/>
+            </a:endParaRPr>
+          </a:p>
+          <a:p>
+            <a:pPr lvl="3" marL="1728000" indent="-216000">
+              <a:spcBef>
+                <a:spcPts val="567"/>
+              </a:spcBef>
+              <a:buClr>
+                <a:srgbClr val="000000"/>
+              </a:buClr>
+              <a:buSzPct val="75000"/>
+              <a:buFont typeface="Symbol" charset="2"/>
+              <a:buChar char=""/>
+            </a:pPr>
+            <a:r>
+              <a:rPr b="0" lang="en-US" sz="1800" spc="-1" strike="noStrike">
+                <a:solidFill>
+                  <a:srgbClr val="000000"/>
+                </a:solidFill>
+                <a:latin typeface="Arial"/>
+              </a:rPr>
+              <a:t>Fourth Outline Level</a:t>
+            </a:r>
+            <a:endParaRPr b="0" lang="en-US" sz="1800" spc="-1" strike="noStrike">
+              <a:solidFill>
+                <a:srgbClr val="000000"/>
+              </a:solidFill>
+              <a:latin typeface="Arial"/>
+            </a:endParaRPr>
+          </a:p>
+          <a:p>
+            <a:pPr lvl="4" marL="2160000" indent="-216000">
+              <a:spcBef>
+                <a:spcPts val="283"/>
+              </a:spcBef>
+              <a:buClr>
+                <a:srgbClr val="000000"/>
+              </a:buClr>
+              <a:buSzPct val="45000"/>
+              <a:buFont typeface="Wingdings" charset="2"/>
+              <a:buChar char=""/>
+            </a:pPr>
+            <a:r>
+              <a:rPr b="0" lang="en-US" sz="1800" spc="-1" strike="noStrike">
+                <a:solidFill>
+                  <a:srgbClr val="000000"/>
+                </a:solidFill>
+                <a:latin typeface="Arial"/>
+              </a:rPr>
+              <a:t>Fifth Outline Level</a:t>
+            </a:r>
+            <a:endParaRPr b="0" lang="en-US" sz="1800" spc="-1" strike="noStrike">
+              <a:solidFill>
+                <a:srgbClr val="000000"/>
+              </a:solidFill>
+              <a:latin typeface="Arial"/>
+            </a:endParaRPr>
+          </a:p>
+          <a:p>
+            <a:pPr lvl="5" marL="2592000" indent="-216000">
+              <a:spcBef>
+                <a:spcPts val="283"/>
+              </a:spcBef>
+              <a:buClr>
+                <a:srgbClr val="000000"/>
+              </a:buClr>
+              <a:buSzPct val="45000"/>
+              <a:buFont typeface="Wingdings" charset="2"/>
+              <a:buChar char=""/>
+            </a:pPr>
+            <a:r>
+              <a:rPr b="0" lang="en-US" sz="1800" spc="-1" strike="noStrike">
+                <a:solidFill>
+                  <a:srgbClr val="000000"/>
+                </a:solidFill>
+                <a:latin typeface="Arial"/>
+              </a:rPr>
+              <a:t>Sixth Outline Level</a:t>
+            </a:r>
+            <a:endParaRPr b="0" lang="en-US" sz="1800" spc="-1" strike="noStrike">
+              <a:solidFill>
+                <a:srgbClr val="000000"/>
+              </a:solidFill>
+              <a:latin typeface="Arial"/>
+            </a:endParaRPr>
+          </a:p>
+          <a:p>
+            <a:pPr lvl="6" marL="3024000" indent="-216000">
+              <a:spcBef>
+                <a:spcPts val="283"/>
+              </a:spcBef>
+              <a:buClr>
+                <a:srgbClr val="000000"/>
+              </a:buClr>
+              <a:buSzPct val="45000"/>
+              <a:buFont typeface="Wingdings" charset="2"/>
+              <a:buChar char=""/>
+            </a:pPr>
+            <a:r>
+              <a:rPr b="0" lang="en-US" sz="1800" spc="-1" strike="noStrike">
+                <a:solidFill>
+                  <a:srgbClr val="000000"/>
+                </a:solidFill>
+                <a:latin typeface="Arial"/>
+              </a:rPr>
+              <a:t>Seventh Outline Level</a:t>
+            </a:r>
+            <a:endParaRPr b="0" lang="en-US" sz="1800" spc="-1" strike="noStrike">
+              <a:solidFill>
+                <a:srgbClr val="000000"/>
+              </a:solidFill>
+              <a:latin typeface="Arial"/>
+            </a:endParaRPr>
+          </a:p>
+        </p:txBody>
+      </p:sp>
+      <p:sp>
+        <p:nvSpPr>
+          <p:cNvPr id="84" name="PlaceHolder 3"/>
+          <p:cNvSpPr>
+            <a:spLocks noGrp="1"/>
+          </p:cNvSpPr>
+          <p:nvPr>
+            <p:ph type="ftr" idx="7"/>
+          </p:nvPr>
+        </p:nvSpPr>
+        <p:spPr>
+          <a:xfrm>
+            <a:off x="4038480" y="6356520"/>
+            <a:ext cx="4113720" cy="363960"/>
+          </a:xfrm>
+          <a:prstGeom prst="rect">
+            <a:avLst/>
+          </a:prstGeom>
+          <a:noFill/>
+          <a:ln w="0">
+            <a:noFill/>
+          </a:ln>
+        </p:spPr>
+        <p:txBody>
+          <a:bodyPr lIns="90000" rIns="90000" tIns="45000" bIns="45000" anchor="ctr">
+            <a:noAutofit/>
+          </a:bodyPr>
+          <a:lstStyle>
+            <a:lvl1pPr indent="0" algn="ctr">
+              <a:lnSpc>
+                <a:spcPct val="100000"/>
+              </a:lnSpc>
+              <a:buNone/>
+              <a:tabLst>
+                <a:tab algn="l" pos="0"/>
+              </a:tabLst>
+              <a:defRPr b="0" lang="en-US" sz="1400" spc="-1" strike="noStrike">
+                <a:solidFill>
+                  <a:srgbClr val="000000"/>
+                </a:solidFill>
+                <a:latin typeface="Times New Roman"/>
+              </a:defRPr>
+            </a:lvl1pPr>
+          </a:lstStyle>
+          <a:p>
+            <a:pPr indent="0" algn="ctr">
+              <a:lnSpc>
+                <a:spcPct val="100000"/>
+              </a:lnSpc>
+              <a:buNone/>
+              <a:tabLst>
+                <a:tab algn="l" pos="0"/>
+              </a:tabLst>
+            </a:pPr>
+            <a:r>
+              <a:rPr b="0" lang="en-US" sz="1400" spc="-1" strike="noStrike">
+                <a:solidFill>
+                  <a:srgbClr val="000000"/>
+                </a:solidFill>
+                <a:latin typeface="Times New Roman"/>
+              </a:rPr>
+              <a:t>&lt;footer&gt;</a:t>
+            </a:r>
+            <a:endParaRPr b="0" lang="en-US" sz="1400" spc="-1" strike="noStrike">
+              <a:solidFill>
+                <a:srgbClr val="000000"/>
+              </a:solidFill>
+              <a:latin typeface="Times New Roman"/>
+            </a:endParaRPr>
+          </a:p>
+        </p:txBody>
+      </p:sp>
+      <p:sp>
+        <p:nvSpPr>
+          <p:cNvPr id="85" name="PlaceHolder 4"/>
+          <p:cNvSpPr>
+            <a:spLocks noGrp="1"/>
+          </p:cNvSpPr>
+          <p:nvPr>
+            <p:ph type="sldNum" idx="8"/>
+          </p:nvPr>
+        </p:nvSpPr>
+        <p:spPr>
+          <a:xfrm>
+            <a:off x="8610480" y="6356520"/>
+            <a:ext cx="2742120" cy="363960"/>
+          </a:xfrm>
+          <a:prstGeom prst="rect">
+            <a:avLst/>
+          </a:prstGeom>
+          <a:noFill/>
+          <a:ln w="0">
+            <a:noFill/>
+          </a:ln>
+        </p:spPr>
+        <p:txBody>
+          <a:bodyPr lIns="90000" rIns="90000" tIns="45000" bIns="45000" anchor="ctr">
+            <a:noAutofit/>
+          </a:bodyPr>
+          <a:lstStyle>
+            <a:lvl1pPr indent="0" algn="r">
+              <a:lnSpc>
+                <a:spcPct val="100000"/>
+              </a:lnSpc>
+              <a:buNone/>
+              <a:tabLst>
+                <a:tab algn="l" pos="0"/>
+              </a:tabLst>
+              <a:defRPr b="0" lang="en-US" sz="1200" spc="-1" strike="noStrike">
+                <a:solidFill>
+                  <a:srgbClr val="8b8b8b"/>
+                </a:solidFill>
+                <a:latin typeface="Calibri"/>
+              </a:defRPr>
+            </a:lvl1pPr>
+          </a:lstStyle>
+          <a:p>
+            <a:pPr indent="0" algn="r">
+              <a:lnSpc>
+                <a:spcPct val="100000"/>
+              </a:lnSpc>
+              <a:buNone/>
+              <a:tabLst>
+                <a:tab algn="l" pos="0"/>
+              </a:tabLst>
+            </a:pPr>
+            <a:fld id="{ABD78184-4EB0-44C5-A87C-8E0776736357}" type="slidenum">
+              <a:rPr b="0" lang="en-US" sz="1200" spc="-1" strike="noStrike">
+                <a:solidFill>
+                  <a:srgbClr val="8b8b8b"/>
+                </a:solidFill>
+                <a:latin typeface="Calibri"/>
+              </a:rPr>
+              <a:t>&lt;number&gt;</a:t>
+            </a:fld>
+            <a:endParaRPr b="0" lang="en-US" sz="1200" spc="-1" strike="noStrike">
+              <a:solidFill>
+                <a:srgbClr val="000000"/>
+              </a:solidFill>
+              <a:latin typeface="Times New Roman"/>
+            </a:endParaRPr>
+          </a:p>
+        </p:txBody>
+      </p:sp>
+      <p:sp>
+        <p:nvSpPr>
+          <p:cNvPr id="86" name="PlaceHolder 5"/>
+          <p:cNvSpPr>
+            <a:spLocks noGrp="1"/>
+          </p:cNvSpPr>
+          <p:nvPr>
+            <p:ph type="dt" idx="9"/>
+          </p:nvPr>
+        </p:nvSpPr>
+        <p:spPr>
+          <a:xfrm>
+            <a:off x="838080" y="6356520"/>
+            <a:ext cx="2742120" cy="363960"/>
+          </a:xfrm>
+          <a:prstGeom prst="rect">
+            <a:avLst/>
+          </a:prstGeom>
+          <a:noFill/>
+          <a:ln w="0">
+            <a:noFill/>
+          </a:ln>
+        </p:spPr>
+        <p:txBody>
+          <a:bodyPr lIns="90000" rIns="90000" tIns="45000" bIns="45000" anchor="ctr">
+            <a:noAutofit/>
+          </a:bodyPr>
+          <a:lstStyle>
+            <a:lvl1pPr indent="0">
+              <a:buNone/>
+              <a:defRPr b="0" lang="en-US" sz="1400" spc="-1" strike="noStrike">
+                <a:solidFill>
+                  <a:srgbClr val="000000"/>
+                </a:solidFill>
+                <a:latin typeface="Times New Roman"/>
+              </a:defRPr>
+            </a:lvl1pPr>
+          </a:lstStyle>
+          <a:p>
+            <a:pPr indent="0">
+              <a:buNone/>
+            </a:pPr>
+            <a:r>
+              <a:rPr b="0" lang="en-US" sz="1400" spc="-1" strike="noStrike">
+                <a:solidFill>
+                  <a:srgbClr val="000000"/>
+                </a:solidFill>
+                <a:latin typeface="Times New Roman"/>
+              </a:rPr>
+              <a:t>&lt;date/time&gt;</a:t>
+            </a:r>
+            <a:endParaRPr b="0" lang="en-US" sz="1400" spc="-1" strike="noStrike">
+              <a:solidFill>
+                <a:srgbClr val="000000"/>
+              </a:solidFill>
+              <a:latin typeface="Times New Roman"/>
+            </a:endParaRPr>
+          </a:p>
+        </p:txBody>
+      </p:sp>
+    </p:spTree>
+  </p:cSld>
+  <p:clrMap bg1="lt1" bg2="lt2" tx1="dk1" tx2="dk2" accent1="accent1" accent2="accent2" accent3="accent3" accent4="accent4" accent5="accent5" accent6="accent6" hlink="hlink" folHlink="folHlink"/>
+  <p:sldLayoutIdLst>
+    <p:sldLayoutId id="2147483675" r:id="rId2"/>
+    <p:sldLayoutId id="2147483676" r:id="rId3"/>
+    <p:sldLayoutId id="2147483677" r:id="rId4"/>
+    <p:sldLayoutId id="2147483678" r:id="rId5"/>
+    <p:sldLayoutId id="2147483679" r:id="rId6"/>
+    <p:sldLayoutId id="2147483680" r:id="rId7"/>
+    <p:sldLayoutId id="2147483681" r:id="rId8"/>
+    <p:sldLayoutId id="2147483682" r:id="rId9"/>
+    <p:sldLayoutId id="2147483683" r:id="rId10"/>
+    <p:sldLayoutId id="2147483684" r:id="rId11"/>
+    <p:sldLayoutId id="2147483685" r:id="rId12"/>
+    <p:sldLayoutId id="2147483686" r:id="rId13"/>
   </p:sldLayoutIdLst>
 </p:sldMaster>
 </file>
@@ -7704,7 +10733,7 @@
       </p:grpSpPr>
       <p:sp>
         <p:nvSpPr>
-          <p:cNvPr id="88" name="PlaceHolder 1"/>
+          <p:cNvPr id="129" name="PlaceHolder 1"/>
           <p:cNvSpPr>
             <a:spLocks noGrp="1"/>
           </p:cNvSpPr>
@@ -7715,7 +10744,7 @@
         <p:spPr>
           <a:xfrm>
             <a:off x="1523880" y="1122480"/>
-            <a:ext cx="9143280" cy="2386800"/>
+            <a:ext cx="9142920" cy="2386440"/>
           </a:xfrm>
           <a:prstGeom prst="rect">
             <a:avLst/>
@@ -7759,7 +10788,7 @@
       </p:sp>
       <p:sp>
         <p:nvSpPr>
-          <p:cNvPr id="89" name="PlaceHolder 2"/>
+          <p:cNvPr id="130" name="PlaceHolder 2"/>
           <p:cNvSpPr>
             <a:spLocks noGrp="1"/>
           </p:cNvSpPr>
@@ -7770,7 +10799,7 @@
         <p:spPr>
           <a:xfrm>
             <a:off x="1523880" y="3602160"/>
-            <a:ext cx="9143280" cy="1654920"/>
+            <a:ext cx="9142920" cy="1654560"/>
           </a:xfrm>
           <a:prstGeom prst="rect">
             <a:avLst/>
@@ -7786,7 +10815,13 @@
           </a:bodyPr>
           <a:p>
             <a:pPr indent="0" algn="ctr">
-              <a:buNone/>
+              <a:lnSpc>
+                <a:spcPct val="100000"/>
+              </a:lnSpc>
+              <a:buNone/>
+              <a:tabLst>
+                <a:tab algn="l" pos="0"/>
+              </a:tabLst>
             </a:pPr>
             <a:r>
               <a:rPr b="0" lang="en-US" sz="3200" spc="-1" strike="noStrike">
@@ -7838,7 +10873,7 @@
       </p:grpSpPr>
       <p:sp>
         <p:nvSpPr>
-          <p:cNvPr id="111" name="PlaceHolder 1"/>
+          <p:cNvPr id="152" name="PlaceHolder 1"/>
           <p:cNvSpPr>
             <a:spLocks noGrp="1"/>
           </p:cNvSpPr>
@@ -7849,7 +10884,7 @@
         <p:spPr>
           <a:xfrm>
             <a:off x="609480" y="273600"/>
-            <a:ext cx="10972440" cy="1144800"/>
+            <a:ext cx="10972080" cy="1144440"/>
           </a:xfrm>
           <a:prstGeom prst="rect">
             <a:avLst/>
@@ -7865,7 +10900,13 @@
           </a:bodyPr>
           <a:p>
             <a:pPr indent="0" algn="ctr">
-              <a:buNone/>
+              <a:lnSpc>
+                <a:spcPct val="100000"/>
+              </a:lnSpc>
+              <a:buNone/>
+              <a:tabLst>
+                <a:tab algn="l" pos="0"/>
+              </a:tabLst>
             </a:pPr>
             <a:r>
               <a:rPr b="0" lang="en-US" sz="4400" spc="-1" strike="noStrike">
@@ -7887,7 +10928,7 @@
       </p:sp>
       <p:sp>
         <p:nvSpPr>
-          <p:cNvPr id="112" name="PlaceHolder 2"/>
+          <p:cNvPr id="153" name="PlaceHolder 2"/>
           <p:cNvSpPr>
             <a:spLocks noGrp="1"/>
           </p:cNvSpPr>
@@ -7898,7 +10939,7 @@
         <p:spPr>
           <a:xfrm>
             <a:off x="609480" y="1604520"/>
-            <a:ext cx="10972440" cy="2967480"/>
+            <a:ext cx="10972080" cy="2967120"/>
           </a:xfrm>
           <a:prstGeom prst="rect">
             <a:avLst/>
@@ -7914,6 +10955,9 @@
           </a:bodyPr>
           <a:p>
             <a:pPr marL="432000" indent="-324000">
+              <a:lnSpc>
+                <a:spcPct val="100000"/>
+              </a:lnSpc>
               <a:spcBef>
                 <a:spcPts val="1417"/>
               </a:spcBef>
@@ -7944,7 +10988,7 @@
       </p:sp>
       <p:pic>
         <p:nvPicPr>
-          <p:cNvPr id="113" name="" descr=""/>
+          <p:cNvPr id="154" name="" descr=""/>
           <p:cNvPicPr/>
           <p:nvPr/>
         </p:nvPicPr>
@@ -7955,7 +10999,7 @@
         <p:spPr>
           <a:xfrm>
             <a:off x="3252600" y="2280240"/>
-            <a:ext cx="2594880" cy="1429560"/>
+            <a:ext cx="2594520" cy="1429200"/>
           </a:xfrm>
           <a:prstGeom prst="rect">
             <a:avLst/>
@@ -7967,28 +11011,39 @@
       </p:pic>
       <p:sp>
         <p:nvSpPr>
-          <p:cNvPr id="114" name=""/>
-          <p:cNvSpPr txBox="1"/>
+          <p:cNvPr id="155" name=""/>
+          <p:cNvSpPr/>
           <p:nvPr/>
         </p:nvSpPr>
         <p:spPr>
           <a:xfrm>
             <a:off x="5167440" y="3969000"/>
-            <a:ext cx="3354120" cy="346320"/>
-          </a:xfrm>
-          <a:prstGeom prst="rect">
-            <a:avLst/>
-          </a:prstGeom>
-          <a:noFill/>
-          <a:ln w="0">
-            <a:noFill/>
-          </a:ln>
-        </p:spPr>
+            <a:ext cx="3353760" cy="345960"/>
+          </a:xfrm>
+          <a:prstGeom prst="rect">
+            <a:avLst/>
+          </a:prstGeom>
+          <a:noFill/>
+          <a:ln w="0">
+            <a:noFill/>
+          </a:ln>
+        </p:spPr>
+        <p:style>
+          <a:lnRef idx="0"/>
+          <a:fillRef idx="0"/>
+          <a:effectRef idx="0"/>
+          <a:fontRef idx="minor"/>
+        </p:style>
         <p:txBody>
           <a:bodyPr lIns="90000" rIns="90000" tIns="45000" bIns="45000" anchor="t">
             <a:noAutofit/>
           </a:bodyPr>
           <a:p>
+            <a:pPr>
+              <a:lnSpc>
+                <a:spcPct val="100000"/>
+              </a:lnSpc>
+            </a:pPr>
             <a:r>
               <a:rPr b="0" lang="en-US" sz="1800" spc="-1" strike="noStrike">
                 <a:solidFill>
@@ -8000,37 +11055,48 @@
             </a:r>
             <a:endParaRPr b="0" lang="en-US" sz="1800" spc="-1" strike="noStrike">
               <a:solidFill>
-                <a:srgbClr val="cccccc"/>
-              </a:solidFill>
-              <a:latin typeface="Arial"/>
-            </a:endParaRPr>
-          </a:p>
-        </p:txBody>
-      </p:sp>
-      <p:sp>
-        <p:nvSpPr>
-          <p:cNvPr id="115" name=""/>
-          <p:cNvSpPr txBox="1"/>
+                <a:srgbClr val="000000"/>
+              </a:solidFill>
+              <a:latin typeface="Arial"/>
+            </a:endParaRPr>
+          </a:p>
+        </p:txBody>
+      </p:sp>
+      <p:sp>
+        <p:nvSpPr>
+          <p:cNvPr id="156" name=""/>
+          <p:cNvSpPr/>
           <p:nvPr/>
         </p:nvSpPr>
         <p:spPr>
           <a:xfrm>
             <a:off x="1600200" y="3060000"/>
-            <a:ext cx="828000" cy="346320"/>
-          </a:xfrm>
-          <a:prstGeom prst="rect">
-            <a:avLst/>
-          </a:prstGeom>
-          <a:noFill/>
-          <a:ln w="0">
-            <a:noFill/>
-          </a:ln>
-        </p:spPr>
+            <a:ext cx="827640" cy="345960"/>
+          </a:xfrm>
+          <a:prstGeom prst="rect">
+            <a:avLst/>
+          </a:prstGeom>
+          <a:noFill/>
+          <a:ln w="0">
+            <a:noFill/>
+          </a:ln>
+        </p:spPr>
+        <p:style>
+          <a:lnRef idx="0"/>
+          <a:fillRef idx="0"/>
+          <a:effectRef idx="0"/>
+          <a:fontRef idx="minor"/>
+        </p:style>
         <p:txBody>
           <a:bodyPr lIns="90000" rIns="90000" tIns="45000" bIns="45000" anchor="t">
             <a:noAutofit/>
           </a:bodyPr>
           <a:p>
+            <a:pPr>
+              <a:lnSpc>
+                <a:spcPct val="100000"/>
+              </a:lnSpc>
+            </a:pPr>
             <a:r>
               <a:rPr b="0" lang="en-US" sz="1800" spc="-1" strike="noStrike">
                 <a:solidFill>
@@ -8051,28 +11117,39 @@
       </p:sp>
       <p:sp>
         <p:nvSpPr>
-          <p:cNvPr id="116" name=""/>
-          <p:cNvSpPr txBox="1"/>
+          <p:cNvPr id="157" name=""/>
+          <p:cNvSpPr/>
           <p:nvPr/>
         </p:nvSpPr>
         <p:spPr>
           <a:xfrm>
             <a:off x="6555240" y="3060000"/>
-            <a:ext cx="2407320" cy="602280"/>
-          </a:xfrm>
-          <a:prstGeom prst="rect">
-            <a:avLst/>
-          </a:prstGeom>
-          <a:noFill/>
-          <a:ln w="0">
-            <a:noFill/>
-          </a:ln>
-        </p:spPr>
+            <a:ext cx="2406960" cy="601920"/>
+          </a:xfrm>
+          <a:prstGeom prst="rect">
+            <a:avLst/>
+          </a:prstGeom>
+          <a:noFill/>
+          <a:ln w="0">
+            <a:noFill/>
+          </a:ln>
+        </p:spPr>
+        <p:style>
+          <a:lnRef idx="0"/>
+          <a:fillRef idx="0"/>
+          <a:effectRef idx="0"/>
+          <a:fontRef idx="minor"/>
+        </p:style>
         <p:txBody>
           <a:bodyPr lIns="90000" rIns="90000" tIns="45000" bIns="45000" anchor="t">
             <a:noAutofit/>
           </a:bodyPr>
           <a:p>
+            <a:pPr>
+              <a:lnSpc>
+                <a:spcPct val="100000"/>
+              </a:lnSpc>
+            </a:pPr>
             <a:r>
               <a:rPr b="0" lang="en-US" sz="1800" spc="-1" strike="noStrike">
                 <a:solidFill>
@@ -8105,28 +11182,39 @@
       </p:sp>
       <p:sp>
         <p:nvSpPr>
-          <p:cNvPr id="117" name=""/>
-          <p:cNvSpPr txBox="1"/>
+          <p:cNvPr id="158" name=""/>
+          <p:cNvSpPr/>
           <p:nvPr/>
         </p:nvSpPr>
         <p:spPr>
           <a:xfrm>
             <a:off x="2048760" y="5715000"/>
-            <a:ext cx="5467320" cy="430200"/>
-          </a:xfrm>
-          <a:prstGeom prst="rect">
-            <a:avLst/>
-          </a:prstGeom>
-          <a:noFill/>
-          <a:ln w="0">
-            <a:noFill/>
-          </a:ln>
-        </p:spPr>
+            <a:ext cx="5466960" cy="429840"/>
+          </a:xfrm>
+          <a:prstGeom prst="rect">
+            <a:avLst/>
+          </a:prstGeom>
+          <a:noFill/>
+          <a:ln w="0">
+            <a:noFill/>
+          </a:ln>
+        </p:spPr>
+        <p:style>
+          <a:lnRef idx="0"/>
+          <a:fillRef idx="0"/>
+          <a:effectRef idx="0"/>
+          <a:fontRef idx="minor"/>
+        </p:style>
         <p:txBody>
           <a:bodyPr lIns="90000" rIns="90000" tIns="45000" bIns="45000" anchor="t">
             <a:noAutofit/>
           </a:bodyPr>
           <a:p>
+            <a:pPr>
+              <a:lnSpc>
+                <a:spcPct val="100000"/>
+              </a:lnSpc>
+            </a:pPr>
             <a:r>
               <a:rPr b="0" lang="en-US" sz="2400" spc="-1" strike="noStrike">
                 <a:solidFill>
@@ -8177,7 +11265,7 @@
       </p:grpSpPr>
       <p:sp>
         <p:nvSpPr>
-          <p:cNvPr id="90" name="PlaceHolder 1"/>
+          <p:cNvPr id="131" name="PlaceHolder 1"/>
           <p:cNvSpPr>
             <a:spLocks noGrp="1"/>
           </p:cNvSpPr>
@@ -8188,7 +11276,7 @@
         <p:spPr>
           <a:xfrm>
             <a:off x="838080" y="365040"/>
-            <a:ext cx="10514880" cy="1324800"/>
+            <a:ext cx="10514520" cy="1324440"/>
           </a:xfrm>
           <a:prstGeom prst="rect">
             <a:avLst/>
@@ -8232,7 +11320,7 @@
       </p:sp>
       <p:sp>
         <p:nvSpPr>
-          <p:cNvPr id="91" name="PlaceHolder 2"/>
+          <p:cNvPr id="132" name="PlaceHolder 2"/>
           <p:cNvSpPr>
             <a:spLocks noGrp="1"/>
           </p:cNvSpPr>
@@ -8243,7 +11331,7 @@
         <p:spPr>
           <a:xfrm>
             <a:off x="838080" y="1825560"/>
-            <a:ext cx="10514880" cy="4350600"/>
+            <a:ext cx="10514520" cy="4350240"/>
           </a:xfrm>
           <a:prstGeom prst="rect">
             <a:avLst/>
@@ -8563,7 +11651,7 @@
       </p:grpSpPr>
       <p:sp>
         <p:nvSpPr>
-          <p:cNvPr id="92" name="PlaceHolder 1"/>
+          <p:cNvPr id="133" name="PlaceHolder 1"/>
           <p:cNvSpPr>
             <a:spLocks noGrp="1"/>
           </p:cNvSpPr>
@@ -8574,7 +11662,7 @@
         <p:spPr>
           <a:xfrm>
             <a:off x="838080" y="365040"/>
-            <a:ext cx="10514880" cy="1324800"/>
+            <a:ext cx="10514520" cy="1324440"/>
           </a:xfrm>
           <a:prstGeom prst="rect">
             <a:avLst/>
@@ -8618,7 +11706,7 @@
       </p:sp>
       <p:sp>
         <p:nvSpPr>
-          <p:cNvPr id="93" name="PlaceHolder 2"/>
+          <p:cNvPr id="134" name="PlaceHolder 2"/>
           <p:cNvSpPr>
             <a:spLocks noGrp="1"/>
           </p:cNvSpPr>
@@ -8629,7 +11717,7 @@
         <p:spPr>
           <a:xfrm>
             <a:off x="838080" y="1825560"/>
-            <a:ext cx="10514880" cy="4350600"/>
+            <a:ext cx="10514520" cy="4350240"/>
           </a:xfrm>
           <a:prstGeom prst="rect">
             <a:avLst/>
@@ -8767,7 +11855,7 @@
       </p:grpSpPr>
       <p:sp>
         <p:nvSpPr>
-          <p:cNvPr id="94" name="PlaceHolder 1"/>
+          <p:cNvPr id="135" name="PlaceHolder 1"/>
           <p:cNvSpPr>
             <a:spLocks noGrp="1"/>
           </p:cNvSpPr>
@@ -8778,7 +11866,7 @@
         <p:spPr>
           <a:xfrm>
             <a:off x="838080" y="365040"/>
-            <a:ext cx="10514880" cy="1324800"/>
+            <a:ext cx="10514520" cy="1324440"/>
           </a:xfrm>
           <a:prstGeom prst="rect">
             <a:avLst/>
@@ -8825,7 +11913,7 @@
       </p:sp>
       <p:sp>
         <p:nvSpPr>
-          <p:cNvPr id="95" name="PlaceHolder 2"/>
+          <p:cNvPr id="136" name="PlaceHolder 2"/>
           <p:cNvSpPr>
             <a:spLocks noGrp="1"/>
           </p:cNvSpPr>
@@ -8836,7 +11924,7 @@
         <p:spPr>
           <a:xfrm>
             <a:off x="838080" y="1825560"/>
-            <a:ext cx="10514880" cy="4350600"/>
+            <a:ext cx="10514520" cy="4350240"/>
           </a:xfrm>
           <a:prstGeom prst="rect">
             <a:avLst/>
@@ -9114,7 +12202,7 @@
       </p:grpSpPr>
       <p:pic>
         <p:nvPicPr>
-          <p:cNvPr id="96" name="Content Placeholder 4" descr="Diagram&#10;&#10;Description automatically generated"/>
+          <p:cNvPr id="137" name="Content Placeholder 4" descr="Diagram&#10;&#10;Description automatically generated"/>
           <p:cNvPicPr/>
           <p:nvPr/>
         </p:nvPicPr>
@@ -9125,7 +12213,7 @@
         <p:spPr>
           <a:xfrm>
             <a:off x="1711440" y="1027800"/>
-            <a:ext cx="8768160" cy="3962520"/>
+            <a:ext cx="8767800" cy="3962160"/>
           </a:xfrm>
           <a:prstGeom prst="rect">
             <a:avLst/>
@@ -9137,14 +12225,14 @@
       </p:pic>
       <p:sp>
         <p:nvSpPr>
-          <p:cNvPr id="97" name="TextBox 5"/>
+          <p:cNvPr id="138" name="TextBox 5"/>
           <p:cNvSpPr/>
           <p:nvPr/>
         </p:nvSpPr>
         <p:spPr>
           <a:xfrm>
             <a:off x="18360" y="6581160"/>
-            <a:ext cx="6823800" cy="272160"/>
+            <a:ext cx="6823440" cy="272160"/>
           </a:xfrm>
           <a:prstGeom prst="rect">
             <a:avLst/>
@@ -9221,7 +12309,7 @@
       </p:grpSpPr>
       <p:sp>
         <p:nvSpPr>
-          <p:cNvPr id="98" name="PlaceHolder 1"/>
+          <p:cNvPr id="139" name="PlaceHolder 1"/>
           <p:cNvSpPr>
             <a:spLocks noGrp="1"/>
           </p:cNvSpPr>
@@ -9232,7 +12320,7 @@
         <p:spPr>
           <a:xfrm>
             <a:off x="838080" y="365040"/>
-            <a:ext cx="10514880" cy="1324800"/>
+            <a:ext cx="10514520" cy="1324440"/>
           </a:xfrm>
           <a:prstGeom prst="rect">
             <a:avLst/>
@@ -9276,7 +12364,7 @@
       </p:sp>
       <p:sp>
         <p:nvSpPr>
-          <p:cNvPr id="99" name="PlaceHolder 2"/>
+          <p:cNvPr id="140" name="PlaceHolder 2"/>
           <p:cNvSpPr>
             <a:spLocks noGrp="1"/>
           </p:cNvSpPr>
@@ -9287,7 +12375,7 @@
         <p:spPr>
           <a:xfrm>
             <a:off x="838080" y="1825560"/>
-            <a:ext cx="10514880" cy="4350600"/>
+            <a:ext cx="10514520" cy="4350240"/>
           </a:xfrm>
           <a:prstGeom prst="rect">
             <a:avLst/>
@@ -9575,7 +12663,7 @@
       </p:grpSpPr>
       <p:sp>
         <p:nvSpPr>
-          <p:cNvPr id="100" name="PlaceHolder 1"/>
+          <p:cNvPr id="141" name="PlaceHolder 1"/>
           <p:cNvSpPr>
             <a:spLocks noGrp="1"/>
           </p:cNvSpPr>
@@ -9586,7 +12674,7 @@
         <p:spPr>
           <a:xfrm>
             <a:off x="838080" y="365040"/>
-            <a:ext cx="10514880" cy="1324800"/>
+            <a:ext cx="10514520" cy="1324440"/>
           </a:xfrm>
           <a:prstGeom prst="rect">
             <a:avLst/>
@@ -9630,7 +12718,7 @@
       </p:sp>
       <p:sp>
         <p:nvSpPr>
-          <p:cNvPr id="101" name="PlaceHolder 2"/>
+          <p:cNvPr id="142" name="PlaceHolder 2"/>
           <p:cNvSpPr>
             <a:spLocks noGrp="1"/>
           </p:cNvSpPr>
@@ -9641,7 +12729,7 @@
         <p:spPr>
           <a:xfrm>
             <a:off x="838080" y="1825560"/>
-            <a:ext cx="10514880" cy="4350600"/>
+            <a:ext cx="10514520" cy="4350240"/>
           </a:xfrm>
           <a:prstGeom prst="rect">
             <a:avLst/>
@@ -9902,7 +12990,7 @@
       </p:grpSpPr>
       <p:sp>
         <p:nvSpPr>
-          <p:cNvPr id="102" name="PlaceHolder 1"/>
+          <p:cNvPr id="143" name="PlaceHolder 1"/>
           <p:cNvSpPr>
             <a:spLocks noGrp="1"/>
           </p:cNvSpPr>
@@ -9913,7 +13001,7 @@
         <p:spPr>
           <a:xfrm>
             <a:off x="838080" y="365040"/>
-            <a:ext cx="10514880" cy="1324800"/>
+            <a:ext cx="10514520" cy="1324440"/>
           </a:xfrm>
           <a:prstGeom prst="rect">
             <a:avLst/>
@@ -9957,7 +13045,7 @@
       </p:sp>
       <p:sp>
         <p:nvSpPr>
-          <p:cNvPr id="103" name="PlaceHolder 2"/>
+          <p:cNvPr id="144" name="PlaceHolder 2"/>
           <p:cNvSpPr>
             <a:spLocks noGrp="1"/>
           </p:cNvSpPr>
@@ -9968,7 +13056,7 @@
         <p:spPr>
           <a:xfrm>
             <a:off x="838080" y="1825560"/>
-            <a:ext cx="10514880" cy="4350600"/>
+            <a:ext cx="10514520" cy="4350240"/>
           </a:xfrm>
           <a:prstGeom prst="rect">
             <a:avLst/>
@@ -10138,7 +13226,7 @@
       </p:sp>
       <p:pic>
         <p:nvPicPr>
-          <p:cNvPr id="104" name="Picture 2" descr=""/>
+          <p:cNvPr id="145" name="Picture 2" descr=""/>
           <p:cNvPicPr/>
           <p:nvPr/>
         </p:nvPicPr>
@@ -10149,7 +13237,7 @@
         <p:spPr>
           <a:xfrm>
             <a:off x="8117640" y="3315240"/>
-            <a:ext cx="4073760" cy="3063240"/>
+            <a:ext cx="4073400" cy="3062880"/>
           </a:xfrm>
           <a:prstGeom prst="rect">
             <a:avLst/>
@@ -10161,14 +13249,14 @@
       </p:pic>
       <p:sp>
         <p:nvSpPr>
-          <p:cNvPr id="105" name="TextBox 3"/>
+          <p:cNvPr id="146" name="TextBox 3"/>
           <p:cNvSpPr/>
           <p:nvPr/>
         </p:nvSpPr>
         <p:spPr>
           <a:xfrm>
             <a:off x="32760" y="6581160"/>
-            <a:ext cx="7863120" cy="272160"/>
+            <a:ext cx="7862760" cy="272160"/>
           </a:xfrm>
           <a:prstGeom prst="rect">
             <a:avLst/>
@@ -10245,7 +13333,7 @@
       </p:grpSpPr>
       <p:sp>
         <p:nvSpPr>
-          <p:cNvPr id="106" name="PlaceHolder 1"/>
+          <p:cNvPr id="147" name="PlaceHolder 1"/>
           <p:cNvSpPr>
             <a:spLocks noGrp="1"/>
           </p:cNvSpPr>
@@ -10256,7 +13344,7 @@
         <p:spPr>
           <a:xfrm>
             <a:off x="838080" y="365040"/>
-            <a:ext cx="10514880" cy="1324800"/>
+            <a:ext cx="10514520" cy="1324440"/>
           </a:xfrm>
           <a:prstGeom prst="rect">
             <a:avLst/>
@@ -10300,7 +13388,7 @@
       </p:sp>
       <p:sp>
         <p:nvSpPr>
-          <p:cNvPr id="107" name="PlaceHolder 2"/>
+          <p:cNvPr id="148" name="PlaceHolder 2"/>
           <p:cNvSpPr>
             <a:spLocks noGrp="1"/>
           </p:cNvSpPr>
@@ -10311,7 +13399,7 @@
         <p:spPr>
           <a:xfrm>
             <a:off x="838080" y="1825560"/>
-            <a:ext cx="10514880" cy="4350600"/>
+            <a:ext cx="10514520" cy="4350240"/>
           </a:xfrm>
           <a:prstGeom prst="rect">
             <a:avLst/>
@@ -10472,7 +13560,7 @@
       </p:sp>
       <p:pic>
         <p:nvPicPr>
-          <p:cNvPr id="108" name="Picture 4" descr="Measuring Performance: The Confusion Matrix – Glass Box"/>
+          <p:cNvPr id="149" name="Picture 4" descr="Measuring Performance: The Confusion Matrix – Glass Box"/>
           <p:cNvPicPr/>
           <p:nvPr/>
         </p:nvPicPr>
@@ -10483,7 +13571,7 @@
         <p:spPr>
           <a:xfrm>
             <a:off x="6269040" y="1306440"/>
-            <a:ext cx="5285880" cy="2972880"/>
+            <a:ext cx="5285520" cy="2972520"/>
           </a:xfrm>
           <a:prstGeom prst="rect">
             <a:avLst/>
@@ -10495,14 +13583,14 @@
       </p:pic>
       <p:sp>
         <p:nvSpPr>
-          <p:cNvPr id="109" name="TextBox 3"/>
+          <p:cNvPr id="150" name="TextBox 3"/>
           <p:cNvSpPr/>
           <p:nvPr/>
         </p:nvSpPr>
         <p:spPr>
           <a:xfrm>
             <a:off x="21960" y="6581160"/>
-            <a:ext cx="4979880" cy="272160"/>
+            <a:ext cx="4979520" cy="272160"/>
           </a:xfrm>
           <a:prstGeom prst="rect">
             <a:avLst/>
@@ -10549,7 +13637,7 @@
       </p:sp>
       <p:pic>
         <p:nvPicPr>
-          <p:cNvPr id="110" name="Picture 6" descr="4 things you need to know about AI: accuracy, precision, recall and F1  scores"/>
+          <p:cNvPr id="151" name="Picture 6" descr="4 things you need to know about AI: accuracy, precision, recall and F1  scores"/>
           <p:cNvPicPr/>
           <p:nvPr/>
         </p:nvPicPr>
@@ -10560,7 +13648,7 @@
         <p:spPr>
           <a:xfrm>
             <a:off x="6269040" y="4415400"/>
-            <a:ext cx="5922360" cy="1491480"/>
+            <a:ext cx="5922000" cy="1491120"/>
           </a:xfrm>
           <a:prstGeom prst="rect">
             <a:avLst/>
@@ -10994,6 +14082,209 @@
   <a:themeElements>
     <a:clrScheme name="Office">
       <a:dk1>
+        <a:srgbClr val="000000"/>
+      </a:dk1>
+      <a:lt1>
+        <a:srgbClr val="ffffff"/>
+      </a:lt1>
+      <a:dk2>
+        <a:srgbClr val="44546a"/>
+      </a:dk2>
+      <a:lt2>
+        <a:srgbClr val="e7e6e6"/>
+      </a:lt2>
+      <a:accent1>
+        <a:srgbClr val="4472c4"/>
+      </a:accent1>
+      <a:accent2>
+        <a:srgbClr val="ed7d31"/>
+      </a:accent2>
+      <a:accent3>
+        <a:srgbClr val="a5a5a5"/>
+      </a:accent3>
+      <a:accent4>
+        <a:srgbClr val="ffc000"/>
+      </a:accent4>
+      <a:accent5>
+        <a:srgbClr val="5b9bd5"/>
+      </a:accent5>
+      <a:accent6>
+        <a:srgbClr val="70ad47"/>
+      </a:accent6>
+      <a:hlink>
+        <a:srgbClr val="0563c1"/>
+      </a:hlink>
+      <a:folHlink>
+        <a:srgbClr val="954f72"/>
+      </a:folHlink>
+    </a:clrScheme>
+    <a:fontScheme name="Office">
+      <a:majorFont>
+        <a:latin typeface="Arial"/>
+        <a:ea typeface="DejaVu Sans"/>
+        <a:cs typeface="DejaVu Sans"/>
+      </a:majorFont>
+      <a:minorFont>
+        <a:latin typeface="Arial"/>
+        <a:ea typeface="DejaVu Sans"/>
+        <a:cs typeface="DejaVu Sans"/>
+      </a:minorFont>
+    </a:fontScheme>
+    <a:fmtScheme name="Office">
+      <a:fillStyleLst>
+        <a:solidFill>
+          <a:schemeClr val="phClr"/>
+        </a:solidFill>
+        <a:gradFill rotWithShape="1">
+          <a:gsLst>
+            <a:gs pos="0">
+              <a:schemeClr val="phClr">
+                <a:tint val="50000"/>
+                <a:satMod val="300000"/>
+              </a:schemeClr>
+            </a:gs>
+            <a:gs pos="35000">
+              <a:schemeClr val="phClr">
+                <a:tint val="37000"/>
+                <a:satMod val="300000"/>
+              </a:schemeClr>
+            </a:gs>
+            <a:gs pos="100000">
+              <a:schemeClr val="phClr">
+                <a:tint val="15000"/>
+                <a:satMod val="350000"/>
+              </a:schemeClr>
+            </a:gs>
+          </a:gsLst>
+          <a:lin ang="16200000" scaled="1"/>
+        </a:gradFill>
+        <a:gradFill rotWithShape="1">
+          <a:gsLst>
+            <a:gs pos="0">
+              <a:schemeClr val="phClr">
+                <a:shade val="51000"/>
+                <a:satMod val="130000"/>
+              </a:schemeClr>
+            </a:gs>
+            <a:gs pos="80000">
+              <a:schemeClr val="phClr">
+                <a:shade val="93000"/>
+                <a:satMod val="130000"/>
+              </a:schemeClr>
+            </a:gs>
+            <a:gs pos="100000">
+              <a:schemeClr val="phClr">
+                <a:shade val="94000"/>
+                <a:satMod val="135000"/>
+              </a:schemeClr>
+            </a:gs>
+          </a:gsLst>
+          <a:lin ang="16200000" scaled="0"/>
+        </a:gradFill>
+      </a:fillStyleLst>
+      <a:lnStyleLst>
+        <a:ln w="6350" cap="flat" cmpd="sng" algn="ctr">
+          <a:solidFill>
+            <a:schemeClr val="phClr">
+              <a:shade val="95000"/>
+              <a:satMod val="105000"/>
+            </a:schemeClr>
+          </a:solidFill>
+          <a:prstDash val="solid"/>
+          <a:miter/>
+        </a:ln>
+        <a:ln w="12700" cap="flat" cmpd="sng" algn="ctr">
+          <a:solidFill>
+            <a:schemeClr val="phClr"/>
+          </a:solidFill>
+          <a:prstDash val="solid"/>
+          <a:miter/>
+        </a:ln>
+        <a:ln w="19050" cap="flat" cmpd="sng" algn="ctr">
+          <a:solidFill>
+            <a:schemeClr val="phClr"/>
+          </a:solidFill>
+          <a:prstDash val="solid"/>
+          <a:miter/>
+        </a:ln>
+      </a:lnStyleLst>
+      <a:effectStyleLst>
+        <a:effectStyle>
+          <a:effectLst/>
+        </a:effectStyle>
+        <a:effectStyle>
+          <a:effectLst/>
+        </a:effectStyle>
+        <a:effectStyle>
+          <a:effectLst>
+            <a:outerShdw blurRad="40000" dist="23000" dir="5400000" rotWithShape="0">
+              <a:srgbClr val="000000">
+                <a:alpha val="35000"/>
+              </a:srgbClr>
+            </a:outerShdw>
+          </a:effectLst>
+        </a:effectStyle>
+      </a:effectStyleLst>
+      <a:bgFillStyleLst>
+        <a:solidFill>
+          <a:schemeClr val="phClr"/>
+        </a:solidFill>
+        <a:gradFill rotWithShape="1">
+          <a:gsLst>
+            <a:gs pos="0">
+              <a:schemeClr val="phClr">
+                <a:tint val="40000"/>
+                <a:satMod val="350000"/>
+              </a:schemeClr>
+            </a:gs>
+            <a:gs pos="40000">
+              <a:schemeClr val="phClr">
+                <a:tint val="45000"/>
+                <a:shade val="99000"/>
+                <a:satMod val="350000"/>
+              </a:schemeClr>
+            </a:gs>
+            <a:gs pos="100000">
+              <a:schemeClr val="phClr">
+                <a:shade val="20000"/>
+                <a:satMod val="255000"/>
+              </a:schemeClr>
+            </a:gs>
+          </a:gsLst>
+          <a:path path="circle">
+            <a:fillToRect l="50000" t="-80000" r="50000" b="180000"/>
+          </a:path>
+        </a:gradFill>
+        <a:gradFill rotWithShape="1">
+          <a:gsLst>
+            <a:gs pos="0">
+              <a:schemeClr val="phClr">
+                <a:tint val="80000"/>
+                <a:satMod val="300000"/>
+              </a:schemeClr>
+            </a:gs>
+            <a:gs pos="100000">
+              <a:schemeClr val="phClr">
+                <a:shade val="30000"/>
+                <a:satMod val="200000"/>
+              </a:schemeClr>
+            </a:gs>
+          </a:gsLst>
+          <a:path path="circle">
+            <a:fillToRect l="50000" t="50000" r="50000" b="50000"/>
+          </a:path>
+        </a:gradFill>
+      </a:bgFillStyleLst>
+    </a:fmtScheme>
+  </a:themeElements>
+</a:theme>
+</file>
+
+<file path=ppt/theme/theme4.xml><?xml version="1.0" encoding="utf-8"?>
+<a:theme xmlns:a="http://schemas.openxmlformats.org/drawingml/2006/main" name="Office Theme">
+  <a:themeElements>
+    <a:clrScheme name="Office">
+      <a:dk1>
         <a:sysClr val="windowText" lastClr="000000"/>
       </a:dk1>
       <a:lt1>
